--- a/git/1_basics/git_basic.pptx
+++ b/git/1_basics/git_basic.pptx
@@ -5,19 +5,21 @@
     <p:sldMasterId id="2147483648" r:id="rId1"/>
   </p:sldMasterIdLst>
   <p:notesMasterIdLst>
-    <p:notesMasterId r:id="rId12"/>
+    <p:notesMasterId r:id="rId14"/>
   </p:notesMasterIdLst>
   <p:sldIdLst>
     <p:sldId id="256" r:id="rId2"/>
     <p:sldId id="257" r:id="rId3"/>
     <p:sldId id="267" r:id="rId4"/>
-    <p:sldId id="268" r:id="rId5"/>
-    <p:sldId id="357" r:id="rId6"/>
-    <p:sldId id="258" r:id="rId7"/>
-    <p:sldId id="292" r:id="rId8"/>
-    <p:sldId id="266" r:id="rId9"/>
-    <p:sldId id="263" r:id="rId10"/>
-    <p:sldId id="332" r:id="rId11"/>
+    <p:sldId id="355" r:id="rId5"/>
+    <p:sldId id="358" r:id="rId6"/>
+    <p:sldId id="268" r:id="rId7"/>
+    <p:sldId id="357" r:id="rId8"/>
+    <p:sldId id="258" r:id="rId9"/>
+    <p:sldId id="292" r:id="rId10"/>
+    <p:sldId id="266" r:id="rId11"/>
+    <p:sldId id="263" r:id="rId12"/>
+    <p:sldId id="332" r:id="rId13"/>
   </p:sldIdLst>
   <p:sldSz cx="12192000" cy="6858000"/>
   <p:notesSz cx="6858000" cy="9144000"/>
@@ -206,7 +208,7 @@
           <a:p>
             <a:fld id="{3BADDCAA-88FC-44D4-A91A-DD0530AB88E0}" type="datetimeFigureOut">
               <a:rPr lang="en-NL" smtClean="0"/>
-              <a:t>11/10/2024</a:t>
+              <a:t>14/10/2024</a:t>
             </a:fld>
             <a:endParaRPr lang="en-NL"/>
           </a:p>
@@ -474,6 +476,214 @@
 </p:notesMaster>
 </file>
 
+<file path=ppt/notesSlides/notesSlide1.xml><?xml version="1.0" encoding="utf-8"?>
+<p:notes xmlns:a="http://schemas.openxmlformats.org/drawingml/2006/main" xmlns:r="http://schemas.openxmlformats.org/officeDocument/2006/relationships" xmlns:p="http://schemas.openxmlformats.org/presentationml/2006/main">
+  <p:cSld>
+    <p:spTree>
+      <p:nvGrpSpPr>
+        <p:cNvPr id="1" name=""/>
+        <p:cNvGrpSpPr/>
+        <p:nvPr/>
+      </p:nvGrpSpPr>
+      <p:grpSpPr>
+        <a:xfrm>
+          <a:off x="0" y="0"/>
+          <a:ext cx="0" cy="0"/>
+          <a:chOff x="0" y="0"/>
+          <a:chExt cx="0" cy="0"/>
+        </a:xfrm>
+      </p:grpSpPr>
+      <p:sp>
+        <p:nvSpPr>
+          <p:cNvPr id="2" name="Slide Image Placeholder 1"/>
+          <p:cNvSpPr>
+            <a:spLocks noGrp="1" noRot="1" noChangeAspect="1"/>
+          </p:cNvSpPr>
+          <p:nvPr>
+            <p:ph type="sldImg"/>
+          </p:nvPr>
+        </p:nvSpPr>
+        <p:spPr/>
+      </p:sp>
+      <p:sp>
+        <p:nvSpPr>
+          <p:cNvPr id="3" name="Notes Placeholder 2"/>
+          <p:cNvSpPr>
+            <a:spLocks noGrp="1"/>
+          </p:cNvSpPr>
+          <p:nvPr>
+            <p:ph type="body" idx="1"/>
+          </p:nvPr>
+        </p:nvSpPr>
+        <p:spPr/>
+        <p:txBody>
+          <a:bodyPr/>
+          <a:lstStyle/>
+          <a:p>
+            <a:r>
+              <a:rPr lang="en-US" dirty="0" err="1"/>
+              <a:t>Naar</a:t>
+            </a:r>
+            <a:r>
+              <a:rPr lang="en-US" dirty="0"/>
+              <a:t> </a:t>
+            </a:r>
+            <a:r>
+              <a:rPr lang="en-US" dirty="0" err="1"/>
+              <a:t>mkdocs</a:t>
+            </a:r>
+            <a:r>
+              <a:rPr lang="en-US" dirty="0"/>
+              <a:t> </a:t>
+            </a:r>
+            <a:r>
+              <a:rPr lang="en-US" dirty="0" err="1"/>
+              <a:t>voorbeeld</a:t>
+            </a:r>
+            <a:endParaRPr lang="nl-NL" dirty="0"/>
+          </a:p>
+        </p:txBody>
+      </p:sp>
+      <p:sp>
+        <p:nvSpPr>
+          <p:cNvPr id="4" name="Slide Number Placeholder 3"/>
+          <p:cNvSpPr>
+            <a:spLocks noGrp="1"/>
+          </p:cNvSpPr>
+          <p:nvPr>
+            <p:ph type="sldNum" sz="quarter" idx="5"/>
+          </p:nvPr>
+        </p:nvSpPr>
+        <p:spPr/>
+        <p:txBody>
+          <a:bodyPr/>
+          <a:lstStyle/>
+          <a:p>
+            <a:fld id="{9583DEA5-E342-4DB2-B087-D0B9C490B19E}" type="slidenum">
+              <a:rPr lang="nl-NL" smtClean="0"/>
+              <a:t>4</a:t>
+            </a:fld>
+            <a:endParaRPr lang="nl-NL"/>
+          </a:p>
+        </p:txBody>
+      </p:sp>
+    </p:spTree>
+    <p:extLst>
+      <p:ext uri="{BB962C8B-B14F-4D97-AF65-F5344CB8AC3E}">
+        <p14:creationId xmlns:p14="http://schemas.microsoft.com/office/powerpoint/2010/main" val="3002235451"/>
+      </p:ext>
+    </p:extLst>
+  </p:cSld>
+  <p:clrMapOvr>
+    <a:masterClrMapping/>
+  </p:clrMapOvr>
+</p:notes>
+</file>
+
+<file path=ppt/notesSlides/notesSlide2.xml><?xml version="1.0" encoding="utf-8"?>
+<p:notes xmlns:a="http://schemas.openxmlformats.org/drawingml/2006/main" xmlns:r="http://schemas.openxmlformats.org/officeDocument/2006/relationships" xmlns:p="http://schemas.openxmlformats.org/presentationml/2006/main">
+  <p:cSld>
+    <p:spTree>
+      <p:nvGrpSpPr>
+        <p:cNvPr id="1" name=""/>
+        <p:cNvGrpSpPr/>
+        <p:nvPr/>
+      </p:nvGrpSpPr>
+      <p:grpSpPr>
+        <a:xfrm>
+          <a:off x="0" y="0"/>
+          <a:ext cx="0" cy="0"/>
+          <a:chOff x="0" y="0"/>
+          <a:chExt cx="0" cy="0"/>
+        </a:xfrm>
+      </p:grpSpPr>
+      <p:sp>
+        <p:nvSpPr>
+          <p:cNvPr id="2" name="Slide Image Placeholder 1"/>
+          <p:cNvSpPr>
+            <a:spLocks noGrp="1" noRot="1" noChangeAspect="1"/>
+          </p:cNvSpPr>
+          <p:nvPr>
+            <p:ph type="sldImg"/>
+          </p:nvPr>
+        </p:nvSpPr>
+        <p:spPr/>
+      </p:sp>
+      <p:sp>
+        <p:nvSpPr>
+          <p:cNvPr id="3" name="Notes Placeholder 2"/>
+          <p:cNvSpPr>
+            <a:spLocks noGrp="1"/>
+          </p:cNvSpPr>
+          <p:nvPr>
+            <p:ph type="body" idx="1"/>
+          </p:nvPr>
+        </p:nvSpPr>
+        <p:spPr/>
+        <p:txBody>
+          <a:bodyPr/>
+          <a:lstStyle/>
+          <a:p>
+            <a:r>
+              <a:rPr lang="en-US" dirty="0" err="1"/>
+              <a:t>Naar</a:t>
+            </a:r>
+            <a:r>
+              <a:rPr lang="en-US" dirty="0"/>
+              <a:t> </a:t>
+            </a:r>
+            <a:r>
+              <a:rPr lang="en-US" dirty="0" err="1"/>
+              <a:t>mkdocs</a:t>
+            </a:r>
+            <a:r>
+              <a:rPr lang="en-US" dirty="0"/>
+              <a:t> </a:t>
+            </a:r>
+            <a:r>
+              <a:rPr lang="en-US" dirty="0" err="1"/>
+              <a:t>voorbeeld</a:t>
+            </a:r>
+            <a:endParaRPr lang="nl-NL" dirty="0"/>
+          </a:p>
+        </p:txBody>
+      </p:sp>
+      <p:sp>
+        <p:nvSpPr>
+          <p:cNvPr id="4" name="Slide Number Placeholder 3"/>
+          <p:cNvSpPr>
+            <a:spLocks noGrp="1"/>
+          </p:cNvSpPr>
+          <p:nvPr>
+            <p:ph type="sldNum" sz="quarter" idx="5"/>
+          </p:nvPr>
+        </p:nvSpPr>
+        <p:spPr/>
+        <p:txBody>
+          <a:bodyPr/>
+          <a:lstStyle/>
+          <a:p>
+            <a:fld id="{9583DEA5-E342-4DB2-B087-D0B9C490B19E}" type="slidenum">
+              <a:rPr lang="nl-NL" smtClean="0"/>
+              <a:t>5</a:t>
+            </a:fld>
+            <a:endParaRPr lang="nl-NL"/>
+          </a:p>
+        </p:txBody>
+      </p:sp>
+    </p:spTree>
+    <p:extLst>
+      <p:ext uri="{BB962C8B-B14F-4D97-AF65-F5344CB8AC3E}">
+        <p14:creationId xmlns:p14="http://schemas.microsoft.com/office/powerpoint/2010/main" val="2093983083"/>
+      </p:ext>
+    </p:extLst>
+  </p:cSld>
+  <p:clrMapOvr>
+    <a:masterClrMapping/>
+  </p:clrMapOvr>
+</p:notes>
+</file>
+
 <file path=ppt/slideLayouts/slideLayout1.xml><?xml version="1.0" encoding="utf-8"?>
 <p:sldLayout xmlns:a="http://schemas.openxmlformats.org/drawingml/2006/main" xmlns:r="http://schemas.openxmlformats.org/officeDocument/2006/relationships" xmlns:p="http://schemas.openxmlformats.org/presentationml/2006/main" type="title" preserve="1">
   <p:cSld name="Title Slide">
@@ -623,7 +833,7 @@
           <a:p>
             <a:fld id="{0EBB069A-003F-4FC0-8534-236B0C5C7B5F}" type="datetimeFigureOut">
               <a:rPr lang="en-NL" smtClean="0"/>
-              <a:t>11/10/2024</a:t>
+              <a:t>14/10/2024</a:t>
             </a:fld>
             <a:endParaRPr lang="en-NL"/>
           </a:p>
@@ -823,7 +1033,7 @@
           <a:p>
             <a:fld id="{0EBB069A-003F-4FC0-8534-236B0C5C7B5F}" type="datetimeFigureOut">
               <a:rPr lang="en-NL" smtClean="0"/>
-              <a:t>11/10/2024</a:t>
+              <a:t>14/10/2024</a:t>
             </a:fld>
             <a:endParaRPr lang="en-NL"/>
           </a:p>
@@ -1033,7 +1243,7 @@
           <a:p>
             <a:fld id="{0EBB069A-003F-4FC0-8534-236B0C5C7B5F}" type="datetimeFigureOut">
               <a:rPr lang="en-NL" smtClean="0"/>
-              <a:t>11/10/2024</a:t>
+              <a:t>14/10/2024</a:t>
             </a:fld>
             <a:endParaRPr lang="en-NL"/>
           </a:p>
@@ -1233,7 +1443,7 @@
           <a:p>
             <a:fld id="{0EBB069A-003F-4FC0-8534-236B0C5C7B5F}" type="datetimeFigureOut">
               <a:rPr lang="en-NL" smtClean="0"/>
-              <a:t>11/10/2024</a:t>
+              <a:t>14/10/2024</a:t>
             </a:fld>
             <a:endParaRPr lang="en-NL"/>
           </a:p>
@@ -1509,7 +1719,7 @@
           <a:p>
             <a:fld id="{0EBB069A-003F-4FC0-8534-236B0C5C7B5F}" type="datetimeFigureOut">
               <a:rPr lang="en-NL" smtClean="0"/>
-              <a:t>11/10/2024</a:t>
+              <a:t>14/10/2024</a:t>
             </a:fld>
             <a:endParaRPr lang="en-NL"/>
           </a:p>
@@ -1777,7 +1987,7 @@
           <a:p>
             <a:fld id="{0EBB069A-003F-4FC0-8534-236B0C5C7B5F}" type="datetimeFigureOut">
               <a:rPr lang="en-NL" smtClean="0"/>
-              <a:t>11/10/2024</a:t>
+              <a:t>14/10/2024</a:t>
             </a:fld>
             <a:endParaRPr lang="en-NL"/>
           </a:p>
@@ -2192,7 +2402,7 @@
           <a:p>
             <a:fld id="{0EBB069A-003F-4FC0-8534-236B0C5C7B5F}" type="datetimeFigureOut">
               <a:rPr lang="en-NL" smtClean="0"/>
-              <a:t>11/10/2024</a:t>
+              <a:t>14/10/2024</a:t>
             </a:fld>
             <a:endParaRPr lang="en-NL"/>
           </a:p>
@@ -2334,7 +2544,7 @@
           <a:p>
             <a:fld id="{0EBB069A-003F-4FC0-8534-236B0C5C7B5F}" type="datetimeFigureOut">
               <a:rPr lang="en-NL" smtClean="0"/>
-              <a:t>11/10/2024</a:t>
+              <a:t>14/10/2024</a:t>
             </a:fld>
             <a:endParaRPr lang="en-NL"/>
           </a:p>
@@ -2447,7 +2657,7 @@
           <a:p>
             <a:fld id="{0EBB069A-003F-4FC0-8534-236B0C5C7B5F}" type="datetimeFigureOut">
               <a:rPr lang="en-NL" smtClean="0"/>
-              <a:t>11/10/2024</a:t>
+              <a:t>14/10/2024</a:t>
             </a:fld>
             <a:endParaRPr lang="en-NL"/>
           </a:p>
@@ -2760,7 +2970,7 @@
           <a:p>
             <a:fld id="{0EBB069A-003F-4FC0-8534-236B0C5C7B5F}" type="datetimeFigureOut">
               <a:rPr lang="en-NL" smtClean="0"/>
-              <a:t>11/10/2024</a:t>
+              <a:t>14/10/2024</a:t>
             </a:fld>
             <a:endParaRPr lang="en-NL"/>
           </a:p>
@@ -3049,7 +3259,7 @@
           <a:p>
             <a:fld id="{0EBB069A-003F-4FC0-8534-236B0C5C7B5F}" type="datetimeFigureOut">
               <a:rPr lang="en-NL" smtClean="0"/>
-              <a:t>11/10/2024</a:t>
+              <a:t>14/10/2024</a:t>
             </a:fld>
             <a:endParaRPr lang="en-NL"/>
           </a:p>
@@ -3292,7 +3502,7 @@
           <a:p>
             <a:fld id="{0EBB069A-003F-4FC0-8534-236B0C5C7B5F}" type="datetimeFigureOut">
               <a:rPr lang="en-NL" smtClean="0"/>
-              <a:t>11/10/2024</a:t>
+              <a:t>14/10/2024</a:t>
             </a:fld>
             <a:endParaRPr lang="en-NL"/>
           </a:p>
@@ -3826,7 +4036,7 @@
           <a:p>
             <a:r>
               <a:rPr lang="nl-NL" sz="3600" noProof="0" dirty="0"/>
-              <a:t>Oefeningen IV</a:t>
+              <a:t>Keuze voor IDE</a:t>
             </a:r>
           </a:p>
         </p:txBody>
@@ -3849,8 +4059,8 @@
         </p:nvSpPr>
         <p:spPr>
           <a:xfrm>
-            <a:off x="838200" y="1456267"/>
-            <a:ext cx="10375900" cy="4720696"/>
+            <a:off x="838198" y="1456267"/>
+            <a:ext cx="4715935" cy="4720696"/>
           </a:xfrm>
         </p:spPr>
         <p:txBody>
@@ -3859,1044 +4069,104 @@
           </a:bodyPr>
           <a:lstStyle/>
           <a:p>
-            <a:pPr marL="457200" indent="-457200">
-              <a:buFont typeface="Arial" panose="020B0604020202020204" pitchFamily="34" charset="0"/>
-              <a:buAutoNum type="arabicPeriod"/>
+            <a:pPr marL="0" indent="0">
+              <a:buNone/>
             </a:pPr>
             <a:r>
-              <a:rPr lang="nl-NL" sz="2000" dirty="0"/>
-              <a:t>Open Notebook </a:t>
-            </a:r>
-            <a:r>
-              <a:rPr lang="nl-NL" sz="2000" dirty="0" err="1">
-                <a:latin typeface="Courier New" panose="02070309020205020404" pitchFamily="49" charset="0"/>
-                <a:cs typeface="Courier New" panose="02070309020205020404" pitchFamily="49" charset="0"/>
-              </a:rPr>
-              <a:t>exercises</a:t>
-            </a:r>
-            <a:r>
-              <a:rPr lang="nl-NL" sz="2000" dirty="0">
-                <a:latin typeface="Courier New" panose="02070309020205020404" pitchFamily="49" charset="0"/>
-                <a:cs typeface="Courier New" panose="02070309020205020404" pitchFamily="49" charset="0"/>
-              </a:rPr>
-              <a:t>/4_fuzzy_dict.ipynb</a:t>
-            </a:r>
-          </a:p>
-          <a:p>
-            <a:pPr marL="457200" indent="-457200">
-              <a:buFont typeface="Arial" panose="020B0604020202020204" pitchFamily="34" charset="0"/>
-              <a:buAutoNum type="arabicPeriod"/>
+              <a:rPr lang="nl-NL" sz="2000" b="1" noProof="0" dirty="0" err="1"/>
+              <a:t>Jupyter</a:t>
+            </a:r>
+            <a:r>
+              <a:rPr lang="nl-NL" sz="2000" b="1" noProof="0" dirty="0"/>
+              <a:t> Notebook</a:t>
+            </a:r>
+          </a:p>
+          <a:p>
+            <a:pPr marL="0" indent="0">
+              <a:buNone/>
             </a:pPr>
-            <a:endParaRPr lang="nl-NL" sz="2000" dirty="0"/>
-          </a:p>
-          <a:p>
-            <a:pPr marL="457200" indent="-457200">
-              <a:buFont typeface="Arial" panose="020B0604020202020204" pitchFamily="34" charset="0"/>
-              <a:buAutoNum type="arabicPeriod"/>
+            <a:endParaRPr lang="nl-NL" sz="2000" noProof="0" dirty="0"/>
+          </a:p>
+          <a:p>
+            <a:pPr marL="0" indent="0">
+              <a:buNone/>
             </a:pPr>
             <a:r>
-              <a:rPr lang="nl-NL" sz="2000" dirty="0" err="1">
-                <a:latin typeface="Courier New" panose="02070309020205020404" pitchFamily="49" charset="0"/>
-                <a:cs typeface="Courier New" panose="02070309020205020404" pitchFamily="49" charset="0"/>
-              </a:rPr>
-              <a:t>FuzzyDict</a:t>
-            </a:r>
-            <a:r>
-              <a:rPr lang="nl-NL" sz="2000" dirty="0">
-                <a:latin typeface="Courier New" panose="02070309020205020404" pitchFamily="49" charset="0"/>
-                <a:cs typeface="Courier New" panose="02070309020205020404" pitchFamily="49" charset="0"/>
-              </a:rPr>
-              <a:t>;</a:t>
-            </a:r>
-            <a:r>
-              <a:rPr lang="nl-NL" sz="2000" dirty="0"/>
-              <a:t> </a:t>
-            </a:r>
-            <a:r>
-              <a:rPr lang="nl-NL" sz="2000" dirty="0" err="1"/>
-              <a:t>dict</a:t>
-            </a:r>
-            <a:r>
-              <a:rPr lang="nl-NL" sz="2000" dirty="0"/>
-              <a:t> dat niet hoofdlettergevoelig is:</a:t>
-            </a:r>
-          </a:p>
-          <a:p>
-            <a:pPr lvl="1"/>
-            <a:r>
-              <a:rPr lang="nl-NL" sz="2000" dirty="0" err="1">
-                <a:latin typeface="Courier New" panose="02070309020205020404" pitchFamily="49" charset="0"/>
-                <a:cs typeface="Courier New" panose="02070309020205020404" pitchFamily="49" charset="0"/>
-              </a:rPr>
-              <a:t>fuzzydict</a:t>
-            </a:r>
-            <a:r>
-              <a:rPr lang="nl-NL" sz="2000" dirty="0">
-                <a:latin typeface="Courier New" panose="02070309020205020404" pitchFamily="49" charset="0"/>
-                <a:cs typeface="Courier New" panose="02070309020205020404" pitchFamily="49" charset="0"/>
-              </a:rPr>
-              <a:t>[</a:t>
-            </a:r>
-            <a:r>
-              <a:rPr lang="nl-NL" sz="2000" dirty="0">
-                <a:solidFill>
-                  <a:schemeClr val="accent2">
-                    <a:lumMod val="75000"/>
-                  </a:schemeClr>
-                </a:solidFill>
-                <a:latin typeface="Courier New" panose="02070309020205020404" pitchFamily="49" charset="0"/>
-                <a:cs typeface="Courier New" panose="02070309020205020404" pitchFamily="49" charset="0"/>
-              </a:rPr>
-              <a:t>"NAAM"</a:t>
-            </a:r>
-            <a:r>
-              <a:rPr lang="nl-NL" sz="2000" dirty="0">
-                <a:latin typeface="Courier New" panose="02070309020205020404" pitchFamily="49" charset="0"/>
-                <a:cs typeface="Courier New" panose="02070309020205020404" pitchFamily="49" charset="0"/>
-              </a:rPr>
-              <a:t>]</a:t>
-            </a:r>
-            <a:r>
-              <a:rPr lang="nl-NL" sz="2000" dirty="0"/>
-              <a:t> is gelijk aan </a:t>
-            </a:r>
-            <a:r>
-              <a:rPr lang="nl-NL" sz="2000" dirty="0" err="1">
-                <a:latin typeface="Courier New" panose="02070309020205020404" pitchFamily="49" charset="0"/>
-                <a:cs typeface="Courier New" panose="02070309020205020404" pitchFamily="49" charset="0"/>
-              </a:rPr>
-              <a:t>fuzzydict</a:t>
-            </a:r>
-            <a:r>
-              <a:rPr lang="nl-NL" sz="2000" dirty="0">
-                <a:latin typeface="Courier New" panose="02070309020205020404" pitchFamily="49" charset="0"/>
-                <a:cs typeface="Courier New" panose="02070309020205020404" pitchFamily="49" charset="0"/>
-              </a:rPr>
-              <a:t>[</a:t>
-            </a:r>
-            <a:r>
-              <a:rPr lang="nl-NL" sz="2000" dirty="0">
-                <a:solidFill>
-                  <a:schemeClr val="accent2">
-                    <a:lumMod val="75000"/>
-                  </a:schemeClr>
-                </a:solidFill>
-                <a:latin typeface="Courier New" panose="02070309020205020404" pitchFamily="49" charset="0"/>
-                <a:cs typeface="Courier New" panose="02070309020205020404" pitchFamily="49" charset="0"/>
-              </a:rPr>
-              <a:t>"naam"</a:t>
-            </a:r>
-            <a:r>
-              <a:rPr lang="nl-NL" sz="2000" dirty="0">
-                <a:latin typeface="Courier New" panose="02070309020205020404" pitchFamily="49" charset="0"/>
-                <a:cs typeface="Courier New" panose="02070309020205020404" pitchFamily="49" charset="0"/>
-              </a:rPr>
-              <a:t>]</a:t>
-            </a:r>
-            <a:r>
-              <a:rPr lang="nl-NL" sz="2000" dirty="0">
-                <a:cs typeface="Courier New" panose="02070309020205020404" pitchFamily="49" charset="0"/>
-              </a:rPr>
-              <a:t>.</a:t>
-            </a:r>
-            <a:endParaRPr lang="nl-NL" sz="2000" dirty="0"/>
-          </a:p>
-          <a:p>
-            <a:pPr lvl="1"/>
-            <a:r>
-              <a:rPr lang="nl-NL" sz="2000" dirty="0">
-                <a:cs typeface="Courier New" panose="02070309020205020404" pitchFamily="49" charset="0"/>
-              </a:rPr>
-              <a:t>Zowel bij ophalen als wegschrijven van waardes.</a:t>
-            </a:r>
-            <a:endParaRPr lang="nl-NL" sz="2000" dirty="0"/>
-          </a:p>
-          <a:p>
-            <a:pPr marL="457200" indent="-457200">
-              <a:buFont typeface="Arial" panose="020B0604020202020204" pitchFamily="34" charset="0"/>
-              <a:buAutoNum type="arabicPeriod"/>
+              <a:rPr lang="nl-NL" sz="2000" noProof="0" dirty="0"/>
+              <a:t>+    Goed voor exploratief werken.</a:t>
+            </a:r>
+          </a:p>
+          <a:p>
+            <a:pPr marL="0" indent="0">
+              <a:buNone/>
             </a:pPr>
-            <a:endParaRPr lang="nl-NL" sz="2000" dirty="0"/>
-          </a:p>
-          <a:p>
-            <a:pPr marL="457200" indent="-457200">
-              <a:buFont typeface="Arial" panose="020B0604020202020204" pitchFamily="34" charset="0"/>
-              <a:buAutoNum type="arabicPeriod"/>
+            <a:endParaRPr lang="nl-NL" sz="2000" noProof="0" dirty="0"/>
+          </a:p>
+          <a:p>
+            <a:pPr marL="0" indent="0">
+              <a:buNone/>
             </a:pPr>
             <a:r>
-              <a:rPr lang="nl-NL" sz="2000" dirty="0"/>
-              <a:t>Gebruik:</a:t>
+              <a:rPr lang="nl-NL" sz="2000" noProof="0" dirty="0"/>
+              <a:t>+    Goed voor demo’s, directe feedback.</a:t>
             </a:r>
           </a:p>
           <a:p>
             <a:pPr marL="0" indent="0">
               <a:buNone/>
             </a:pPr>
-            <a:r>
-              <a:rPr lang="nl-NL" sz="2000" dirty="0">
-                <a:latin typeface="Courier New" panose="02070309020205020404" pitchFamily="49" charset="0"/>
-                <a:cs typeface="Courier New" panose="02070309020205020404" pitchFamily="49" charset="0"/>
-              </a:rPr>
-              <a:t>   __</a:t>
-            </a:r>
-            <a:r>
-              <a:rPr lang="nl-NL" sz="2000" dirty="0" err="1">
-                <a:latin typeface="Courier New" panose="02070309020205020404" pitchFamily="49" charset="0"/>
-                <a:cs typeface="Courier New" panose="02070309020205020404" pitchFamily="49" charset="0"/>
-              </a:rPr>
-              <a:t>getitem</a:t>
-            </a:r>
-            <a:r>
-              <a:rPr lang="nl-NL" sz="2000" dirty="0">
-                <a:latin typeface="Courier New" panose="02070309020205020404" pitchFamily="49" charset="0"/>
-                <a:cs typeface="Courier New" panose="02070309020205020404" pitchFamily="49" charset="0"/>
-              </a:rPr>
-              <a:t>__</a:t>
-            </a:r>
-            <a:r>
-              <a:rPr lang="nl-NL" sz="2000" dirty="0"/>
-              <a:t> om waardes op te halen.</a:t>
-            </a:r>
+            <a:endParaRPr lang="nl-NL" sz="2000" noProof="0" dirty="0"/>
           </a:p>
           <a:p>
             <a:pPr marL="0" indent="0">
               <a:buNone/>
             </a:pPr>
             <a:r>
-              <a:rPr lang="nl-NL" sz="2000" dirty="0">
-                <a:latin typeface="Courier New" panose="02070309020205020404" pitchFamily="49" charset="0"/>
-                <a:cs typeface="Courier New" panose="02070309020205020404" pitchFamily="49" charset="0"/>
-              </a:rPr>
-              <a:t>   __</a:t>
-            </a:r>
-            <a:r>
-              <a:rPr lang="nl-NL" sz="2000" dirty="0" err="1">
-                <a:latin typeface="Courier New" panose="02070309020205020404" pitchFamily="49" charset="0"/>
-                <a:cs typeface="Courier New" panose="02070309020205020404" pitchFamily="49" charset="0"/>
-              </a:rPr>
-              <a:t>setitem</a:t>
-            </a:r>
-            <a:r>
-              <a:rPr lang="nl-NL" sz="2000" dirty="0">
-                <a:latin typeface="Courier New" panose="02070309020205020404" pitchFamily="49" charset="0"/>
-                <a:cs typeface="Courier New" panose="02070309020205020404" pitchFamily="49" charset="0"/>
-              </a:rPr>
-              <a:t>__</a:t>
-            </a:r>
-            <a:r>
-              <a:rPr lang="nl-NL" sz="2000" dirty="0"/>
-              <a:t> om waardes op te slaan.</a:t>
+              <a:rPr lang="nl-NL" sz="2000" noProof="0" dirty="0"/>
+              <a:t>-     Qua functionaliteit vrij beperkt.</a:t>
             </a:r>
           </a:p>
           <a:p>
             <a:pPr marL="0" indent="0">
               <a:buNone/>
             </a:pPr>
-            <a:endParaRPr lang="nl-NL" sz="2000" dirty="0"/>
-          </a:p>
-          <a:p>
-            <a:pPr marL="457200" indent="-457200">
-              <a:buAutoNum type="arabicPeriod" startAt="4"/>
+            <a:endParaRPr lang="nl-NL" sz="2000" noProof="0" dirty="0"/>
+          </a:p>
+          <a:p>
+            <a:pPr marL="0" indent="0">
+              <a:buNone/>
             </a:pPr>
             <a:r>
-              <a:rPr lang="nl-NL" sz="2000" dirty="0"/>
-              <a:t>Bonus voor implementeren van methodes:</a:t>
+              <a:rPr lang="nl-NL" sz="2000" noProof="0" dirty="0"/>
+              <a:t>-    Foutgevoelig, snel onoverzichtelijk.</a:t>
             </a:r>
           </a:p>
           <a:p>
             <a:pPr marL="0" indent="0">
               <a:buNone/>
             </a:pPr>
-            <a:r>
-              <a:rPr lang="nl-NL" sz="2000" dirty="0">
-                <a:latin typeface="Courier New" panose="02070309020205020404" pitchFamily="49" charset="0"/>
-                <a:cs typeface="Courier New" panose="02070309020205020404" pitchFamily="49" charset="0"/>
-              </a:rPr>
-              <a:t>   __</a:t>
-            </a:r>
-            <a:r>
-              <a:rPr lang="nl-NL" sz="2000" dirty="0" err="1">
-                <a:latin typeface="Courier New" panose="02070309020205020404" pitchFamily="49" charset="0"/>
-                <a:cs typeface="Courier New" panose="02070309020205020404" pitchFamily="49" charset="0"/>
-              </a:rPr>
-              <a:t>str</a:t>
-            </a:r>
-            <a:r>
-              <a:rPr lang="nl-NL" sz="2000" dirty="0">
-                <a:latin typeface="Courier New" panose="02070309020205020404" pitchFamily="49" charset="0"/>
-                <a:cs typeface="Courier New" panose="02070309020205020404" pitchFamily="49" charset="0"/>
-              </a:rPr>
-              <a:t>__, __</a:t>
-            </a:r>
-            <a:r>
-              <a:rPr lang="nl-NL" sz="2000" dirty="0" err="1">
-                <a:latin typeface="Courier New" panose="02070309020205020404" pitchFamily="49" charset="0"/>
-                <a:cs typeface="Courier New" panose="02070309020205020404" pitchFamily="49" charset="0"/>
-              </a:rPr>
-              <a:t>repr</a:t>
-            </a:r>
-            <a:r>
-              <a:rPr lang="nl-NL" sz="2000" dirty="0">
-                <a:latin typeface="Courier New" panose="02070309020205020404" pitchFamily="49" charset="0"/>
-                <a:cs typeface="Courier New" panose="02070309020205020404" pitchFamily="49" charset="0"/>
-              </a:rPr>
-              <a:t>__, __</a:t>
-            </a:r>
-            <a:r>
-              <a:rPr lang="nl-NL" sz="2000" dirty="0" err="1">
-                <a:latin typeface="Courier New" panose="02070309020205020404" pitchFamily="49" charset="0"/>
-                <a:cs typeface="Courier New" panose="02070309020205020404" pitchFamily="49" charset="0"/>
-              </a:rPr>
-              <a:t>len</a:t>
-            </a:r>
-            <a:r>
-              <a:rPr lang="nl-NL" sz="2000" dirty="0">
-                <a:latin typeface="Courier New" panose="02070309020205020404" pitchFamily="49" charset="0"/>
-                <a:cs typeface="Courier New" panose="02070309020205020404" pitchFamily="49" charset="0"/>
-              </a:rPr>
-              <a:t>__, </a:t>
-            </a:r>
-            <a:r>
-              <a:rPr lang="nl-NL" sz="2000" dirty="0" err="1">
-                <a:latin typeface="Courier New" panose="02070309020205020404" pitchFamily="49" charset="0"/>
-                <a:cs typeface="Courier New" panose="02070309020205020404" pitchFamily="49" charset="0"/>
-              </a:rPr>
-              <a:t>keys</a:t>
-            </a:r>
-            <a:r>
-              <a:rPr lang="nl-NL" sz="2000" dirty="0">
-                <a:latin typeface="Courier New" panose="02070309020205020404" pitchFamily="49" charset="0"/>
-                <a:cs typeface="Courier New" panose="02070309020205020404" pitchFamily="49" charset="0"/>
-              </a:rPr>
-              <a:t>, </a:t>
-            </a:r>
-            <a:r>
-              <a:rPr lang="nl-NL" sz="2000" dirty="0" err="1">
-                <a:latin typeface="Courier New" panose="02070309020205020404" pitchFamily="49" charset="0"/>
-                <a:cs typeface="Courier New" panose="02070309020205020404" pitchFamily="49" charset="0"/>
-              </a:rPr>
-              <a:t>values</a:t>
-            </a:r>
-            <a:r>
-              <a:rPr lang="nl-NL" sz="2000" dirty="0">
-                <a:latin typeface="Courier New" panose="02070309020205020404" pitchFamily="49" charset="0"/>
-                <a:cs typeface="Courier New" panose="02070309020205020404" pitchFamily="49" charset="0"/>
-              </a:rPr>
-              <a:t>, items</a:t>
-            </a:r>
-          </a:p>
-        </p:txBody>
-      </p:sp>
-    </p:spTree>
-    <p:extLst>
-      <p:ext uri="{BB962C8B-B14F-4D97-AF65-F5344CB8AC3E}">
-        <p14:creationId xmlns:p14="http://schemas.microsoft.com/office/powerpoint/2010/main" val="4287688984"/>
-      </p:ext>
-    </p:extLst>
-  </p:cSld>
-  <p:clrMapOvr>
-    <a:masterClrMapping/>
-  </p:clrMapOvr>
-</p:sld>
-</file>
-
-<file path=ppt/slides/slide2.xml><?xml version="1.0" encoding="utf-8"?>
-<p:sld xmlns:a="http://schemas.openxmlformats.org/drawingml/2006/main" xmlns:r="http://schemas.openxmlformats.org/officeDocument/2006/relationships" xmlns:p="http://schemas.openxmlformats.org/presentationml/2006/main">
-  <p:cSld>
-    <p:spTree>
-      <p:nvGrpSpPr>
-        <p:cNvPr id="1" name=""/>
-        <p:cNvGrpSpPr/>
-        <p:nvPr/>
-      </p:nvGrpSpPr>
-      <p:grpSpPr>
-        <a:xfrm>
-          <a:off x="0" y="0"/>
-          <a:ext cx="0" cy="0"/>
-          <a:chOff x="0" y="0"/>
-          <a:chExt cx="0" cy="0"/>
-        </a:xfrm>
-      </p:grpSpPr>
-      <p:sp>
-        <p:nvSpPr>
-          <p:cNvPr id="2" name="Title 1">
-            <a:extLst>
-              <a:ext uri="{FF2B5EF4-FFF2-40B4-BE49-F238E27FC236}">
-                <a16:creationId xmlns:a16="http://schemas.microsoft.com/office/drawing/2014/main" id="{39A1D606-8DD1-369C-5C09-471CDD551AD5}"/>
-              </a:ext>
-            </a:extLst>
-          </p:cNvPr>
-          <p:cNvSpPr>
-            <a:spLocks noGrp="1"/>
-          </p:cNvSpPr>
-          <p:nvPr>
-            <p:ph type="title"/>
-          </p:nvPr>
+            <a:endParaRPr lang="nl-NL" sz="2000" noProof="0" dirty="0"/>
+          </a:p>
+        </p:txBody>
+      </p:sp>
+      <p:sp>
+        <p:nvSpPr>
+          <p:cNvPr id="4" name="Content Placeholder 2">
+            <a:extLst>
+              <a:ext uri="{FF2B5EF4-FFF2-40B4-BE49-F238E27FC236}">
+                <a16:creationId xmlns:a16="http://schemas.microsoft.com/office/drawing/2014/main" id="{4A6E87A0-1070-48CA-27A1-259B2400F9C1}"/>
+              </a:ext>
+            </a:extLst>
+          </p:cNvPr>
+          <p:cNvSpPr txBox="1">
+            <a:spLocks/>
+          </p:cNvSpPr>
+          <p:nvPr/>
         </p:nvSpPr>
         <p:spPr>
           <a:xfrm>
-            <a:off x="838200" y="365126"/>
-            <a:ext cx="10515600" cy="718608"/>
-          </a:xfrm>
-        </p:spPr>
-        <p:txBody>
-          <a:bodyPr>
-            <a:normAutofit/>
-          </a:bodyPr>
-          <a:lstStyle/>
-          <a:p>
-            <a:r>
-              <a:rPr lang="nl-NL" sz="3600" noProof="0" dirty="0"/>
-              <a:t>Agenda</a:t>
-            </a:r>
-          </a:p>
-        </p:txBody>
-      </p:sp>
-      <p:sp>
-        <p:nvSpPr>
-          <p:cNvPr id="3" name="Content Placeholder 2">
-            <a:extLst>
-              <a:ext uri="{FF2B5EF4-FFF2-40B4-BE49-F238E27FC236}">
-                <a16:creationId xmlns:a16="http://schemas.microsoft.com/office/drawing/2014/main" id="{F4C2D286-E049-0AAB-1360-B7157E11AD7E}"/>
-              </a:ext>
-            </a:extLst>
-          </p:cNvPr>
-          <p:cNvSpPr>
-            <a:spLocks noGrp="1"/>
-          </p:cNvSpPr>
-          <p:nvPr>
-            <p:ph idx="1"/>
-          </p:nvPr>
-        </p:nvSpPr>
-        <p:spPr>
-          <a:xfrm>
-            <a:off x="838200" y="1456267"/>
-            <a:ext cx="10515600" cy="4720696"/>
-          </a:xfrm>
-        </p:spPr>
-        <p:txBody>
-          <a:bodyPr>
-            <a:normAutofit/>
-          </a:bodyPr>
-          <a:lstStyle/>
-          <a:p>
-            <a:pPr>
-              <a:spcAft>
-                <a:spcPts val="600"/>
-              </a:spcAft>
-            </a:pPr>
-            <a:r>
-              <a:rPr lang="nl-NL" sz="2000" noProof="0" dirty="0"/>
-              <a:t>Wat is Git</a:t>
-            </a:r>
-            <a:endParaRPr lang="nl-NL" sz="2000" dirty="0"/>
-          </a:p>
-          <a:p>
-            <a:pPr lvl="1">
-              <a:spcAft>
-                <a:spcPts val="600"/>
-              </a:spcAft>
-            </a:pPr>
-            <a:r>
-              <a:rPr lang="nl-NL" sz="1600" noProof="0" dirty="0"/>
-              <a:t>Hoe werkt Git?</a:t>
-            </a:r>
-          </a:p>
-          <a:p>
-            <a:pPr>
-              <a:spcAft>
-                <a:spcPts val="600"/>
-              </a:spcAft>
-            </a:pPr>
-            <a:r>
-              <a:rPr lang="nl-NL" sz="2000" dirty="0"/>
-              <a:t>Werken met versies</a:t>
-            </a:r>
-            <a:endParaRPr lang="nl-NL" sz="1600" dirty="0"/>
-          </a:p>
-          <a:p>
-            <a:pPr lvl="1">
-              <a:spcAft>
-                <a:spcPts val="600"/>
-              </a:spcAft>
-            </a:pPr>
-            <a:r>
-              <a:rPr lang="nl-NL" sz="1600" dirty="0"/>
-              <a:t>Repository opzetten</a:t>
-            </a:r>
-            <a:endParaRPr lang="nl-NL" sz="1600" noProof="0" dirty="0"/>
-          </a:p>
-          <a:p>
-            <a:pPr lvl="1">
-              <a:spcAft>
-                <a:spcPts val="600"/>
-              </a:spcAft>
-            </a:pPr>
-            <a:r>
-              <a:rPr lang="nl-NL" sz="1600" dirty="0" err="1"/>
-              <a:t>Commit</a:t>
-            </a:r>
-            <a:r>
-              <a:rPr lang="nl-NL" sz="1600" dirty="0"/>
-              <a:t> aanmaken</a:t>
-            </a:r>
-          </a:p>
-          <a:p>
-            <a:pPr lvl="1">
-              <a:spcAft>
-                <a:spcPts val="600"/>
-              </a:spcAft>
-            </a:pPr>
-            <a:r>
-              <a:rPr lang="nl-NL" sz="1600" dirty="0"/>
-              <a:t>Aftakkingen maken</a:t>
-            </a:r>
-          </a:p>
-          <a:p>
-            <a:pPr lvl="1">
-              <a:spcAft>
-                <a:spcPts val="600"/>
-              </a:spcAft>
-            </a:pPr>
-            <a:r>
-              <a:rPr lang="nl-NL" sz="1600" noProof="0" dirty="0"/>
-              <a:t>Conflicten oplossen</a:t>
-            </a:r>
-          </a:p>
-          <a:p>
-            <a:pPr>
-              <a:spcAft>
-                <a:spcPts val="600"/>
-              </a:spcAft>
-            </a:pPr>
-            <a:r>
-              <a:rPr lang="nl-NL" sz="2000" noProof="0" dirty="0"/>
-              <a:t>De </a:t>
-            </a:r>
-            <a:r>
-              <a:rPr lang="nl-NL" sz="2000" dirty="0"/>
-              <a:t>remote</a:t>
-            </a:r>
-          </a:p>
-          <a:p>
-            <a:pPr lvl="1">
-              <a:spcAft>
-                <a:spcPts val="600"/>
-              </a:spcAft>
-            </a:pPr>
-            <a:r>
-              <a:rPr lang="nl-NL" sz="1600" dirty="0"/>
-              <a:t>Remote server opzetten</a:t>
-            </a:r>
-          </a:p>
-          <a:p>
-            <a:pPr lvl="1">
-              <a:spcAft>
-                <a:spcPts val="600"/>
-              </a:spcAft>
-            </a:pPr>
-            <a:r>
-              <a:rPr lang="nl-NL" sz="1600" noProof="0" dirty="0"/>
-              <a:t>Remote versus </a:t>
-            </a:r>
-            <a:r>
-              <a:rPr lang="nl-NL" sz="1600" noProof="0" dirty="0" err="1"/>
-              <a:t>local</a:t>
-            </a:r>
-            <a:endParaRPr lang="nl-NL" sz="1600" noProof="0" dirty="0"/>
-          </a:p>
-        </p:txBody>
-      </p:sp>
-      <p:pic>
-        <p:nvPicPr>
-          <p:cNvPr id="4" name="Picture 3">
-            <a:extLst>
-              <a:ext uri="{FF2B5EF4-FFF2-40B4-BE49-F238E27FC236}">
-                <a16:creationId xmlns:a16="http://schemas.microsoft.com/office/drawing/2014/main" id="{10F1785D-DBAB-C34E-4C20-A2078BA9DAEA}"/>
-              </a:ext>
-            </a:extLst>
-          </p:cNvPr>
-          <p:cNvPicPr>
-            <a:picLocks noChangeAspect="1"/>
-          </p:cNvPicPr>
-          <p:nvPr/>
-        </p:nvPicPr>
-        <p:blipFill>
-          <a:blip r:embed="rId2"/>
-          <a:stretch>
-            <a:fillRect/>
-          </a:stretch>
-        </p:blipFill>
-        <p:spPr>
-          <a:xfrm rot="1217736">
-            <a:off x="8321964" y="3685187"/>
-            <a:ext cx="2694468" cy="2415360"/>
-          </a:xfrm>
-          <a:prstGeom prst="rect">
-            <a:avLst/>
-          </a:prstGeom>
-        </p:spPr>
-      </p:pic>
-    </p:spTree>
-    <p:extLst>
-      <p:ext uri="{BB962C8B-B14F-4D97-AF65-F5344CB8AC3E}">
-        <p14:creationId xmlns:p14="http://schemas.microsoft.com/office/powerpoint/2010/main" val="1265611121"/>
-      </p:ext>
-    </p:extLst>
-  </p:cSld>
-  <p:clrMapOvr>
-    <a:masterClrMapping/>
-  </p:clrMapOvr>
-</p:sld>
-</file>
-
-<file path=ppt/slides/slide3.xml><?xml version="1.0" encoding="utf-8"?>
-<p:sld xmlns:a="http://schemas.openxmlformats.org/drawingml/2006/main" xmlns:r="http://schemas.openxmlformats.org/officeDocument/2006/relationships" xmlns:p="http://schemas.openxmlformats.org/presentationml/2006/main">
-  <p:cSld>
-    <p:spTree>
-      <p:nvGrpSpPr>
-        <p:cNvPr id="1" name=""/>
-        <p:cNvGrpSpPr/>
-        <p:nvPr/>
-      </p:nvGrpSpPr>
-      <p:grpSpPr>
-        <a:xfrm>
-          <a:off x="0" y="0"/>
-          <a:ext cx="0" cy="0"/>
-          <a:chOff x="0" y="0"/>
-          <a:chExt cx="0" cy="0"/>
-        </a:xfrm>
-      </p:grpSpPr>
-      <p:sp>
-        <p:nvSpPr>
-          <p:cNvPr id="4" name="Title 3">
-            <a:extLst>
-              <a:ext uri="{FF2B5EF4-FFF2-40B4-BE49-F238E27FC236}">
-                <a16:creationId xmlns:a16="http://schemas.microsoft.com/office/drawing/2014/main" id="{72C925CA-BCA3-3701-E08E-95652380B32E}"/>
-              </a:ext>
-            </a:extLst>
-          </p:cNvPr>
-          <p:cNvSpPr>
-            <a:spLocks noGrp="1"/>
-          </p:cNvSpPr>
-          <p:nvPr>
-            <p:ph type="title"/>
-          </p:nvPr>
-        </p:nvSpPr>
-        <p:spPr/>
-        <p:txBody>
-          <a:bodyPr/>
-          <a:lstStyle/>
-          <a:p>
-            <a:r>
-              <a:rPr lang="nl-NL" noProof="0" dirty="0"/>
-              <a:t>Wat is git?</a:t>
-            </a:r>
-          </a:p>
-        </p:txBody>
-      </p:sp>
-      <p:sp>
-        <p:nvSpPr>
-          <p:cNvPr id="5" name="Text Placeholder 4">
-            <a:extLst>
-              <a:ext uri="{FF2B5EF4-FFF2-40B4-BE49-F238E27FC236}">
-                <a16:creationId xmlns:a16="http://schemas.microsoft.com/office/drawing/2014/main" id="{1AB31C95-91AF-DF13-FB58-0DA5F2D9F6F7}"/>
-              </a:ext>
-            </a:extLst>
-          </p:cNvPr>
-          <p:cNvSpPr>
-            <a:spLocks noGrp="1"/>
-          </p:cNvSpPr>
-          <p:nvPr>
-            <p:ph type="body" idx="1"/>
-          </p:nvPr>
-        </p:nvSpPr>
-        <p:spPr/>
-        <p:txBody>
-          <a:bodyPr/>
-          <a:lstStyle/>
-          <a:p>
-            <a:endParaRPr lang="en-NL"/>
-          </a:p>
-        </p:txBody>
-      </p:sp>
-    </p:spTree>
-    <p:extLst>
-      <p:ext uri="{BB962C8B-B14F-4D97-AF65-F5344CB8AC3E}">
-        <p14:creationId xmlns:p14="http://schemas.microsoft.com/office/powerpoint/2010/main" val="276640083"/>
-      </p:ext>
-    </p:extLst>
-  </p:cSld>
-  <p:clrMapOvr>
-    <a:masterClrMapping/>
-  </p:clrMapOvr>
-</p:sld>
-</file>
-
-<file path=ppt/slides/slide4.xml><?xml version="1.0" encoding="utf-8"?>
-<p:sld xmlns:a="http://schemas.openxmlformats.org/drawingml/2006/main" xmlns:r="http://schemas.openxmlformats.org/officeDocument/2006/relationships" xmlns:p="http://schemas.openxmlformats.org/presentationml/2006/main">
-  <p:cSld>
-    <p:spTree>
-      <p:nvGrpSpPr>
-        <p:cNvPr id="1" name=""/>
-        <p:cNvGrpSpPr/>
-        <p:nvPr/>
-      </p:nvGrpSpPr>
-      <p:grpSpPr>
-        <a:xfrm>
-          <a:off x="0" y="0"/>
-          <a:ext cx="0" cy="0"/>
-          <a:chOff x="0" y="0"/>
-          <a:chExt cx="0" cy="0"/>
-        </a:xfrm>
-      </p:grpSpPr>
-      <p:sp>
-        <p:nvSpPr>
-          <p:cNvPr id="4" name="Title 3">
-            <a:extLst>
-              <a:ext uri="{FF2B5EF4-FFF2-40B4-BE49-F238E27FC236}">
-                <a16:creationId xmlns:a16="http://schemas.microsoft.com/office/drawing/2014/main" id="{72C925CA-BCA3-3701-E08E-95652380B32E}"/>
-              </a:ext>
-            </a:extLst>
-          </p:cNvPr>
-          <p:cNvSpPr>
-            <a:spLocks noGrp="1"/>
-          </p:cNvSpPr>
-          <p:nvPr>
-            <p:ph type="title"/>
-          </p:nvPr>
-        </p:nvSpPr>
-        <p:spPr/>
-        <p:txBody>
-          <a:bodyPr/>
-          <a:lstStyle/>
-          <a:p>
-            <a:r>
-              <a:rPr lang="nl-NL" noProof="0" dirty="0"/>
-              <a:t>Werken met versies</a:t>
-            </a:r>
-          </a:p>
-        </p:txBody>
-      </p:sp>
-      <p:sp>
-        <p:nvSpPr>
-          <p:cNvPr id="5" name="Text Placeholder 4">
-            <a:extLst>
-              <a:ext uri="{FF2B5EF4-FFF2-40B4-BE49-F238E27FC236}">
-                <a16:creationId xmlns:a16="http://schemas.microsoft.com/office/drawing/2014/main" id="{1AB31C95-91AF-DF13-FB58-0DA5F2D9F6F7}"/>
-              </a:ext>
-            </a:extLst>
-          </p:cNvPr>
-          <p:cNvSpPr>
-            <a:spLocks noGrp="1"/>
-          </p:cNvSpPr>
-          <p:nvPr>
-            <p:ph type="body" idx="1"/>
-          </p:nvPr>
-        </p:nvSpPr>
-        <p:spPr/>
-        <p:txBody>
-          <a:bodyPr/>
-          <a:lstStyle/>
-          <a:p>
-            <a:endParaRPr lang="en-NL"/>
-          </a:p>
-        </p:txBody>
-      </p:sp>
-    </p:spTree>
-    <p:extLst>
-      <p:ext uri="{BB962C8B-B14F-4D97-AF65-F5344CB8AC3E}">
-        <p14:creationId xmlns:p14="http://schemas.microsoft.com/office/powerpoint/2010/main" val="1045594335"/>
-      </p:ext>
-    </p:extLst>
-  </p:cSld>
-  <p:clrMapOvr>
-    <a:masterClrMapping/>
-  </p:clrMapOvr>
-</p:sld>
-</file>
-
-<file path=ppt/slides/slide5.xml><?xml version="1.0" encoding="utf-8"?>
-<p:sld xmlns:a="http://schemas.openxmlformats.org/drawingml/2006/main" xmlns:r="http://schemas.openxmlformats.org/officeDocument/2006/relationships" xmlns:p="http://schemas.openxmlformats.org/presentationml/2006/main">
-  <p:cSld>
-    <p:spTree>
-      <p:nvGrpSpPr>
-        <p:cNvPr id="1" name="">
-          <a:extLst>
-            <a:ext uri="{FF2B5EF4-FFF2-40B4-BE49-F238E27FC236}">
-              <a16:creationId xmlns:a16="http://schemas.microsoft.com/office/drawing/2014/main" id="{53350AC3-44D2-125F-C901-74E8A6F61E54}"/>
-            </a:ext>
-          </a:extLst>
-        </p:cNvPr>
-        <p:cNvGrpSpPr/>
-        <p:nvPr/>
-      </p:nvGrpSpPr>
-      <p:grpSpPr>
-        <a:xfrm>
-          <a:off x="0" y="0"/>
-          <a:ext cx="0" cy="0"/>
-          <a:chOff x="0" y="0"/>
-          <a:chExt cx="0" cy="0"/>
-        </a:xfrm>
-      </p:grpSpPr>
-      <p:sp>
-        <p:nvSpPr>
-          <p:cNvPr id="4" name="Title 3">
-            <a:extLst>
-              <a:ext uri="{FF2B5EF4-FFF2-40B4-BE49-F238E27FC236}">
-                <a16:creationId xmlns:a16="http://schemas.microsoft.com/office/drawing/2014/main" id="{09C9436C-DC36-00A0-18E7-6B9DD57D93A7}"/>
-              </a:ext>
-            </a:extLst>
-          </p:cNvPr>
-          <p:cNvSpPr>
-            <a:spLocks noGrp="1"/>
-          </p:cNvSpPr>
-          <p:nvPr>
-            <p:ph type="title"/>
-          </p:nvPr>
-        </p:nvSpPr>
-        <p:spPr/>
-        <p:txBody>
-          <a:bodyPr/>
-          <a:lstStyle/>
-          <a:p>
-            <a:r>
-              <a:rPr lang="nl-NL" noProof="0" dirty="0"/>
-              <a:t>Remote</a:t>
-            </a:r>
-          </a:p>
-        </p:txBody>
-      </p:sp>
-      <p:sp>
-        <p:nvSpPr>
-          <p:cNvPr id="5" name="Text Placeholder 4">
-            <a:extLst>
-              <a:ext uri="{FF2B5EF4-FFF2-40B4-BE49-F238E27FC236}">
-                <a16:creationId xmlns:a16="http://schemas.microsoft.com/office/drawing/2014/main" id="{DEB61E79-1961-C560-A7F0-B064C69A128C}"/>
-              </a:ext>
-            </a:extLst>
-          </p:cNvPr>
-          <p:cNvSpPr>
-            <a:spLocks noGrp="1"/>
-          </p:cNvSpPr>
-          <p:nvPr>
-            <p:ph type="body" idx="1"/>
-          </p:nvPr>
-        </p:nvSpPr>
-        <p:spPr/>
-        <p:txBody>
-          <a:bodyPr/>
-          <a:lstStyle/>
-          <a:p>
-            <a:endParaRPr lang="en-NL"/>
-          </a:p>
-        </p:txBody>
-      </p:sp>
-    </p:spTree>
-    <p:extLst>
-      <p:ext uri="{BB962C8B-B14F-4D97-AF65-F5344CB8AC3E}">
-        <p14:creationId xmlns:p14="http://schemas.microsoft.com/office/powerpoint/2010/main" val="3051769913"/>
-      </p:ext>
-    </p:extLst>
-  </p:cSld>
-  <p:clrMapOvr>
-    <a:masterClrMapping/>
-  </p:clrMapOvr>
-</p:sld>
-</file>
-
-<file path=ppt/slides/slide6.xml><?xml version="1.0" encoding="utf-8"?>
-<p:sld xmlns:a="http://schemas.openxmlformats.org/drawingml/2006/main" xmlns:r="http://schemas.openxmlformats.org/officeDocument/2006/relationships" xmlns:p="http://schemas.openxmlformats.org/presentationml/2006/main">
-  <p:cSld>
-    <p:spTree>
-      <p:nvGrpSpPr>
-        <p:cNvPr id="1" name=""/>
-        <p:cNvGrpSpPr/>
-        <p:nvPr/>
-      </p:nvGrpSpPr>
-      <p:grpSpPr>
-        <a:xfrm>
-          <a:off x="0" y="0"/>
-          <a:ext cx="0" cy="0"/>
-          <a:chOff x="0" y="0"/>
-          <a:chExt cx="0" cy="0"/>
-        </a:xfrm>
-      </p:grpSpPr>
-      <p:sp>
-        <p:nvSpPr>
-          <p:cNvPr id="2" name="Title 1">
-            <a:extLst>
-              <a:ext uri="{FF2B5EF4-FFF2-40B4-BE49-F238E27FC236}">
-                <a16:creationId xmlns:a16="http://schemas.microsoft.com/office/drawing/2014/main" id="{39A1D606-8DD1-369C-5C09-471CDD551AD5}"/>
-              </a:ext>
-            </a:extLst>
-          </p:cNvPr>
-          <p:cNvSpPr>
-            <a:spLocks noGrp="1"/>
-          </p:cNvSpPr>
-          <p:nvPr>
-            <p:ph type="title"/>
-          </p:nvPr>
-        </p:nvSpPr>
-        <p:spPr>
-          <a:xfrm>
-            <a:off x="838200" y="365126"/>
-            <a:ext cx="10515600" cy="718608"/>
-          </a:xfrm>
-        </p:spPr>
-        <p:txBody>
-          <a:bodyPr>
-            <a:normAutofit/>
-          </a:bodyPr>
-          <a:lstStyle/>
-          <a:p>
-            <a:r>
-              <a:rPr lang="nl-NL" sz="3600" noProof="0" dirty="0"/>
-              <a:t>Sterke en zwakke punten</a:t>
-            </a:r>
-          </a:p>
-        </p:txBody>
-      </p:sp>
-      <p:sp>
-        <p:nvSpPr>
-          <p:cNvPr id="3" name="Content Placeholder 2">
-            <a:extLst>
-              <a:ext uri="{FF2B5EF4-FFF2-40B4-BE49-F238E27FC236}">
-                <a16:creationId xmlns:a16="http://schemas.microsoft.com/office/drawing/2014/main" id="{F4C2D286-E049-0AAB-1360-B7157E11AD7E}"/>
-              </a:ext>
-            </a:extLst>
-          </p:cNvPr>
-          <p:cNvSpPr>
-            <a:spLocks noGrp="1"/>
-          </p:cNvSpPr>
-          <p:nvPr>
-            <p:ph idx="1"/>
-          </p:nvPr>
-        </p:nvSpPr>
-        <p:spPr>
-          <a:xfrm>
-            <a:off x="838200" y="1456267"/>
-            <a:ext cx="4749800" cy="4720696"/>
-          </a:xfrm>
-        </p:spPr>
-        <p:txBody>
-          <a:bodyPr>
-            <a:normAutofit/>
-          </a:bodyPr>
-          <a:lstStyle/>
-          <a:p>
-            <a:pPr marL="0" indent="0">
-              <a:buNone/>
-            </a:pPr>
-            <a:r>
-              <a:rPr lang="nl-NL" sz="2000" b="1" noProof="0" dirty="0"/>
-              <a:t>Sterke punten:</a:t>
-            </a:r>
-          </a:p>
-          <a:p>
-            <a:pPr marL="0" indent="0">
-              <a:buNone/>
-            </a:pPr>
-            <a:endParaRPr lang="nl-NL" sz="2000" noProof="0" dirty="0"/>
-          </a:p>
-          <a:p>
-            <a:pPr>
-              <a:buFontTx/>
-              <a:buChar char="-"/>
-            </a:pPr>
-            <a:r>
-              <a:rPr lang="nl-NL" sz="2000" noProof="0" dirty="0"/>
-              <a:t>Makkelijk te leren, flexibele syntax.</a:t>
-            </a:r>
-          </a:p>
-          <a:p>
-            <a:pPr>
-              <a:buFontTx/>
-              <a:buChar char="-"/>
-            </a:pPr>
-            <a:endParaRPr lang="nl-NL" sz="2000" noProof="0" dirty="0"/>
-          </a:p>
-          <a:p>
-            <a:pPr>
-              <a:buFontTx/>
-              <a:buChar char="-"/>
-            </a:pPr>
-            <a:r>
-              <a:rPr lang="nl-NL" sz="2000" noProof="0" dirty="0"/>
-              <a:t>Veel ontwikkelaars en gebruikers.</a:t>
-            </a:r>
-          </a:p>
-          <a:p>
-            <a:pPr>
-              <a:buFontTx/>
-              <a:buChar char="-"/>
-            </a:pPr>
-            <a:endParaRPr lang="nl-NL" sz="2000" noProof="0" dirty="0"/>
-          </a:p>
-          <a:p>
-            <a:pPr>
-              <a:buFontTx/>
-              <a:buChar char="-"/>
-            </a:pPr>
-            <a:r>
-              <a:rPr lang="nl-NL" sz="2000" noProof="0" dirty="0"/>
-              <a:t>Veel online informatie.</a:t>
-            </a:r>
-          </a:p>
-          <a:p>
-            <a:pPr>
-              <a:buFontTx/>
-              <a:buChar char="-"/>
-            </a:pPr>
-            <a:endParaRPr lang="nl-NL" sz="2000" noProof="0" dirty="0"/>
-          </a:p>
-          <a:p>
-            <a:pPr>
-              <a:buFontTx/>
-              <a:buChar char="-"/>
-            </a:pPr>
-            <a:r>
-              <a:rPr lang="nl-NL" sz="2000" noProof="0" dirty="0"/>
-              <a:t>Uitgebreid ecosysteem van uitbreidingen.</a:t>
-            </a:r>
-          </a:p>
-          <a:p>
-            <a:pPr>
-              <a:buFontTx/>
-              <a:buChar char="-"/>
-            </a:pPr>
-            <a:endParaRPr lang="nl-NL" sz="2000" noProof="0" dirty="0"/>
-          </a:p>
-          <a:p>
-            <a:pPr>
-              <a:buFontTx/>
-              <a:buChar char="-"/>
-            </a:pPr>
-            <a:r>
-              <a:rPr lang="nl-NL" sz="2000" noProof="0" dirty="0"/>
-              <a:t>Breed inzetbaar.</a:t>
-            </a:r>
-          </a:p>
-        </p:txBody>
-      </p:sp>
-      <p:sp>
-        <p:nvSpPr>
-          <p:cNvPr id="4" name="Content Placeholder 2">
-            <a:extLst>
-              <a:ext uri="{FF2B5EF4-FFF2-40B4-BE49-F238E27FC236}">
-                <a16:creationId xmlns:a16="http://schemas.microsoft.com/office/drawing/2014/main" id="{98EFE1E9-4D56-5081-678F-F94DE9C3DCC6}"/>
-              </a:ext>
-            </a:extLst>
-          </p:cNvPr>
-          <p:cNvSpPr txBox="1">
-            <a:spLocks/>
-          </p:cNvSpPr>
-          <p:nvPr/>
-        </p:nvSpPr>
-        <p:spPr>
-          <a:xfrm>
-            <a:off x="6409267" y="1456267"/>
-            <a:ext cx="4749800" cy="4720696"/>
+            <a:off x="6637869" y="1456267"/>
+            <a:ext cx="4715935" cy="4720696"/>
           </a:xfrm>
           <a:prstGeom prst="rect">
             <a:avLst/>
@@ -5077,1203 +4347,6 @@
             </a:pPr>
             <a:r>
               <a:rPr lang="nl-NL" sz="2000" b="1" dirty="0"/>
-              <a:t>Zwakke punten:</a:t>
-            </a:r>
-          </a:p>
-          <a:p>
-            <a:pPr marL="0" indent="0">
-              <a:buFont typeface="Arial" panose="020B0604020202020204" pitchFamily="34" charset="0"/>
-              <a:buNone/>
-            </a:pPr>
-            <a:endParaRPr lang="nl-NL" sz="2000" dirty="0"/>
-          </a:p>
-          <a:p>
-            <a:pPr>
-              <a:buFontTx/>
-              <a:buChar char="-"/>
-            </a:pPr>
-            <a:r>
-              <a:rPr lang="nl-NL" sz="2000" dirty="0"/>
-              <a:t>Makkelijk om “slechte” code te schrijven.</a:t>
-            </a:r>
-          </a:p>
-          <a:p>
-            <a:pPr>
-              <a:buFontTx/>
-              <a:buChar char="-"/>
-            </a:pPr>
-            <a:endParaRPr lang="nl-NL" sz="2000" dirty="0"/>
-          </a:p>
-          <a:p>
-            <a:pPr>
-              <a:buFontTx/>
-              <a:buChar char="-"/>
-            </a:pPr>
-            <a:r>
-              <a:rPr lang="nl-NL" sz="2000" dirty="0"/>
-              <a:t>Relatief traag  (vgl. C, Scala, Rust).</a:t>
-            </a:r>
-          </a:p>
-          <a:p>
-            <a:pPr>
-              <a:buFontTx/>
-              <a:buChar char="-"/>
-            </a:pPr>
-            <a:endParaRPr lang="nl-NL" sz="2000" dirty="0"/>
-          </a:p>
-          <a:p>
-            <a:pPr>
-              <a:buFontTx/>
-              <a:buChar char="-"/>
-            </a:pPr>
-            <a:r>
-              <a:rPr lang="nl-NL" sz="2000" dirty="0"/>
-              <a:t>Distributie code niet eenduidig.</a:t>
-            </a:r>
-          </a:p>
-          <a:p>
-            <a:pPr marL="0" indent="0">
-              <a:buNone/>
-            </a:pPr>
-            <a:endParaRPr lang="nl-NL" sz="2000" dirty="0"/>
-          </a:p>
-        </p:txBody>
-      </p:sp>
-    </p:spTree>
-    <p:extLst>
-      <p:ext uri="{BB962C8B-B14F-4D97-AF65-F5344CB8AC3E}">
-        <p14:creationId xmlns:p14="http://schemas.microsoft.com/office/powerpoint/2010/main" val="344422135"/>
-      </p:ext>
-    </p:extLst>
-  </p:cSld>
-  <p:clrMapOvr>
-    <a:masterClrMapping/>
-  </p:clrMapOvr>
-</p:sld>
-</file>
-
-<file path=ppt/slides/slide7.xml><?xml version="1.0" encoding="utf-8"?>
-<p:sld xmlns:a="http://schemas.openxmlformats.org/drawingml/2006/main" xmlns:r="http://schemas.openxmlformats.org/officeDocument/2006/relationships" xmlns:p="http://schemas.openxmlformats.org/presentationml/2006/main">
-  <p:cSld>
-    <p:spTree>
-      <p:nvGrpSpPr>
-        <p:cNvPr id="1" name=""/>
-        <p:cNvGrpSpPr/>
-        <p:nvPr/>
-      </p:nvGrpSpPr>
-      <p:grpSpPr>
-        <a:xfrm>
-          <a:off x="0" y="0"/>
-          <a:ext cx="0" cy="0"/>
-          <a:chOff x="0" y="0"/>
-          <a:chExt cx="0" cy="0"/>
-        </a:xfrm>
-      </p:grpSpPr>
-      <p:sp>
-        <p:nvSpPr>
-          <p:cNvPr id="2" name="Title 1">
-            <a:extLst>
-              <a:ext uri="{FF2B5EF4-FFF2-40B4-BE49-F238E27FC236}">
-                <a16:creationId xmlns:a16="http://schemas.microsoft.com/office/drawing/2014/main" id="{39A1D606-8DD1-369C-5C09-471CDD551AD5}"/>
-              </a:ext>
-            </a:extLst>
-          </p:cNvPr>
-          <p:cNvSpPr>
-            <a:spLocks noGrp="1"/>
-          </p:cNvSpPr>
-          <p:nvPr>
-            <p:ph type="title"/>
-          </p:nvPr>
-        </p:nvSpPr>
-        <p:spPr>
-          <a:xfrm>
-            <a:off x="838200" y="365126"/>
-            <a:ext cx="10515600" cy="718608"/>
-          </a:xfrm>
-        </p:spPr>
-        <p:txBody>
-          <a:bodyPr>
-            <a:normAutofit/>
-          </a:bodyPr>
-          <a:lstStyle/>
-          <a:p>
-            <a:r>
-              <a:rPr lang="nl-NL" sz="3600" dirty="0"/>
-              <a:t>Werken met t</a:t>
-            </a:r>
-            <a:r>
-              <a:rPr lang="nl-NL" sz="3600" noProof="0" dirty="0" err="1"/>
-              <a:t>ekst</a:t>
-            </a:r>
-            <a:endParaRPr lang="nl-NL" sz="3600" noProof="0" dirty="0"/>
-          </a:p>
-        </p:txBody>
-      </p:sp>
-      <p:sp>
-        <p:nvSpPr>
-          <p:cNvPr id="3" name="Content Placeholder 2">
-            <a:extLst>
-              <a:ext uri="{FF2B5EF4-FFF2-40B4-BE49-F238E27FC236}">
-                <a16:creationId xmlns:a16="http://schemas.microsoft.com/office/drawing/2014/main" id="{F4C2D286-E049-0AAB-1360-B7157E11AD7E}"/>
-              </a:ext>
-            </a:extLst>
-          </p:cNvPr>
-          <p:cNvSpPr>
-            <a:spLocks noGrp="1"/>
-          </p:cNvSpPr>
-          <p:nvPr>
-            <p:ph idx="1"/>
-          </p:nvPr>
-        </p:nvSpPr>
-        <p:spPr>
-          <a:xfrm>
-            <a:off x="838200" y="1231642"/>
-            <a:ext cx="4885268" cy="5008292"/>
-          </a:xfrm>
-          <a:solidFill>
-            <a:schemeClr val="bg1">
-              <a:lumMod val="95000"/>
-            </a:schemeClr>
-          </a:solidFill>
-        </p:spPr>
-        <p:style>
-          <a:lnRef idx="1">
-            <a:schemeClr val="accent3"/>
-          </a:lnRef>
-          <a:fillRef idx="2">
-            <a:schemeClr val="accent3"/>
-          </a:fillRef>
-          <a:effectRef idx="1">
-            <a:schemeClr val="accent3"/>
-          </a:effectRef>
-          <a:fontRef idx="minor">
-            <a:schemeClr val="dk1"/>
-          </a:fontRef>
-        </p:style>
-        <p:txBody>
-          <a:bodyPr lIns="144000" tIns="144000" rIns="144000" bIns="144000">
-            <a:normAutofit/>
-          </a:bodyPr>
-          <a:lstStyle/>
-          <a:p>
-            <a:pPr marL="0" indent="0">
-              <a:lnSpc>
-                <a:spcPct val="100000"/>
-              </a:lnSpc>
-              <a:buNone/>
-            </a:pPr>
-            <a:r>
-              <a:rPr lang="nl-NL" sz="2000" noProof="0" dirty="0">
-                <a:solidFill>
-                  <a:schemeClr val="accent2">
-                    <a:lumMod val="75000"/>
-                  </a:schemeClr>
-                </a:solidFill>
-                <a:latin typeface="Courier New" panose="02070309020205020404" pitchFamily="49" charset="0"/>
-                <a:cs typeface="Courier New" panose="02070309020205020404" pitchFamily="49" charset="0"/>
-              </a:rPr>
-              <a:t>"</a:t>
-            </a:r>
-            <a:r>
-              <a:rPr lang="nl-NL" sz="2000" noProof="0" dirty="0" err="1">
-                <a:solidFill>
-                  <a:schemeClr val="accent2">
-                    <a:lumMod val="75000"/>
-                  </a:schemeClr>
-                </a:solidFill>
-                <a:latin typeface="Courier New" panose="02070309020205020404" pitchFamily="49" charset="0"/>
-                <a:cs typeface="Courier New" panose="02070309020205020404" pitchFamily="49" charset="0"/>
-              </a:rPr>
-              <a:t>Hello</a:t>
-            </a:r>
-            <a:r>
-              <a:rPr lang="nl-NL" sz="2000" noProof="0" dirty="0">
-                <a:solidFill>
-                  <a:schemeClr val="accent2">
-                    <a:lumMod val="75000"/>
-                  </a:schemeClr>
-                </a:solidFill>
-                <a:latin typeface="Courier New" panose="02070309020205020404" pitchFamily="49" charset="0"/>
-                <a:cs typeface="Courier New" panose="02070309020205020404" pitchFamily="49" charset="0"/>
-              </a:rPr>
-              <a:t> "</a:t>
-            </a:r>
-            <a:r>
-              <a:rPr lang="nl-NL" sz="2000" noProof="0" dirty="0">
-                <a:latin typeface="Courier New" panose="02070309020205020404" pitchFamily="49" charset="0"/>
-                <a:cs typeface="Courier New" panose="02070309020205020404" pitchFamily="49" charset="0"/>
-              </a:rPr>
-              <a:t> + </a:t>
-            </a:r>
-            <a:r>
-              <a:rPr lang="nl-NL" sz="2000" noProof="0" dirty="0">
-                <a:solidFill>
-                  <a:schemeClr val="accent1">
-                    <a:lumMod val="75000"/>
-                  </a:schemeClr>
-                </a:solidFill>
-                <a:latin typeface="Courier New" panose="02070309020205020404" pitchFamily="49" charset="0"/>
-                <a:cs typeface="Courier New" panose="02070309020205020404" pitchFamily="49" charset="0"/>
-              </a:rPr>
-              <a:t>name</a:t>
-            </a:r>
-            <a:r>
-              <a:rPr lang="nl-NL" sz="2000" noProof="0" dirty="0">
-                <a:latin typeface="Courier New" panose="02070309020205020404" pitchFamily="49" charset="0"/>
-                <a:cs typeface="Courier New" panose="02070309020205020404" pitchFamily="49" charset="0"/>
-              </a:rPr>
-              <a:t> + </a:t>
-            </a:r>
-            <a:r>
-              <a:rPr lang="nl-NL" sz="2000" noProof="0" dirty="0">
-                <a:solidFill>
-                  <a:schemeClr val="accent2">
-                    <a:lumMod val="75000"/>
-                  </a:schemeClr>
-                </a:solidFill>
-                <a:latin typeface="Courier New" panose="02070309020205020404" pitchFamily="49" charset="0"/>
-                <a:cs typeface="Courier New" panose="02070309020205020404" pitchFamily="49" charset="0"/>
-              </a:rPr>
-              <a:t>"!"</a:t>
-            </a:r>
-          </a:p>
-          <a:p>
-            <a:pPr marL="0" indent="0">
-              <a:lnSpc>
-                <a:spcPct val="100000"/>
-              </a:lnSpc>
-              <a:buNone/>
-            </a:pPr>
-            <a:endParaRPr lang="nl-NL" sz="2000" noProof="0" dirty="0">
-              <a:latin typeface="Courier New" panose="02070309020205020404" pitchFamily="49" charset="0"/>
-              <a:cs typeface="Courier New" panose="02070309020205020404" pitchFamily="49" charset="0"/>
-            </a:endParaRPr>
-          </a:p>
-          <a:p>
-            <a:pPr marL="0" indent="0">
-              <a:lnSpc>
-                <a:spcPct val="100000"/>
-              </a:lnSpc>
-              <a:buNone/>
-            </a:pPr>
-            <a:r>
-              <a:rPr lang="nl-NL" sz="2000" noProof="0" dirty="0" err="1">
-                <a:solidFill>
-                  <a:schemeClr val="accent1">
-                    <a:lumMod val="75000"/>
-                  </a:schemeClr>
-                </a:solidFill>
-                <a:latin typeface="Courier New" panose="02070309020205020404" pitchFamily="49" charset="0"/>
-                <a:cs typeface="Courier New" panose="02070309020205020404" pitchFamily="49" charset="0"/>
-              </a:rPr>
-              <a:t>f</a:t>
-            </a:r>
-            <a:r>
-              <a:rPr lang="nl-NL" sz="2000" noProof="0" dirty="0" err="1">
-                <a:solidFill>
-                  <a:schemeClr val="accent2">
-                    <a:lumMod val="75000"/>
-                  </a:schemeClr>
-                </a:solidFill>
-                <a:latin typeface="Courier New" panose="02070309020205020404" pitchFamily="49" charset="0"/>
-                <a:cs typeface="Courier New" panose="02070309020205020404" pitchFamily="49" charset="0"/>
-              </a:rPr>
-              <a:t>"Hello</a:t>
-            </a:r>
-            <a:r>
-              <a:rPr lang="nl-NL" sz="2000" noProof="0" dirty="0">
-                <a:solidFill>
-                  <a:schemeClr val="accent2">
-                    <a:lumMod val="75000"/>
-                  </a:schemeClr>
-                </a:solidFill>
-                <a:latin typeface="Courier New" panose="02070309020205020404" pitchFamily="49" charset="0"/>
-                <a:cs typeface="Courier New" panose="02070309020205020404" pitchFamily="49" charset="0"/>
-              </a:rPr>
-              <a:t> </a:t>
-            </a:r>
-            <a:r>
-              <a:rPr lang="nl-NL" sz="2000" noProof="0" dirty="0">
-                <a:solidFill>
-                  <a:schemeClr val="accent1">
-                    <a:lumMod val="75000"/>
-                  </a:schemeClr>
-                </a:solidFill>
-                <a:latin typeface="Courier New" panose="02070309020205020404" pitchFamily="49" charset="0"/>
-                <a:cs typeface="Courier New" panose="02070309020205020404" pitchFamily="49" charset="0"/>
-              </a:rPr>
-              <a:t>{name}</a:t>
-            </a:r>
-            <a:r>
-              <a:rPr lang="nl-NL" sz="2000" noProof="0" dirty="0">
-                <a:solidFill>
-                  <a:schemeClr val="accent2">
-                    <a:lumMod val="75000"/>
-                  </a:schemeClr>
-                </a:solidFill>
-                <a:latin typeface="Courier New" panose="02070309020205020404" pitchFamily="49" charset="0"/>
-                <a:cs typeface="Courier New" panose="02070309020205020404" pitchFamily="49" charset="0"/>
-              </a:rPr>
-              <a:t>!"</a:t>
-            </a:r>
-          </a:p>
-          <a:p>
-            <a:pPr marL="0" indent="0">
-              <a:lnSpc>
-                <a:spcPct val="100000"/>
-              </a:lnSpc>
-              <a:buNone/>
-            </a:pPr>
-            <a:endParaRPr lang="nl-NL" sz="2000" noProof="0" dirty="0">
-              <a:latin typeface="Courier New" panose="02070309020205020404" pitchFamily="49" charset="0"/>
-              <a:cs typeface="Courier New" panose="02070309020205020404" pitchFamily="49" charset="0"/>
-            </a:endParaRPr>
-          </a:p>
-          <a:p>
-            <a:pPr marL="0" indent="0">
-              <a:lnSpc>
-                <a:spcPct val="100000"/>
-              </a:lnSpc>
-              <a:buNone/>
-            </a:pPr>
-            <a:r>
-              <a:rPr lang="nl-NL" sz="2000" dirty="0">
-                <a:latin typeface="Courier New" panose="02070309020205020404" pitchFamily="49" charset="0"/>
-                <a:cs typeface="Courier New" panose="02070309020205020404" pitchFamily="49" charset="0"/>
-              </a:rPr>
-              <a:t>template = </a:t>
-            </a:r>
-            <a:r>
-              <a:rPr lang="nl-NL" sz="2000" noProof="0" dirty="0">
-                <a:solidFill>
-                  <a:schemeClr val="accent2">
-                    <a:lumMod val="75000"/>
-                  </a:schemeClr>
-                </a:solidFill>
-                <a:latin typeface="Courier New" panose="02070309020205020404" pitchFamily="49" charset="0"/>
-                <a:cs typeface="Courier New" panose="02070309020205020404" pitchFamily="49" charset="0"/>
-              </a:rPr>
-              <a:t>"</a:t>
-            </a:r>
-            <a:r>
-              <a:rPr lang="nl-NL" sz="2000" noProof="0" dirty="0" err="1">
-                <a:solidFill>
-                  <a:schemeClr val="accent2">
-                    <a:lumMod val="75000"/>
-                  </a:schemeClr>
-                </a:solidFill>
-                <a:latin typeface="Courier New" panose="02070309020205020404" pitchFamily="49" charset="0"/>
-                <a:cs typeface="Courier New" panose="02070309020205020404" pitchFamily="49" charset="0"/>
-              </a:rPr>
-              <a:t>Hello</a:t>
-            </a:r>
-            <a:r>
-              <a:rPr lang="nl-NL" sz="2000" noProof="0" dirty="0">
-                <a:solidFill>
-                  <a:schemeClr val="accent2">
-                    <a:lumMod val="75000"/>
-                  </a:schemeClr>
-                </a:solidFill>
-                <a:latin typeface="Courier New" panose="02070309020205020404" pitchFamily="49" charset="0"/>
-                <a:cs typeface="Courier New" panose="02070309020205020404" pitchFamily="49" charset="0"/>
-              </a:rPr>
-              <a:t> </a:t>
-            </a:r>
-            <a:r>
-              <a:rPr lang="nl-NL" sz="2000" noProof="0" dirty="0">
-                <a:solidFill>
-                  <a:schemeClr val="accent1">
-                    <a:lumMod val="75000"/>
-                  </a:schemeClr>
-                </a:solidFill>
-                <a:latin typeface="Courier New" panose="02070309020205020404" pitchFamily="49" charset="0"/>
-                <a:cs typeface="Courier New" panose="02070309020205020404" pitchFamily="49" charset="0"/>
-              </a:rPr>
-              <a:t>{n}</a:t>
-            </a:r>
-            <a:r>
-              <a:rPr lang="nl-NL" sz="2000" noProof="0" dirty="0">
-                <a:solidFill>
-                  <a:schemeClr val="accent2">
-                    <a:lumMod val="75000"/>
-                  </a:schemeClr>
-                </a:solidFill>
-                <a:latin typeface="Courier New" panose="02070309020205020404" pitchFamily="49" charset="0"/>
-                <a:cs typeface="Courier New" panose="02070309020205020404" pitchFamily="49" charset="0"/>
-              </a:rPr>
-              <a:t>!"</a:t>
-            </a:r>
-          </a:p>
-          <a:p>
-            <a:pPr marL="0" indent="0">
-              <a:lnSpc>
-                <a:spcPct val="100000"/>
-              </a:lnSpc>
-              <a:buNone/>
-            </a:pPr>
-            <a:r>
-              <a:rPr lang="nl-NL" sz="2000" dirty="0">
-                <a:latin typeface="Courier New" panose="02070309020205020404" pitchFamily="49" charset="0"/>
-                <a:cs typeface="Courier New" panose="02070309020205020404" pitchFamily="49" charset="0"/>
-              </a:rPr>
-              <a:t>template.</a:t>
-            </a:r>
-            <a:r>
-              <a:rPr lang="nl-NL" sz="2000" b="1" noProof="0" dirty="0">
-                <a:latin typeface="Courier New" panose="02070309020205020404" pitchFamily="49" charset="0"/>
-                <a:cs typeface="Courier New" panose="02070309020205020404" pitchFamily="49" charset="0"/>
-              </a:rPr>
-              <a:t>format</a:t>
-            </a:r>
-            <a:r>
-              <a:rPr lang="nl-NL" sz="2000" noProof="0" dirty="0">
-                <a:latin typeface="Courier New" panose="02070309020205020404" pitchFamily="49" charset="0"/>
-                <a:cs typeface="Courier New" panose="02070309020205020404" pitchFamily="49" charset="0"/>
-              </a:rPr>
-              <a:t>(n=</a:t>
-            </a:r>
-            <a:r>
-              <a:rPr lang="nl-NL" sz="2000" noProof="0" dirty="0">
-                <a:solidFill>
-                  <a:schemeClr val="accent1">
-                    <a:lumMod val="75000"/>
-                  </a:schemeClr>
-                </a:solidFill>
-                <a:latin typeface="Courier New" panose="02070309020205020404" pitchFamily="49" charset="0"/>
-                <a:cs typeface="Courier New" panose="02070309020205020404" pitchFamily="49" charset="0"/>
-              </a:rPr>
-              <a:t>name</a:t>
-            </a:r>
-            <a:r>
-              <a:rPr lang="nl-NL" sz="2000" noProof="0" dirty="0">
-                <a:latin typeface="Courier New" panose="02070309020205020404" pitchFamily="49" charset="0"/>
-                <a:cs typeface="Courier New" panose="02070309020205020404" pitchFamily="49" charset="0"/>
-              </a:rPr>
-              <a:t>)</a:t>
-            </a:r>
-          </a:p>
-          <a:p>
-            <a:pPr marL="0" indent="0">
-              <a:lnSpc>
-                <a:spcPct val="100000"/>
-              </a:lnSpc>
-              <a:buNone/>
-            </a:pPr>
-            <a:endParaRPr lang="nl-NL" sz="2000" noProof="0" dirty="0">
-              <a:latin typeface="Courier New" panose="02070309020205020404" pitchFamily="49" charset="0"/>
-              <a:cs typeface="Courier New" panose="02070309020205020404" pitchFamily="49" charset="0"/>
-            </a:endParaRPr>
-          </a:p>
-          <a:p>
-            <a:pPr marL="0" indent="0">
-              <a:lnSpc>
-                <a:spcPct val="100000"/>
-              </a:lnSpc>
-              <a:buNone/>
-            </a:pPr>
-            <a:r>
-              <a:rPr lang="nl-NL" sz="2000" noProof="0" dirty="0">
-                <a:solidFill>
-                  <a:schemeClr val="accent2">
-                    <a:lumMod val="75000"/>
-                  </a:schemeClr>
-                </a:solidFill>
-                <a:latin typeface="Courier New" panose="02070309020205020404" pitchFamily="49" charset="0"/>
-                <a:cs typeface="Courier New" panose="02070309020205020404" pitchFamily="49" charset="0"/>
-              </a:rPr>
-              <a:t>"</a:t>
-            </a:r>
-            <a:r>
-              <a:rPr lang="nl-NL" sz="2000" noProof="0" dirty="0" err="1">
-                <a:solidFill>
-                  <a:schemeClr val="accent2">
-                    <a:lumMod val="75000"/>
-                  </a:schemeClr>
-                </a:solidFill>
-                <a:latin typeface="Courier New" panose="02070309020205020404" pitchFamily="49" charset="0"/>
-                <a:cs typeface="Courier New" panose="02070309020205020404" pitchFamily="49" charset="0"/>
-              </a:rPr>
-              <a:t>Doe,John"</a:t>
-            </a:r>
-            <a:r>
-              <a:rPr lang="nl-NL" sz="2000" noProof="0" dirty="0" err="1">
-                <a:latin typeface="Courier New" panose="02070309020205020404" pitchFamily="49" charset="0"/>
-                <a:cs typeface="Courier New" panose="02070309020205020404" pitchFamily="49" charset="0"/>
-              </a:rPr>
-              <a:t>.</a:t>
-            </a:r>
-            <a:r>
-              <a:rPr lang="nl-NL" sz="2000" b="1" noProof="0" dirty="0" err="1">
-                <a:latin typeface="Courier New" panose="02070309020205020404" pitchFamily="49" charset="0"/>
-                <a:cs typeface="Courier New" panose="02070309020205020404" pitchFamily="49" charset="0"/>
-              </a:rPr>
-              <a:t>split</a:t>
-            </a:r>
-            <a:r>
-              <a:rPr lang="nl-NL" sz="2000" noProof="0" dirty="0">
-                <a:latin typeface="Courier New" panose="02070309020205020404" pitchFamily="49" charset="0"/>
-                <a:cs typeface="Courier New" panose="02070309020205020404" pitchFamily="49" charset="0"/>
-              </a:rPr>
-              <a:t>(</a:t>
-            </a:r>
-            <a:r>
-              <a:rPr lang="nl-NL" sz="2000" noProof="0" dirty="0">
-                <a:solidFill>
-                  <a:schemeClr val="accent2">
-                    <a:lumMod val="75000"/>
-                  </a:schemeClr>
-                </a:solidFill>
-                <a:latin typeface="Courier New" panose="02070309020205020404" pitchFamily="49" charset="0"/>
-                <a:cs typeface="Courier New" panose="02070309020205020404" pitchFamily="49" charset="0"/>
-              </a:rPr>
-              <a:t>","</a:t>
-            </a:r>
-            <a:r>
-              <a:rPr lang="nl-NL" sz="2000" noProof="0" dirty="0">
-                <a:latin typeface="Courier New" panose="02070309020205020404" pitchFamily="49" charset="0"/>
-                <a:cs typeface="Courier New" panose="02070309020205020404" pitchFamily="49" charset="0"/>
-              </a:rPr>
-              <a:t>)</a:t>
-            </a:r>
-          </a:p>
-          <a:p>
-            <a:pPr marL="0" indent="0">
-              <a:lnSpc>
-                <a:spcPct val="100000"/>
-              </a:lnSpc>
-              <a:buNone/>
-            </a:pPr>
-            <a:endParaRPr lang="nl-NL" sz="2000" noProof="0" dirty="0">
-              <a:latin typeface="Courier New" panose="02070309020205020404" pitchFamily="49" charset="0"/>
-              <a:cs typeface="Courier New" panose="02070309020205020404" pitchFamily="49" charset="0"/>
-            </a:endParaRPr>
-          </a:p>
-          <a:p>
-            <a:pPr marL="0" indent="0">
-              <a:lnSpc>
-                <a:spcPct val="100000"/>
-              </a:lnSpc>
-              <a:buNone/>
-            </a:pPr>
-            <a:r>
-              <a:rPr lang="nl-NL" sz="2000" noProof="0" dirty="0">
-                <a:solidFill>
-                  <a:schemeClr val="accent2">
-                    <a:lumMod val="75000"/>
-                  </a:schemeClr>
-                </a:solidFill>
-                <a:latin typeface="Courier New" panose="02070309020205020404" pitchFamily="49" charset="0"/>
-                <a:cs typeface="Courier New" panose="02070309020205020404" pitchFamily="49" charset="0"/>
-              </a:rPr>
-              <a:t>","</a:t>
-            </a:r>
-            <a:r>
-              <a:rPr lang="nl-NL" sz="2000" noProof="0" dirty="0">
-                <a:latin typeface="Courier New" panose="02070309020205020404" pitchFamily="49" charset="0"/>
-                <a:cs typeface="Courier New" panose="02070309020205020404" pitchFamily="49" charset="0"/>
-              </a:rPr>
-              <a:t>.</a:t>
-            </a:r>
-            <a:r>
-              <a:rPr lang="nl-NL" sz="2000" b="1" noProof="0" dirty="0" err="1">
-                <a:latin typeface="Courier New" panose="02070309020205020404" pitchFamily="49" charset="0"/>
-                <a:cs typeface="Courier New" panose="02070309020205020404" pitchFamily="49" charset="0"/>
-              </a:rPr>
-              <a:t>join</a:t>
-            </a:r>
-            <a:r>
-              <a:rPr lang="nl-NL" sz="2000" noProof="0" dirty="0">
-                <a:latin typeface="Courier New" panose="02070309020205020404" pitchFamily="49" charset="0"/>
-                <a:cs typeface="Courier New" panose="02070309020205020404" pitchFamily="49" charset="0"/>
-              </a:rPr>
-              <a:t>([</a:t>
-            </a:r>
-            <a:r>
-              <a:rPr lang="nl-NL" sz="2000" noProof="0" dirty="0">
-                <a:solidFill>
-                  <a:schemeClr val="accent2">
-                    <a:lumMod val="75000"/>
-                  </a:schemeClr>
-                </a:solidFill>
-                <a:latin typeface="Courier New" panose="02070309020205020404" pitchFamily="49" charset="0"/>
-                <a:cs typeface="Courier New" panose="02070309020205020404" pitchFamily="49" charset="0"/>
-              </a:rPr>
-              <a:t>"Doe"</a:t>
-            </a:r>
-            <a:r>
-              <a:rPr lang="nl-NL" sz="2000" noProof="0" dirty="0">
-                <a:latin typeface="Courier New" panose="02070309020205020404" pitchFamily="49" charset="0"/>
-                <a:cs typeface="Courier New" panose="02070309020205020404" pitchFamily="49" charset="0"/>
-              </a:rPr>
-              <a:t>, </a:t>
-            </a:r>
-            <a:r>
-              <a:rPr lang="nl-NL" sz="2000" noProof="0" dirty="0">
-                <a:solidFill>
-                  <a:schemeClr val="accent2">
-                    <a:lumMod val="75000"/>
-                  </a:schemeClr>
-                </a:solidFill>
-                <a:latin typeface="Courier New" panose="02070309020205020404" pitchFamily="49" charset="0"/>
-                <a:cs typeface="Courier New" panose="02070309020205020404" pitchFamily="49" charset="0"/>
-              </a:rPr>
-              <a:t>"John"</a:t>
-            </a:r>
-            <a:r>
-              <a:rPr lang="nl-NL" sz="2000" noProof="0" dirty="0">
-                <a:latin typeface="Courier New" panose="02070309020205020404" pitchFamily="49" charset="0"/>
-                <a:cs typeface="Courier New" panose="02070309020205020404" pitchFamily="49" charset="0"/>
-              </a:rPr>
-              <a:t>])</a:t>
-            </a:r>
-          </a:p>
-          <a:p>
-            <a:pPr marL="0" indent="0">
-              <a:lnSpc>
-                <a:spcPct val="100000"/>
-              </a:lnSpc>
-              <a:buNone/>
-            </a:pPr>
-            <a:endParaRPr lang="nl-NL" sz="2000" noProof="0" dirty="0">
-              <a:latin typeface="Courier New" panose="02070309020205020404" pitchFamily="49" charset="0"/>
-              <a:cs typeface="Courier New" panose="02070309020205020404" pitchFamily="49" charset="0"/>
-            </a:endParaRPr>
-          </a:p>
-        </p:txBody>
-      </p:sp>
-      <p:sp>
-        <p:nvSpPr>
-          <p:cNvPr id="4" name="Rectangle 3">
-            <a:extLst>
-              <a:ext uri="{FF2B5EF4-FFF2-40B4-BE49-F238E27FC236}">
-                <a16:creationId xmlns:a16="http://schemas.microsoft.com/office/drawing/2014/main" id="{F8C789F1-EE2E-727B-7D3D-6249E89ED81A}"/>
-              </a:ext>
-            </a:extLst>
-          </p:cNvPr>
-          <p:cNvSpPr/>
-          <p:nvPr/>
-        </p:nvSpPr>
-        <p:spPr>
-          <a:xfrm>
-            <a:off x="6468532" y="1231642"/>
-            <a:ext cx="4885268" cy="5008292"/>
-          </a:xfrm>
-          <a:prstGeom prst="rect">
-            <a:avLst/>
-          </a:prstGeom>
-          <a:solidFill>
-            <a:schemeClr val="bg1">
-              <a:lumMod val="95000"/>
-            </a:schemeClr>
-          </a:solidFill>
-        </p:spPr>
-        <p:style>
-          <a:lnRef idx="1">
-            <a:schemeClr val="accent3"/>
-          </a:lnRef>
-          <a:fillRef idx="2">
-            <a:schemeClr val="accent3"/>
-          </a:fillRef>
-          <a:effectRef idx="1">
-            <a:schemeClr val="accent3"/>
-          </a:effectRef>
-          <a:fontRef idx="minor">
-            <a:schemeClr val="dk1"/>
-          </a:fontRef>
-        </p:style>
-        <p:txBody>
-          <a:bodyPr lIns="144000" tIns="144000" rIns="144000" bIns="144000" rtlCol="0" anchor="t"/>
-          <a:lstStyle/>
-          <a:p>
-            <a:pPr>
-              <a:spcBef>
-                <a:spcPts val="1000"/>
-              </a:spcBef>
-            </a:pPr>
-            <a:r>
-              <a:rPr lang="nl-NL" sz="2000" dirty="0"/>
-              <a:t>Met </a:t>
-            </a:r>
-            <a:r>
-              <a:rPr lang="nl-NL" sz="2000" dirty="0">
-                <a:latin typeface="Courier New" panose="02070309020205020404" pitchFamily="49" charset="0"/>
-                <a:cs typeface="Courier New" panose="02070309020205020404" pitchFamily="49" charset="0"/>
-              </a:rPr>
-              <a:t>+</a:t>
-            </a:r>
-            <a:r>
-              <a:rPr lang="nl-NL" sz="2000" dirty="0"/>
-              <a:t> plak je strings aan elkaar.</a:t>
-            </a:r>
-          </a:p>
-          <a:p>
-            <a:pPr>
-              <a:spcBef>
-                <a:spcPts val="1000"/>
-              </a:spcBef>
-            </a:pPr>
-            <a:endParaRPr lang="nl-NL" sz="2000" dirty="0"/>
-          </a:p>
-          <a:p>
-            <a:pPr>
-              <a:spcBef>
-                <a:spcPts val="1000"/>
-              </a:spcBef>
-            </a:pPr>
-            <a:r>
-              <a:rPr lang="nl-NL" sz="2000" dirty="0"/>
-              <a:t>Een format-string is vaak korter.</a:t>
-            </a:r>
-          </a:p>
-          <a:p>
-            <a:pPr>
-              <a:spcBef>
-                <a:spcPts val="1000"/>
-              </a:spcBef>
-            </a:pPr>
-            <a:endParaRPr lang="nl-NL" sz="2000" dirty="0"/>
-          </a:p>
-          <a:p>
-            <a:pPr>
-              <a:spcBef>
-                <a:spcPts val="1000"/>
-              </a:spcBef>
-            </a:pPr>
-            <a:r>
-              <a:rPr lang="nl-NL" sz="2000" dirty="0"/>
-              <a:t>Je kunt ook </a:t>
-            </a:r>
-            <a:r>
-              <a:rPr lang="nl-NL" sz="2000" dirty="0">
-                <a:latin typeface="Courier New" panose="02070309020205020404" pitchFamily="49" charset="0"/>
-                <a:cs typeface="Courier New" panose="02070309020205020404" pitchFamily="49" charset="0"/>
-              </a:rPr>
-              <a:t>format()</a:t>
-            </a:r>
-            <a:r>
-              <a:rPr lang="nl-NL" sz="2000" dirty="0"/>
-              <a:t> gebruiken.</a:t>
-            </a:r>
-          </a:p>
-          <a:p>
-            <a:pPr>
-              <a:spcBef>
-                <a:spcPts val="1000"/>
-              </a:spcBef>
-            </a:pPr>
-            <a:endParaRPr lang="nl-NL" sz="2000" dirty="0"/>
-          </a:p>
-          <a:p>
-            <a:pPr>
-              <a:spcBef>
-                <a:spcPts val="1000"/>
-              </a:spcBef>
-            </a:pPr>
-            <a:endParaRPr lang="nl-NL" sz="2000" dirty="0"/>
-          </a:p>
-          <a:p>
-            <a:pPr>
-              <a:spcBef>
-                <a:spcPts val="1000"/>
-              </a:spcBef>
-            </a:pPr>
-            <a:r>
-              <a:rPr lang="nl-NL" sz="2000" dirty="0"/>
-              <a:t>Splits de string op d.m.v. scheidingsteken.</a:t>
-            </a:r>
-          </a:p>
-          <a:p>
-            <a:pPr>
-              <a:spcBef>
-                <a:spcPts val="1000"/>
-              </a:spcBef>
-            </a:pPr>
-            <a:endParaRPr lang="nl-NL" sz="2000" dirty="0"/>
-          </a:p>
-          <a:p>
-            <a:pPr>
-              <a:spcBef>
-                <a:spcPts val="1000"/>
-              </a:spcBef>
-            </a:pPr>
-            <a:r>
-              <a:rPr lang="nl-NL" sz="2000" dirty="0"/>
-              <a:t>Plakt een lijst aan elkaar tot een string.</a:t>
-            </a:r>
-          </a:p>
-        </p:txBody>
-      </p:sp>
-    </p:spTree>
-    <p:extLst>
-      <p:ext uri="{BB962C8B-B14F-4D97-AF65-F5344CB8AC3E}">
-        <p14:creationId xmlns:p14="http://schemas.microsoft.com/office/powerpoint/2010/main" val="389145027"/>
-      </p:ext>
-    </p:extLst>
-  </p:cSld>
-  <p:clrMapOvr>
-    <a:masterClrMapping/>
-  </p:clrMapOvr>
-</p:sld>
-</file>
-
-<file path=ppt/slides/slide8.xml><?xml version="1.0" encoding="utf-8"?>
-<p:sld xmlns:a="http://schemas.openxmlformats.org/drawingml/2006/main" xmlns:r="http://schemas.openxmlformats.org/officeDocument/2006/relationships" xmlns:p="http://schemas.openxmlformats.org/presentationml/2006/main">
-  <p:cSld>
-    <p:spTree>
-      <p:nvGrpSpPr>
-        <p:cNvPr id="1" name=""/>
-        <p:cNvGrpSpPr/>
-        <p:nvPr/>
-      </p:nvGrpSpPr>
-      <p:grpSpPr>
-        <a:xfrm>
-          <a:off x="0" y="0"/>
-          <a:ext cx="0" cy="0"/>
-          <a:chOff x="0" y="0"/>
-          <a:chExt cx="0" cy="0"/>
-        </a:xfrm>
-      </p:grpSpPr>
-      <p:sp>
-        <p:nvSpPr>
-          <p:cNvPr id="2" name="Title 1">
-            <a:extLst>
-              <a:ext uri="{FF2B5EF4-FFF2-40B4-BE49-F238E27FC236}">
-                <a16:creationId xmlns:a16="http://schemas.microsoft.com/office/drawing/2014/main" id="{39A1D606-8DD1-369C-5C09-471CDD551AD5}"/>
-              </a:ext>
-            </a:extLst>
-          </p:cNvPr>
-          <p:cNvSpPr>
-            <a:spLocks noGrp="1"/>
-          </p:cNvSpPr>
-          <p:nvPr>
-            <p:ph type="title"/>
-          </p:nvPr>
-        </p:nvSpPr>
-        <p:spPr>
-          <a:xfrm>
-            <a:off x="838200" y="365126"/>
-            <a:ext cx="10515600" cy="718608"/>
-          </a:xfrm>
-        </p:spPr>
-        <p:txBody>
-          <a:bodyPr>
-            <a:normAutofit/>
-          </a:bodyPr>
-          <a:lstStyle/>
-          <a:p>
-            <a:r>
-              <a:rPr lang="nl-NL" sz="3600" noProof="0" dirty="0"/>
-              <a:t>Keuze voor IDE</a:t>
-            </a:r>
-          </a:p>
-        </p:txBody>
-      </p:sp>
-      <p:sp>
-        <p:nvSpPr>
-          <p:cNvPr id="3" name="Content Placeholder 2">
-            <a:extLst>
-              <a:ext uri="{FF2B5EF4-FFF2-40B4-BE49-F238E27FC236}">
-                <a16:creationId xmlns:a16="http://schemas.microsoft.com/office/drawing/2014/main" id="{F4C2D286-E049-0AAB-1360-B7157E11AD7E}"/>
-              </a:ext>
-            </a:extLst>
-          </p:cNvPr>
-          <p:cNvSpPr>
-            <a:spLocks noGrp="1"/>
-          </p:cNvSpPr>
-          <p:nvPr>
-            <p:ph idx="1"/>
-          </p:nvPr>
-        </p:nvSpPr>
-        <p:spPr>
-          <a:xfrm>
-            <a:off x="838198" y="1456267"/>
-            <a:ext cx="4715935" cy="4720696"/>
-          </a:xfrm>
-        </p:spPr>
-        <p:txBody>
-          <a:bodyPr>
-            <a:normAutofit/>
-          </a:bodyPr>
-          <a:lstStyle/>
-          <a:p>
-            <a:pPr marL="0" indent="0">
-              <a:buNone/>
-            </a:pPr>
-            <a:r>
-              <a:rPr lang="nl-NL" sz="2000" b="1" noProof="0" dirty="0" err="1"/>
-              <a:t>Jupyter</a:t>
-            </a:r>
-            <a:r>
-              <a:rPr lang="nl-NL" sz="2000" b="1" noProof="0" dirty="0"/>
-              <a:t> Notebook</a:t>
-            </a:r>
-          </a:p>
-          <a:p>
-            <a:pPr marL="0" indent="0">
-              <a:buNone/>
-            </a:pPr>
-            <a:endParaRPr lang="nl-NL" sz="2000" noProof="0" dirty="0"/>
-          </a:p>
-          <a:p>
-            <a:pPr marL="0" indent="0">
-              <a:buNone/>
-            </a:pPr>
-            <a:r>
-              <a:rPr lang="nl-NL" sz="2000" noProof="0" dirty="0"/>
-              <a:t>+    Goed voor exploratief werken.</a:t>
-            </a:r>
-          </a:p>
-          <a:p>
-            <a:pPr marL="0" indent="0">
-              <a:buNone/>
-            </a:pPr>
-            <a:endParaRPr lang="nl-NL" sz="2000" noProof="0" dirty="0"/>
-          </a:p>
-          <a:p>
-            <a:pPr marL="0" indent="0">
-              <a:buNone/>
-            </a:pPr>
-            <a:r>
-              <a:rPr lang="nl-NL" sz="2000" noProof="0" dirty="0"/>
-              <a:t>+    Goed voor demo’s, directe feedback.</a:t>
-            </a:r>
-          </a:p>
-          <a:p>
-            <a:pPr marL="0" indent="0">
-              <a:buNone/>
-            </a:pPr>
-            <a:endParaRPr lang="nl-NL" sz="2000" noProof="0" dirty="0"/>
-          </a:p>
-          <a:p>
-            <a:pPr marL="0" indent="0">
-              <a:buNone/>
-            </a:pPr>
-            <a:r>
-              <a:rPr lang="nl-NL" sz="2000" noProof="0" dirty="0"/>
-              <a:t>-     Qua functionaliteit vrij beperkt.</a:t>
-            </a:r>
-          </a:p>
-          <a:p>
-            <a:pPr marL="0" indent="0">
-              <a:buNone/>
-            </a:pPr>
-            <a:endParaRPr lang="nl-NL" sz="2000" noProof="0" dirty="0"/>
-          </a:p>
-          <a:p>
-            <a:pPr marL="0" indent="0">
-              <a:buNone/>
-            </a:pPr>
-            <a:r>
-              <a:rPr lang="nl-NL" sz="2000" noProof="0" dirty="0"/>
-              <a:t>-    Foutgevoelig, snel onoverzichtelijk.</a:t>
-            </a:r>
-          </a:p>
-          <a:p>
-            <a:pPr marL="0" indent="0">
-              <a:buNone/>
-            </a:pPr>
-            <a:endParaRPr lang="nl-NL" sz="2000" noProof="0" dirty="0"/>
-          </a:p>
-        </p:txBody>
-      </p:sp>
-      <p:sp>
-        <p:nvSpPr>
-          <p:cNvPr id="4" name="Content Placeholder 2">
-            <a:extLst>
-              <a:ext uri="{FF2B5EF4-FFF2-40B4-BE49-F238E27FC236}">
-                <a16:creationId xmlns:a16="http://schemas.microsoft.com/office/drawing/2014/main" id="{4A6E87A0-1070-48CA-27A1-259B2400F9C1}"/>
-              </a:ext>
-            </a:extLst>
-          </p:cNvPr>
-          <p:cNvSpPr txBox="1">
-            <a:spLocks/>
-          </p:cNvSpPr>
-          <p:nvPr/>
-        </p:nvSpPr>
-        <p:spPr>
-          <a:xfrm>
-            <a:off x="6637869" y="1456267"/>
-            <a:ext cx="4715935" cy="4720696"/>
-          </a:xfrm>
-          <a:prstGeom prst="rect">
-            <a:avLst/>
-          </a:prstGeom>
-        </p:spPr>
-        <p:txBody>
-          <a:bodyPr vert="horz" lIns="91440" tIns="45720" rIns="91440" bIns="45720" rtlCol="0">
-            <a:normAutofit/>
-          </a:bodyPr>
-          <a:lstStyle>
-            <a:lvl1pPr marL="228600" indent="-228600" algn="l" defTabSz="914400" rtl="0" eaLnBrk="1" latinLnBrk="0" hangingPunct="1">
-              <a:lnSpc>
-                <a:spcPct val="90000"/>
-              </a:lnSpc>
-              <a:spcBef>
-                <a:spcPts val="1000"/>
-              </a:spcBef>
-              <a:buFont typeface="Arial" panose="020B0604020202020204" pitchFamily="34" charset="0"/>
-              <a:buChar char="•"/>
-              <a:defRPr sz="2800" kern="1200">
-                <a:solidFill>
-                  <a:schemeClr val="tx1"/>
-                </a:solidFill>
-                <a:latin typeface="+mn-lt"/>
-                <a:ea typeface="+mn-ea"/>
-                <a:cs typeface="+mn-cs"/>
-              </a:defRPr>
-            </a:lvl1pPr>
-            <a:lvl2pPr marL="685800" indent="-228600" algn="l" defTabSz="914400" rtl="0" eaLnBrk="1" latinLnBrk="0" hangingPunct="1">
-              <a:lnSpc>
-                <a:spcPct val="90000"/>
-              </a:lnSpc>
-              <a:spcBef>
-                <a:spcPts val="500"/>
-              </a:spcBef>
-              <a:buFont typeface="Arial" panose="020B0604020202020204" pitchFamily="34" charset="0"/>
-              <a:buChar char="•"/>
-              <a:defRPr sz="2400" kern="1200">
-                <a:solidFill>
-                  <a:schemeClr val="tx1"/>
-                </a:solidFill>
-                <a:latin typeface="+mn-lt"/>
-                <a:ea typeface="+mn-ea"/>
-                <a:cs typeface="+mn-cs"/>
-              </a:defRPr>
-            </a:lvl2pPr>
-            <a:lvl3pPr marL="1143000" indent="-228600" algn="l" defTabSz="914400" rtl="0" eaLnBrk="1" latinLnBrk="0" hangingPunct="1">
-              <a:lnSpc>
-                <a:spcPct val="90000"/>
-              </a:lnSpc>
-              <a:spcBef>
-                <a:spcPts val="500"/>
-              </a:spcBef>
-              <a:buFont typeface="Arial" panose="020B0604020202020204" pitchFamily="34" charset="0"/>
-              <a:buChar char="•"/>
-              <a:defRPr sz="2000" kern="1200">
-                <a:solidFill>
-                  <a:schemeClr val="tx1"/>
-                </a:solidFill>
-                <a:latin typeface="+mn-lt"/>
-                <a:ea typeface="+mn-ea"/>
-                <a:cs typeface="+mn-cs"/>
-              </a:defRPr>
-            </a:lvl3pPr>
-            <a:lvl4pPr marL="1600200" indent="-228600" algn="l" defTabSz="914400" rtl="0" eaLnBrk="1" latinLnBrk="0" hangingPunct="1">
-              <a:lnSpc>
-                <a:spcPct val="90000"/>
-              </a:lnSpc>
-              <a:spcBef>
-                <a:spcPts val="500"/>
-              </a:spcBef>
-              <a:buFont typeface="Arial" panose="020B0604020202020204" pitchFamily="34" charset="0"/>
-              <a:buChar char="•"/>
-              <a:defRPr sz="1800" kern="1200">
-                <a:solidFill>
-                  <a:schemeClr val="tx1"/>
-                </a:solidFill>
-                <a:latin typeface="+mn-lt"/>
-                <a:ea typeface="+mn-ea"/>
-                <a:cs typeface="+mn-cs"/>
-              </a:defRPr>
-            </a:lvl4pPr>
-            <a:lvl5pPr marL="2057400" indent="-228600" algn="l" defTabSz="914400" rtl="0" eaLnBrk="1" latinLnBrk="0" hangingPunct="1">
-              <a:lnSpc>
-                <a:spcPct val="90000"/>
-              </a:lnSpc>
-              <a:spcBef>
-                <a:spcPts val="500"/>
-              </a:spcBef>
-              <a:buFont typeface="Arial" panose="020B0604020202020204" pitchFamily="34" charset="0"/>
-              <a:buChar char="•"/>
-              <a:defRPr sz="1800" kern="1200">
-                <a:solidFill>
-                  <a:schemeClr val="tx1"/>
-                </a:solidFill>
-                <a:latin typeface="+mn-lt"/>
-                <a:ea typeface="+mn-ea"/>
-                <a:cs typeface="+mn-cs"/>
-              </a:defRPr>
-            </a:lvl5pPr>
-            <a:lvl6pPr marL="2514600" indent="-228600" algn="l" defTabSz="914400" rtl="0" eaLnBrk="1" latinLnBrk="0" hangingPunct="1">
-              <a:lnSpc>
-                <a:spcPct val="90000"/>
-              </a:lnSpc>
-              <a:spcBef>
-                <a:spcPts val="500"/>
-              </a:spcBef>
-              <a:buFont typeface="Arial" panose="020B0604020202020204" pitchFamily="34" charset="0"/>
-              <a:buChar char="•"/>
-              <a:defRPr sz="1800" kern="1200">
-                <a:solidFill>
-                  <a:schemeClr val="tx1"/>
-                </a:solidFill>
-                <a:latin typeface="+mn-lt"/>
-                <a:ea typeface="+mn-ea"/>
-                <a:cs typeface="+mn-cs"/>
-              </a:defRPr>
-            </a:lvl6pPr>
-            <a:lvl7pPr marL="2971800" indent="-228600" algn="l" defTabSz="914400" rtl="0" eaLnBrk="1" latinLnBrk="0" hangingPunct="1">
-              <a:lnSpc>
-                <a:spcPct val="90000"/>
-              </a:lnSpc>
-              <a:spcBef>
-                <a:spcPts val="500"/>
-              </a:spcBef>
-              <a:buFont typeface="Arial" panose="020B0604020202020204" pitchFamily="34" charset="0"/>
-              <a:buChar char="•"/>
-              <a:defRPr sz="1800" kern="1200">
-                <a:solidFill>
-                  <a:schemeClr val="tx1"/>
-                </a:solidFill>
-                <a:latin typeface="+mn-lt"/>
-                <a:ea typeface="+mn-ea"/>
-                <a:cs typeface="+mn-cs"/>
-              </a:defRPr>
-            </a:lvl7pPr>
-            <a:lvl8pPr marL="3429000" indent="-228600" algn="l" defTabSz="914400" rtl="0" eaLnBrk="1" latinLnBrk="0" hangingPunct="1">
-              <a:lnSpc>
-                <a:spcPct val="90000"/>
-              </a:lnSpc>
-              <a:spcBef>
-                <a:spcPts val="500"/>
-              </a:spcBef>
-              <a:buFont typeface="Arial" panose="020B0604020202020204" pitchFamily="34" charset="0"/>
-              <a:buChar char="•"/>
-              <a:defRPr sz="1800" kern="1200">
-                <a:solidFill>
-                  <a:schemeClr val="tx1"/>
-                </a:solidFill>
-                <a:latin typeface="+mn-lt"/>
-                <a:ea typeface="+mn-ea"/>
-                <a:cs typeface="+mn-cs"/>
-              </a:defRPr>
-            </a:lvl8pPr>
-            <a:lvl9pPr marL="3886200" indent="-228600" algn="l" defTabSz="914400" rtl="0" eaLnBrk="1" latinLnBrk="0" hangingPunct="1">
-              <a:lnSpc>
-                <a:spcPct val="90000"/>
-              </a:lnSpc>
-              <a:spcBef>
-                <a:spcPts val="500"/>
-              </a:spcBef>
-              <a:buFont typeface="Arial" panose="020B0604020202020204" pitchFamily="34" charset="0"/>
-              <a:buChar char="•"/>
-              <a:defRPr sz="1800" kern="1200">
-                <a:solidFill>
-                  <a:schemeClr val="tx1"/>
-                </a:solidFill>
-                <a:latin typeface="+mn-lt"/>
-                <a:ea typeface="+mn-ea"/>
-                <a:cs typeface="+mn-cs"/>
-              </a:defRPr>
-            </a:lvl9pPr>
-          </a:lstStyle>
-          <a:p>
-            <a:pPr marL="0" indent="0">
-              <a:buFont typeface="Arial" panose="020B0604020202020204" pitchFamily="34" charset="0"/>
-              <a:buNone/>
-            </a:pPr>
-            <a:r>
-              <a:rPr lang="nl-NL" sz="2000" b="1" dirty="0"/>
               <a:t>Visual Studio Code</a:t>
             </a:r>
           </a:p>
@@ -6404,7 +4477,7 @@
 </p:sld>
 </file>
 
-<file path=ppt/slides/slide9.xml><?xml version="1.0" encoding="utf-8"?>
+<file path=ppt/slides/slide11.xml><?xml version="1.0" encoding="utf-8"?>
 <p:sld xmlns:a="http://schemas.openxmlformats.org/drawingml/2006/main" xmlns:r="http://schemas.openxmlformats.org/officeDocument/2006/relationships" xmlns:p="http://schemas.openxmlformats.org/presentationml/2006/main">
   <p:cSld>
     <p:spTree>
@@ -6922,6 +4995,3647 @@
     <p:extLst>
       <p:ext uri="{BB962C8B-B14F-4D97-AF65-F5344CB8AC3E}">
         <p14:creationId xmlns:p14="http://schemas.microsoft.com/office/powerpoint/2010/main" val="1837042283"/>
+      </p:ext>
+    </p:extLst>
+  </p:cSld>
+  <p:clrMapOvr>
+    <a:masterClrMapping/>
+  </p:clrMapOvr>
+</p:sld>
+</file>
+
+<file path=ppt/slides/slide12.xml><?xml version="1.0" encoding="utf-8"?>
+<p:sld xmlns:a="http://schemas.openxmlformats.org/drawingml/2006/main" xmlns:r="http://schemas.openxmlformats.org/officeDocument/2006/relationships" xmlns:p="http://schemas.openxmlformats.org/presentationml/2006/main">
+  <p:cSld>
+    <p:spTree>
+      <p:nvGrpSpPr>
+        <p:cNvPr id="1" name=""/>
+        <p:cNvGrpSpPr/>
+        <p:nvPr/>
+      </p:nvGrpSpPr>
+      <p:grpSpPr>
+        <a:xfrm>
+          <a:off x="0" y="0"/>
+          <a:ext cx="0" cy="0"/>
+          <a:chOff x="0" y="0"/>
+          <a:chExt cx="0" cy="0"/>
+        </a:xfrm>
+      </p:grpSpPr>
+      <p:sp>
+        <p:nvSpPr>
+          <p:cNvPr id="2" name="Title 1">
+            <a:extLst>
+              <a:ext uri="{FF2B5EF4-FFF2-40B4-BE49-F238E27FC236}">
+                <a16:creationId xmlns:a16="http://schemas.microsoft.com/office/drawing/2014/main" id="{39A1D606-8DD1-369C-5C09-471CDD551AD5}"/>
+              </a:ext>
+            </a:extLst>
+          </p:cNvPr>
+          <p:cNvSpPr>
+            <a:spLocks noGrp="1"/>
+          </p:cNvSpPr>
+          <p:nvPr>
+            <p:ph type="title"/>
+          </p:nvPr>
+        </p:nvSpPr>
+        <p:spPr>
+          <a:xfrm>
+            <a:off x="838200" y="365126"/>
+            <a:ext cx="10515600" cy="718608"/>
+          </a:xfrm>
+        </p:spPr>
+        <p:txBody>
+          <a:bodyPr>
+            <a:normAutofit/>
+          </a:bodyPr>
+          <a:lstStyle/>
+          <a:p>
+            <a:r>
+              <a:rPr lang="nl-NL" sz="3600" noProof="0" dirty="0"/>
+              <a:t>Oefeningen IV</a:t>
+            </a:r>
+          </a:p>
+        </p:txBody>
+      </p:sp>
+      <p:sp>
+        <p:nvSpPr>
+          <p:cNvPr id="3" name="Content Placeholder 2">
+            <a:extLst>
+              <a:ext uri="{FF2B5EF4-FFF2-40B4-BE49-F238E27FC236}">
+                <a16:creationId xmlns:a16="http://schemas.microsoft.com/office/drawing/2014/main" id="{F4C2D286-E049-0AAB-1360-B7157E11AD7E}"/>
+              </a:ext>
+            </a:extLst>
+          </p:cNvPr>
+          <p:cNvSpPr>
+            <a:spLocks noGrp="1"/>
+          </p:cNvSpPr>
+          <p:nvPr>
+            <p:ph idx="1"/>
+          </p:nvPr>
+        </p:nvSpPr>
+        <p:spPr>
+          <a:xfrm>
+            <a:off x="838200" y="1456267"/>
+            <a:ext cx="10375900" cy="4720696"/>
+          </a:xfrm>
+        </p:spPr>
+        <p:txBody>
+          <a:bodyPr>
+            <a:normAutofit/>
+          </a:bodyPr>
+          <a:lstStyle/>
+          <a:p>
+            <a:pPr marL="457200" indent="-457200">
+              <a:buFont typeface="Arial" panose="020B0604020202020204" pitchFamily="34" charset="0"/>
+              <a:buAutoNum type="arabicPeriod"/>
+            </a:pPr>
+            <a:r>
+              <a:rPr lang="nl-NL" sz="2000" dirty="0"/>
+              <a:t>Open Notebook </a:t>
+            </a:r>
+            <a:r>
+              <a:rPr lang="nl-NL" sz="2000" dirty="0" err="1">
+                <a:latin typeface="Courier New" panose="02070309020205020404" pitchFamily="49" charset="0"/>
+                <a:cs typeface="Courier New" panose="02070309020205020404" pitchFamily="49" charset="0"/>
+              </a:rPr>
+              <a:t>exercises</a:t>
+            </a:r>
+            <a:r>
+              <a:rPr lang="nl-NL" sz="2000" dirty="0">
+                <a:latin typeface="Courier New" panose="02070309020205020404" pitchFamily="49" charset="0"/>
+                <a:cs typeface="Courier New" panose="02070309020205020404" pitchFamily="49" charset="0"/>
+              </a:rPr>
+              <a:t>/4_fuzzy_dict.ipynb</a:t>
+            </a:r>
+          </a:p>
+          <a:p>
+            <a:pPr marL="457200" indent="-457200">
+              <a:buFont typeface="Arial" panose="020B0604020202020204" pitchFamily="34" charset="0"/>
+              <a:buAutoNum type="arabicPeriod"/>
+            </a:pPr>
+            <a:endParaRPr lang="nl-NL" sz="2000" dirty="0"/>
+          </a:p>
+          <a:p>
+            <a:pPr marL="457200" indent="-457200">
+              <a:buFont typeface="Arial" panose="020B0604020202020204" pitchFamily="34" charset="0"/>
+              <a:buAutoNum type="arabicPeriod"/>
+            </a:pPr>
+            <a:r>
+              <a:rPr lang="nl-NL" sz="2000" dirty="0" err="1">
+                <a:latin typeface="Courier New" panose="02070309020205020404" pitchFamily="49" charset="0"/>
+                <a:cs typeface="Courier New" panose="02070309020205020404" pitchFamily="49" charset="0"/>
+              </a:rPr>
+              <a:t>FuzzyDict</a:t>
+            </a:r>
+            <a:r>
+              <a:rPr lang="nl-NL" sz="2000" dirty="0">
+                <a:latin typeface="Courier New" panose="02070309020205020404" pitchFamily="49" charset="0"/>
+                <a:cs typeface="Courier New" panose="02070309020205020404" pitchFamily="49" charset="0"/>
+              </a:rPr>
+              <a:t>;</a:t>
+            </a:r>
+            <a:r>
+              <a:rPr lang="nl-NL" sz="2000" dirty="0"/>
+              <a:t> </a:t>
+            </a:r>
+            <a:r>
+              <a:rPr lang="nl-NL" sz="2000" dirty="0" err="1"/>
+              <a:t>dict</a:t>
+            </a:r>
+            <a:r>
+              <a:rPr lang="nl-NL" sz="2000" dirty="0"/>
+              <a:t> dat niet hoofdlettergevoelig is:</a:t>
+            </a:r>
+          </a:p>
+          <a:p>
+            <a:pPr lvl="1"/>
+            <a:r>
+              <a:rPr lang="nl-NL" sz="2000" dirty="0" err="1">
+                <a:latin typeface="Courier New" panose="02070309020205020404" pitchFamily="49" charset="0"/>
+                <a:cs typeface="Courier New" panose="02070309020205020404" pitchFamily="49" charset="0"/>
+              </a:rPr>
+              <a:t>fuzzydict</a:t>
+            </a:r>
+            <a:r>
+              <a:rPr lang="nl-NL" sz="2000" dirty="0">
+                <a:latin typeface="Courier New" panose="02070309020205020404" pitchFamily="49" charset="0"/>
+                <a:cs typeface="Courier New" panose="02070309020205020404" pitchFamily="49" charset="0"/>
+              </a:rPr>
+              <a:t>[</a:t>
+            </a:r>
+            <a:r>
+              <a:rPr lang="nl-NL" sz="2000" dirty="0">
+                <a:solidFill>
+                  <a:schemeClr val="accent2">
+                    <a:lumMod val="75000"/>
+                  </a:schemeClr>
+                </a:solidFill>
+                <a:latin typeface="Courier New" panose="02070309020205020404" pitchFamily="49" charset="0"/>
+                <a:cs typeface="Courier New" panose="02070309020205020404" pitchFamily="49" charset="0"/>
+              </a:rPr>
+              <a:t>"NAAM"</a:t>
+            </a:r>
+            <a:r>
+              <a:rPr lang="nl-NL" sz="2000" dirty="0">
+                <a:latin typeface="Courier New" panose="02070309020205020404" pitchFamily="49" charset="0"/>
+                <a:cs typeface="Courier New" panose="02070309020205020404" pitchFamily="49" charset="0"/>
+              </a:rPr>
+              <a:t>]</a:t>
+            </a:r>
+            <a:r>
+              <a:rPr lang="nl-NL" sz="2000" dirty="0"/>
+              <a:t> is gelijk aan </a:t>
+            </a:r>
+            <a:r>
+              <a:rPr lang="nl-NL" sz="2000" dirty="0" err="1">
+                <a:latin typeface="Courier New" panose="02070309020205020404" pitchFamily="49" charset="0"/>
+                <a:cs typeface="Courier New" panose="02070309020205020404" pitchFamily="49" charset="0"/>
+              </a:rPr>
+              <a:t>fuzzydict</a:t>
+            </a:r>
+            <a:r>
+              <a:rPr lang="nl-NL" sz="2000" dirty="0">
+                <a:latin typeface="Courier New" panose="02070309020205020404" pitchFamily="49" charset="0"/>
+                <a:cs typeface="Courier New" panose="02070309020205020404" pitchFamily="49" charset="0"/>
+              </a:rPr>
+              <a:t>[</a:t>
+            </a:r>
+            <a:r>
+              <a:rPr lang="nl-NL" sz="2000" dirty="0">
+                <a:solidFill>
+                  <a:schemeClr val="accent2">
+                    <a:lumMod val="75000"/>
+                  </a:schemeClr>
+                </a:solidFill>
+                <a:latin typeface="Courier New" panose="02070309020205020404" pitchFamily="49" charset="0"/>
+                <a:cs typeface="Courier New" panose="02070309020205020404" pitchFamily="49" charset="0"/>
+              </a:rPr>
+              <a:t>"naam"</a:t>
+            </a:r>
+            <a:r>
+              <a:rPr lang="nl-NL" sz="2000" dirty="0">
+                <a:latin typeface="Courier New" panose="02070309020205020404" pitchFamily="49" charset="0"/>
+                <a:cs typeface="Courier New" panose="02070309020205020404" pitchFamily="49" charset="0"/>
+              </a:rPr>
+              <a:t>]</a:t>
+            </a:r>
+            <a:r>
+              <a:rPr lang="nl-NL" sz="2000" dirty="0">
+                <a:cs typeface="Courier New" panose="02070309020205020404" pitchFamily="49" charset="0"/>
+              </a:rPr>
+              <a:t>.</a:t>
+            </a:r>
+            <a:endParaRPr lang="nl-NL" sz="2000" dirty="0"/>
+          </a:p>
+          <a:p>
+            <a:pPr lvl="1"/>
+            <a:r>
+              <a:rPr lang="nl-NL" sz="2000" dirty="0">
+                <a:cs typeface="Courier New" panose="02070309020205020404" pitchFamily="49" charset="0"/>
+              </a:rPr>
+              <a:t>Zowel bij ophalen als wegschrijven van waardes.</a:t>
+            </a:r>
+            <a:endParaRPr lang="nl-NL" sz="2000" dirty="0"/>
+          </a:p>
+          <a:p>
+            <a:pPr marL="457200" indent="-457200">
+              <a:buFont typeface="Arial" panose="020B0604020202020204" pitchFamily="34" charset="0"/>
+              <a:buAutoNum type="arabicPeriod"/>
+            </a:pPr>
+            <a:endParaRPr lang="nl-NL" sz="2000" dirty="0"/>
+          </a:p>
+          <a:p>
+            <a:pPr marL="457200" indent="-457200">
+              <a:buFont typeface="Arial" panose="020B0604020202020204" pitchFamily="34" charset="0"/>
+              <a:buAutoNum type="arabicPeriod"/>
+            </a:pPr>
+            <a:r>
+              <a:rPr lang="nl-NL" sz="2000" dirty="0"/>
+              <a:t>Gebruik:</a:t>
+            </a:r>
+          </a:p>
+          <a:p>
+            <a:pPr marL="0" indent="0">
+              <a:buNone/>
+            </a:pPr>
+            <a:r>
+              <a:rPr lang="nl-NL" sz="2000" dirty="0">
+                <a:latin typeface="Courier New" panose="02070309020205020404" pitchFamily="49" charset="0"/>
+                <a:cs typeface="Courier New" panose="02070309020205020404" pitchFamily="49" charset="0"/>
+              </a:rPr>
+              <a:t>   __</a:t>
+            </a:r>
+            <a:r>
+              <a:rPr lang="nl-NL" sz="2000" dirty="0" err="1">
+                <a:latin typeface="Courier New" panose="02070309020205020404" pitchFamily="49" charset="0"/>
+                <a:cs typeface="Courier New" panose="02070309020205020404" pitchFamily="49" charset="0"/>
+              </a:rPr>
+              <a:t>getitem</a:t>
+            </a:r>
+            <a:r>
+              <a:rPr lang="nl-NL" sz="2000" dirty="0">
+                <a:latin typeface="Courier New" panose="02070309020205020404" pitchFamily="49" charset="0"/>
+                <a:cs typeface="Courier New" panose="02070309020205020404" pitchFamily="49" charset="0"/>
+              </a:rPr>
+              <a:t>__</a:t>
+            </a:r>
+            <a:r>
+              <a:rPr lang="nl-NL" sz="2000" dirty="0"/>
+              <a:t> om waardes op te halen.</a:t>
+            </a:r>
+          </a:p>
+          <a:p>
+            <a:pPr marL="0" indent="0">
+              <a:buNone/>
+            </a:pPr>
+            <a:r>
+              <a:rPr lang="nl-NL" sz="2000" dirty="0">
+                <a:latin typeface="Courier New" panose="02070309020205020404" pitchFamily="49" charset="0"/>
+                <a:cs typeface="Courier New" panose="02070309020205020404" pitchFamily="49" charset="0"/>
+              </a:rPr>
+              <a:t>   __</a:t>
+            </a:r>
+            <a:r>
+              <a:rPr lang="nl-NL" sz="2000" dirty="0" err="1">
+                <a:latin typeface="Courier New" panose="02070309020205020404" pitchFamily="49" charset="0"/>
+                <a:cs typeface="Courier New" panose="02070309020205020404" pitchFamily="49" charset="0"/>
+              </a:rPr>
+              <a:t>setitem</a:t>
+            </a:r>
+            <a:r>
+              <a:rPr lang="nl-NL" sz="2000" dirty="0">
+                <a:latin typeface="Courier New" panose="02070309020205020404" pitchFamily="49" charset="0"/>
+                <a:cs typeface="Courier New" panose="02070309020205020404" pitchFamily="49" charset="0"/>
+              </a:rPr>
+              <a:t>__</a:t>
+            </a:r>
+            <a:r>
+              <a:rPr lang="nl-NL" sz="2000" dirty="0"/>
+              <a:t> om waardes op te slaan.</a:t>
+            </a:r>
+          </a:p>
+          <a:p>
+            <a:pPr marL="0" indent="0">
+              <a:buNone/>
+            </a:pPr>
+            <a:endParaRPr lang="nl-NL" sz="2000" dirty="0"/>
+          </a:p>
+          <a:p>
+            <a:pPr marL="457200" indent="-457200">
+              <a:buAutoNum type="arabicPeriod" startAt="4"/>
+            </a:pPr>
+            <a:r>
+              <a:rPr lang="nl-NL" sz="2000" dirty="0"/>
+              <a:t>Bonus voor implementeren van methodes:</a:t>
+            </a:r>
+          </a:p>
+          <a:p>
+            <a:pPr marL="0" indent="0">
+              <a:buNone/>
+            </a:pPr>
+            <a:r>
+              <a:rPr lang="nl-NL" sz="2000" dirty="0">
+                <a:latin typeface="Courier New" panose="02070309020205020404" pitchFamily="49" charset="0"/>
+                <a:cs typeface="Courier New" panose="02070309020205020404" pitchFamily="49" charset="0"/>
+              </a:rPr>
+              <a:t>   __</a:t>
+            </a:r>
+            <a:r>
+              <a:rPr lang="nl-NL" sz="2000" dirty="0" err="1">
+                <a:latin typeface="Courier New" panose="02070309020205020404" pitchFamily="49" charset="0"/>
+                <a:cs typeface="Courier New" panose="02070309020205020404" pitchFamily="49" charset="0"/>
+              </a:rPr>
+              <a:t>str</a:t>
+            </a:r>
+            <a:r>
+              <a:rPr lang="nl-NL" sz="2000" dirty="0">
+                <a:latin typeface="Courier New" panose="02070309020205020404" pitchFamily="49" charset="0"/>
+                <a:cs typeface="Courier New" panose="02070309020205020404" pitchFamily="49" charset="0"/>
+              </a:rPr>
+              <a:t>__, __</a:t>
+            </a:r>
+            <a:r>
+              <a:rPr lang="nl-NL" sz="2000" dirty="0" err="1">
+                <a:latin typeface="Courier New" panose="02070309020205020404" pitchFamily="49" charset="0"/>
+                <a:cs typeface="Courier New" panose="02070309020205020404" pitchFamily="49" charset="0"/>
+              </a:rPr>
+              <a:t>repr</a:t>
+            </a:r>
+            <a:r>
+              <a:rPr lang="nl-NL" sz="2000" dirty="0">
+                <a:latin typeface="Courier New" panose="02070309020205020404" pitchFamily="49" charset="0"/>
+                <a:cs typeface="Courier New" panose="02070309020205020404" pitchFamily="49" charset="0"/>
+              </a:rPr>
+              <a:t>__, __</a:t>
+            </a:r>
+            <a:r>
+              <a:rPr lang="nl-NL" sz="2000" dirty="0" err="1">
+                <a:latin typeface="Courier New" panose="02070309020205020404" pitchFamily="49" charset="0"/>
+                <a:cs typeface="Courier New" panose="02070309020205020404" pitchFamily="49" charset="0"/>
+              </a:rPr>
+              <a:t>len</a:t>
+            </a:r>
+            <a:r>
+              <a:rPr lang="nl-NL" sz="2000" dirty="0">
+                <a:latin typeface="Courier New" panose="02070309020205020404" pitchFamily="49" charset="0"/>
+                <a:cs typeface="Courier New" panose="02070309020205020404" pitchFamily="49" charset="0"/>
+              </a:rPr>
+              <a:t>__, </a:t>
+            </a:r>
+            <a:r>
+              <a:rPr lang="nl-NL" sz="2000" dirty="0" err="1">
+                <a:latin typeface="Courier New" panose="02070309020205020404" pitchFamily="49" charset="0"/>
+                <a:cs typeface="Courier New" panose="02070309020205020404" pitchFamily="49" charset="0"/>
+              </a:rPr>
+              <a:t>keys</a:t>
+            </a:r>
+            <a:r>
+              <a:rPr lang="nl-NL" sz="2000" dirty="0">
+                <a:latin typeface="Courier New" panose="02070309020205020404" pitchFamily="49" charset="0"/>
+                <a:cs typeface="Courier New" panose="02070309020205020404" pitchFamily="49" charset="0"/>
+              </a:rPr>
+              <a:t>, </a:t>
+            </a:r>
+            <a:r>
+              <a:rPr lang="nl-NL" sz="2000" dirty="0" err="1">
+                <a:latin typeface="Courier New" panose="02070309020205020404" pitchFamily="49" charset="0"/>
+                <a:cs typeface="Courier New" panose="02070309020205020404" pitchFamily="49" charset="0"/>
+              </a:rPr>
+              <a:t>values</a:t>
+            </a:r>
+            <a:r>
+              <a:rPr lang="nl-NL" sz="2000" dirty="0">
+                <a:latin typeface="Courier New" panose="02070309020205020404" pitchFamily="49" charset="0"/>
+                <a:cs typeface="Courier New" panose="02070309020205020404" pitchFamily="49" charset="0"/>
+              </a:rPr>
+              <a:t>, items</a:t>
+            </a:r>
+          </a:p>
+        </p:txBody>
+      </p:sp>
+    </p:spTree>
+    <p:extLst>
+      <p:ext uri="{BB962C8B-B14F-4D97-AF65-F5344CB8AC3E}">
+        <p14:creationId xmlns:p14="http://schemas.microsoft.com/office/powerpoint/2010/main" val="4287688984"/>
+      </p:ext>
+    </p:extLst>
+  </p:cSld>
+  <p:clrMapOvr>
+    <a:masterClrMapping/>
+  </p:clrMapOvr>
+</p:sld>
+</file>
+
+<file path=ppt/slides/slide2.xml><?xml version="1.0" encoding="utf-8"?>
+<p:sld xmlns:a="http://schemas.openxmlformats.org/drawingml/2006/main" xmlns:r="http://schemas.openxmlformats.org/officeDocument/2006/relationships" xmlns:p="http://schemas.openxmlformats.org/presentationml/2006/main">
+  <p:cSld>
+    <p:spTree>
+      <p:nvGrpSpPr>
+        <p:cNvPr id="1" name=""/>
+        <p:cNvGrpSpPr/>
+        <p:nvPr/>
+      </p:nvGrpSpPr>
+      <p:grpSpPr>
+        <a:xfrm>
+          <a:off x="0" y="0"/>
+          <a:ext cx="0" cy="0"/>
+          <a:chOff x="0" y="0"/>
+          <a:chExt cx="0" cy="0"/>
+        </a:xfrm>
+      </p:grpSpPr>
+      <p:sp>
+        <p:nvSpPr>
+          <p:cNvPr id="2" name="Title 1">
+            <a:extLst>
+              <a:ext uri="{FF2B5EF4-FFF2-40B4-BE49-F238E27FC236}">
+                <a16:creationId xmlns:a16="http://schemas.microsoft.com/office/drawing/2014/main" id="{39A1D606-8DD1-369C-5C09-471CDD551AD5}"/>
+              </a:ext>
+            </a:extLst>
+          </p:cNvPr>
+          <p:cNvSpPr>
+            <a:spLocks noGrp="1"/>
+          </p:cNvSpPr>
+          <p:nvPr>
+            <p:ph type="title"/>
+          </p:nvPr>
+        </p:nvSpPr>
+        <p:spPr>
+          <a:xfrm>
+            <a:off x="838200" y="365126"/>
+            <a:ext cx="10515600" cy="718608"/>
+          </a:xfrm>
+        </p:spPr>
+        <p:txBody>
+          <a:bodyPr>
+            <a:normAutofit/>
+          </a:bodyPr>
+          <a:lstStyle/>
+          <a:p>
+            <a:r>
+              <a:rPr lang="nl-NL" sz="3600" noProof="0" dirty="0"/>
+              <a:t>Agenda</a:t>
+            </a:r>
+          </a:p>
+        </p:txBody>
+      </p:sp>
+      <p:sp>
+        <p:nvSpPr>
+          <p:cNvPr id="3" name="Content Placeholder 2">
+            <a:extLst>
+              <a:ext uri="{FF2B5EF4-FFF2-40B4-BE49-F238E27FC236}">
+                <a16:creationId xmlns:a16="http://schemas.microsoft.com/office/drawing/2014/main" id="{F4C2D286-E049-0AAB-1360-B7157E11AD7E}"/>
+              </a:ext>
+            </a:extLst>
+          </p:cNvPr>
+          <p:cNvSpPr>
+            <a:spLocks noGrp="1"/>
+          </p:cNvSpPr>
+          <p:nvPr>
+            <p:ph idx="1"/>
+          </p:nvPr>
+        </p:nvSpPr>
+        <p:spPr>
+          <a:xfrm>
+            <a:off x="838200" y="1456267"/>
+            <a:ext cx="10515600" cy="4720696"/>
+          </a:xfrm>
+        </p:spPr>
+        <p:txBody>
+          <a:bodyPr>
+            <a:normAutofit/>
+          </a:bodyPr>
+          <a:lstStyle/>
+          <a:p>
+            <a:pPr>
+              <a:spcAft>
+                <a:spcPts val="600"/>
+              </a:spcAft>
+            </a:pPr>
+            <a:r>
+              <a:rPr lang="nl-NL" sz="2000" noProof="0" dirty="0"/>
+              <a:t>Introductie</a:t>
+            </a:r>
+            <a:endParaRPr lang="nl-NL" sz="2000" dirty="0"/>
+          </a:p>
+          <a:p>
+            <a:pPr lvl="1">
+              <a:spcAft>
+                <a:spcPts val="600"/>
+              </a:spcAft>
+            </a:pPr>
+            <a:r>
+              <a:rPr lang="nl-NL" sz="1600" noProof="0" dirty="0"/>
+              <a:t>Wat is git?</a:t>
+            </a:r>
+          </a:p>
+          <a:p>
+            <a:pPr lvl="1">
+              <a:spcAft>
+                <a:spcPts val="600"/>
+              </a:spcAft>
+            </a:pPr>
+            <a:r>
+              <a:rPr lang="nl-NL" sz="1600" noProof="0" dirty="0"/>
+              <a:t>Hoe werkt git?</a:t>
+            </a:r>
+          </a:p>
+          <a:p>
+            <a:pPr>
+              <a:spcAft>
+                <a:spcPts val="600"/>
+              </a:spcAft>
+            </a:pPr>
+            <a:r>
+              <a:rPr lang="nl-NL" sz="2000" dirty="0"/>
+              <a:t>Werken met versies</a:t>
+            </a:r>
+            <a:endParaRPr lang="nl-NL" sz="1600" dirty="0"/>
+          </a:p>
+          <a:p>
+            <a:pPr lvl="1">
+              <a:spcAft>
+                <a:spcPts val="600"/>
+              </a:spcAft>
+            </a:pPr>
+            <a:r>
+              <a:rPr lang="nl-NL" sz="1600" dirty="0"/>
+              <a:t>Repository opzetten</a:t>
+            </a:r>
+            <a:endParaRPr lang="nl-NL" sz="1600" noProof="0" dirty="0"/>
+          </a:p>
+          <a:p>
+            <a:pPr lvl="1">
+              <a:spcAft>
+                <a:spcPts val="600"/>
+              </a:spcAft>
+            </a:pPr>
+            <a:r>
+              <a:rPr lang="nl-NL" sz="1600" dirty="0"/>
+              <a:t>Een </a:t>
+            </a:r>
+            <a:r>
+              <a:rPr lang="nl-NL" sz="1600" dirty="0" err="1"/>
+              <a:t>commit</a:t>
+            </a:r>
+            <a:r>
+              <a:rPr lang="nl-NL" sz="1600" dirty="0"/>
+              <a:t> aanmaken.</a:t>
+            </a:r>
+          </a:p>
+          <a:p>
+            <a:pPr lvl="1">
+              <a:spcAft>
+                <a:spcPts val="600"/>
+              </a:spcAft>
+            </a:pPr>
+            <a:r>
+              <a:rPr lang="nl-NL" sz="1600" dirty="0"/>
+              <a:t>Wat gebeurt er in de </a:t>
+            </a:r>
+            <a:r>
+              <a:rPr lang="nl-NL" sz="1600" dirty="0" err="1"/>
+              <a:t>repository</a:t>
+            </a:r>
+            <a:r>
+              <a:rPr lang="nl-NL" sz="1600" dirty="0"/>
+              <a:t>?</a:t>
+            </a:r>
+          </a:p>
+          <a:p>
+            <a:pPr lvl="1">
+              <a:spcAft>
+                <a:spcPts val="600"/>
+              </a:spcAft>
+            </a:pPr>
+            <a:r>
+              <a:rPr lang="nl-NL" sz="1600" dirty="0"/>
+              <a:t>Fouten herstellen.</a:t>
+            </a:r>
+          </a:p>
+          <a:p>
+            <a:pPr>
+              <a:spcAft>
+                <a:spcPts val="600"/>
+              </a:spcAft>
+            </a:pPr>
+            <a:r>
+              <a:rPr lang="nl-NL" sz="2000" dirty="0"/>
+              <a:t>Aftakkingen aanmaken</a:t>
+            </a:r>
+          </a:p>
+          <a:p>
+            <a:pPr lvl="1">
+              <a:spcAft>
+                <a:spcPts val="600"/>
+              </a:spcAft>
+            </a:pPr>
+            <a:r>
+              <a:rPr lang="nl-NL" sz="1600" dirty="0" err="1"/>
+              <a:t>Branch</a:t>
+            </a:r>
+            <a:r>
+              <a:rPr lang="nl-NL" sz="1600" dirty="0"/>
+              <a:t> aanmaken.</a:t>
+            </a:r>
+          </a:p>
+          <a:p>
+            <a:pPr lvl="1">
+              <a:spcAft>
+                <a:spcPts val="600"/>
+              </a:spcAft>
+            </a:pPr>
+            <a:r>
+              <a:rPr lang="nl-NL" sz="1600" noProof="0" dirty="0" err="1"/>
+              <a:t>Merge</a:t>
+            </a:r>
+            <a:r>
+              <a:rPr lang="nl-NL" sz="1600" noProof="0" dirty="0"/>
+              <a:t> strategieën.</a:t>
+            </a:r>
+          </a:p>
+          <a:p>
+            <a:pPr lvl="1">
+              <a:spcAft>
+                <a:spcPts val="600"/>
+              </a:spcAft>
+            </a:pPr>
+            <a:r>
+              <a:rPr lang="nl-NL" sz="1600" noProof="0" dirty="0"/>
+              <a:t>Conflicten oplossen.</a:t>
+            </a:r>
+          </a:p>
+          <a:p>
+            <a:pPr lvl="1">
+              <a:spcAft>
+                <a:spcPts val="600"/>
+              </a:spcAft>
+            </a:pPr>
+            <a:endParaRPr lang="nl-NL" sz="1600" noProof="0" dirty="0"/>
+          </a:p>
+        </p:txBody>
+      </p:sp>
+      <p:pic>
+        <p:nvPicPr>
+          <p:cNvPr id="4" name="Picture 3">
+            <a:extLst>
+              <a:ext uri="{FF2B5EF4-FFF2-40B4-BE49-F238E27FC236}">
+                <a16:creationId xmlns:a16="http://schemas.microsoft.com/office/drawing/2014/main" id="{10F1785D-DBAB-C34E-4C20-A2078BA9DAEA}"/>
+              </a:ext>
+            </a:extLst>
+          </p:cNvPr>
+          <p:cNvPicPr>
+            <a:picLocks noChangeAspect="1"/>
+          </p:cNvPicPr>
+          <p:nvPr/>
+        </p:nvPicPr>
+        <p:blipFill>
+          <a:blip r:embed="rId2"/>
+          <a:stretch>
+            <a:fillRect/>
+          </a:stretch>
+        </p:blipFill>
+        <p:spPr>
+          <a:xfrm rot="1217736">
+            <a:off x="8321964" y="3685187"/>
+            <a:ext cx="2694468" cy="2415360"/>
+          </a:xfrm>
+          <a:prstGeom prst="rect">
+            <a:avLst/>
+          </a:prstGeom>
+        </p:spPr>
+      </p:pic>
+    </p:spTree>
+    <p:extLst>
+      <p:ext uri="{BB962C8B-B14F-4D97-AF65-F5344CB8AC3E}">
+        <p14:creationId xmlns:p14="http://schemas.microsoft.com/office/powerpoint/2010/main" val="1265611121"/>
+      </p:ext>
+    </p:extLst>
+  </p:cSld>
+  <p:clrMapOvr>
+    <a:masterClrMapping/>
+  </p:clrMapOvr>
+</p:sld>
+</file>
+
+<file path=ppt/slides/slide3.xml><?xml version="1.0" encoding="utf-8"?>
+<p:sld xmlns:a="http://schemas.openxmlformats.org/drawingml/2006/main" xmlns:r="http://schemas.openxmlformats.org/officeDocument/2006/relationships" xmlns:p="http://schemas.openxmlformats.org/presentationml/2006/main">
+  <p:cSld>
+    <p:spTree>
+      <p:nvGrpSpPr>
+        <p:cNvPr id="1" name=""/>
+        <p:cNvGrpSpPr/>
+        <p:nvPr/>
+      </p:nvGrpSpPr>
+      <p:grpSpPr>
+        <a:xfrm>
+          <a:off x="0" y="0"/>
+          <a:ext cx="0" cy="0"/>
+          <a:chOff x="0" y="0"/>
+          <a:chExt cx="0" cy="0"/>
+        </a:xfrm>
+      </p:grpSpPr>
+      <p:sp>
+        <p:nvSpPr>
+          <p:cNvPr id="4" name="Title 3">
+            <a:extLst>
+              <a:ext uri="{FF2B5EF4-FFF2-40B4-BE49-F238E27FC236}">
+                <a16:creationId xmlns:a16="http://schemas.microsoft.com/office/drawing/2014/main" id="{72C925CA-BCA3-3701-E08E-95652380B32E}"/>
+              </a:ext>
+            </a:extLst>
+          </p:cNvPr>
+          <p:cNvSpPr>
+            <a:spLocks noGrp="1"/>
+          </p:cNvSpPr>
+          <p:nvPr>
+            <p:ph type="title"/>
+          </p:nvPr>
+        </p:nvSpPr>
+        <p:spPr/>
+        <p:txBody>
+          <a:bodyPr/>
+          <a:lstStyle/>
+          <a:p>
+            <a:r>
+              <a:rPr lang="nl-NL" noProof="0" dirty="0"/>
+              <a:t>Introductie</a:t>
+            </a:r>
+          </a:p>
+        </p:txBody>
+      </p:sp>
+      <p:sp>
+        <p:nvSpPr>
+          <p:cNvPr id="5" name="Text Placeholder 4">
+            <a:extLst>
+              <a:ext uri="{FF2B5EF4-FFF2-40B4-BE49-F238E27FC236}">
+                <a16:creationId xmlns:a16="http://schemas.microsoft.com/office/drawing/2014/main" id="{1AB31C95-91AF-DF13-FB58-0DA5F2D9F6F7}"/>
+              </a:ext>
+            </a:extLst>
+          </p:cNvPr>
+          <p:cNvSpPr>
+            <a:spLocks noGrp="1"/>
+          </p:cNvSpPr>
+          <p:nvPr>
+            <p:ph type="body" idx="1"/>
+          </p:nvPr>
+        </p:nvSpPr>
+        <p:spPr/>
+        <p:txBody>
+          <a:bodyPr/>
+          <a:lstStyle/>
+          <a:p>
+            <a:endParaRPr lang="en-NL"/>
+          </a:p>
+        </p:txBody>
+      </p:sp>
+    </p:spTree>
+    <p:extLst>
+      <p:ext uri="{BB962C8B-B14F-4D97-AF65-F5344CB8AC3E}">
+        <p14:creationId xmlns:p14="http://schemas.microsoft.com/office/powerpoint/2010/main" val="276640083"/>
+      </p:ext>
+    </p:extLst>
+  </p:cSld>
+  <p:clrMapOvr>
+    <a:masterClrMapping/>
+  </p:clrMapOvr>
+</p:sld>
+</file>
+
+<file path=ppt/slides/slide4.xml><?xml version="1.0" encoding="utf-8"?>
+<p:sld xmlns:a="http://schemas.openxmlformats.org/drawingml/2006/main" xmlns:r="http://schemas.openxmlformats.org/officeDocument/2006/relationships" xmlns:p="http://schemas.openxmlformats.org/presentationml/2006/main">
+  <p:cSld>
+    <p:spTree>
+      <p:nvGrpSpPr>
+        <p:cNvPr id="1" name=""/>
+        <p:cNvGrpSpPr/>
+        <p:nvPr/>
+      </p:nvGrpSpPr>
+      <p:grpSpPr>
+        <a:xfrm>
+          <a:off x="0" y="0"/>
+          <a:ext cx="0" cy="0"/>
+          <a:chOff x="0" y="0"/>
+          <a:chExt cx="0" cy="0"/>
+        </a:xfrm>
+      </p:grpSpPr>
+      <p:sp>
+        <p:nvSpPr>
+          <p:cNvPr id="2" name="Title 1">
+            <a:extLst>
+              <a:ext uri="{FF2B5EF4-FFF2-40B4-BE49-F238E27FC236}">
+                <a16:creationId xmlns:a16="http://schemas.microsoft.com/office/drawing/2014/main" id="{39A1D606-8DD1-369C-5C09-471CDD551AD5}"/>
+              </a:ext>
+            </a:extLst>
+          </p:cNvPr>
+          <p:cNvSpPr>
+            <a:spLocks noGrp="1"/>
+          </p:cNvSpPr>
+          <p:nvPr>
+            <p:ph type="title"/>
+          </p:nvPr>
+        </p:nvSpPr>
+        <p:spPr>
+          <a:xfrm>
+            <a:off x="838200" y="365126"/>
+            <a:ext cx="10515600" cy="718608"/>
+          </a:xfrm>
+        </p:spPr>
+        <p:txBody>
+          <a:bodyPr>
+            <a:normAutofit/>
+          </a:bodyPr>
+          <a:lstStyle/>
+          <a:p>
+            <a:r>
+              <a:rPr lang="nl-NL" sz="3600" noProof="0" dirty="0"/>
+              <a:t>Wat is git?</a:t>
+            </a:r>
+          </a:p>
+        </p:txBody>
+      </p:sp>
+      <p:sp>
+        <p:nvSpPr>
+          <p:cNvPr id="3" name="Content Placeholder 2">
+            <a:extLst>
+              <a:ext uri="{FF2B5EF4-FFF2-40B4-BE49-F238E27FC236}">
+                <a16:creationId xmlns:a16="http://schemas.microsoft.com/office/drawing/2014/main" id="{F4C2D286-E049-0AAB-1360-B7157E11AD7E}"/>
+              </a:ext>
+            </a:extLst>
+          </p:cNvPr>
+          <p:cNvSpPr>
+            <a:spLocks noGrp="1"/>
+          </p:cNvSpPr>
+          <p:nvPr>
+            <p:ph idx="1"/>
+          </p:nvPr>
+        </p:nvSpPr>
+        <p:spPr>
+          <a:xfrm>
+            <a:off x="838200" y="1456267"/>
+            <a:ext cx="6076406" cy="4720696"/>
+          </a:xfrm>
+        </p:spPr>
+        <p:txBody>
+          <a:bodyPr>
+            <a:normAutofit/>
+          </a:bodyPr>
+          <a:lstStyle/>
+          <a:p>
+            <a:pPr marL="0" indent="0">
+              <a:buNone/>
+            </a:pPr>
+            <a:r>
+              <a:rPr lang="nl-NL" sz="1800" noProof="0" dirty="0">
+                <a:cs typeface="Courier New" panose="02070309020205020404" pitchFamily="49" charset="0"/>
+              </a:rPr>
+              <a:t>Systeem om versies te beheren…</a:t>
+            </a:r>
+          </a:p>
+          <a:p>
+            <a:pPr marL="0" indent="0">
+              <a:buNone/>
+            </a:pPr>
+            <a:endParaRPr lang="nl-NL" sz="1800" dirty="0">
+              <a:cs typeface="Courier New" panose="02070309020205020404" pitchFamily="49" charset="0"/>
+            </a:endParaRPr>
+          </a:p>
+          <a:p>
+            <a:pPr>
+              <a:buFontTx/>
+              <a:buChar char="-"/>
+            </a:pPr>
+            <a:r>
+              <a:rPr lang="nl-NL" sz="1800" noProof="0" dirty="0">
+                <a:cs typeface="Courier New" panose="02070309020205020404" pitchFamily="49" charset="0"/>
+              </a:rPr>
+              <a:t>Vooral geschikt voor </a:t>
+            </a:r>
+            <a:r>
+              <a:rPr lang="nl-NL" sz="1800" u="sng" noProof="0" dirty="0">
+                <a:cs typeface="Courier New" panose="02070309020205020404" pitchFamily="49" charset="0"/>
+              </a:rPr>
+              <a:t>kleine tekstbestanden</a:t>
+            </a:r>
+            <a:r>
+              <a:rPr lang="nl-NL" sz="1800" noProof="0" dirty="0">
+                <a:cs typeface="Courier New" panose="02070309020205020404" pitchFamily="49" charset="0"/>
+              </a:rPr>
+              <a:t>.</a:t>
+            </a:r>
+          </a:p>
+          <a:p>
+            <a:pPr>
+              <a:buFontTx/>
+              <a:buChar char="-"/>
+            </a:pPr>
+            <a:endParaRPr lang="nl-NL" sz="1800" dirty="0">
+              <a:cs typeface="Courier New" panose="02070309020205020404" pitchFamily="49" charset="0"/>
+            </a:endParaRPr>
+          </a:p>
+          <a:p>
+            <a:pPr>
+              <a:buFontTx/>
+              <a:buChar char="-"/>
+            </a:pPr>
+            <a:r>
+              <a:rPr lang="nl-NL" sz="1800" dirty="0">
+                <a:cs typeface="Courier New" panose="02070309020205020404" pitchFamily="49" charset="0"/>
+              </a:rPr>
+              <a:t>Maakt samenwerken </a:t>
+            </a:r>
+            <a:r>
+              <a:rPr lang="nl-NL" sz="1800" u="sng" dirty="0">
+                <a:cs typeface="Courier New" panose="02070309020205020404" pitchFamily="49" charset="0"/>
+              </a:rPr>
+              <a:t>veel</a:t>
+            </a:r>
+            <a:r>
+              <a:rPr lang="nl-NL" sz="1800" dirty="0">
+                <a:cs typeface="Courier New" panose="02070309020205020404" pitchFamily="49" charset="0"/>
+              </a:rPr>
+              <a:t> eenvoudiger.</a:t>
+            </a:r>
+          </a:p>
+          <a:p>
+            <a:pPr>
+              <a:buFontTx/>
+              <a:buChar char="-"/>
+            </a:pPr>
+            <a:endParaRPr lang="nl-NL" sz="1800" noProof="0" dirty="0">
+              <a:cs typeface="Courier New" panose="02070309020205020404" pitchFamily="49" charset="0"/>
+            </a:endParaRPr>
+          </a:p>
+          <a:p>
+            <a:pPr>
+              <a:buFontTx/>
+              <a:buChar char="-"/>
+            </a:pPr>
+            <a:r>
+              <a:rPr lang="nl-NL" sz="1800" dirty="0">
+                <a:cs typeface="Courier New" panose="02070309020205020404" pitchFamily="49" charset="0"/>
+              </a:rPr>
+              <a:t>Vangnet, programmeren veel minder riskant!</a:t>
+            </a:r>
+            <a:endParaRPr lang="nl-NL" sz="1800" noProof="0" dirty="0">
+              <a:cs typeface="Courier New" panose="02070309020205020404" pitchFamily="49" charset="0"/>
+            </a:endParaRPr>
+          </a:p>
+        </p:txBody>
+      </p:sp>
+      <p:pic>
+        <p:nvPicPr>
+          <p:cNvPr id="9" name="Picture 8">
+            <a:extLst>
+              <a:ext uri="{FF2B5EF4-FFF2-40B4-BE49-F238E27FC236}">
+                <a16:creationId xmlns:a16="http://schemas.microsoft.com/office/drawing/2014/main" id="{04E3E376-AEDC-68AE-167D-F19AD78B9A90}"/>
+              </a:ext>
+            </a:extLst>
+          </p:cNvPr>
+          <p:cNvPicPr>
+            <a:picLocks noChangeAspect="1"/>
+          </p:cNvPicPr>
+          <p:nvPr/>
+        </p:nvPicPr>
+        <p:blipFill>
+          <a:blip r:embed="rId3"/>
+          <a:stretch>
+            <a:fillRect/>
+          </a:stretch>
+        </p:blipFill>
+        <p:spPr>
+          <a:xfrm>
+            <a:off x="8142515" y="1083734"/>
+            <a:ext cx="2967446" cy="4597293"/>
+          </a:xfrm>
+          <a:prstGeom prst="rect">
+            <a:avLst/>
+          </a:prstGeom>
+        </p:spPr>
+      </p:pic>
+    </p:spTree>
+    <p:extLst>
+      <p:ext uri="{BB962C8B-B14F-4D97-AF65-F5344CB8AC3E}">
+        <p14:creationId xmlns:p14="http://schemas.microsoft.com/office/powerpoint/2010/main" val="3018676715"/>
+      </p:ext>
+    </p:extLst>
+  </p:cSld>
+  <p:clrMapOvr>
+    <a:masterClrMapping/>
+  </p:clrMapOvr>
+</p:sld>
+</file>
+
+<file path=ppt/slides/slide5.xml><?xml version="1.0" encoding="utf-8"?>
+<p:sld xmlns:a="http://schemas.openxmlformats.org/drawingml/2006/main" xmlns:r="http://schemas.openxmlformats.org/officeDocument/2006/relationships" xmlns:p="http://schemas.openxmlformats.org/presentationml/2006/main">
+  <p:cSld>
+    <p:spTree>
+      <p:nvGrpSpPr>
+        <p:cNvPr id="1" name=""/>
+        <p:cNvGrpSpPr/>
+        <p:nvPr/>
+      </p:nvGrpSpPr>
+      <p:grpSpPr>
+        <a:xfrm>
+          <a:off x="0" y="0"/>
+          <a:ext cx="0" cy="0"/>
+          <a:chOff x="0" y="0"/>
+          <a:chExt cx="0" cy="0"/>
+        </a:xfrm>
+      </p:grpSpPr>
+      <p:sp>
+        <p:nvSpPr>
+          <p:cNvPr id="2" name="Title 1">
+            <a:extLst>
+              <a:ext uri="{FF2B5EF4-FFF2-40B4-BE49-F238E27FC236}">
+                <a16:creationId xmlns:a16="http://schemas.microsoft.com/office/drawing/2014/main" id="{39A1D606-8DD1-369C-5C09-471CDD551AD5}"/>
+              </a:ext>
+            </a:extLst>
+          </p:cNvPr>
+          <p:cNvSpPr>
+            <a:spLocks noGrp="1"/>
+          </p:cNvSpPr>
+          <p:nvPr>
+            <p:ph type="title"/>
+          </p:nvPr>
+        </p:nvSpPr>
+        <p:spPr>
+          <a:xfrm>
+            <a:off x="838200" y="365126"/>
+            <a:ext cx="10515600" cy="718608"/>
+          </a:xfrm>
+        </p:spPr>
+        <p:txBody>
+          <a:bodyPr>
+            <a:normAutofit/>
+          </a:bodyPr>
+          <a:lstStyle/>
+          <a:p>
+            <a:r>
+              <a:rPr lang="nl-NL" sz="3600" noProof="0" dirty="0"/>
+              <a:t>Hoe werkt het?</a:t>
+            </a:r>
+          </a:p>
+        </p:txBody>
+      </p:sp>
+      <p:cxnSp>
+        <p:nvCxnSpPr>
+          <p:cNvPr id="5" name="Straight Arrow Connector 4">
+            <a:extLst>
+              <a:ext uri="{FF2B5EF4-FFF2-40B4-BE49-F238E27FC236}">
+                <a16:creationId xmlns:a16="http://schemas.microsoft.com/office/drawing/2014/main" id="{6D192F7E-C814-F169-5B10-8029DA5EEB2B}"/>
+              </a:ext>
+            </a:extLst>
+          </p:cNvPr>
+          <p:cNvCxnSpPr/>
+          <p:nvPr/>
+        </p:nvCxnSpPr>
+        <p:spPr>
+          <a:xfrm>
+            <a:off x="957943" y="2133602"/>
+            <a:ext cx="9953898" cy="0"/>
+          </a:xfrm>
+          <a:prstGeom prst="straightConnector1">
+            <a:avLst/>
+          </a:prstGeom>
+          <a:ln>
+            <a:tailEnd type="triangle"/>
+          </a:ln>
+        </p:spPr>
+        <p:style>
+          <a:lnRef idx="3">
+            <a:schemeClr val="dk1"/>
+          </a:lnRef>
+          <a:fillRef idx="0">
+            <a:schemeClr val="dk1"/>
+          </a:fillRef>
+          <a:effectRef idx="2">
+            <a:schemeClr val="dk1"/>
+          </a:effectRef>
+          <a:fontRef idx="minor">
+            <a:schemeClr val="tx1"/>
+          </a:fontRef>
+        </p:style>
+      </p:cxnSp>
+      <p:sp>
+        <p:nvSpPr>
+          <p:cNvPr id="6" name="TextBox 5">
+            <a:extLst>
+              <a:ext uri="{FF2B5EF4-FFF2-40B4-BE49-F238E27FC236}">
+                <a16:creationId xmlns:a16="http://schemas.microsoft.com/office/drawing/2014/main" id="{64A47336-8B58-CFC1-C2EA-660D4B86DB6F}"/>
+              </a:ext>
+            </a:extLst>
+          </p:cNvPr>
+          <p:cNvSpPr txBox="1"/>
+          <p:nvPr/>
+        </p:nvSpPr>
+        <p:spPr>
+          <a:xfrm>
+            <a:off x="957943" y="1349829"/>
+            <a:ext cx="9953898" cy="400110"/>
+          </a:xfrm>
+          <a:prstGeom prst="rect">
+            <a:avLst/>
+          </a:prstGeom>
+          <a:noFill/>
+        </p:spPr>
+        <p:txBody>
+          <a:bodyPr wrap="square" rtlCol="0">
+            <a:spAutoFit/>
+          </a:bodyPr>
+          <a:lstStyle/>
+          <a:p>
+            <a:pPr algn="ctr"/>
+            <a:r>
+              <a:rPr lang="en-US" sz="2000" dirty="0" err="1"/>
+              <a:t>Tijdslijn</a:t>
+            </a:r>
+            <a:endParaRPr lang="en-NL" sz="2000" dirty="0"/>
+          </a:p>
+        </p:txBody>
+      </p:sp>
+      <p:grpSp>
+        <p:nvGrpSpPr>
+          <p:cNvPr id="14" name="Group 13">
+            <a:extLst>
+              <a:ext uri="{FF2B5EF4-FFF2-40B4-BE49-F238E27FC236}">
+                <a16:creationId xmlns:a16="http://schemas.microsoft.com/office/drawing/2014/main" id="{CEAE9799-E6A2-3F21-584D-FE4CE1996FA1}"/>
+              </a:ext>
+            </a:extLst>
+          </p:cNvPr>
+          <p:cNvGrpSpPr/>
+          <p:nvPr/>
+        </p:nvGrpSpPr>
+        <p:grpSpPr>
+          <a:xfrm>
+            <a:off x="1077686" y="5520910"/>
+            <a:ext cx="1674455" cy="576000"/>
+            <a:chOff x="957943" y="3152171"/>
+            <a:chExt cx="1674455" cy="576000"/>
+          </a:xfrm>
+        </p:grpSpPr>
+        <p:pic>
+          <p:nvPicPr>
+            <p:cNvPr id="11" name="Graphic 10" descr="Folder">
+              <a:extLst>
+                <a:ext uri="{FF2B5EF4-FFF2-40B4-BE49-F238E27FC236}">
+                  <a16:creationId xmlns:a16="http://schemas.microsoft.com/office/drawing/2014/main" id="{77E24A7E-8DFF-E7E6-2B32-BA06BAC770CA}"/>
+                </a:ext>
+              </a:extLst>
+            </p:cNvPr>
+            <p:cNvPicPr>
+              <a:picLocks noChangeAspect="1"/>
+            </p:cNvPicPr>
+            <p:nvPr/>
+          </p:nvPicPr>
+          <p:blipFill>
+            <a:blip r:embed="rId3">
+              <a:extLst>
+                <a:ext uri="{96DAC541-7B7A-43D3-8B79-37D633B846F1}">
+                  <asvg:svgBlip xmlns:asvg="http://schemas.microsoft.com/office/drawing/2016/SVG/main" r:embed="rId4"/>
+                </a:ext>
+              </a:extLst>
+            </a:blip>
+            <a:stretch>
+              <a:fillRect/>
+            </a:stretch>
+          </p:blipFill>
+          <p:spPr>
+            <a:xfrm>
+              <a:off x="957943" y="3152171"/>
+              <a:ext cx="576000" cy="576000"/>
+            </a:xfrm>
+            <a:prstGeom prst="rect">
+              <a:avLst/>
+            </a:prstGeom>
+          </p:spPr>
+        </p:pic>
+        <p:sp>
+          <p:nvSpPr>
+            <p:cNvPr id="12" name="TextBox 11">
+              <a:extLst>
+                <a:ext uri="{FF2B5EF4-FFF2-40B4-BE49-F238E27FC236}">
+                  <a16:creationId xmlns:a16="http://schemas.microsoft.com/office/drawing/2014/main" id="{C7D8FCF5-47CC-4C90-CA9F-04A41B9CB6EA}"/>
+                </a:ext>
+              </a:extLst>
+            </p:cNvPr>
+            <p:cNvSpPr txBox="1"/>
+            <p:nvPr/>
+          </p:nvSpPr>
+          <p:spPr>
+            <a:xfrm>
+              <a:off x="1608271" y="3255505"/>
+              <a:ext cx="1024127" cy="369332"/>
+            </a:xfrm>
+            <a:prstGeom prst="rect">
+              <a:avLst/>
+            </a:prstGeom>
+            <a:noFill/>
+          </p:spPr>
+          <p:txBody>
+            <a:bodyPr wrap="none" rtlCol="0">
+              <a:spAutoFit/>
+            </a:bodyPr>
+            <a:lstStyle/>
+            <a:p>
+              <a:r>
+                <a:rPr lang="en-US" dirty="0" err="1"/>
+                <a:t>work_dir</a:t>
+              </a:r>
+              <a:endParaRPr lang="en-NL" dirty="0"/>
+            </a:p>
+          </p:txBody>
+        </p:sp>
+      </p:grpSp>
+      <p:grpSp>
+        <p:nvGrpSpPr>
+          <p:cNvPr id="61" name="Group 60">
+            <a:extLst>
+              <a:ext uri="{FF2B5EF4-FFF2-40B4-BE49-F238E27FC236}">
+                <a16:creationId xmlns:a16="http://schemas.microsoft.com/office/drawing/2014/main" id="{115EBA9C-5B2A-9390-9D58-FA2FD0A3B7EB}"/>
+              </a:ext>
+            </a:extLst>
+          </p:cNvPr>
+          <p:cNvGrpSpPr/>
+          <p:nvPr/>
+        </p:nvGrpSpPr>
+        <p:grpSpPr>
+          <a:xfrm>
+            <a:off x="957943" y="3859769"/>
+            <a:ext cx="1957251" cy="698685"/>
+            <a:chOff x="957943" y="3971109"/>
+            <a:chExt cx="1957251" cy="698685"/>
+          </a:xfrm>
+        </p:grpSpPr>
+        <p:grpSp>
+          <p:nvGrpSpPr>
+            <p:cNvPr id="15" name="Group 14">
+              <a:extLst>
+                <a:ext uri="{FF2B5EF4-FFF2-40B4-BE49-F238E27FC236}">
+                  <a16:creationId xmlns:a16="http://schemas.microsoft.com/office/drawing/2014/main" id="{14D35E53-6F95-6F10-7362-02862AC20C20}"/>
+                </a:ext>
+              </a:extLst>
+            </p:cNvPr>
+            <p:cNvGrpSpPr/>
+            <p:nvPr/>
+          </p:nvGrpSpPr>
+          <p:grpSpPr>
+            <a:xfrm>
+              <a:off x="1077686" y="4041541"/>
+              <a:ext cx="1595521" cy="576000"/>
+              <a:chOff x="957943" y="3771584"/>
+              <a:chExt cx="1595521" cy="576000"/>
+            </a:xfrm>
+          </p:grpSpPr>
+          <p:pic>
+            <p:nvPicPr>
+              <p:cNvPr id="8" name="Graphic 7" descr="Document">
+                <a:extLst>
+                  <a:ext uri="{FF2B5EF4-FFF2-40B4-BE49-F238E27FC236}">
+                    <a16:creationId xmlns:a16="http://schemas.microsoft.com/office/drawing/2014/main" id="{7E742D4E-A54B-DFF1-C398-3D0AF3A60D29}"/>
+                  </a:ext>
+                </a:extLst>
+              </p:cNvPr>
+              <p:cNvPicPr>
+                <a:picLocks noChangeAspect="1"/>
+              </p:cNvPicPr>
+              <p:nvPr/>
+            </p:nvPicPr>
+            <p:blipFill>
+              <a:blip r:embed="rId5">
+                <a:extLst>
+                  <a:ext uri="{96DAC541-7B7A-43D3-8B79-37D633B846F1}">
+                    <asvg:svgBlip xmlns:asvg="http://schemas.microsoft.com/office/drawing/2016/SVG/main" r:embed="rId6"/>
+                  </a:ext>
+                </a:extLst>
+              </a:blip>
+              <a:stretch>
+                <a:fillRect/>
+              </a:stretch>
+            </p:blipFill>
+            <p:spPr>
+              <a:xfrm>
+                <a:off x="957943" y="3771584"/>
+                <a:ext cx="576000" cy="576000"/>
+              </a:xfrm>
+              <a:prstGeom prst="rect">
+                <a:avLst/>
+              </a:prstGeom>
+            </p:spPr>
+          </p:pic>
+          <p:sp>
+            <p:nvSpPr>
+              <p:cNvPr id="13" name="TextBox 12">
+                <a:extLst>
+                  <a:ext uri="{FF2B5EF4-FFF2-40B4-BE49-F238E27FC236}">
+                    <a16:creationId xmlns:a16="http://schemas.microsoft.com/office/drawing/2014/main" id="{1F8FD150-3C88-751F-24C3-2B80C87943CE}"/>
+                  </a:ext>
+                </a:extLst>
+              </p:cNvPr>
+              <p:cNvSpPr txBox="1"/>
+              <p:nvPr/>
+            </p:nvSpPr>
+            <p:spPr>
+              <a:xfrm>
+                <a:off x="1603717" y="3874918"/>
+                <a:ext cx="949747" cy="369332"/>
+              </a:xfrm>
+              <a:prstGeom prst="rect">
+                <a:avLst/>
+              </a:prstGeom>
+              <a:noFill/>
+            </p:spPr>
+            <p:txBody>
+              <a:bodyPr wrap="none" rtlCol="0">
+                <a:spAutoFit/>
+              </a:bodyPr>
+              <a:lstStyle/>
+              <a:p>
+                <a:r>
+                  <a:rPr lang="en-US" dirty="0"/>
+                  <a:t>main.py</a:t>
+                </a:r>
+                <a:endParaRPr lang="en-NL" dirty="0"/>
+              </a:p>
+            </p:txBody>
+          </p:sp>
+        </p:grpSp>
+        <p:sp>
+          <p:nvSpPr>
+            <p:cNvPr id="16" name="Rectangle 15">
+              <a:extLst>
+                <a:ext uri="{FF2B5EF4-FFF2-40B4-BE49-F238E27FC236}">
+                  <a16:creationId xmlns:a16="http://schemas.microsoft.com/office/drawing/2014/main" id="{4CFB5FDD-A5D8-2B49-8F9A-598BA79F581D}"/>
+                </a:ext>
+              </a:extLst>
+            </p:cNvPr>
+            <p:cNvSpPr/>
+            <p:nvPr/>
+          </p:nvSpPr>
+          <p:spPr>
+            <a:xfrm>
+              <a:off x="957943" y="3971109"/>
+              <a:ext cx="1957251" cy="698685"/>
+            </a:xfrm>
+            <a:prstGeom prst="rect">
+              <a:avLst/>
+            </a:prstGeom>
+            <a:noFill/>
+          </p:spPr>
+          <p:style>
+            <a:lnRef idx="2">
+              <a:schemeClr val="dk1"/>
+            </a:lnRef>
+            <a:fillRef idx="1">
+              <a:schemeClr val="lt1"/>
+            </a:fillRef>
+            <a:effectRef idx="0">
+              <a:schemeClr val="dk1"/>
+            </a:effectRef>
+            <a:fontRef idx="minor">
+              <a:schemeClr val="dk1"/>
+            </a:fontRef>
+          </p:style>
+          <p:txBody>
+            <a:bodyPr rtlCol="0" anchor="ctr"/>
+            <a:lstStyle/>
+            <a:p>
+              <a:pPr algn="ctr"/>
+              <a:endParaRPr lang="en-NL"/>
+            </a:p>
+          </p:txBody>
+        </p:sp>
+      </p:grpSp>
+      <p:grpSp>
+        <p:nvGrpSpPr>
+          <p:cNvPr id="26" name="Group 25">
+            <a:extLst>
+              <a:ext uri="{FF2B5EF4-FFF2-40B4-BE49-F238E27FC236}">
+                <a16:creationId xmlns:a16="http://schemas.microsoft.com/office/drawing/2014/main" id="{83847AAE-7CE1-0E32-779F-6644C2784BD8}"/>
+              </a:ext>
+            </a:extLst>
+          </p:cNvPr>
+          <p:cNvGrpSpPr/>
+          <p:nvPr/>
+        </p:nvGrpSpPr>
+        <p:grpSpPr>
+          <a:xfrm>
+            <a:off x="5076009" y="5520910"/>
+            <a:ext cx="1674455" cy="576000"/>
+            <a:chOff x="957943" y="3152171"/>
+            <a:chExt cx="1674455" cy="576000"/>
+          </a:xfrm>
+        </p:grpSpPr>
+        <p:pic>
+          <p:nvPicPr>
+            <p:cNvPr id="31" name="Graphic 30" descr="Folder">
+              <a:extLst>
+                <a:ext uri="{FF2B5EF4-FFF2-40B4-BE49-F238E27FC236}">
+                  <a16:creationId xmlns:a16="http://schemas.microsoft.com/office/drawing/2014/main" id="{4B37F6FC-51CA-AF6B-A002-DE725B49DB40}"/>
+                </a:ext>
+              </a:extLst>
+            </p:cNvPr>
+            <p:cNvPicPr>
+              <a:picLocks noChangeAspect="1"/>
+            </p:cNvPicPr>
+            <p:nvPr/>
+          </p:nvPicPr>
+          <p:blipFill>
+            <a:blip r:embed="rId3">
+              <a:extLst>
+                <a:ext uri="{96DAC541-7B7A-43D3-8B79-37D633B846F1}">
+                  <asvg:svgBlip xmlns:asvg="http://schemas.microsoft.com/office/drawing/2016/SVG/main" r:embed="rId4"/>
+                </a:ext>
+              </a:extLst>
+            </a:blip>
+            <a:stretch>
+              <a:fillRect/>
+            </a:stretch>
+          </p:blipFill>
+          <p:spPr>
+            <a:xfrm>
+              <a:off x="957943" y="3152171"/>
+              <a:ext cx="576000" cy="576000"/>
+            </a:xfrm>
+            <a:prstGeom prst="rect">
+              <a:avLst/>
+            </a:prstGeom>
+          </p:spPr>
+        </p:pic>
+        <p:sp>
+          <p:nvSpPr>
+            <p:cNvPr id="32" name="TextBox 31">
+              <a:extLst>
+                <a:ext uri="{FF2B5EF4-FFF2-40B4-BE49-F238E27FC236}">
+                  <a16:creationId xmlns:a16="http://schemas.microsoft.com/office/drawing/2014/main" id="{EC7B5074-5C7C-41C8-5B86-ACCCCD5CA300}"/>
+                </a:ext>
+              </a:extLst>
+            </p:cNvPr>
+            <p:cNvSpPr txBox="1"/>
+            <p:nvPr/>
+          </p:nvSpPr>
+          <p:spPr>
+            <a:xfrm>
+              <a:off x="1608271" y="3255505"/>
+              <a:ext cx="1024127" cy="369332"/>
+            </a:xfrm>
+            <a:prstGeom prst="rect">
+              <a:avLst/>
+            </a:prstGeom>
+            <a:noFill/>
+          </p:spPr>
+          <p:txBody>
+            <a:bodyPr wrap="none" rtlCol="0">
+              <a:spAutoFit/>
+            </a:bodyPr>
+            <a:lstStyle/>
+            <a:p>
+              <a:r>
+                <a:rPr lang="en-US" dirty="0" err="1"/>
+                <a:t>work_dir</a:t>
+              </a:r>
+              <a:endParaRPr lang="en-NL" dirty="0"/>
+            </a:p>
+          </p:txBody>
+        </p:sp>
+      </p:grpSp>
+      <p:grpSp>
+        <p:nvGrpSpPr>
+          <p:cNvPr id="60" name="Group 59">
+            <a:extLst>
+              <a:ext uri="{FF2B5EF4-FFF2-40B4-BE49-F238E27FC236}">
+                <a16:creationId xmlns:a16="http://schemas.microsoft.com/office/drawing/2014/main" id="{59A4DA6D-B0B9-3EA7-660B-9F49C9701338}"/>
+              </a:ext>
+            </a:extLst>
+          </p:cNvPr>
+          <p:cNvGrpSpPr/>
+          <p:nvPr/>
+        </p:nvGrpSpPr>
+        <p:grpSpPr>
+          <a:xfrm>
+            <a:off x="4956266" y="3859769"/>
+            <a:ext cx="1957251" cy="1343126"/>
+            <a:chOff x="4956266" y="3971110"/>
+            <a:chExt cx="1957251" cy="1343126"/>
+          </a:xfrm>
+        </p:grpSpPr>
+        <p:grpSp>
+          <p:nvGrpSpPr>
+            <p:cNvPr id="27" name="Group 26">
+              <a:extLst>
+                <a:ext uri="{FF2B5EF4-FFF2-40B4-BE49-F238E27FC236}">
+                  <a16:creationId xmlns:a16="http://schemas.microsoft.com/office/drawing/2014/main" id="{C208A8D0-EB63-1C51-D33C-97CA75BD5BD5}"/>
+                </a:ext>
+              </a:extLst>
+            </p:cNvPr>
+            <p:cNvGrpSpPr/>
+            <p:nvPr/>
+          </p:nvGrpSpPr>
+          <p:grpSpPr>
+            <a:xfrm>
+              <a:off x="5076009" y="4050254"/>
+              <a:ext cx="1595521" cy="576000"/>
+              <a:chOff x="957943" y="3771584"/>
+              <a:chExt cx="1595521" cy="576000"/>
+            </a:xfrm>
+          </p:grpSpPr>
+          <p:pic>
+            <p:nvPicPr>
+              <p:cNvPr id="29" name="Graphic 28" descr="Document">
+                <a:extLst>
+                  <a:ext uri="{FF2B5EF4-FFF2-40B4-BE49-F238E27FC236}">
+                    <a16:creationId xmlns:a16="http://schemas.microsoft.com/office/drawing/2014/main" id="{28ACFE02-5124-3697-6BA5-C86C0A3B68CF}"/>
+                  </a:ext>
+                </a:extLst>
+              </p:cNvPr>
+              <p:cNvPicPr>
+                <a:picLocks noChangeAspect="1"/>
+              </p:cNvPicPr>
+              <p:nvPr/>
+            </p:nvPicPr>
+            <p:blipFill>
+              <a:blip r:embed="rId7">
+                <a:extLst>
+                  <a:ext uri="{96DAC541-7B7A-43D3-8B79-37D633B846F1}">
+                    <asvg:svgBlip xmlns:asvg="http://schemas.microsoft.com/office/drawing/2016/SVG/main" r:embed="rId8"/>
+                  </a:ext>
+                </a:extLst>
+              </a:blip>
+              <a:stretch>
+                <a:fillRect/>
+              </a:stretch>
+            </p:blipFill>
+            <p:spPr>
+              <a:xfrm>
+                <a:off x="957943" y="3771584"/>
+                <a:ext cx="576000" cy="576000"/>
+              </a:xfrm>
+              <a:prstGeom prst="rect">
+                <a:avLst/>
+              </a:prstGeom>
+            </p:spPr>
+          </p:pic>
+          <p:sp>
+            <p:nvSpPr>
+              <p:cNvPr id="30" name="TextBox 29">
+                <a:extLst>
+                  <a:ext uri="{FF2B5EF4-FFF2-40B4-BE49-F238E27FC236}">
+                    <a16:creationId xmlns:a16="http://schemas.microsoft.com/office/drawing/2014/main" id="{02367E4C-CDB5-E9C2-7CDD-5228471EDB46}"/>
+                  </a:ext>
+                </a:extLst>
+              </p:cNvPr>
+              <p:cNvSpPr txBox="1"/>
+              <p:nvPr/>
+            </p:nvSpPr>
+            <p:spPr>
+              <a:xfrm>
+                <a:off x="1603717" y="3874918"/>
+                <a:ext cx="949747" cy="369332"/>
+              </a:xfrm>
+              <a:prstGeom prst="rect">
+                <a:avLst/>
+              </a:prstGeom>
+              <a:noFill/>
+            </p:spPr>
+            <p:txBody>
+              <a:bodyPr wrap="none" rtlCol="0">
+                <a:spAutoFit/>
+              </a:bodyPr>
+              <a:lstStyle/>
+              <a:p>
+                <a:r>
+                  <a:rPr lang="en-US" dirty="0">
+                    <a:solidFill>
+                      <a:schemeClr val="bg1">
+                        <a:lumMod val="75000"/>
+                      </a:schemeClr>
+                    </a:solidFill>
+                  </a:rPr>
+                  <a:t>main.py</a:t>
+                </a:r>
+                <a:endParaRPr lang="en-NL" dirty="0">
+                  <a:solidFill>
+                    <a:schemeClr val="bg1">
+                      <a:lumMod val="75000"/>
+                    </a:schemeClr>
+                  </a:solidFill>
+                </a:endParaRPr>
+              </a:p>
+            </p:txBody>
+          </p:sp>
+        </p:grpSp>
+        <p:sp>
+          <p:nvSpPr>
+            <p:cNvPr id="28" name="Rectangle 27">
+              <a:extLst>
+                <a:ext uri="{FF2B5EF4-FFF2-40B4-BE49-F238E27FC236}">
+                  <a16:creationId xmlns:a16="http://schemas.microsoft.com/office/drawing/2014/main" id="{8FDF1142-C0DC-92BA-7674-7AAC51416325}"/>
+                </a:ext>
+              </a:extLst>
+            </p:cNvPr>
+            <p:cNvSpPr/>
+            <p:nvPr/>
+          </p:nvSpPr>
+          <p:spPr>
+            <a:xfrm>
+              <a:off x="4956266" y="3971110"/>
+              <a:ext cx="1957251" cy="1343126"/>
+            </a:xfrm>
+            <a:prstGeom prst="rect">
+              <a:avLst/>
+            </a:prstGeom>
+            <a:noFill/>
+          </p:spPr>
+          <p:style>
+            <a:lnRef idx="2">
+              <a:schemeClr val="dk1"/>
+            </a:lnRef>
+            <a:fillRef idx="1">
+              <a:schemeClr val="lt1"/>
+            </a:fillRef>
+            <a:effectRef idx="0">
+              <a:schemeClr val="dk1"/>
+            </a:effectRef>
+            <a:fontRef idx="minor">
+              <a:schemeClr val="dk1"/>
+            </a:fontRef>
+          </p:style>
+          <p:txBody>
+            <a:bodyPr rtlCol="0" anchor="ctr"/>
+            <a:lstStyle/>
+            <a:p>
+              <a:pPr algn="ctr"/>
+              <a:endParaRPr lang="en-NL"/>
+            </a:p>
+          </p:txBody>
+        </p:sp>
+        <p:grpSp>
+          <p:nvGrpSpPr>
+            <p:cNvPr id="41" name="Group 40">
+              <a:extLst>
+                <a:ext uri="{FF2B5EF4-FFF2-40B4-BE49-F238E27FC236}">
+                  <a16:creationId xmlns:a16="http://schemas.microsoft.com/office/drawing/2014/main" id="{C4161244-C68A-5F73-6AD2-99BC58F40C84}"/>
+                </a:ext>
+              </a:extLst>
+            </p:cNvPr>
+            <p:cNvGrpSpPr/>
+            <p:nvPr/>
+          </p:nvGrpSpPr>
+          <p:grpSpPr>
+            <a:xfrm>
+              <a:off x="5076009" y="4669667"/>
+              <a:ext cx="1507357" cy="576000"/>
+              <a:chOff x="957943" y="3771584"/>
+              <a:chExt cx="1507357" cy="576000"/>
+            </a:xfrm>
+          </p:grpSpPr>
+          <p:pic>
+            <p:nvPicPr>
+              <p:cNvPr id="42" name="Graphic 41" descr="Document">
+                <a:extLst>
+                  <a:ext uri="{FF2B5EF4-FFF2-40B4-BE49-F238E27FC236}">
+                    <a16:creationId xmlns:a16="http://schemas.microsoft.com/office/drawing/2014/main" id="{F798C180-7AD4-C8C5-53F0-BAA5FDD51F7F}"/>
+                  </a:ext>
+                </a:extLst>
+              </p:cNvPr>
+              <p:cNvPicPr>
+                <a:picLocks noChangeAspect="1"/>
+              </p:cNvPicPr>
+              <p:nvPr/>
+            </p:nvPicPr>
+            <p:blipFill>
+              <a:blip r:embed="rId5">
+                <a:extLst>
+                  <a:ext uri="{96DAC541-7B7A-43D3-8B79-37D633B846F1}">
+                    <asvg:svgBlip xmlns:asvg="http://schemas.microsoft.com/office/drawing/2016/SVG/main" r:embed="rId6"/>
+                  </a:ext>
+                </a:extLst>
+              </a:blip>
+              <a:stretch>
+                <a:fillRect/>
+              </a:stretch>
+            </p:blipFill>
+            <p:spPr>
+              <a:xfrm>
+                <a:off x="957943" y="3771584"/>
+                <a:ext cx="576000" cy="576000"/>
+              </a:xfrm>
+              <a:prstGeom prst="rect">
+                <a:avLst/>
+              </a:prstGeom>
+            </p:spPr>
+          </p:pic>
+          <p:sp>
+            <p:nvSpPr>
+              <p:cNvPr id="43" name="TextBox 42">
+                <a:extLst>
+                  <a:ext uri="{FF2B5EF4-FFF2-40B4-BE49-F238E27FC236}">
+                    <a16:creationId xmlns:a16="http://schemas.microsoft.com/office/drawing/2014/main" id="{BEE491FF-E4C5-E6C3-8DE8-2DF49F0D4C98}"/>
+                  </a:ext>
+                </a:extLst>
+              </p:cNvPr>
+              <p:cNvSpPr txBox="1"/>
+              <p:nvPr/>
+            </p:nvSpPr>
+            <p:spPr>
+              <a:xfrm>
+                <a:off x="1603717" y="3874918"/>
+                <a:ext cx="861583" cy="369332"/>
+              </a:xfrm>
+              <a:prstGeom prst="rect">
+                <a:avLst/>
+              </a:prstGeom>
+              <a:noFill/>
+            </p:spPr>
+            <p:txBody>
+              <a:bodyPr wrap="none" rtlCol="0">
+                <a:spAutoFit/>
+              </a:bodyPr>
+              <a:lstStyle/>
+              <a:p>
+                <a:r>
+                  <a:rPr lang="en-US" dirty="0"/>
+                  <a:t>utils.py</a:t>
+                </a:r>
+                <a:endParaRPr lang="en-NL" dirty="0"/>
+              </a:p>
+            </p:txBody>
+          </p:sp>
+        </p:grpSp>
+      </p:grpSp>
+      <p:grpSp>
+        <p:nvGrpSpPr>
+          <p:cNvPr id="44" name="Group 43">
+            <a:extLst>
+              <a:ext uri="{FF2B5EF4-FFF2-40B4-BE49-F238E27FC236}">
+                <a16:creationId xmlns:a16="http://schemas.microsoft.com/office/drawing/2014/main" id="{A8F5C08A-A050-BB56-FA91-CB093C54846A}"/>
+              </a:ext>
+            </a:extLst>
+          </p:cNvPr>
+          <p:cNvGrpSpPr/>
+          <p:nvPr/>
+        </p:nvGrpSpPr>
+        <p:grpSpPr>
+          <a:xfrm>
+            <a:off x="9074333" y="5520910"/>
+            <a:ext cx="1674455" cy="576000"/>
+            <a:chOff x="957943" y="3152171"/>
+            <a:chExt cx="1674455" cy="576000"/>
+          </a:xfrm>
+        </p:grpSpPr>
+        <p:pic>
+          <p:nvPicPr>
+            <p:cNvPr id="45" name="Graphic 44" descr="Folder">
+              <a:extLst>
+                <a:ext uri="{FF2B5EF4-FFF2-40B4-BE49-F238E27FC236}">
+                  <a16:creationId xmlns:a16="http://schemas.microsoft.com/office/drawing/2014/main" id="{AC3C0245-F981-0909-635D-BB722C482DDC}"/>
+                </a:ext>
+              </a:extLst>
+            </p:cNvPr>
+            <p:cNvPicPr>
+              <a:picLocks noChangeAspect="1"/>
+            </p:cNvPicPr>
+            <p:nvPr/>
+          </p:nvPicPr>
+          <p:blipFill>
+            <a:blip r:embed="rId3">
+              <a:extLst>
+                <a:ext uri="{96DAC541-7B7A-43D3-8B79-37D633B846F1}">
+                  <asvg:svgBlip xmlns:asvg="http://schemas.microsoft.com/office/drawing/2016/SVG/main" r:embed="rId9"/>
+                </a:ext>
+              </a:extLst>
+            </a:blip>
+            <a:stretch>
+              <a:fillRect/>
+            </a:stretch>
+          </p:blipFill>
+          <p:spPr>
+            <a:xfrm>
+              <a:off x="957943" y="3152171"/>
+              <a:ext cx="576000" cy="576000"/>
+            </a:xfrm>
+            <a:prstGeom prst="rect">
+              <a:avLst/>
+            </a:prstGeom>
+          </p:spPr>
+        </p:pic>
+        <p:sp>
+          <p:nvSpPr>
+            <p:cNvPr id="46" name="TextBox 45">
+              <a:extLst>
+                <a:ext uri="{FF2B5EF4-FFF2-40B4-BE49-F238E27FC236}">
+                  <a16:creationId xmlns:a16="http://schemas.microsoft.com/office/drawing/2014/main" id="{622354BE-B41F-4C4A-0361-711499074385}"/>
+                </a:ext>
+              </a:extLst>
+            </p:cNvPr>
+            <p:cNvSpPr txBox="1"/>
+            <p:nvPr/>
+          </p:nvSpPr>
+          <p:spPr>
+            <a:xfrm>
+              <a:off x="1608271" y="3255505"/>
+              <a:ext cx="1024127" cy="369332"/>
+            </a:xfrm>
+            <a:prstGeom prst="rect">
+              <a:avLst/>
+            </a:prstGeom>
+            <a:noFill/>
+          </p:spPr>
+          <p:txBody>
+            <a:bodyPr wrap="none" rtlCol="0">
+              <a:spAutoFit/>
+            </a:bodyPr>
+            <a:lstStyle/>
+            <a:p>
+              <a:r>
+                <a:rPr lang="en-US" dirty="0" err="1"/>
+                <a:t>work_dir</a:t>
+              </a:r>
+              <a:endParaRPr lang="en-NL" dirty="0"/>
+            </a:p>
+          </p:txBody>
+        </p:sp>
+      </p:grpSp>
+      <p:grpSp>
+        <p:nvGrpSpPr>
+          <p:cNvPr id="59" name="Group 58">
+            <a:extLst>
+              <a:ext uri="{FF2B5EF4-FFF2-40B4-BE49-F238E27FC236}">
+                <a16:creationId xmlns:a16="http://schemas.microsoft.com/office/drawing/2014/main" id="{C975BCE4-598F-052B-3BC6-DF764C5DC2F5}"/>
+              </a:ext>
+            </a:extLst>
+          </p:cNvPr>
+          <p:cNvGrpSpPr/>
+          <p:nvPr/>
+        </p:nvGrpSpPr>
+        <p:grpSpPr>
+          <a:xfrm>
+            <a:off x="8954590" y="3859769"/>
+            <a:ext cx="1957251" cy="1347948"/>
+            <a:chOff x="8954590" y="3859769"/>
+            <a:chExt cx="1957251" cy="1347948"/>
+          </a:xfrm>
+        </p:grpSpPr>
+        <p:grpSp>
+          <p:nvGrpSpPr>
+            <p:cNvPr id="47" name="Group 46">
+              <a:extLst>
+                <a:ext uri="{FF2B5EF4-FFF2-40B4-BE49-F238E27FC236}">
+                  <a16:creationId xmlns:a16="http://schemas.microsoft.com/office/drawing/2014/main" id="{4F232F32-D55A-1577-BADE-CE57BD208C7D}"/>
+                </a:ext>
+              </a:extLst>
+            </p:cNvPr>
+            <p:cNvGrpSpPr/>
+            <p:nvPr/>
+          </p:nvGrpSpPr>
+          <p:grpSpPr>
+            <a:xfrm>
+              <a:off x="9074333" y="3928338"/>
+              <a:ext cx="1595521" cy="576000"/>
+              <a:chOff x="957943" y="3771584"/>
+              <a:chExt cx="1595521" cy="576000"/>
+            </a:xfrm>
+          </p:grpSpPr>
+          <p:pic>
+            <p:nvPicPr>
+              <p:cNvPr id="48" name="Graphic 47" descr="Document">
+                <a:extLst>
+                  <a:ext uri="{FF2B5EF4-FFF2-40B4-BE49-F238E27FC236}">
+                    <a16:creationId xmlns:a16="http://schemas.microsoft.com/office/drawing/2014/main" id="{459CD311-1407-80FD-6F83-B98AFD023419}"/>
+                  </a:ext>
+                </a:extLst>
+              </p:cNvPr>
+              <p:cNvPicPr>
+                <a:picLocks noChangeAspect="1"/>
+              </p:cNvPicPr>
+              <p:nvPr/>
+            </p:nvPicPr>
+            <p:blipFill>
+              <a:blip r:embed="rId5">
+                <a:extLst>
+                  <a:ext uri="{96DAC541-7B7A-43D3-8B79-37D633B846F1}">
+                    <asvg:svgBlip xmlns:asvg="http://schemas.microsoft.com/office/drawing/2016/SVG/main" r:embed="rId6"/>
+                  </a:ext>
+                </a:extLst>
+              </a:blip>
+              <a:stretch>
+                <a:fillRect/>
+              </a:stretch>
+            </p:blipFill>
+            <p:spPr>
+              <a:xfrm>
+                <a:off x="957943" y="3771584"/>
+                <a:ext cx="576000" cy="576000"/>
+              </a:xfrm>
+              <a:prstGeom prst="rect">
+                <a:avLst/>
+              </a:prstGeom>
+            </p:spPr>
+          </p:pic>
+          <p:sp>
+            <p:nvSpPr>
+              <p:cNvPr id="49" name="TextBox 48">
+                <a:extLst>
+                  <a:ext uri="{FF2B5EF4-FFF2-40B4-BE49-F238E27FC236}">
+                    <a16:creationId xmlns:a16="http://schemas.microsoft.com/office/drawing/2014/main" id="{1115D7C8-1D29-E97C-FDC5-DD022D718088}"/>
+                  </a:ext>
+                </a:extLst>
+              </p:cNvPr>
+              <p:cNvSpPr txBox="1"/>
+              <p:nvPr/>
+            </p:nvSpPr>
+            <p:spPr>
+              <a:xfrm>
+                <a:off x="1603717" y="3874918"/>
+                <a:ext cx="949747" cy="369332"/>
+              </a:xfrm>
+              <a:prstGeom prst="rect">
+                <a:avLst/>
+              </a:prstGeom>
+              <a:noFill/>
+            </p:spPr>
+            <p:txBody>
+              <a:bodyPr wrap="none" rtlCol="0">
+                <a:spAutoFit/>
+              </a:bodyPr>
+              <a:lstStyle/>
+              <a:p>
+                <a:r>
+                  <a:rPr lang="en-US" dirty="0"/>
+                  <a:t>main.py</a:t>
+                </a:r>
+                <a:endParaRPr lang="en-NL" dirty="0"/>
+              </a:p>
+            </p:txBody>
+          </p:sp>
+        </p:grpSp>
+        <p:sp>
+          <p:nvSpPr>
+            <p:cNvPr id="50" name="Rectangle 49">
+              <a:extLst>
+                <a:ext uri="{FF2B5EF4-FFF2-40B4-BE49-F238E27FC236}">
+                  <a16:creationId xmlns:a16="http://schemas.microsoft.com/office/drawing/2014/main" id="{E9EF6FF4-FB4F-1BE4-C64B-1426F588A8DA}"/>
+                </a:ext>
+              </a:extLst>
+            </p:cNvPr>
+            <p:cNvSpPr/>
+            <p:nvPr/>
+          </p:nvSpPr>
+          <p:spPr>
+            <a:xfrm>
+              <a:off x="8954590" y="3859769"/>
+              <a:ext cx="1957251" cy="1347948"/>
+            </a:xfrm>
+            <a:prstGeom prst="rect">
+              <a:avLst/>
+            </a:prstGeom>
+            <a:noFill/>
+          </p:spPr>
+          <p:style>
+            <a:lnRef idx="2">
+              <a:schemeClr val="dk1"/>
+            </a:lnRef>
+            <a:fillRef idx="1">
+              <a:schemeClr val="lt1"/>
+            </a:fillRef>
+            <a:effectRef idx="0">
+              <a:schemeClr val="dk1"/>
+            </a:effectRef>
+            <a:fontRef idx="minor">
+              <a:schemeClr val="dk1"/>
+            </a:fontRef>
+          </p:style>
+          <p:txBody>
+            <a:bodyPr rtlCol="0" anchor="ctr"/>
+            <a:lstStyle/>
+            <a:p>
+              <a:pPr algn="ctr"/>
+              <a:endParaRPr lang="en-NL"/>
+            </a:p>
+          </p:txBody>
+        </p:sp>
+        <p:grpSp>
+          <p:nvGrpSpPr>
+            <p:cNvPr id="51" name="Group 50">
+              <a:extLst>
+                <a:ext uri="{FF2B5EF4-FFF2-40B4-BE49-F238E27FC236}">
+                  <a16:creationId xmlns:a16="http://schemas.microsoft.com/office/drawing/2014/main" id="{A30968EA-5393-B205-8F0A-D26BED882B79}"/>
+                </a:ext>
+              </a:extLst>
+            </p:cNvPr>
+            <p:cNvGrpSpPr/>
+            <p:nvPr/>
+          </p:nvGrpSpPr>
+          <p:grpSpPr>
+            <a:xfrm>
+              <a:off x="9074333" y="4547751"/>
+              <a:ext cx="1507357" cy="576000"/>
+              <a:chOff x="957943" y="3771584"/>
+              <a:chExt cx="1507357" cy="576000"/>
+            </a:xfrm>
+          </p:grpSpPr>
+          <p:pic>
+            <p:nvPicPr>
+              <p:cNvPr id="52" name="Graphic 51" descr="Document">
+                <a:extLst>
+                  <a:ext uri="{FF2B5EF4-FFF2-40B4-BE49-F238E27FC236}">
+                    <a16:creationId xmlns:a16="http://schemas.microsoft.com/office/drawing/2014/main" id="{B4FB85F6-2811-5972-A55B-514FC95C9E28}"/>
+                  </a:ext>
+                </a:extLst>
+              </p:cNvPr>
+              <p:cNvPicPr>
+                <a:picLocks noChangeAspect="1"/>
+              </p:cNvPicPr>
+              <p:nvPr/>
+            </p:nvPicPr>
+            <p:blipFill>
+              <a:blip r:embed="rId7">
+                <a:extLst>
+                  <a:ext uri="{96DAC541-7B7A-43D3-8B79-37D633B846F1}">
+                    <asvg:svgBlip xmlns:asvg="http://schemas.microsoft.com/office/drawing/2016/SVG/main" r:embed="rId8"/>
+                  </a:ext>
+                </a:extLst>
+              </a:blip>
+              <a:stretch>
+                <a:fillRect/>
+              </a:stretch>
+            </p:blipFill>
+            <p:spPr>
+              <a:xfrm>
+                <a:off x="957943" y="3771584"/>
+                <a:ext cx="576000" cy="576000"/>
+              </a:xfrm>
+              <a:prstGeom prst="rect">
+                <a:avLst/>
+              </a:prstGeom>
+            </p:spPr>
+          </p:pic>
+          <p:sp>
+            <p:nvSpPr>
+              <p:cNvPr id="53" name="TextBox 52">
+                <a:extLst>
+                  <a:ext uri="{FF2B5EF4-FFF2-40B4-BE49-F238E27FC236}">
+                    <a16:creationId xmlns:a16="http://schemas.microsoft.com/office/drawing/2014/main" id="{B156AF13-8F41-1F11-8BCA-4A386236A9F3}"/>
+                  </a:ext>
+                </a:extLst>
+              </p:cNvPr>
+              <p:cNvSpPr txBox="1"/>
+              <p:nvPr/>
+            </p:nvSpPr>
+            <p:spPr>
+              <a:xfrm>
+                <a:off x="1603717" y="3874918"/>
+                <a:ext cx="861583" cy="369332"/>
+              </a:xfrm>
+              <a:prstGeom prst="rect">
+                <a:avLst/>
+              </a:prstGeom>
+              <a:noFill/>
+            </p:spPr>
+            <p:txBody>
+              <a:bodyPr wrap="none" rtlCol="0">
+                <a:spAutoFit/>
+              </a:bodyPr>
+              <a:lstStyle/>
+              <a:p>
+                <a:r>
+                  <a:rPr lang="en-US" dirty="0">
+                    <a:solidFill>
+                      <a:schemeClr val="bg1">
+                        <a:lumMod val="75000"/>
+                      </a:schemeClr>
+                    </a:solidFill>
+                  </a:rPr>
+                  <a:t>utils.py</a:t>
+                </a:r>
+                <a:endParaRPr lang="en-NL" dirty="0">
+                  <a:solidFill>
+                    <a:schemeClr val="bg1">
+                      <a:lumMod val="75000"/>
+                    </a:schemeClr>
+                  </a:solidFill>
+                </a:endParaRPr>
+              </a:p>
+            </p:txBody>
+          </p:sp>
+        </p:grpSp>
+      </p:grpSp>
+      <p:sp>
+        <p:nvSpPr>
+          <p:cNvPr id="56" name="Oval 55">
+            <a:extLst>
+              <a:ext uri="{FF2B5EF4-FFF2-40B4-BE49-F238E27FC236}">
+                <a16:creationId xmlns:a16="http://schemas.microsoft.com/office/drawing/2014/main" id="{E20D9F97-8EB0-526B-134F-F56E4F4070E2}"/>
+              </a:ext>
+            </a:extLst>
+          </p:cNvPr>
+          <p:cNvSpPr/>
+          <p:nvPr/>
+        </p:nvSpPr>
+        <p:spPr>
+          <a:xfrm>
+            <a:off x="1774988" y="1972498"/>
+            <a:ext cx="323160" cy="322207"/>
+          </a:xfrm>
+          <a:prstGeom prst="ellipse">
+            <a:avLst/>
+          </a:prstGeom>
+        </p:spPr>
+        <p:style>
+          <a:lnRef idx="2">
+            <a:schemeClr val="dk1"/>
+          </a:lnRef>
+          <a:fillRef idx="1">
+            <a:schemeClr val="lt1"/>
+          </a:fillRef>
+          <a:effectRef idx="0">
+            <a:schemeClr val="dk1"/>
+          </a:effectRef>
+          <a:fontRef idx="minor">
+            <a:schemeClr val="dk1"/>
+          </a:fontRef>
+        </p:style>
+        <p:txBody>
+          <a:bodyPr rtlCol="0" anchor="ctr"/>
+          <a:lstStyle/>
+          <a:p>
+            <a:pPr algn="ctr"/>
+            <a:endParaRPr lang="en-NL"/>
+          </a:p>
+        </p:txBody>
+      </p:sp>
+      <p:sp>
+        <p:nvSpPr>
+          <p:cNvPr id="57" name="Oval 56">
+            <a:extLst>
+              <a:ext uri="{FF2B5EF4-FFF2-40B4-BE49-F238E27FC236}">
+                <a16:creationId xmlns:a16="http://schemas.microsoft.com/office/drawing/2014/main" id="{96D8D134-CF04-6B0C-EE6C-29A8C9BA6A61}"/>
+              </a:ext>
+            </a:extLst>
+          </p:cNvPr>
+          <p:cNvSpPr/>
+          <p:nvPr/>
+        </p:nvSpPr>
+        <p:spPr>
+          <a:xfrm>
+            <a:off x="5934891" y="1954196"/>
+            <a:ext cx="323160" cy="322207"/>
+          </a:xfrm>
+          <a:prstGeom prst="ellipse">
+            <a:avLst/>
+          </a:prstGeom>
+        </p:spPr>
+        <p:style>
+          <a:lnRef idx="2">
+            <a:schemeClr val="dk1"/>
+          </a:lnRef>
+          <a:fillRef idx="1">
+            <a:schemeClr val="lt1"/>
+          </a:fillRef>
+          <a:effectRef idx="0">
+            <a:schemeClr val="dk1"/>
+          </a:effectRef>
+          <a:fontRef idx="minor">
+            <a:schemeClr val="dk1"/>
+          </a:fontRef>
+        </p:style>
+        <p:txBody>
+          <a:bodyPr rtlCol="0" anchor="ctr"/>
+          <a:lstStyle/>
+          <a:p>
+            <a:pPr algn="ctr"/>
+            <a:endParaRPr lang="en-NL"/>
+          </a:p>
+        </p:txBody>
+      </p:sp>
+      <p:sp>
+        <p:nvSpPr>
+          <p:cNvPr id="58" name="Oval 57">
+            <a:extLst>
+              <a:ext uri="{FF2B5EF4-FFF2-40B4-BE49-F238E27FC236}">
+                <a16:creationId xmlns:a16="http://schemas.microsoft.com/office/drawing/2014/main" id="{F2A02FF6-5B6C-59DE-3A03-A05C0077BCA9}"/>
+              </a:ext>
+            </a:extLst>
+          </p:cNvPr>
+          <p:cNvSpPr/>
+          <p:nvPr/>
+        </p:nvSpPr>
+        <p:spPr>
+          <a:xfrm>
+            <a:off x="9771634" y="1977610"/>
+            <a:ext cx="323160" cy="322207"/>
+          </a:xfrm>
+          <a:prstGeom prst="ellipse">
+            <a:avLst/>
+          </a:prstGeom>
+        </p:spPr>
+        <p:style>
+          <a:lnRef idx="2">
+            <a:schemeClr val="dk1"/>
+          </a:lnRef>
+          <a:fillRef idx="1">
+            <a:schemeClr val="lt1"/>
+          </a:fillRef>
+          <a:effectRef idx="0">
+            <a:schemeClr val="dk1"/>
+          </a:effectRef>
+          <a:fontRef idx="minor">
+            <a:schemeClr val="dk1"/>
+          </a:fontRef>
+        </p:style>
+        <p:txBody>
+          <a:bodyPr rtlCol="0" anchor="ctr"/>
+          <a:lstStyle/>
+          <a:p>
+            <a:pPr algn="ctr"/>
+            <a:endParaRPr lang="en-NL"/>
+          </a:p>
+        </p:txBody>
+      </p:sp>
+    </p:spTree>
+    <p:extLst>
+      <p:ext uri="{BB962C8B-B14F-4D97-AF65-F5344CB8AC3E}">
+        <p14:creationId xmlns:p14="http://schemas.microsoft.com/office/powerpoint/2010/main" val="1910354012"/>
+      </p:ext>
+    </p:extLst>
+  </p:cSld>
+  <p:clrMapOvr>
+    <a:masterClrMapping/>
+  </p:clrMapOvr>
+</p:sld>
+</file>
+
+<file path=ppt/slides/slide6.xml><?xml version="1.0" encoding="utf-8"?>
+<p:sld xmlns:a="http://schemas.openxmlformats.org/drawingml/2006/main" xmlns:r="http://schemas.openxmlformats.org/officeDocument/2006/relationships" xmlns:p="http://schemas.openxmlformats.org/presentationml/2006/main">
+  <p:cSld>
+    <p:spTree>
+      <p:nvGrpSpPr>
+        <p:cNvPr id="1" name=""/>
+        <p:cNvGrpSpPr/>
+        <p:nvPr/>
+      </p:nvGrpSpPr>
+      <p:grpSpPr>
+        <a:xfrm>
+          <a:off x="0" y="0"/>
+          <a:ext cx="0" cy="0"/>
+          <a:chOff x="0" y="0"/>
+          <a:chExt cx="0" cy="0"/>
+        </a:xfrm>
+      </p:grpSpPr>
+      <p:sp>
+        <p:nvSpPr>
+          <p:cNvPr id="4" name="Title 3">
+            <a:extLst>
+              <a:ext uri="{FF2B5EF4-FFF2-40B4-BE49-F238E27FC236}">
+                <a16:creationId xmlns:a16="http://schemas.microsoft.com/office/drawing/2014/main" id="{72C925CA-BCA3-3701-E08E-95652380B32E}"/>
+              </a:ext>
+            </a:extLst>
+          </p:cNvPr>
+          <p:cNvSpPr>
+            <a:spLocks noGrp="1"/>
+          </p:cNvSpPr>
+          <p:nvPr>
+            <p:ph type="title"/>
+          </p:nvPr>
+        </p:nvSpPr>
+        <p:spPr/>
+        <p:txBody>
+          <a:bodyPr/>
+          <a:lstStyle/>
+          <a:p>
+            <a:r>
+              <a:rPr lang="nl-NL" noProof="0" dirty="0"/>
+              <a:t>Werken met versies</a:t>
+            </a:r>
+          </a:p>
+        </p:txBody>
+      </p:sp>
+      <p:sp>
+        <p:nvSpPr>
+          <p:cNvPr id="5" name="Text Placeholder 4">
+            <a:extLst>
+              <a:ext uri="{FF2B5EF4-FFF2-40B4-BE49-F238E27FC236}">
+                <a16:creationId xmlns:a16="http://schemas.microsoft.com/office/drawing/2014/main" id="{1AB31C95-91AF-DF13-FB58-0DA5F2D9F6F7}"/>
+              </a:ext>
+            </a:extLst>
+          </p:cNvPr>
+          <p:cNvSpPr>
+            <a:spLocks noGrp="1"/>
+          </p:cNvSpPr>
+          <p:nvPr>
+            <p:ph type="body" idx="1"/>
+          </p:nvPr>
+        </p:nvSpPr>
+        <p:spPr/>
+        <p:txBody>
+          <a:bodyPr/>
+          <a:lstStyle/>
+          <a:p>
+            <a:endParaRPr lang="en-NL"/>
+          </a:p>
+        </p:txBody>
+      </p:sp>
+    </p:spTree>
+    <p:extLst>
+      <p:ext uri="{BB962C8B-B14F-4D97-AF65-F5344CB8AC3E}">
+        <p14:creationId xmlns:p14="http://schemas.microsoft.com/office/powerpoint/2010/main" val="1045594335"/>
+      </p:ext>
+    </p:extLst>
+  </p:cSld>
+  <p:clrMapOvr>
+    <a:masterClrMapping/>
+  </p:clrMapOvr>
+</p:sld>
+</file>
+
+<file path=ppt/slides/slide7.xml><?xml version="1.0" encoding="utf-8"?>
+<p:sld xmlns:a="http://schemas.openxmlformats.org/drawingml/2006/main" xmlns:r="http://schemas.openxmlformats.org/officeDocument/2006/relationships" xmlns:p="http://schemas.openxmlformats.org/presentationml/2006/main">
+  <p:cSld>
+    <p:spTree>
+      <p:nvGrpSpPr>
+        <p:cNvPr id="1" name="">
+          <a:extLst>
+            <a:ext uri="{FF2B5EF4-FFF2-40B4-BE49-F238E27FC236}">
+              <a16:creationId xmlns:a16="http://schemas.microsoft.com/office/drawing/2014/main" id="{53350AC3-44D2-125F-C901-74E8A6F61E54}"/>
+            </a:ext>
+          </a:extLst>
+        </p:cNvPr>
+        <p:cNvGrpSpPr/>
+        <p:nvPr/>
+      </p:nvGrpSpPr>
+      <p:grpSpPr>
+        <a:xfrm>
+          <a:off x="0" y="0"/>
+          <a:ext cx="0" cy="0"/>
+          <a:chOff x="0" y="0"/>
+          <a:chExt cx="0" cy="0"/>
+        </a:xfrm>
+      </p:grpSpPr>
+      <p:sp>
+        <p:nvSpPr>
+          <p:cNvPr id="4" name="Title 3">
+            <a:extLst>
+              <a:ext uri="{FF2B5EF4-FFF2-40B4-BE49-F238E27FC236}">
+                <a16:creationId xmlns:a16="http://schemas.microsoft.com/office/drawing/2014/main" id="{09C9436C-DC36-00A0-18E7-6B9DD57D93A7}"/>
+              </a:ext>
+            </a:extLst>
+          </p:cNvPr>
+          <p:cNvSpPr>
+            <a:spLocks noGrp="1"/>
+          </p:cNvSpPr>
+          <p:nvPr>
+            <p:ph type="title"/>
+          </p:nvPr>
+        </p:nvSpPr>
+        <p:spPr/>
+        <p:txBody>
+          <a:bodyPr/>
+          <a:lstStyle/>
+          <a:p>
+            <a:r>
+              <a:rPr lang="nl-NL" noProof="0" dirty="0"/>
+              <a:t>Remote</a:t>
+            </a:r>
+          </a:p>
+        </p:txBody>
+      </p:sp>
+      <p:sp>
+        <p:nvSpPr>
+          <p:cNvPr id="5" name="Text Placeholder 4">
+            <a:extLst>
+              <a:ext uri="{FF2B5EF4-FFF2-40B4-BE49-F238E27FC236}">
+                <a16:creationId xmlns:a16="http://schemas.microsoft.com/office/drawing/2014/main" id="{DEB61E79-1961-C560-A7F0-B064C69A128C}"/>
+              </a:ext>
+            </a:extLst>
+          </p:cNvPr>
+          <p:cNvSpPr>
+            <a:spLocks noGrp="1"/>
+          </p:cNvSpPr>
+          <p:nvPr>
+            <p:ph type="body" idx="1"/>
+          </p:nvPr>
+        </p:nvSpPr>
+        <p:spPr/>
+        <p:txBody>
+          <a:bodyPr/>
+          <a:lstStyle/>
+          <a:p>
+            <a:endParaRPr lang="en-NL"/>
+          </a:p>
+        </p:txBody>
+      </p:sp>
+    </p:spTree>
+    <p:extLst>
+      <p:ext uri="{BB962C8B-B14F-4D97-AF65-F5344CB8AC3E}">
+        <p14:creationId xmlns:p14="http://schemas.microsoft.com/office/powerpoint/2010/main" val="3051769913"/>
+      </p:ext>
+    </p:extLst>
+  </p:cSld>
+  <p:clrMapOvr>
+    <a:masterClrMapping/>
+  </p:clrMapOvr>
+</p:sld>
+</file>
+
+<file path=ppt/slides/slide8.xml><?xml version="1.0" encoding="utf-8"?>
+<p:sld xmlns:a="http://schemas.openxmlformats.org/drawingml/2006/main" xmlns:r="http://schemas.openxmlformats.org/officeDocument/2006/relationships" xmlns:p="http://schemas.openxmlformats.org/presentationml/2006/main">
+  <p:cSld>
+    <p:spTree>
+      <p:nvGrpSpPr>
+        <p:cNvPr id="1" name=""/>
+        <p:cNvGrpSpPr/>
+        <p:nvPr/>
+      </p:nvGrpSpPr>
+      <p:grpSpPr>
+        <a:xfrm>
+          <a:off x="0" y="0"/>
+          <a:ext cx="0" cy="0"/>
+          <a:chOff x="0" y="0"/>
+          <a:chExt cx="0" cy="0"/>
+        </a:xfrm>
+      </p:grpSpPr>
+      <p:sp>
+        <p:nvSpPr>
+          <p:cNvPr id="2" name="Title 1">
+            <a:extLst>
+              <a:ext uri="{FF2B5EF4-FFF2-40B4-BE49-F238E27FC236}">
+                <a16:creationId xmlns:a16="http://schemas.microsoft.com/office/drawing/2014/main" id="{39A1D606-8DD1-369C-5C09-471CDD551AD5}"/>
+              </a:ext>
+            </a:extLst>
+          </p:cNvPr>
+          <p:cNvSpPr>
+            <a:spLocks noGrp="1"/>
+          </p:cNvSpPr>
+          <p:nvPr>
+            <p:ph type="title"/>
+          </p:nvPr>
+        </p:nvSpPr>
+        <p:spPr>
+          <a:xfrm>
+            <a:off x="838200" y="365126"/>
+            <a:ext cx="10515600" cy="718608"/>
+          </a:xfrm>
+        </p:spPr>
+        <p:txBody>
+          <a:bodyPr>
+            <a:normAutofit/>
+          </a:bodyPr>
+          <a:lstStyle/>
+          <a:p>
+            <a:r>
+              <a:rPr lang="nl-NL" sz="3600" noProof="0" dirty="0"/>
+              <a:t>Sterke en zwakke punten</a:t>
+            </a:r>
+          </a:p>
+        </p:txBody>
+      </p:sp>
+      <p:sp>
+        <p:nvSpPr>
+          <p:cNvPr id="3" name="Content Placeholder 2">
+            <a:extLst>
+              <a:ext uri="{FF2B5EF4-FFF2-40B4-BE49-F238E27FC236}">
+                <a16:creationId xmlns:a16="http://schemas.microsoft.com/office/drawing/2014/main" id="{F4C2D286-E049-0AAB-1360-B7157E11AD7E}"/>
+              </a:ext>
+            </a:extLst>
+          </p:cNvPr>
+          <p:cNvSpPr>
+            <a:spLocks noGrp="1"/>
+          </p:cNvSpPr>
+          <p:nvPr>
+            <p:ph idx="1"/>
+          </p:nvPr>
+        </p:nvSpPr>
+        <p:spPr>
+          <a:xfrm>
+            <a:off x="838200" y="1456267"/>
+            <a:ext cx="4749800" cy="4720696"/>
+          </a:xfrm>
+        </p:spPr>
+        <p:txBody>
+          <a:bodyPr>
+            <a:normAutofit/>
+          </a:bodyPr>
+          <a:lstStyle/>
+          <a:p>
+            <a:pPr marL="0" indent="0">
+              <a:buNone/>
+            </a:pPr>
+            <a:r>
+              <a:rPr lang="nl-NL" sz="2000" b="1" noProof="0" dirty="0"/>
+              <a:t>Sterke punten:</a:t>
+            </a:r>
+          </a:p>
+          <a:p>
+            <a:pPr marL="0" indent="0">
+              <a:buNone/>
+            </a:pPr>
+            <a:endParaRPr lang="nl-NL" sz="2000" noProof="0" dirty="0"/>
+          </a:p>
+          <a:p>
+            <a:pPr>
+              <a:buFontTx/>
+              <a:buChar char="-"/>
+            </a:pPr>
+            <a:r>
+              <a:rPr lang="nl-NL" sz="2000" noProof="0" dirty="0"/>
+              <a:t>Makkelijk te leren, flexibele syntax.</a:t>
+            </a:r>
+          </a:p>
+          <a:p>
+            <a:pPr>
+              <a:buFontTx/>
+              <a:buChar char="-"/>
+            </a:pPr>
+            <a:endParaRPr lang="nl-NL" sz="2000" noProof="0" dirty="0"/>
+          </a:p>
+          <a:p>
+            <a:pPr>
+              <a:buFontTx/>
+              <a:buChar char="-"/>
+            </a:pPr>
+            <a:r>
+              <a:rPr lang="nl-NL" sz="2000" noProof="0" dirty="0"/>
+              <a:t>Veel ontwikkelaars en gebruikers.</a:t>
+            </a:r>
+          </a:p>
+          <a:p>
+            <a:pPr>
+              <a:buFontTx/>
+              <a:buChar char="-"/>
+            </a:pPr>
+            <a:endParaRPr lang="nl-NL" sz="2000" noProof="0" dirty="0"/>
+          </a:p>
+          <a:p>
+            <a:pPr>
+              <a:buFontTx/>
+              <a:buChar char="-"/>
+            </a:pPr>
+            <a:r>
+              <a:rPr lang="nl-NL" sz="2000" noProof="0" dirty="0"/>
+              <a:t>Veel online informatie.</a:t>
+            </a:r>
+          </a:p>
+          <a:p>
+            <a:pPr>
+              <a:buFontTx/>
+              <a:buChar char="-"/>
+            </a:pPr>
+            <a:endParaRPr lang="nl-NL" sz="2000" noProof="0" dirty="0"/>
+          </a:p>
+          <a:p>
+            <a:pPr>
+              <a:buFontTx/>
+              <a:buChar char="-"/>
+            </a:pPr>
+            <a:r>
+              <a:rPr lang="nl-NL" sz="2000" noProof="0" dirty="0"/>
+              <a:t>Uitgebreid ecosysteem van uitbreidingen.</a:t>
+            </a:r>
+          </a:p>
+          <a:p>
+            <a:pPr>
+              <a:buFontTx/>
+              <a:buChar char="-"/>
+            </a:pPr>
+            <a:endParaRPr lang="nl-NL" sz="2000" noProof="0" dirty="0"/>
+          </a:p>
+          <a:p>
+            <a:pPr>
+              <a:buFontTx/>
+              <a:buChar char="-"/>
+            </a:pPr>
+            <a:r>
+              <a:rPr lang="nl-NL" sz="2000" noProof="0" dirty="0"/>
+              <a:t>Breed inzetbaar.</a:t>
+            </a:r>
+          </a:p>
+        </p:txBody>
+      </p:sp>
+      <p:sp>
+        <p:nvSpPr>
+          <p:cNvPr id="4" name="Content Placeholder 2">
+            <a:extLst>
+              <a:ext uri="{FF2B5EF4-FFF2-40B4-BE49-F238E27FC236}">
+                <a16:creationId xmlns:a16="http://schemas.microsoft.com/office/drawing/2014/main" id="{98EFE1E9-4D56-5081-678F-F94DE9C3DCC6}"/>
+              </a:ext>
+            </a:extLst>
+          </p:cNvPr>
+          <p:cNvSpPr txBox="1">
+            <a:spLocks/>
+          </p:cNvSpPr>
+          <p:nvPr/>
+        </p:nvSpPr>
+        <p:spPr>
+          <a:xfrm>
+            <a:off x="6409267" y="1456267"/>
+            <a:ext cx="4749800" cy="4720696"/>
+          </a:xfrm>
+          <a:prstGeom prst="rect">
+            <a:avLst/>
+          </a:prstGeom>
+        </p:spPr>
+        <p:txBody>
+          <a:bodyPr vert="horz" lIns="91440" tIns="45720" rIns="91440" bIns="45720" rtlCol="0">
+            <a:normAutofit/>
+          </a:bodyPr>
+          <a:lstStyle>
+            <a:lvl1pPr marL="228600" indent="-228600" algn="l" defTabSz="914400" rtl="0" eaLnBrk="1" latinLnBrk="0" hangingPunct="1">
+              <a:lnSpc>
+                <a:spcPct val="90000"/>
+              </a:lnSpc>
+              <a:spcBef>
+                <a:spcPts val="1000"/>
+              </a:spcBef>
+              <a:buFont typeface="Arial" panose="020B0604020202020204" pitchFamily="34" charset="0"/>
+              <a:buChar char="•"/>
+              <a:defRPr sz="2800" kern="1200">
+                <a:solidFill>
+                  <a:schemeClr val="tx1"/>
+                </a:solidFill>
+                <a:latin typeface="+mn-lt"/>
+                <a:ea typeface="+mn-ea"/>
+                <a:cs typeface="+mn-cs"/>
+              </a:defRPr>
+            </a:lvl1pPr>
+            <a:lvl2pPr marL="685800" indent="-228600" algn="l" defTabSz="914400" rtl="0" eaLnBrk="1" latinLnBrk="0" hangingPunct="1">
+              <a:lnSpc>
+                <a:spcPct val="90000"/>
+              </a:lnSpc>
+              <a:spcBef>
+                <a:spcPts val="500"/>
+              </a:spcBef>
+              <a:buFont typeface="Arial" panose="020B0604020202020204" pitchFamily="34" charset="0"/>
+              <a:buChar char="•"/>
+              <a:defRPr sz="2400" kern="1200">
+                <a:solidFill>
+                  <a:schemeClr val="tx1"/>
+                </a:solidFill>
+                <a:latin typeface="+mn-lt"/>
+                <a:ea typeface="+mn-ea"/>
+                <a:cs typeface="+mn-cs"/>
+              </a:defRPr>
+            </a:lvl2pPr>
+            <a:lvl3pPr marL="1143000" indent="-228600" algn="l" defTabSz="914400" rtl="0" eaLnBrk="1" latinLnBrk="0" hangingPunct="1">
+              <a:lnSpc>
+                <a:spcPct val="90000"/>
+              </a:lnSpc>
+              <a:spcBef>
+                <a:spcPts val="500"/>
+              </a:spcBef>
+              <a:buFont typeface="Arial" panose="020B0604020202020204" pitchFamily="34" charset="0"/>
+              <a:buChar char="•"/>
+              <a:defRPr sz="2000" kern="1200">
+                <a:solidFill>
+                  <a:schemeClr val="tx1"/>
+                </a:solidFill>
+                <a:latin typeface="+mn-lt"/>
+                <a:ea typeface="+mn-ea"/>
+                <a:cs typeface="+mn-cs"/>
+              </a:defRPr>
+            </a:lvl3pPr>
+            <a:lvl4pPr marL="1600200" indent="-228600" algn="l" defTabSz="914400" rtl="0" eaLnBrk="1" latinLnBrk="0" hangingPunct="1">
+              <a:lnSpc>
+                <a:spcPct val="90000"/>
+              </a:lnSpc>
+              <a:spcBef>
+                <a:spcPts val="500"/>
+              </a:spcBef>
+              <a:buFont typeface="Arial" panose="020B0604020202020204" pitchFamily="34" charset="0"/>
+              <a:buChar char="•"/>
+              <a:defRPr sz="1800" kern="1200">
+                <a:solidFill>
+                  <a:schemeClr val="tx1"/>
+                </a:solidFill>
+                <a:latin typeface="+mn-lt"/>
+                <a:ea typeface="+mn-ea"/>
+                <a:cs typeface="+mn-cs"/>
+              </a:defRPr>
+            </a:lvl4pPr>
+            <a:lvl5pPr marL="2057400" indent="-228600" algn="l" defTabSz="914400" rtl="0" eaLnBrk="1" latinLnBrk="0" hangingPunct="1">
+              <a:lnSpc>
+                <a:spcPct val="90000"/>
+              </a:lnSpc>
+              <a:spcBef>
+                <a:spcPts val="500"/>
+              </a:spcBef>
+              <a:buFont typeface="Arial" panose="020B0604020202020204" pitchFamily="34" charset="0"/>
+              <a:buChar char="•"/>
+              <a:defRPr sz="1800" kern="1200">
+                <a:solidFill>
+                  <a:schemeClr val="tx1"/>
+                </a:solidFill>
+                <a:latin typeface="+mn-lt"/>
+                <a:ea typeface="+mn-ea"/>
+                <a:cs typeface="+mn-cs"/>
+              </a:defRPr>
+            </a:lvl5pPr>
+            <a:lvl6pPr marL="2514600" indent="-228600" algn="l" defTabSz="914400" rtl="0" eaLnBrk="1" latinLnBrk="0" hangingPunct="1">
+              <a:lnSpc>
+                <a:spcPct val="90000"/>
+              </a:lnSpc>
+              <a:spcBef>
+                <a:spcPts val="500"/>
+              </a:spcBef>
+              <a:buFont typeface="Arial" panose="020B0604020202020204" pitchFamily="34" charset="0"/>
+              <a:buChar char="•"/>
+              <a:defRPr sz="1800" kern="1200">
+                <a:solidFill>
+                  <a:schemeClr val="tx1"/>
+                </a:solidFill>
+                <a:latin typeface="+mn-lt"/>
+                <a:ea typeface="+mn-ea"/>
+                <a:cs typeface="+mn-cs"/>
+              </a:defRPr>
+            </a:lvl6pPr>
+            <a:lvl7pPr marL="2971800" indent="-228600" algn="l" defTabSz="914400" rtl="0" eaLnBrk="1" latinLnBrk="0" hangingPunct="1">
+              <a:lnSpc>
+                <a:spcPct val="90000"/>
+              </a:lnSpc>
+              <a:spcBef>
+                <a:spcPts val="500"/>
+              </a:spcBef>
+              <a:buFont typeface="Arial" panose="020B0604020202020204" pitchFamily="34" charset="0"/>
+              <a:buChar char="•"/>
+              <a:defRPr sz="1800" kern="1200">
+                <a:solidFill>
+                  <a:schemeClr val="tx1"/>
+                </a:solidFill>
+                <a:latin typeface="+mn-lt"/>
+                <a:ea typeface="+mn-ea"/>
+                <a:cs typeface="+mn-cs"/>
+              </a:defRPr>
+            </a:lvl7pPr>
+            <a:lvl8pPr marL="3429000" indent="-228600" algn="l" defTabSz="914400" rtl="0" eaLnBrk="1" latinLnBrk="0" hangingPunct="1">
+              <a:lnSpc>
+                <a:spcPct val="90000"/>
+              </a:lnSpc>
+              <a:spcBef>
+                <a:spcPts val="500"/>
+              </a:spcBef>
+              <a:buFont typeface="Arial" panose="020B0604020202020204" pitchFamily="34" charset="0"/>
+              <a:buChar char="•"/>
+              <a:defRPr sz="1800" kern="1200">
+                <a:solidFill>
+                  <a:schemeClr val="tx1"/>
+                </a:solidFill>
+                <a:latin typeface="+mn-lt"/>
+                <a:ea typeface="+mn-ea"/>
+                <a:cs typeface="+mn-cs"/>
+              </a:defRPr>
+            </a:lvl8pPr>
+            <a:lvl9pPr marL="3886200" indent="-228600" algn="l" defTabSz="914400" rtl="0" eaLnBrk="1" latinLnBrk="0" hangingPunct="1">
+              <a:lnSpc>
+                <a:spcPct val="90000"/>
+              </a:lnSpc>
+              <a:spcBef>
+                <a:spcPts val="500"/>
+              </a:spcBef>
+              <a:buFont typeface="Arial" panose="020B0604020202020204" pitchFamily="34" charset="0"/>
+              <a:buChar char="•"/>
+              <a:defRPr sz="1800" kern="1200">
+                <a:solidFill>
+                  <a:schemeClr val="tx1"/>
+                </a:solidFill>
+                <a:latin typeface="+mn-lt"/>
+                <a:ea typeface="+mn-ea"/>
+                <a:cs typeface="+mn-cs"/>
+              </a:defRPr>
+            </a:lvl9pPr>
+          </a:lstStyle>
+          <a:p>
+            <a:pPr marL="0" indent="0">
+              <a:buFont typeface="Arial" panose="020B0604020202020204" pitchFamily="34" charset="0"/>
+              <a:buNone/>
+            </a:pPr>
+            <a:r>
+              <a:rPr lang="nl-NL" sz="2000" b="1" dirty="0"/>
+              <a:t>Zwakke punten:</a:t>
+            </a:r>
+          </a:p>
+          <a:p>
+            <a:pPr marL="0" indent="0">
+              <a:buFont typeface="Arial" panose="020B0604020202020204" pitchFamily="34" charset="0"/>
+              <a:buNone/>
+            </a:pPr>
+            <a:endParaRPr lang="nl-NL" sz="2000" dirty="0"/>
+          </a:p>
+          <a:p>
+            <a:pPr>
+              <a:buFontTx/>
+              <a:buChar char="-"/>
+            </a:pPr>
+            <a:r>
+              <a:rPr lang="nl-NL" sz="2000" dirty="0"/>
+              <a:t>Makkelijk om “slechte” code te schrijven.</a:t>
+            </a:r>
+          </a:p>
+          <a:p>
+            <a:pPr>
+              <a:buFontTx/>
+              <a:buChar char="-"/>
+            </a:pPr>
+            <a:endParaRPr lang="nl-NL" sz="2000" dirty="0"/>
+          </a:p>
+          <a:p>
+            <a:pPr>
+              <a:buFontTx/>
+              <a:buChar char="-"/>
+            </a:pPr>
+            <a:r>
+              <a:rPr lang="nl-NL" sz="2000" dirty="0"/>
+              <a:t>Relatief traag  (vgl. C, Scala, Rust).</a:t>
+            </a:r>
+          </a:p>
+          <a:p>
+            <a:pPr>
+              <a:buFontTx/>
+              <a:buChar char="-"/>
+            </a:pPr>
+            <a:endParaRPr lang="nl-NL" sz="2000" dirty="0"/>
+          </a:p>
+          <a:p>
+            <a:pPr>
+              <a:buFontTx/>
+              <a:buChar char="-"/>
+            </a:pPr>
+            <a:r>
+              <a:rPr lang="nl-NL" sz="2000" dirty="0"/>
+              <a:t>Distributie code niet eenduidig.</a:t>
+            </a:r>
+          </a:p>
+          <a:p>
+            <a:pPr marL="0" indent="0">
+              <a:buNone/>
+            </a:pPr>
+            <a:endParaRPr lang="nl-NL" sz="2000" dirty="0"/>
+          </a:p>
+        </p:txBody>
+      </p:sp>
+    </p:spTree>
+    <p:extLst>
+      <p:ext uri="{BB962C8B-B14F-4D97-AF65-F5344CB8AC3E}">
+        <p14:creationId xmlns:p14="http://schemas.microsoft.com/office/powerpoint/2010/main" val="344422135"/>
+      </p:ext>
+    </p:extLst>
+  </p:cSld>
+  <p:clrMapOvr>
+    <a:masterClrMapping/>
+  </p:clrMapOvr>
+</p:sld>
+</file>
+
+<file path=ppt/slides/slide9.xml><?xml version="1.0" encoding="utf-8"?>
+<p:sld xmlns:a="http://schemas.openxmlformats.org/drawingml/2006/main" xmlns:r="http://schemas.openxmlformats.org/officeDocument/2006/relationships" xmlns:p="http://schemas.openxmlformats.org/presentationml/2006/main">
+  <p:cSld>
+    <p:spTree>
+      <p:nvGrpSpPr>
+        <p:cNvPr id="1" name=""/>
+        <p:cNvGrpSpPr/>
+        <p:nvPr/>
+      </p:nvGrpSpPr>
+      <p:grpSpPr>
+        <a:xfrm>
+          <a:off x="0" y="0"/>
+          <a:ext cx="0" cy="0"/>
+          <a:chOff x="0" y="0"/>
+          <a:chExt cx="0" cy="0"/>
+        </a:xfrm>
+      </p:grpSpPr>
+      <p:sp>
+        <p:nvSpPr>
+          <p:cNvPr id="2" name="Title 1">
+            <a:extLst>
+              <a:ext uri="{FF2B5EF4-FFF2-40B4-BE49-F238E27FC236}">
+                <a16:creationId xmlns:a16="http://schemas.microsoft.com/office/drawing/2014/main" id="{39A1D606-8DD1-369C-5C09-471CDD551AD5}"/>
+              </a:ext>
+            </a:extLst>
+          </p:cNvPr>
+          <p:cNvSpPr>
+            <a:spLocks noGrp="1"/>
+          </p:cNvSpPr>
+          <p:nvPr>
+            <p:ph type="title"/>
+          </p:nvPr>
+        </p:nvSpPr>
+        <p:spPr>
+          <a:xfrm>
+            <a:off x="838200" y="365126"/>
+            <a:ext cx="10515600" cy="718608"/>
+          </a:xfrm>
+        </p:spPr>
+        <p:txBody>
+          <a:bodyPr>
+            <a:normAutofit/>
+          </a:bodyPr>
+          <a:lstStyle/>
+          <a:p>
+            <a:r>
+              <a:rPr lang="nl-NL" sz="3600" dirty="0"/>
+              <a:t>Werken met t</a:t>
+            </a:r>
+            <a:r>
+              <a:rPr lang="nl-NL" sz="3600" noProof="0" dirty="0" err="1"/>
+              <a:t>ekst</a:t>
+            </a:r>
+            <a:endParaRPr lang="nl-NL" sz="3600" noProof="0" dirty="0"/>
+          </a:p>
+        </p:txBody>
+      </p:sp>
+      <p:sp>
+        <p:nvSpPr>
+          <p:cNvPr id="3" name="Content Placeholder 2">
+            <a:extLst>
+              <a:ext uri="{FF2B5EF4-FFF2-40B4-BE49-F238E27FC236}">
+                <a16:creationId xmlns:a16="http://schemas.microsoft.com/office/drawing/2014/main" id="{F4C2D286-E049-0AAB-1360-B7157E11AD7E}"/>
+              </a:ext>
+            </a:extLst>
+          </p:cNvPr>
+          <p:cNvSpPr>
+            <a:spLocks noGrp="1"/>
+          </p:cNvSpPr>
+          <p:nvPr>
+            <p:ph idx="1"/>
+          </p:nvPr>
+        </p:nvSpPr>
+        <p:spPr>
+          <a:xfrm>
+            <a:off x="838200" y="1231642"/>
+            <a:ext cx="4885268" cy="5008292"/>
+          </a:xfrm>
+          <a:solidFill>
+            <a:schemeClr val="bg1">
+              <a:lumMod val="95000"/>
+            </a:schemeClr>
+          </a:solidFill>
+        </p:spPr>
+        <p:style>
+          <a:lnRef idx="1">
+            <a:schemeClr val="accent3"/>
+          </a:lnRef>
+          <a:fillRef idx="2">
+            <a:schemeClr val="accent3"/>
+          </a:fillRef>
+          <a:effectRef idx="1">
+            <a:schemeClr val="accent3"/>
+          </a:effectRef>
+          <a:fontRef idx="minor">
+            <a:schemeClr val="dk1"/>
+          </a:fontRef>
+        </p:style>
+        <p:txBody>
+          <a:bodyPr lIns="144000" tIns="144000" rIns="144000" bIns="144000">
+            <a:normAutofit/>
+          </a:bodyPr>
+          <a:lstStyle/>
+          <a:p>
+            <a:pPr marL="0" indent="0">
+              <a:lnSpc>
+                <a:spcPct val="100000"/>
+              </a:lnSpc>
+              <a:buNone/>
+            </a:pPr>
+            <a:r>
+              <a:rPr lang="nl-NL" sz="2000" noProof="0" dirty="0">
+                <a:solidFill>
+                  <a:schemeClr val="accent2">
+                    <a:lumMod val="75000"/>
+                  </a:schemeClr>
+                </a:solidFill>
+                <a:latin typeface="Courier New" panose="02070309020205020404" pitchFamily="49" charset="0"/>
+                <a:cs typeface="Courier New" panose="02070309020205020404" pitchFamily="49" charset="0"/>
+              </a:rPr>
+              <a:t>"</a:t>
+            </a:r>
+            <a:r>
+              <a:rPr lang="nl-NL" sz="2000" noProof="0" dirty="0" err="1">
+                <a:solidFill>
+                  <a:schemeClr val="accent2">
+                    <a:lumMod val="75000"/>
+                  </a:schemeClr>
+                </a:solidFill>
+                <a:latin typeface="Courier New" panose="02070309020205020404" pitchFamily="49" charset="0"/>
+                <a:cs typeface="Courier New" panose="02070309020205020404" pitchFamily="49" charset="0"/>
+              </a:rPr>
+              <a:t>Hello</a:t>
+            </a:r>
+            <a:r>
+              <a:rPr lang="nl-NL" sz="2000" noProof="0" dirty="0">
+                <a:solidFill>
+                  <a:schemeClr val="accent2">
+                    <a:lumMod val="75000"/>
+                  </a:schemeClr>
+                </a:solidFill>
+                <a:latin typeface="Courier New" panose="02070309020205020404" pitchFamily="49" charset="0"/>
+                <a:cs typeface="Courier New" panose="02070309020205020404" pitchFamily="49" charset="0"/>
+              </a:rPr>
+              <a:t> "</a:t>
+            </a:r>
+            <a:r>
+              <a:rPr lang="nl-NL" sz="2000" noProof="0" dirty="0">
+                <a:latin typeface="Courier New" panose="02070309020205020404" pitchFamily="49" charset="0"/>
+                <a:cs typeface="Courier New" panose="02070309020205020404" pitchFamily="49" charset="0"/>
+              </a:rPr>
+              <a:t> + </a:t>
+            </a:r>
+            <a:r>
+              <a:rPr lang="nl-NL" sz="2000" noProof="0" dirty="0">
+                <a:solidFill>
+                  <a:schemeClr val="accent1">
+                    <a:lumMod val="75000"/>
+                  </a:schemeClr>
+                </a:solidFill>
+                <a:latin typeface="Courier New" panose="02070309020205020404" pitchFamily="49" charset="0"/>
+                <a:cs typeface="Courier New" panose="02070309020205020404" pitchFamily="49" charset="0"/>
+              </a:rPr>
+              <a:t>name</a:t>
+            </a:r>
+            <a:r>
+              <a:rPr lang="nl-NL" sz="2000" noProof="0" dirty="0">
+                <a:latin typeface="Courier New" panose="02070309020205020404" pitchFamily="49" charset="0"/>
+                <a:cs typeface="Courier New" panose="02070309020205020404" pitchFamily="49" charset="0"/>
+              </a:rPr>
+              <a:t> + </a:t>
+            </a:r>
+            <a:r>
+              <a:rPr lang="nl-NL" sz="2000" noProof="0" dirty="0">
+                <a:solidFill>
+                  <a:schemeClr val="accent2">
+                    <a:lumMod val="75000"/>
+                  </a:schemeClr>
+                </a:solidFill>
+                <a:latin typeface="Courier New" panose="02070309020205020404" pitchFamily="49" charset="0"/>
+                <a:cs typeface="Courier New" panose="02070309020205020404" pitchFamily="49" charset="0"/>
+              </a:rPr>
+              <a:t>"!"</a:t>
+            </a:r>
+          </a:p>
+          <a:p>
+            <a:pPr marL="0" indent="0">
+              <a:lnSpc>
+                <a:spcPct val="100000"/>
+              </a:lnSpc>
+              <a:buNone/>
+            </a:pPr>
+            <a:endParaRPr lang="nl-NL" sz="2000" noProof="0" dirty="0">
+              <a:latin typeface="Courier New" panose="02070309020205020404" pitchFamily="49" charset="0"/>
+              <a:cs typeface="Courier New" panose="02070309020205020404" pitchFamily="49" charset="0"/>
+            </a:endParaRPr>
+          </a:p>
+          <a:p>
+            <a:pPr marL="0" indent="0">
+              <a:lnSpc>
+                <a:spcPct val="100000"/>
+              </a:lnSpc>
+              <a:buNone/>
+            </a:pPr>
+            <a:r>
+              <a:rPr lang="nl-NL" sz="2000" noProof="0" dirty="0" err="1">
+                <a:solidFill>
+                  <a:schemeClr val="accent1">
+                    <a:lumMod val="75000"/>
+                  </a:schemeClr>
+                </a:solidFill>
+                <a:latin typeface="Courier New" panose="02070309020205020404" pitchFamily="49" charset="0"/>
+                <a:cs typeface="Courier New" panose="02070309020205020404" pitchFamily="49" charset="0"/>
+              </a:rPr>
+              <a:t>f</a:t>
+            </a:r>
+            <a:r>
+              <a:rPr lang="nl-NL" sz="2000" noProof="0" dirty="0" err="1">
+                <a:solidFill>
+                  <a:schemeClr val="accent2">
+                    <a:lumMod val="75000"/>
+                  </a:schemeClr>
+                </a:solidFill>
+                <a:latin typeface="Courier New" panose="02070309020205020404" pitchFamily="49" charset="0"/>
+                <a:cs typeface="Courier New" panose="02070309020205020404" pitchFamily="49" charset="0"/>
+              </a:rPr>
+              <a:t>"Hello</a:t>
+            </a:r>
+            <a:r>
+              <a:rPr lang="nl-NL" sz="2000" noProof="0" dirty="0">
+                <a:solidFill>
+                  <a:schemeClr val="accent2">
+                    <a:lumMod val="75000"/>
+                  </a:schemeClr>
+                </a:solidFill>
+                <a:latin typeface="Courier New" panose="02070309020205020404" pitchFamily="49" charset="0"/>
+                <a:cs typeface="Courier New" panose="02070309020205020404" pitchFamily="49" charset="0"/>
+              </a:rPr>
+              <a:t> </a:t>
+            </a:r>
+            <a:r>
+              <a:rPr lang="nl-NL" sz="2000" noProof="0" dirty="0">
+                <a:solidFill>
+                  <a:schemeClr val="accent1">
+                    <a:lumMod val="75000"/>
+                  </a:schemeClr>
+                </a:solidFill>
+                <a:latin typeface="Courier New" panose="02070309020205020404" pitchFamily="49" charset="0"/>
+                <a:cs typeface="Courier New" panose="02070309020205020404" pitchFamily="49" charset="0"/>
+              </a:rPr>
+              <a:t>{name}</a:t>
+            </a:r>
+            <a:r>
+              <a:rPr lang="nl-NL" sz="2000" noProof="0" dirty="0">
+                <a:solidFill>
+                  <a:schemeClr val="accent2">
+                    <a:lumMod val="75000"/>
+                  </a:schemeClr>
+                </a:solidFill>
+                <a:latin typeface="Courier New" panose="02070309020205020404" pitchFamily="49" charset="0"/>
+                <a:cs typeface="Courier New" panose="02070309020205020404" pitchFamily="49" charset="0"/>
+              </a:rPr>
+              <a:t>!"</a:t>
+            </a:r>
+          </a:p>
+          <a:p>
+            <a:pPr marL="0" indent="0">
+              <a:lnSpc>
+                <a:spcPct val="100000"/>
+              </a:lnSpc>
+              <a:buNone/>
+            </a:pPr>
+            <a:endParaRPr lang="nl-NL" sz="2000" noProof="0" dirty="0">
+              <a:latin typeface="Courier New" panose="02070309020205020404" pitchFamily="49" charset="0"/>
+              <a:cs typeface="Courier New" panose="02070309020205020404" pitchFamily="49" charset="0"/>
+            </a:endParaRPr>
+          </a:p>
+          <a:p>
+            <a:pPr marL="0" indent="0">
+              <a:lnSpc>
+                <a:spcPct val="100000"/>
+              </a:lnSpc>
+              <a:buNone/>
+            </a:pPr>
+            <a:r>
+              <a:rPr lang="nl-NL" sz="2000" dirty="0">
+                <a:latin typeface="Courier New" panose="02070309020205020404" pitchFamily="49" charset="0"/>
+                <a:cs typeface="Courier New" panose="02070309020205020404" pitchFamily="49" charset="0"/>
+              </a:rPr>
+              <a:t>template = </a:t>
+            </a:r>
+            <a:r>
+              <a:rPr lang="nl-NL" sz="2000" noProof="0" dirty="0">
+                <a:solidFill>
+                  <a:schemeClr val="accent2">
+                    <a:lumMod val="75000"/>
+                  </a:schemeClr>
+                </a:solidFill>
+                <a:latin typeface="Courier New" panose="02070309020205020404" pitchFamily="49" charset="0"/>
+                <a:cs typeface="Courier New" panose="02070309020205020404" pitchFamily="49" charset="0"/>
+              </a:rPr>
+              <a:t>"</a:t>
+            </a:r>
+            <a:r>
+              <a:rPr lang="nl-NL" sz="2000" noProof="0" dirty="0" err="1">
+                <a:solidFill>
+                  <a:schemeClr val="accent2">
+                    <a:lumMod val="75000"/>
+                  </a:schemeClr>
+                </a:solidFill>
+                <a:latin typeface="Courier New" panose="02070309020205020404" pitchFamily="49" charset="0"/>
+                <a:cs typeface="Courier New" panose="02070309020205020404" pitchFamily="49" charset="0"/>
+              </a:rPr>
+              <a:t>Hello</a:t>
+            </a:r>
+            <a:r>
+              <a:rPr lang="nl-NL" sz="2000" noProof="0" dirty="0">
+                <a:solidFill>
+                  <a:schemeClr val="accent2">
+                    <a:lumMod val="75000"/>
+                  </a:schemeClr>
+                </a:solidFill>
+                <a:latin typeface="Courier New" panose="02070309020205020404" pitchFamily="49" charset="0"/>
+                <a:cs typeface="Courier New" panose="02070309020205020404" pitchFamily="49" charset="0"/>
+              </a:rPr>
+              <a:t> </a:t>
+            </a:r>
+            <a:r>
+              <a:rPr lang="nl-NL" sz="2000" noProof="0" dirty="0">
+                <a:solidFill>
+                  <a:schemeClr val="accent1">
+                    <a:lumMod val="75000"/>
+                  </a:schemeClr>
+                </a:solidFill>
+                <a:latin typeface="Courier New" panose="02070309020205020404" pitchFamily="49" charset="0"/>
+                <a:cs typeface="Courier New" panose="02070309020205020404" pitchFamily="49" charset="0"/>
+              </a:rPr>
+              <a:t>{n}</a:t>
+            </a:r>
+            <a:r>
+              <a:rPr lang="nl-NL" sz="2000" noProof="0" dirty="0">
+                <a:solidFill>
+                  <a:schemeClr val="accent2">
+                    <a:lumMod val="75000"/>
+                  </a:schemeClr>
+                </a:solidFill>
+                <a:latin typeface="Courier New" panose="02070309020205020404" pitchFamily="49" charset="0"/>
+                <a:cs typeface="Courier New" panose="02070309020205020404" pitchFamily="49" charset="0"/>
+              </a:rPr>
+              <a:t>!"</a:t>
+            </a:r>
+          </a:p>
+          <a:p>
+            <a:pPr marL="0" indent="0">
+              <a:lnSpc>
+                <a:spcPct val="100000"/>
+              </a:lnSpc>
+              <a:buNone/>
+            </a:pPr>
+            <a:r>
+              <a:rPr lang="nl-NL" sz="2000" dirty="0">
+                <a:latin typeface="Courier New" panose="02070309020205020404" pitchFamily="49" charset="0"/>
+                <a:cs typeface="Courier New" panose="02070309020205020404" pitchFamily="49" charset="0"/>
+              </a:rPr>
+              <a:t>template.</a:t>
+            </a:r>
+            <a:r>
+              <a:rPr lang="nl-NL" sz="2000" b="1" noProof="0" dirty="0">
+                <a:latin typeface="Courier New" panose="02070309020205020404" pitchFamily="49" charset="0"/>
+                <a:cs typeface="Courier New" panose="02070309020205020404" pitchFamily="49" charset="0"/>
+              </a:rPr>
+              <a:t>format</a:t>
+            </a:r>
+            <a:r>
+              <a:rPr lang="nl-NL" sz="2000" noProof="0" dirty="0">
+                <a:latin typeface="Courier New" panose="02070309020205020404" pitchFamily="49" charset="0"/>
+                <a:cs typeface="Courier New" panose="02070309020205020404" pitchFamily="49" charset="0"/>
+              </a:rPr>
+              <a:t>(n=</a:t>
+            </a:r>
+            <a:r>
+              <a:rPr lang="nl-NL" sz="2000" noProof="0" dirty="0">
+                <a:solidFill>
+                  <a:schemeClr val="accent1">
+                    <a:lumMod val="75000"/>
+                  </a:schemeClr>
+                </a:solidFill>
+                <a:latin typeface="Courier New" panose="02070309020205020404" pitchFamily="49" charset="0"/>
+                <a:cs typeface="Courier New" panose="02070309020205020404" pitchFamily="49" charset="0"/>
+              </a:rPr>
+              <a:t>name</a:t>
+            </a:r>
+            <a:r>
+              <a:rPr lang="nl-NL" sz="2000" noProof="0" dirty="0">
+                <a:latin typeface="Courier New" panose="02070309020205020404" pitchFamily="49" charset="0"/>
+                <a:cs typeface="Courier New" panose="02070309020205020404" pitchFamily="49" charset="0"/>
+              </a:rPr>
+              <a:t>)</a:t>
+            </a:r>
+          </a:p>
+          <a:p>
+            <a:pPr marL="0" indent="0">
+              <a:lnSpc>
+                <a:spcPct val="100000"/>
+              </a:lnSpc>
+              <a:buNone/>
+            </a:pPr>
+            <a:endParaRPr lang="nl-NL" sz="2000" noProof="0" dirty="0">
+              <a:latin typeface="Courier New" panose="02070309020205020404" pitchFamily="49" charset="0"/>
+              <a:cs typeface="Courier New" panose="02070309020205020404" pitchFamily="49" charset="0"/>
+            </a:endParaRPr>
+          </a:p>
+          <a:p>
+            <a:pPr marL="0" indent="0">
+              <a:lnSpc>
+                <a:spcPct val="100000"/>
+              </a:lnSpc>
+              <a:buNone/>
+            </a:pPr>
+            <a:r>
+              <a:rPr lang="nl-NL" sz="2000" noProof="0" dirty="0">
+                <a:solidFill>
+                  <a:schemeClr val="accent2">
+                    <a:lumMod val="75000"/>
+                  </a:schemeClr>
+                </a:solidFill>
+                <a:latin typeface="Courier New" panose="02070309020205020404" pitchFamily="49" charset="0"/>
+                <a:cs typeface="Courier New" panose="02070309020205020404" pitchFamily="49" charset="0"/>
+              </a:rPr>
+              <a:t>"</a:t>
+            </a:r>
+            <a:r>
+              <a:rPr lang="nl-NL" sz="2000" noProof="0" dirty="0" err="1">
+                <a:solidFill>
+                  <a:schemeClr val="accent2">
+                    <a:lumMod val="75000"/>
+                  </a:schemeClr>
+                </a:solidFill>
+                <a:latin typeface="Courier New" panose="02070309020205020404" pitchFamily="49" charset="0"/>
+                <a:cs typeface="Courier New" panose="02070309020205020404" pitchFamily="49" charset="0"/>
+              </a:rPr>
+              <a:t>Doe,John"</a:t>
+            </a:r>
+            <a:r>
+              <a:rPr lang="nl-NL" sz="2000" noProof="0" dirty="0" err="1">
+                <a:latin typeface="Courier New" panose="02070309020205020404" pitchFamily="49" charset="0"/>
+                <a:cs typeface="Courier New" panose="02070309020205020404" pitchFamily="49" charset="0"/>
+              </a:rPr>
+              <a:t>.</a:t>
+            </a:r>
+            <a:r>
+              <a:rPr lang="nl-NL" sz="2000" b="1" noProof="0" dirty="0" err="1">
+                <a:latin typeface="Courier New" panose="02070309020205020404" pitchFamily="49" charset="0"/>
+                <a:cs typeface="Courier New" panose="02070309020205020404" pitchFamily="49" charset="0"/>
+              </a:rPr>
+              <a:t>split</a:t>
+            </a:r>
+            <a:r>
+              <a:rPr lang="nl-NL" sz="2000" noProof="0" dirty="0">
+                <a:latin typeface="Courier New" panose="02070309020205020404" pitchFamily="49" charset="0"/>
+                <a:cs typeface="Courier New" panose="02070309020205020404" pitchFamily="49" charset="0"/>
+              </a:rPr>
+              <a:t>(</a:t>
+            </a:r>
+            <a:r>
+              <a:rPr lang="nl-NL" sz="2000" noProof="0" dirty="0">
+                <a:solidFill>
+                  <a:schemeClr val="accent2">
+                    <a:lumMod val="75000"/>
+                  </a:schemeClr>
+                </a:solidFill>
+                <a:latin typeface="Courier New" panose="02070309020205020404" pitchFamily="49" charset="0"/>
+                <a:cs typeface="Courier New" panose="02070309020205020404" pitchFamily="49" charset="0"/>
+              </a:rPr>
+              <a:t>","</a:t>
+            </a:r>
+            <a:r>
+              <a:rPr lang="nl-NL" sz="2000" noProof="0" dirty="0">
+                <a:latin typeface="Courier New" panose="02070309020205020404" pitchFamily="49" charset="0"/>
+                <a:cs typeface="Courier New" panose="02070309020205020404" pitchFamily="49" charset="0"/>
+              </a:rPr>
+              <a:t>)</a:t>
+            </a:r>
+          </a:p>
+          <a:p>
+            <a:pPr marL="0" indent="0">
+              <a:lnSpc>
+                <a:spcPct val="100000"/>
+              </a:lnSpc>
+              <a:buNone/>
+            </a:pPr>
+            <a:endParaRPr lang="nl-NL" sz="2000" noProof="0" dirty="0">
+              <a:latin typeface="Courier New" panose="02070309020205020404" pitchFamily="49" charset="0"/>
+              <a:cs typeface="Courier New" panose="02070309020205020404" pitchFamily="49" charset="0"/>
+            </a:endParaRPr>
+          </a:p>
+          <a:p>
+            <a:pPr marL="0" indent="0">
+              <a:lnSpc>
+                <a:spcPct val="100000"/>
+              </a:lnSpc>
+              <a:buNone/>
+            </a:pPr>
+            <a:r>
+              <a:rPr lang="nl-NL" sz="2000" noProof="0" dirty="0">
+                <a:solidFill>
+                  <a:schemeClr val="accent2">
+                    <a:lumMod val="75000"/>
+                  </a:schemeClr>
+                </a:solidFill>
+                <a:latin typeface="Courier New" panose="02070309020205020404" pitchFamily="49" charset="0"/>
+                <a:cs typeface="Courier New" panose="02070309020205020404" pitchFamily="49" charset="0"/>
+              </a:rPr>
+              <a:t>","</a:t>
+            </a:r>
+            <a:r>
+              <a:rPr lang="nl-NL" sz="2000" noProof="0" dirty="0">
+                <a:latin typeface="Courier New" panose="02070309020205020404" pitchFamily="49" charset="0"/>
+                <a:cs typeface="Courier New" panose="02070309020205020404" pitchFamily="49" charset="0"/>
+              </a:rPr>
+              <a:t>.</a:t>
+            </a:r>
+            <a:r>
+              <a:rPr lang="nl-NL" sz="2000" b="1" noProof="0" dirty="0" err="1">
+                <a:latin typeface="Courier New" panose="02070309020205020404" pitchFamily="49" charset="0"/>
+                <a:cs typeface="Courier New" panose="02070309020205020404" pitchFamily="49" charset="0"/>
+              </a:rPr>
+              <a:t>join</a:t>
+            </a:r>
+            <a:r>
+              <a:rPr lang="nl-NL" sz="2000" noProof="0" dirty="0">
+                <a:latin typeface="Courier New" panose="02070309020205020404" pitchFamily="49" charset="0"/>
+                <a:cs typeface="Courier New" panose="02070309020205020404" pitchFamily="49" charset="0"/>
+              </a:rPr>
+              <a:t>([</a:t>
+            </a:r>
+            <a:r>
+              <a:rPr lang="nl-NL" sz="2000" noProof="0" dirty="0">
+                <a:solidFill>
+                  <a:schemeClr val="accent2">
+                    <a:lumMod val="75000"/>
+                  </a:schemeClr>
+                </a:solidFill>
+                <a:latin typeface="Courier New" panose="02070309020205020404" pitchFamily="49" charset="0"/>
+                <a:cs typeface="Courier New" panose="02070309020205020404" pitchFamily="49" charset="0"/>
+              </a:rPr>
+              <a:t>"Doe"</a:t>
+            </a:r>
+            <a:r>
+              <a:rPr lang="nl-NL" sz="2000" noProof="0" dirty="0">
+                <a:latin typeface="Courier New" panose="02070309020205020404" pitchFamily="49" charset="0"/>
+                <a:cs typeface="Courier New" panose="02070309020205020404" pitchFamily="49" charset="0"/>
+              </a:rPr>
+              <a:t>, </a:t>
+            </a:r>
+            <a:r>
+              <a:rPr lang="nl-NL" sz="2000" noProof="0" dirty="0">
+                <a:solidFill>
+                  <a:schemeClr val="accent2">
+                    <a:lumMod val="75000"/>
+                  </a:schemeClr>
+                </a:solidFill>
+                <a:latin typeface="Courier New" panose="02070309020205020404" pitchFamily="49" charset="0"/>
+                <a:cs typeface="Courier New" panose="02070309020205020404" pitchFamily="49" charset="0"/>
+              </a:rPr>
+              <a:t>"John"</a:t>
+            </a:r>
+            <a:r>
+              <a:rPr lang="nl-NL" sz="2000" noProof="0" dirty="0">
+                <a:latin typeface="Courier New" panose="02070309020205020404" pitchFamily="49" charset="0"/>
+                <a:cs typeface="Courier New" panose="02070309020205020404" pitchFamily="49" charset="0"/>
+              </a:rPr>
+              <a:t>])</a:t>
+            </a:r>
+          </a:p>
+          <a:p>
+            <a:pPr marL="0" indent="0">
+              <a:lnSpc>
+                <a:spcPct val="100000"/>
+              </a:lnSpc>
+              <a:buNone/>
+            </a:pPr>
+            <a:endParaRPr lang="nl-NL" sz="2000" noProof="0" dirty="0">
+              <a:latin typeface="Courier New" panose="02070309020205020404" pitchFamily="49" charset="0"/>
+              <a:cs typeface="Courier New" panose="02070309020205020404" pitchFamily="49" charset="0"/>
+            </a:endParaRPr>
+          </a:p>
+        </p:txBody>
+      </p:sp>
+      <p:sp>
+        <p:nvSpPr>
+          <p:cNvPr id="4" name="Rectangle 3">
+            <a:extLst>
+              <a:ext uri="{FF2B5EF4-FFF2-40B4-BE49-F238E27FC236}">
+                <a16:creationId xmlns:a16="http://schemas.microsoft.com/office/drawing/2014/main" id="{F8C789F1-EE2E-727B-7D3D-6249E89ED81A}"/>
+              </a:ext>
+            </a:extLst>
+          </p:cNvPr>
+          <p:cNvSpPr/>
+          <p:nvPr/>
+        </p:nvSpPr>
+        <p:spPr>
+          <a:xfrm>
+            <a:off x="6468532" y="1231642"/>
+            <a:ext cx="4885268" cy="5008292"/>
+          </a:xfrm>
+          <a:prstGeom prst="rect">
+            <a:avLst/>
+          </a:prstGeom>
+          <a:solidFill>
+            <a:schemeClr val="bg1">
+              <a:lumMod val="95000"/>
+            </a:schemeClr>
+          </a:solidFill>
+        </p:spPr>
+        <p:style>
+          <a:lnRef idx="1">
+            <a:schemeClr val="accent3"/>
+          </a:lnRef>
+          <a:fillRef idx="2">
+            <a:schemeClr val="accent3"/>
+          </a:fillRef>
+          <a:effectRef idx="1">
+            <a:schemeClr val="accent3"/>
+          </a:effectRef>
+          <a:fontRef idx="minor">
+            <a:schemeClr val="dk1"/>
+          </a:fontRef>
+        </p:style>
+        <p:txBody>
+          <a:bodyPr lIns="144000" tIns="144000" rIns="144000" bIns="144000" rtlCol="0" anchor="t"/>
+          <a:lstStyle/>
+          <a:p>
+            <a:pPr>
+              <a:spcBef>
+                <a:spcPts val="1000"/>
+              </a:spcBef>
+            </a:pPr>
+            <a:r>
+              <a:rPr lang="nl-NL" sz="2000" dirty="0"/>
+              <a:t>Met </a:t>
+            </a:r>
+            <a:r>
+              <a:rPr lang="nl-NL" sz="2000" dirty="0">
+                <a:latin typeface="Courier New" panose="02070309020205020404" pitchFamily="49" charset="0"/>
+                <a:cs typeface="Courier New" panose="02070309020205020404" pitchFamily="49" charset="0"/>
+              </a:rPr>
+              <a:t>+</a:t>
+            </a:r>
+            <a:r>
+              <a:rPr lang="nl-NL" sz="2000" dirty="0"/>
+              <a:t> plak je strings aan elkaar.</a:t>
+            </a:r>
+          </a:p>
+          <a:p>
+            <a:pPr>
+              <a:spcBef>
+                <a:spcPts val="1000"/>
+              </a:spcBef>
+            </a:pPr>
+            <a:endParaRPr lang="nl-NL" sz="2000" dirty="0"/>
+          </a:p>
+          <a:p>
+            <a:pPr>
+              <a:spcBef>
+                <a:spcPts val="1000"/>
+              </a:spcBef>
+            </a:pPr>
+            <a:r>
+              <a:rPr lang="nl-NL" sz="2000" dirty="0"/>
+              <a:t>Een format-string is vaak korter.</a:t>
+            </a:r>
+          </a:p>
+          <a:p>
+            <a:pPr>
+              <a:spcBef>
+                <a:spcPts val="1000"/>
+              </a:spcBef>
+            </a:pPr>
+            <a:endParaRPr lang="nl-NL" sz="2000" dirty="0"/>
+          </a:p>
+          <a:p>
+            <a:pPr>
+              <a:spcBef>
+                <a:spcPts val="1000"/>
+              </a:spcBef>
+            </a:pPr>
+            <a:r>
+              <a:rPr lang="nl-NL" sz="2000" dirty="0"/>
+              <a:t>Je kunt ook </a:t>
+            </a:r>
+            <a:r>
+              <a:rPr lang="nl-NL" sz="2000" dirty="0">
+                <a:latin typeface="Courier New" panose="02070309020205020404" pitchFamily="49" charset="0"/>
+                <a:cs typeface="Courier New" panose="02070309020205020404" pitchFamily="49" charset="0"/>
+              </a:rPr>
+              <a:t>format()</a:t>
+            </a:r>
+            <a:r>
+              <a:rPr lang="nl-NL" sz="2000" dirty="0"/>
+              <a:t> gebruiken.</a:t>
+            </a:r>
+          </a:p>
+          <a:p>
+            <a:pPr>
+              <a:spcBef>
+                <a:spcPts val="1000"/>
+              </a:spcBef>
+            </a:pPr>
+            <a:endParaRPr lang="nl-NL" sz="2000" dirty="0"/>
+          </a:p>
+          <a:p>
+            <a:pPr>
+              <a:spcBef>
+                <a:spcPts val="1000"/>
+              </a:spcBef>
+            </a:pPr>
+            <a:endParaRPr lang="nl-NL" sz="2000" dirty="0"/>
+          </a:p>
+          <a:p>
+            <a:pPr>
+              <a:spcBef>
+                <a:spcPts val="1000"/>
+              </a:spcBef>
+            </a:pPr>
+            <a:r>
+              <a:rPr lang="nl-NL" sz="2000" dirty="0"/>
+              <a:t>Splits de string op d.m.v. scheidingsteken.</a:t>
+            </a:r>
+          </a:p>
+          <a:p>
+            <a:pPr>
+              <a:spcBef>
+                <a:spcPts val="1000"/>
+              </a:spcBef>
+            </a:pPr>
+            <a:endParaRPr lang="nl-NL" sz="2000" dirty="0"/>
+          </a:p>
+          <a:p>
+            <a:pPr>
+              <a:spcBef>
+                <a:spcPts val="1000"/>
+              </a:spcBef>
+            </a:pPr>
+            <a:r>
+              <a:rPr lang="nl-NL" sz="2000" dirty="0"/>
+              <a:t>Plakt een lijst aan elkaar tot een string.</a:t>
+            </a:r>
+          </a:p>
+        </p:txBody>
+      </p:sp>
+    </p:spTree>
+    <p:extLst>
+      <p:ext uri="{BB962C8B-B14F-4D97-AF65-F5344CB8AC3E}">
+        <p14:creationId xmlns:p14="http://schemas.microsoft.com/office/powerpoint/2010/main" val="389145027"/>
       </p:ext>
     </p:extLst>
   </p:cSld>

--- a/git/1_basics/git_basic.pptx
+++ b/git/1_basics/git_basic.pptx
@@ -5,7 +5,7 @@
     <p:sldMasterId id="2147483648" r:id="rId1"/>
   </p:sldMasterIdLst>
   <p:notesMasterIdLst>
-    <p:notesMasterId r:id="rId24"/>
+    <p:notesMasterId r:id="rId30"/>
   </p:notesMasterIdLst>
   <p:sldIdLst>
     <p:sldId id="256" r:id="rId2"/>
@@ -17,19 +17,25 @@
     <p:sldId id="362" r:id="rId8"/>
     <p:sldId id="360" r:id="rId9"/>
     <p:sldId id="363" r:id="rId10"/>
-    <p:sldId id="364" r:id="rId11"/>
-    <p:sldId id="367" r:id="rId12"/>
-    <p:sldId id="368" r:id="rId13"/>
-    <p:sldId id="369" r:id="rId14"/>
-    <p:sldId id="370" r:id="rId15"/>
-    <p:sldId id="359" r:id="rId16"/>
-    <p:sldId id="268" r:id="rId17"/>
-    <p:sldId id="357" r:id="rId18"/>
-    <p:sldId id="258" r:id="rId19"/>
-    <p:sldId id="292" r:id="rId20"/>
-    <p:sldId id="266" r:id="rId21"/>
-    <p:sldId id="263" r:id="rId22"/>
-    <p:sldId id="332" r:id="rId23"/>
+    <p:sldId id="268" r:id="rId11"/>
+    <p:sldId id="364" r:id="rId12"/>
+    <p:sldId id="367" r:id="rId13"/>
+    <p:sldId id="368" r:id="rId14"/>
+    <p:sldId id="369" r:id="rId15"/>
+    <p:sldId id="370" r:id="rId16"/>
+    <p:sldId id="357" r:id="rId17"/>
+    <p:sldId id="359" r:id="rId18"/>
+    <p:sldId id="372" r:id="rId19"/>
+    <p:sldId id="373" r:id="rId20"/>
+    <p:sldId id="374" r:id="rId21"/>
+    <p:sldId id="375" r:id="rId22"/>
+    <p:sldId id="376" r:id="rId23"/>
+    <p:sldId id="371" r:id="rId24"/>
+    <p:sldId id="258" r:id="rId25"/>
+    <p:sldId id="292" r:id="rId26"/>
+    <p:sldId id="266" r:id="rId27"/>
+    <p:sldId id="263" r:id="rId28"/>
+    <p:sldId id="332" r:id="rId29"/>
   </p:sldIdLst>
   <p:sldSz cx="12192000" cy="6858000"/>
   <p:notesSz cx="6858000" cy="9144000"/>
@@ -659,7 +665,7 @@
           <a:p>
             <a:fld id="{9583DEA5-E342-4DB2-B087-D0B9C490B19E}" type="slidenum">
               <a:rPr lang="nl-NL" smtClean="0"/>
-              <a:t>13</a:t>
+              <a:t>14</a:t>
             </a:fld>
             <a:endParaRPr lang="nl-NL"/>
           </a:p>
@@ -767,7 +773,7 @@
           <a:p>
             <a:fld id="{9583DEA5-E342-4DB2-B087-D0B9C490B19E}" type="slidenum">
               <a:rPr lang="nl-NL" smtClean="0"/>
-              <a:t>14</a:t>
+              <a:t>15</a:t>
             </a:fld>
             <a:endParaRPr lang="nl-NL"/>
           </a:p>
@@ -848,26 +854,6 @@
           <a:bodyPr/>
           <a:lstStyle/>
           <a:p>
-            <a:r>
-              <a:rPr lang="en-US" dirty="0" err="1"/>
-              <a:t>Naar</a:t>
-            </a:r>
-            <a:r>
-              <a:rPr lang="en-US" dirty="0"/>
-              <a:t> </a:t>
-            </a:r>
-            <a:r>
-              <a:rPr lang="en-US" dirty="0" err="1"/>
-              <a:t>mkdocs</a:t>
-            </a:r>
-            <a:r>
-              <a:rPr lang="en-US" dirty="0"/>
-              <a:t> </a:t>
-            </a:r>
-            <a:r>
-              <a:rPr lang="en-US" dirty="0" err="1"/>
-              <a:t>voorbeeld</a:t>
-            </a:r>
             <a:endParaRPr lang="nl-NL" dirty="0"/>
           </a:p>
         </p:txBody>
@@ -895,7 +881,7 @@
           <a:p>
             <a:fld id="{9583DEA5-E342-4DB2-B087-D0B9C490B19E}" type="slidenum">
               <a:rPr lang="nl-NL" smtClean="0"/>
-              <a:t>15</a:t>
+              <a:t>17</a:t>
             </a:fld>
             <a:endParaRPr lang="nl-NL"/>
           </a:p>
@@ -905,6 +891,573 @@
     <p:extLst>
       <p:ext uri="{BB962C8B-B14F-4D97-AF65-F5344CB8AC3E}">
         <p14:creationId xmlns:p14="http://schemas.microsoft.com/office/powerpoint/2010/main" val="4146083503"/>
+      </p:ext>
+    </p:extLst>
+  </p:cSld>
+  <p:clrMapOvr>
+    <a:masterClrMapping/>
+  </p:clrMapOvr>
+</p:notes>
+</file>
+
+<file path=ppt/notesSlides/notesSlide13.xml><?xml version="1.0" encoding="utf-8"?>
+<p:notes xmlns:a="http://schemas.openxmlformats.org/drawingml/2006/main" xmlns:r="http://schemas.openxmlformats.org/officeDocument/2006/relationships" xmlns:p="http://schemas.openxmlformats.org/presentationml/2006/main">
+  <p:cSld>
+    <p:spTree>
+      <p:nvGrpSpPr>
+        <p:cNvPr id="1" name="">
+          <a:extLst>
+            <a:ext uri="{FF2B5EF4-FFF2-40B4-BE49-F238E27FC236}">
+              <a16:creationId xmlns:a16="http://schemas.microsoft.com/office/drawing/2014/main" id="{401CFB1A-342F-2F27-72E8-00445C999F94}"/>
+            </a:ext>
+          </a:extLst>
+        </p:cNvPr>
+        <p:cNvGrpSpPr/>
+        <p:nvPr/>
+      </p:nvGrpSpPr>
+      <p:grpSpPr>
+        <a:xfrm>
+          <a:off x="0" y="0"/>
+          <a:ext cx="0" cy="0"/>
+          <a:chOff x="0" y="0"/>
+          <a:chExt cx="0" cy="0"/>
+        </a:xfrm>
+      </p:grpSpPr>
+      <p:sp>
+        <p:nvSpPr>
+          <p:cNvPr id="2" name="Slide Image Placeholder 1">
+            <a:extLst>
+              <a:ext uri="{FF2B5EF4-FFF2-40B4-BE49-F238E27FC236}">
+                <a16:creationId xmlns:a16="http://schemas.microsoft.com/office/drawing/2014/main" id="{9CACBC0E-D327-D22F-821B-C714CA263C26}"/>
+              </a:ext>
+            </a:extLst>
+          </p:cNvPr>
+          <p:cNvSpPr>
+            <a:spLocks noGrp="1" noRot="1" noChangeAspect="1"/>
+          </p:cNvSpPr>
+          <p:nvPr>
+            <p:ph type="sldImg"/>
+          </p:nvPr>
+        </p:nvSpPr>
+        <p:spPr/>
+      </p:sp>
+      <p:sp>
+        <p:nvSpPr>
+          <p:cNvPr id="3" name="Notes Placeholder 2">
+            <a:extLst>
+              <a:ext uri="{FF2B5EF4-FFF2-40B4-BE49-F238E27FC236}">
+                <a16:creationId xmlns:a16="http://schemas.microsoft.com/office/drawing/2014/main" id="{B2EE9AE8-800A-6E87-0D32-7DAE9F71D149}"/>
+              </a:ext>
+            </a:extLst>
+          </p:cNvPr>
+          <p:cNvSpPr>
+            <a:spLocks noGrp="1"/>
+          </p:cNvSpPr>
+          <p:nvPr>
+            <p:ph type="body" idx="1"/>
+          </p:nvPr>
+        </p:nvSpPr>
+        <p:spPr/>
+        <p:txBody>
+          <a:bodyPr/>
+          <a:lstStyle/>
+          <a:p>
+            <a:endParaRPr lang="nl-NL" dirty="0"/>
+          </a:p>
+        </p:txBody>
+      </p:sp>
+      <p:sp>
+        <p:nvSpPr>
+          <p:cNvPr id="4" name="Slide Number Placeholder 3">
+            <a:extLst>
+              <a:ext uri="{FF2B5EF4-FFF2-40B4-BE49-F238E27FC236}">
+                <a16:creationId xmlns:a16="http://schemas.microsoft.com/office/drawing/2014/main" id="{ECAE885B-EB60-A902-A0FE-A588598F5990}"/>
+              </a:ext>
+            </a:extLst>
+          </p:cNvPr>
+          <p:cNvSpPr>
+            <a:spLocks noGrp="1"/>
+          </p:cNvSpPr>
+          <p:nvPr>
+            <p:ph type="sldNum" sz="quarter" idx="5"/>
+          </p:nvPr>
+        </p:nvSpPr>
+        <p:spPr/>
+        <p:txBody>
+          <a:bodyPr/>
+          <a:lstStyle/>
+          <a:p>
+            <a:fld id="{9583DEA5-E342-4DB2-B087-D0B9C490B19E}" type="slidenum">
+              <a:rPr lang="nl-NL" smtClean="0"/>
+              <a:t>18</a:t>
+            </a:fld>
+            <a:endParaRPr lang="nl-NL"/>
+          </a:p>
+        </p:txBody>
+      </p:sp>
+    </p:spTree>
+    <p:extLst>
+      <p:ext uri="{BB962C8B-B14F-4D97-AF65-F5344CB8AC3E}">
+        <p14:creationId xmlns:p14="http://schemas.microsoft.com/office/powerpoint/2010/main" val="2332670534"/>
+      </p:ext>
+    </p:extLst>
+  </p:cSld>
+  <p:clrMapOvr>
+    <a:masterClrMapping/>
+  </p:clrMapOvr>
+</p:notes>
+</file>
+
+<file path=ppt/notesSlides/notesSlide14.xml><?xml version="1.0" encoding="utf-8"?>
+<p:notes xmlns:a="http://schemas.openxmlformats.org/drawingml/2006/main" xmlns:r="http://schemas.openxmlformats.org/officeDocument/2006/relationships" xmlns:p="http://schemas.openxmlformats.org/presentationml/2006/main">
+  <p:cSld>
+    <p:spTree>
+      <p:nvGrpSpPr>
+        <p:cNvPr id="1" name="">
+          <a:extLst>
+            <a:ext uri="{FF2B5EF4-FFF2-40B4-BE49-F238E27FC236}">
+              <a16:creationId xmlns:a16="http://schemas.microsoft.com/office/drawing/2014/main" id="{B98A70AD-F5B3-2C0F-514B-AF8742B3A93A}"/>
+            </a:ext>
+          </a:extLst>
+        </p:cNvPr>
+        <p:cNvGrpSpPr/>
+        <p:nvPr/>
+      </p:nvGrpSpPr>
+      <p:grpSpPr>
+        <a:xfrm>
+          <a:off x="0" y="0"/>
+          <a:ext cx="0" cy="0"/>
+          <a:chOff x="0" y="0"/>
+          <a:chExt cx="0" cy="0"/>
+        </a:xfrm>
+      </p:grpSpPr>
+      <p:sp>
+        <p:nvSpPr>
+          <p:cNvPr id="2" name="Slide Image Placeholder 1">
+            <a:extLst>
+              <a:ext uri="{FF2B5EF4-FFF2-40B4-BE49-F238E27FC236}">
+                <a16:creationId xmlns:a16="http://schemas.microsoft.com/office/drawing/2014/main" id="{7B60D994-B164-506E-13B1-8532B2E2576B}"/>
+              </a:ext>
+            </a:extLst>
+          </p:cNvPr>
+          <p:cNvSpPr>
+            <a:spLocks noGrp="1" noRot="1" noChangeAspect="1"/>
+          </p:cNvSpPr>
+          <p:nvPr>
+            <p:ph type="sldImg"/>
+          </p:nvPr>
+        </p:nvSpPr>
+        <p:spPr/>
+      </p:sp>
+      <p:sp>
+        <p:nvSpPr>
+          <p:cNvPr id="3" name="Notes Placeholder 2">
+            <a:extLst>
+              <a:ext uri="{FF2B5EF4-FFF2-40B4-BE49-F238E27FC236}">
+                <a16:creationId xmlns:a16="http://schemas.microsoft.com/office/drawing/2014/main" id="{A377A349-F689-4F01-070E-7085B40932F6}"/>
+              </a:ext>
+            </a:extLst>
+          </p:cNvPr>
+          <p:cNvSpPr>
+            <a:spLocks noGrp="1"/>
+          </p:cNvSpPr>
+          <p:nvPr>
+            <p:ph type="body" idx="1"/>
+          </p:nvPr>
+        </p:nvSpPr>
+        <p:spPr/>
+        <p:txBody>
+          <a:bodyPr/>
+          <a:lstStyle/>
+          <a:p>
+            <a:r>
+              <a:rPr lang="nl-NL" dirty="0"/>
+              <a:t>Demo: </a:t>
+            </a:r>
+            <a:r>
+              <a:rPr lang="nl-NL" dirty="0" err="1"/>
+              <a:t>main</a:t>
+            </a:r>
+            <a:r>
+              <a:rPr lang="nl-NL" dirty="0"/>
+              <a:t> en HEAD</a:t>
+            </a:r>
+          </a:p>
+        </p:txBody>
+      </p:sp>
+      <p:sp>
+        <p:nvSpPr>
+          <p:cNvPr id="4" name="Slide Number Placeholder 3">
+            <a:extLst>
+              <a:ext uri="{FF2B5EF4-FFF2-40B4-BE49-F238E27FC236}">
+                <a16:creationId xmlns:a16="http://schemas.microsoft.com/office/drawing/2014/main" id="{6F2A5841-E0BA-6ABD-A7D5-F8A8CD446431}"/>
+              </a:ext>
+            </a:extLst>
+          </p:cNvPr>
+          <p:cNvSpPr>
+            <a:spLocks noGrp="1"/>
+          </p:cNvSpPr>
+          <p:nvPr>
+            <p:ph type="sldNum" sz="quarter" idx="5"/>
+          </p:nvPr>
+        </p:nvSpPr>
+        <p:spPr/>
+        <p:txBody>
+          <a:bodyPr/>
+          <a:lstStyle/>
+          <a:p>
+            <a:fld id="{9583DEA5-E342-4DB2-B087-D0B9C490B19E}" type="slidenum">
+              <a:rPr lang="nl-NL" smtClean="0"/>
+              <a:t>19</a:t>
+            </a:fld>
+            <a:endParaRPr lang="nl-NL"/>
+          </a:p>
+        </p:txBody>
+      </p:sp>
+    </p:spTree>
+    <p:extLst>
+      <p:ext uri="{BB962C8B-B14F-4D97-AF65-F5344CB8AC3E}">
+        <p14:creationId xmlns:p14="http://schemas.microsoft.com/office/powerpoint/2010/main" val="3310297941"/>
+      </p:ext>
+    </p:extLst>
+  </p:cSld>
+  <p:clrMapOvr>
+    <a:masterClrMapping/>
+  </p:clrMapOvr>
+</p:notes>
+</file>
+
+<file path=ppt/notesSlides/notesSlide15.xml><?xml version="1.0" encoding="utf-8"?>
+<p:notes xmlns:a="http://schemas.openxmlformats.org/drawingml/2006/main" xmlns:r="http://schemas.openxmlformats.org/officeDocument/2006/relationships" xmlns:p="http://schemas.openxmlformats.org/presentationml/2006/main">
+  <p:cSld>
+    <p:spTree>
+      <p:nvGrpSpPr>
+        <p:cNvPr id="1" name="">
+          <a:extLst>
+            <a:ext uri="{FF2B5EF4-FFF2-40B4-BE49-F238E27FC236}">
+              <a16:creationId xmlns:a16="http://schemas.microsoft.com/office/drawing/2014/main" id="{87A072A1-6CF7-528B-C718-FDBAE02214F8}"/>
+            </a:ext>
+          </a:extLst>
+        </p:cNvPr>
+        <p:cNvGrpSpPr/>
+        <p:nvPr/>
+      </p:nvGrpSpPr>
+      <p:grpSpPr>
+        <a:xfrm>
+          <a:off x="0" y="0"/>
+          <a:ext cx="0" cy="0"/>
+          <a:chOff x="0" y="0"/>
+          <a:chExt cx="0" cy="0"/>
+        </a:xfrm>
+      </p:grpSpPr>
+      <p:sp>
+        <p:nvSpPr>
+          <p:cNvPr id="2" name="Slide Image Placeholder 1">
+            <a:extLst>
+              <a:ext uri="{FF2B5EF4-FFF2-40B4-BE49-F238E27FC236}">
+                <a16:creationId xmlns:a16="http://schemas.microsoft.com/office/drawing/2014/main" id="{AB7C7E38-D4D4-CF4C-F03F-C5CDA8FB1C45}"/>
+              </a:ext>
+            </a:extLst>
+          </p:cNvPr>
+          <p:cNvSpPr>
+            <a:spLocks noGrp="1" noRot="1" noChangeAspect="1"/>
+          </p:cNvSpPr>
+          <p:nvPr>
+            <p:ph type="sldImg"/>
+          </p:nvPr>
+        </p:nvSpPr>
+        <p:spPr/>
+      </p:sp>
+      <p:sp>
+        <p:nvSpPr>
+          <p:cNvPr id="3" name="Notes Placeholder 2">
+            <a:extLst>
+              <a:ext uri="{FF2B5EF4-FFF2-40B4-BE49-F238E27FC236}">
+                <a16:creationId xmlns:a16="http://schemas.microsoft.com/office/drawing/2014/main" id="{B8ABCBA9-EA7F-1F49-425C-35D1896C9CF8}"/>
+              </a:ext>
+            </a:extLst>
+          </p:cNvPr>
+          <p:cNvSpPr>
+            <a:spLocks noGrp="1"/>
+          </p:cNvSpPr>
+          <p:nvPr>
+            <p:ph type="body" idx="1"/>
+          </p:nvPr>
+        </p:nvSpPr>
+        <p:spPr/>
+        <p:txBody>
+          <a:bodyPr/>
+          <a:lstStyle/>
+          <a:p>
+            <a:endParaRPr lang="nl-NL" dirty="0"/>
+          </a:p>
+        </p:txBody>
+      </p:sp>
+      <p:sp>
+        <p:nvSpPr>
+          <p:cNvPr id="4" name="Slide Number Placeholder 3">
+            <a:extLst>
+              <a:ext uri="{FF2B5EF4-FFF2-40B4-BE49-F238E27FC236}">
+                <a16:creationId xmlns:a16="http://schemas.microsoft.com/office/drawing/2014/main" id="{18684198-310E-8E80-81BA-36F12E4E9989}"/>
+              </a:ext>
+            </a:extLst>
+          </p:cNvPr>
+          <p:cNvSpPr>
+            <a:spLocks noGrp="1"/>
+          </p:cNvSpPr>
+          <p:nvPr>
+            <p:ph type="sldNum" sz="quarter" idx="5"/>
+          </p:nvPr>
+        </p:nvSpPr>
+        <p:spPr/>
+        <p:txBody>
+          <a:bodyPr/>
+          <a:lstStyle/>
+          <a:p>
+            <a:fld id="{9583DEA5-E342-4DB2-B087-D0B9C490B19E}" type="slidenum">
+              <a:rPr lang="nl-NL" smtClean="0"/>
+              <a:t>20</a:t>
+            </a:fld>
+            <a:endParaRPr lang="nl-NL"/>
+          </a:p>
+        </p:txBody>
+      </p:sp>
+    </p:spTree>
+    <p:extLst>
+      <p:ext uri="{BB962C8B-B14F-4D97-AF65-F5344CB8AC3E}">
+        <p14:creationId xmlns:p14="http://schemas.microsoft.com/office/powerpoint/2010/main" val="378351260"/>
+      </p:ext>
+    </p:extLst>
+  </p:cSld>
+  <p:clrMapOvr>
+    <a:masterClrMapping/>
+  </p:clrMapOvr>
+</p:notes>
+</file>
+
+<file path=ppt/notesSlides/notesSlide16.xml><?xml version="1.0" encoding="utf-8"?>
+<p:notes xmlns:a="http://schemas.openxmlformats.org/drawingml/2006/main" xmlns:r="http://schemas.openxmlformats.org/officeDocument/2006/relationships" xmlns:p="http://schemas.openxmlformats.org/presentationml/2006/main">
+  <p:cSld>
+    <p:spTree>
+      <p:nvGrpSpPr>
+        <p:cNvPr id="1" name="">
+          <a:extLst>
+            <a:ext uri="{FF2B5EF4-FFF2-40B4-BE49-F238E27FC236}">
+              <a16:creationId xmlns:a16="http://schemas.microsoft.com/office/drawing/2014/main" id="{4B752355-DC2F-2C2F-F161-4AF8D0071577}"/>
+            </a:ext>
+          </a:extLst>
+        </p:cNvPr>
+        <p:cNvGrpSpPr/>
+        <p:nvPr/>
+      </p:nvGrpSpPr>
+      <p:grpSpPr>
+        <a:xfrm>
+          <a:off x="0" y="0"/>
+          <a:ext cx="0" cy="0"/>
+          <a:chOff x="0" y="0"/>
+          <a:chExt cx="0" cy="0"/>
+        </a:xfrm>
+      </p:grpSpPr>
+      <p:sp>
+        <p:nvSpPr>
+          <p:cNvPr id="2" name="Slide Image Placeholder 1">
+            <a:extLst>
+              <a:ext uri="{FF2B5EF4-FFF2-40B4-BE49-F238E27FC236}">
+                <a16:creationId xmlns:a16="http://schemas.microsoft.com/office/drawing/2014/main" id="{864D6EFB-017C-1D61-F0AC-503ED180E344}"/>
+              </a:ext>
+            </a:extLst>
+          </p:cNvPr>
+          <p:cNvSpPr>
+            <a:spLocks noGrp="1" noRot="1" noChangeAspect="1"/>
+          </p:cNvSpPr>
+          <p:nvPr>
+            <p:ph type="sldImg"/>
+          </p:nvPr>
+        </p:nvSpPr>
+        <p:spPr/>
+      </p:sp>
+      <p:sp>
+        <p:nvSpPr>
+          <p:cNvPr id="3" name="Notes Placeholder 2">
+            <a:extLst>
+              <a:ext uri="{FF2B5EF4-FFF2-40B4-BE49-F238E27FC236}">
+                <a16:creationId xmlns:a16="http://schemas.microsoft.com/office/drawing/2014/main" id="{35BDC5CB-043A-783C-37AA-6FCA4163E189}"/>
+              </a:ext>
+            </a:extLst>
+          </p:cNvPr>
+          <p:cNvSpPr>
+            <a:spLocks noGrp="1"/>
+          </p:cNvSpPr>
+          <p:nvPr>
+            <p:ph type="body" idx="1"/>
+          </p:nvPr>
+        </p:nvSpPr>
+        <p:spPr/>
+        <p:txBody>
+          <a:bodyPr/>
+          <a:lstStyle/>
+          <a:p>
+            <a:endParaRPr lang="nl-NL" dirty="0"/>
+          </a:p>
+        </p:txBody>
+      </p:sp>
+      <p:sp>
+        <p:nvSpPr>
+          <p:cNvPr id="4" name="Slide Number Placeholder 3">
+            <a:extLst>
+              <a:ext uri="{FF2B5EF4-FFF2-40B4-BE49-F238E27FC236}">
+                <a16:creationId xmlns:a16="http://schemas.microsoft.com/office/drawing/2014/main" id="{D85628EB-866A-6EE0-CCC2-6F3FFDE1EB79}"/>
+              </a:ext>
+            </a:extLst>
+          </p:cNvPr>
+          <p:cNvSpPr>
+            <a:spLocks noGrp="1"/>
+          </p:cNvSpPr>
+          <p:nvPr>
+            <p:ph type="sldNum" sz="quarter" idx="5"/>
+          </p:nvPr>
+        </p:nvSpPr>
+        <p:spPr/>
+        <p:txBody>
+          <a:bodyPr/>
+          <a:lstStyle/>
+          <a:p>
+            <a:fld id="{9583DEA5-E342-4DB2-B087-D0B9C490B19E}" type="slidenum">
+              <a:rPr lang="nl-NL" smtClean="0"/>
+              <a:t>21</a:t>
+            </a:fld>
+            <a:endParaRPr lang="nl-NL"/>
+          </a:p>
+        </p:txBody>
+      </p:sp>
+    </p:spTree>
+    <p:extLst>
+      <p:ext uri="{BB962C8B-B14F-4D97-AF65-F5344CB8AC3E}">
+        <p14:creationId xmlns:p14="http://schemas.microsoft.com/office/powerpoint/2010/main" val="3177019543"/>
+      </p:ext>
+    </p:extLst>
+  </p:cSld>
+  <p:clrMapOvr>
+    <a:masterClrMapping/>
+  </p:clrMapOvr>
+</p:notes>
+</file>
+
+<file path=ppt/notesSlides/notesSlide17.xml><?xml version="1.0" encoding="utf-8"?>
+<p:notes xmlns:a="http://schemas.openxmlformats.org/drawingml/2006/main" xmlns:r="http://schemas.openxmlformats.org/officeDocument/2006/relationships" xmlns:p="http://schemas.openxmlformats.org/presentationml/2006/main">
+  <p:cSld>
+    <p:spTree>
+      <p:nvGrpSpPr>
+        <p:cNvPr id="1" name="">
+          <a:extLst>
+            <a:ext uri="{FF2B5EF4-FFF2-40B4-BE49-F238E27FC236}">
+              <a16:creationId xmlns:a16="http://schemas.microsoft.com/office/drawing/2014/main" id="{B29EE7F1-46F9-EC89-9133-7FE31830AF07}"/>
+            </a:ext>
+          </a:extLst>
+        </p:cNvPr>
+        <p:cNvGrpSpPr/>
+        <p:nvPr/>
+      </p:nvGrpSpPr>
+      <p:grpSpPr>
+        <a:xfrm>
+          <a:off x="0" y="0"/>
+          <a:ext cx="0" cy="0"/>
+          <a:chOff x="0" y="0"/>
+          <a:chExt cx="0" cy="0"/>
+        </a:xfrm>
+      </p:grpSpPr>
+      <p:sp>
+        <p:nvSpPr>
+          <p:cNvPr id="2" name="Slide Image Placeholder 1">
+            <a:extLst>
+              <a:ext uri="{FF2B5EF4-FFF2-40B4-BE49-F238E27FC236}">
+                <a16:creationId xmlns:a16="http://schemas.microsoft.com/office/drawing/2014/main" id="{953588D6-0E45-A98F-2FE3-D1DFC8D50799}"/>
+              </a:ext>
+            </a:extLst>
+          </p:cNvPr>
+          <p:cNvSpPr>
+            <a:spLocks noGrp="1" noRot="1" noChangeAspect="1"/>
+          </p:cNvSpPr>
+          <p:nvPr>
+            <p:ph type="sldImg"/>
+          </p:nvPr>
+        </p:nvSpPr>
+        <p:spPr/>
+      </p:sp>
+      <p:sp>
+        <p:nvSpPr>
+          <p:cNvPr id="3" name="Notes Placeholder 2">
+            <a:extLst>
+              <a:ext uri="{FF2B5EF4-FFF2-40B4-BE49-F238E27FC236}">
+                <a16:creationId xmlns:a16="http://schemas.microsoft.com/office/drawing/2014/main" id="{FF9C0861-1EE0-F8BA-B871-F1600A90CF06}"/>
+              </a:ext>
+            </a:extLst>
+          </p:cNvPr>
+          <p:cNvSpPr>
+            <a:spLocks noGrp="1"/>
+          </p:cNvSpPr>
+          <p:nvPr>
+            <p:ph type="body" idx="1"/>
+          </p:nvPr>
+        </p:nvSpPr>
+        <p:spPr/>
+        <p:txBody>
+          <a:bodyPr/>
+          <a:lstStyle/>
+          <a:p>
+            <a:r>
+              <a:rPr lang="nl-NL" dirty="0"/>
+              <a:t>Demo: </a:t>
+            </a:r>
+            <a:r>
+              <a:rPr lang="nl-NL" dirty="0" err="1"/>
+              <a:t>develop</a:t>
+            </a:r>
+            <a:r>
+              <a:rPr lang="nl-NL" dirty="0"/>
+              <a:t> </a:t>
+            </a:r>
+            <a:r>
+              <a:rPr lang="nl-NL" dirty="0" err="1"/>
+              <a:t>branch</a:t>
+            </a:r>
+            <a:endParaRPr lang="nl-NL" dirty="0"/>
+          </a:p>
+        </p:txBody>
+      </p:sp>
+      <p:sp>
+        <p:nvSpPr>
+          <p:cNvPr id="4" name="Slide Number Placeholder 3">
+            <a:extLst>
+              <a:ext uri="{FF2B5EF4-FFF2-40B4-BE49-F238E27FC236}">
+                <a16:creationId xmlns:a16="http://schemas.microsoft.com/office/drawing/2014/main" id="{2DB943E4-273D-AF09-A3E3-30CCCD6FEB19}"/>
+              </a:ext>
+            </a:extLst>
+          </p:cNvPr>
+          <p:cNvSpPr>
+            <a:spLocks noGrp="1"/>
+          </p:cNvSpPr>
+          <p:nvPr>
+            <p:ph type="sldNum" sz="quarter" idx="5"/>
+          </p:nvPr>
+        </p:nvSpPr>
+        <p:spPr/>
+        <p:txBody>
+          <a:bodyPr/>
+          <a:lstStyle/>
+          <a:p>
+            <a:fld id="{9583DEA5-E342-4DB2-B087-D0B9C490B19E}" type="slidenum">
+              <a:rPr lang="nl-NL" smtClean="0"/>
+              <a:t>22</a:t>
+            </a:fld>
+            <a:endParaRPr lang="nl-NL"/>
+          </a:p>
+        </p:txBody>
+      </p:sp>
+    </p:spTree>
+    <p:extLst>
+      <p:ext uri="{BB962C8B-B14F-4D97-AF65-F5344CB8AC3E}">
+        <p14:creationId xmlns:p14="http://schemas.microsoft.com/office/powerpoint/2010/main" val="234275198"/>
       </p:ext>
     </p:extLst>
   </p:cSld>
@@ -1539,7 +2092,7 @@
           <a:p>
             <a:fld id="{9583DEA5-E342-4DB2-B087-D0B9C490B19E}" type="slidenum">
               <a:rPr lang="nl-NL" smtClean="0"/>
-              <a:t>10</a:t>
+              <a:t>11</a:t>
             </a:fld>
             <a:endParaRPr lang="nl-NL"/>
           </a:p>
@@ -1647,7 +2200,7 @@
           <a:p>
             <a:fld id="{9583DEA5-E342-4DB2-B087-D0B9C490B19E}" type="slidenum">
               <a:rPr lang="nl-NL" smtClean="0"/>
-              <a:t>11</a:t>
+              <a:t>12</a:t>
             </a:fld>
             <a:endParaRPr lang="nl-NL"/>
           </a:p>
@@ -1755,7 +2308,7 @@
           <a:p>
             <a:fld id="{9583DEA5-E342-4DB2-B087-D0B9C490B19E}" type="slidenum">
               <a:rPr lang="nl-NL" smtClean="0"/>
-              <a:t>12</a:t>
+              <a:t>13</a:t>
             </a:fld>
             <a:endParaRPr lang="nl-NL"/>
           </a:p>
@@ -5084,6 +5637,89 @@
   <p:cSld>
     <p:spTree>
       <p:nvGrpSpPr>
+        <p:cNvPr id="1" name=""/>
+        <p:cNvGrpSpPr/>
+        <p:nvPr/>
+      </p:nvGrpSpPr>
+      <p:grpSpPr>
+        <a:xfrm>
+          <a:off x="0" y="0"/>
+          <a:ext cx="0" cy="0"/>
+          <a:chOff x="0" y="0"/>
+          <a:chExt cx="0" cy="0"/>
+        </a:xfrm>
+      </p:grpSpPr>
+      <p:sp>
+        <p:nvSpPr>
+          <p:cNvPr id="4" name="Title 3">
+            <a:extLst>
+              <a:ext uri="{FF2B5EF4-FFF2-40B4-BE49-F238E27FC236}">
+                <a16:creationId xmlns:a16="http://schemas.microsoft.com/office/drawing/2014/main" id="{72C925CA-BCA3-3701-E08E-95652380B32E}"/>
+              </a:ext>
+            </a:extLst>
+          </p:cNvPr>
+          <p:cNvSpPr>
+            <a:spLocks noGrp="1"/>
+          </p:cNvSpPr>
+          <p:nvPr>
+            <p:ph type="title"/>
+          </p:nvPr>
+        </p:nvSpPr>
+        <p:spPr/>
+        <p:txBody>
+          <a:bodyPr/>
+          <a:lstStyle/>
+          <a:p>
+            <a:r>
+              <a:rPr lang="nl-NL" noProof="0" dirty="0"/>
+              <a:t>Onder de motorkap</a:t>
+            </a:r>
+          </a:p>
+        </p:txBody>
+      </p:sp>
+      <p:sp>
+        <p:nvSpPr>
+          <p:cNvPr id="5" name="Text Placeholder 4">
+            <a:extLst>
+              <a:ext uri="{FF2B5EF4-FFF2-40B4-BE49-F238E27FC236}">
+                <a16:creationId xmlns:a16="http://schemas.microsoft.com/office/drawing/2014/main" id="{1AB31C95-91AF-DF13-FB58-0DA5F2D9F6F7}"/>
+              </a:ext>
+            </a:extLst>
+          </p:cNvPr>
+          <p:cNvSpPr>
+            <a:spLocks noGrp="1"/>
+          </p:cNvSpPr>
+          <p:nvPr>
+            <p:ph type="body" idx="1"/>
+          </p:nvPr>
+        </p:nvSpPr>
+        <p:spPr/>
+        <p:txBody>
+          <a:bodyPr/>
+          <a:lstStyle/>
+          <a:p>
+            <a:endParaRPr lang="en-NL"/>
+          </a:p>
+        </p:txBody>
+      </p:sp>
+    </p:spTree>
+    <p:extLst>
+      <p:ext uri="{BB962C8B-B14F-4D97-AF65-F5344CB8AC3E}">
+        <p14:creationId xmlns:p14="http://schemas.microsoft.com/office/powerpoint/2010/main" val="1045594335"/>
+      </p:ext>
+    </p:extLst>
+  </p:cSld>
+  <p:clrMapOvr>
+    <a:masterClrMapping/>
+  </p:clrMapOvr>
+</p:sld>
+</file>
+
+<file path=ppt/slides/slide11.xml><?xml version="1.0" encoding="utf-8"?>
+<p:sld xmlns:a="http://schemas.openxmlformats.org/drawingml/2006/main" xmlns:r="http://schemas.openxmlformats.org/officeDocument/2006/relationships" xmlns:p="http://schemas.openxmlformats.org/presentationml/2006/main">
+  <p:cSld>
+    <p:spTree>
+      <p:nvGrpSpPr>
         <p:cNvPr id="1" name="">
           <a:extLst>
             <a:ext uri="{FF2B5EF4-FFF2-40B4-BE49-F238E27FC236}">
@@ -5162,7 +5798,7 @@
         </p:spPr>
         <p:txBody>
           <a:bodyPr vert="horz" lIns="91440" tIns="45720" rIns="91440" bIns="45720" rtlCol="0">
-            <a:normAutofit lnSpcReduction="10000"/>
+            <a:noAutofit/>
           </a:bodyPr>
           <a:lstStyle>
             <a:lvl1pPr marL="228600" indent="-228600" algn="l" defTabSz="914400" rtl="0" eaLnBrk="1" latinLnBrk="0" hangingPunct="1">
@@ -5337,7 +5973,7 @@
               <a:buNone/>
             </a:pPr>
             <a:r>
-              <a:rPr lang="nl-NL" sz="1700" dirty="0">
+              <a:rPr lang="nl-NL" sz="1400" dirty="0">
                 <a:latin typeface="Courier New" panose="02070309020205020404" pitchFamily="49" charset="0"/>
                 <a:cs typeface="Courier New" panose="02070309020205020404" pitchFamily="49" charset="0"/>
               </a:rPr>
@@ -5353,7 +5989,7 @@
               <a:buNone/>
             </a:pPr>
             <a:r>
-              <a:rPr lang="nl-NL" sz="1700" dirty="0">
+              <a:rPr lang="nl-NL" sz="1400" dirty="0">
                 <a:latin typeface="Courier New" panose="02070309020205020404" pitchFamily="49" charset="0"/>
                 <a:cs typeface="Courier New" panose="02070309020205020404" pitchFamily="49" charset="0"/>
               </a:rPr>
@@ -5368,21 +6004,21 @@
               <a:buNone/>
             </a:pPr>
             <a:r>
-              <a:rPr lang="nl-NL" sz="1700" dirty="0">
+              <a:rPr lang="nl-NL" sz="1400" dirty="0">
                 <a:latin typeface="Courier New" panose="02070309020205020404" pitchFamily="49" charset="0"/>
                 <a:cs typeface="Courier New" panose="02070309020205020404" pitchFamily="49" charset="0"/>
               </a:rPr>
               <a:t>├─ </a:t>
             </a:r>
             <a:r>
-              <a:rPr lang="nl-NL" sz="1700" dirty="0" err="1">
+              <a:rPr lang="nl-NL" sz="1400" dirty="0" err="1">
                 <a:latin typeface="Courier New" panose="02070309020205020404" pitchFamily="49" charset="0"/>
                 <a:cs typeface="Courier New" panose="02070309020205020404" pitchFamily="49" charset="0"/>
               </a:rPr>
               <a:t>hooks</a:t>
             </a:r>
             <a:r>
-              <a:rPr lang="nl-NL" sz="1700" dirty="0">
+              <a:rPr lang="nl-NL" sz="1400" dirty="0">
                 <a:latin typeface="Courier New" panose="02070309020205020404" pitchFamily="49" charset="0"/>
                 <a:cs typeface="Courier New" panose="02070309020205020404" pitchFamily="49" charset="0"/>
               </a:rPr>
@@ -5397,7 +6033,7 @@
               <a:buNone/>
             </a:pPr>
             <a:r>
-              <a:rPr lang="nl-NL" sz="1700" dirty="0">
+              <a:rPr lang="nl-NL" sz="1400" dirty="0">
                 <a:latin typeface="Courier New" panose="02070309020205020404" pitchFamily="49" charset="0"/>
                 <a:cs typeface="Courier New" panose="02070309020205020404" pitchFamily="49" charset="0"/>
               </a:rPr>
@@ -5413,11 +6049,25 @@
               <a:buNone/>
             </a:pPr>
             <a:r>
-              <a:rPr lang="nl-NL" sz="1700" dirty="0">
+              <a:rPr lang="nl-NL" sz="1400" dirty="0">
                 <a:latin typeface="Courier New" panose="02070309020205020404" pitchFamily="49" charset="0"/>
                 <a:cs typeface="Courier New" panose="02070309020205020404" pitchFamily="49" charset="0"/>
               </a:rPr>
-              <a:t>├─ info/</a:t>
+              <a:t>├─ </a:t>
+            </a:r>
+            <a:r>
+              <a:rPr lang="nl-NL" sz="1400" dirty="0" err="1">
+                <a:latin typeface="Courier New" panose="02070309020205020404" pitchFamily="49" charset="0"/>
+                <a:cs typeface="Courier New" panose="02070309020205020404" pitchFamily="49" charset="0"/>
+              </a:rPr>
+              <a:t>objects</a:t>
+            </a:r>
+            <a:r>
+              <a:rPr lang="nl-NL" sz="1400" dirty="0">
+                <a:latin typeface="Courier New" panose="02070309020205020404" pitchFamily="49" charset="0"/>
+                <a:cs typeface="Courier New" panose="02070309020205020404" pitchFamily="49" charset="0"/>
+              </a:rPr>
+              <a:t>/</a:t>
             </a:r>
           </a:p>
           <a:p>
@@ -5428,11 +6078,11 @@
               <a:buNone/>
             </a:pPr>
             <a:r>
-              <a:rPr lang="nl-NL" sz="1700" dirty="0">
+              <a:rPr lang="nl-NL" sz="1400" dirty="0">
                 <a:latin typeface="Courier New" panose="02070309020205020404" pitchFamily="49" charset="0"/>
                 <a:cs typeface="Courier New" panose="02070309020205020404" pitchFamily="49" charset="0"/>
               </a:rPr>
-              <a:t>│  │  </a:t>
+              <a:t>│</a:t>
             </a:r>
           </a:p>
           <a:p>
@@ -5444,23 +6094,12 @@
               <a:buNone/>
             </a:pPr>
             <a:r>
-              <a:rPr lang="nl-NL" sz="1700" dirty="0">
+              <a:rPr lang="nl-NL" sz="1400" dirty="0">
                 <a:latin typeface="Courier New" panose="02070309020205020404" pitchFamily="49" charset="0"/>
                 <a:cs typeface="Courier New" panose="02070309020205020404" pitchFamily="49" charset="0"/>
               </a:rPr>
-              <a:t>│  └─ </a:t>
-            </a:r>
-            <a:r>
-              <a:rPr lang="nl-NL" sz="1700" dirty="0" err="1">
-                <a:latin typeface="Courier New" panose="02070309020205020404" pitchFamily="49" charset="0"/>
-                <a:cs typeface="Courier New" panose="02070309020205020404" pitchFamily="49" charset="0"/>
-              </a:rPr>
-              <a:t>exclude</a:t>
-            </a:r>
-            <a:endParaRPr lang="nl-NL" sz="1700" dirty="0">
-              <a:latin typeface="Courier New" panose="02070309020205020404" pitchFamily="49" charset="0"/>
-              <a:cs typeface="Courier New" panose="02070309020205020404" pitchFamily="49" charset="0"/>
-            </a:endParaRPr>
+              <a:t>├─ refs/</a:t>
+            </a:r>
           </a:p>
           <a:p>
             <a:pPr marL="0" indent="0">
@@ -5470,11 +6109,93 @@
               <a:buNone/>
             </a:pPr>
             <a:r>
-              <a:rPr lang="nl-NL" sz="1700" dirty="0">
+              <a:rPr lang="nl-NL" sz="1400" dirty="0">
                 <a:latin typeface="Courier New" panose="02070309020205020404" pitchFamily="49" charset="0"/>
                 <a:cs typeface="Courier New" panose="02070309020205020404" pitchFamily="49" charset="0"/>
               </a:rPr>
-              <a:t>│</a:t>
+              <a:t>│  │  </a:t>
+            </a:r>
+          </a:p>
+          <a:p>
+            <a:pPr marL="0" indent="0">
+              <a:spcBef>
+                <a:spcPts val="0"/>
+              </a:spcBef>
+              <a:buNone/>
+            </a:pPr>
+            <a:r>
+              <a:rPr lang="nl-NL" sz="1400" dirty="0">
+                <a:latin typeface="Courier New" panose="02070309020205020404" pitchFamily="49" charset="0"/>
+                <a:cs typeface="Courier New" panose="02070309020205020404" pitchFamily="49" charset="0"/>
+              </a:rPr>
+              <a:t>│  ├─ </a:t>
+            </a:r>
+            <a:r>
+              <a:rPr lang="nl-NL" sz="1400" dirty="0" err="1">
+                <a:latin typeface="Courier New" panose="02070309020205020404" pitchFamily="49" charset="0"/>
+                <a:cs typeface="Courier New" panose="02070309020205020404" pitchFamily="49" charset="0"/>
+              </a:rPr>
+              <a:t>heads</a:t>
+            </a:r>
+            <a:endParaRPr lang="nl-NL" sz="1400" dirty="0">
+              <a:latin typeface="Courier New" panose="02070309020205020404" pitchFamily="49" charset="0"/>
+              <a:cs typeface="Courier New" panose="02070309020205020404" pitchFamily="49" charset="0"/>
+            </a:endParaRPr>
+          </a:p>
+          <a:p>
+            <a:pPr marL="0" indent="0">
+              <a:spcBef>
+                <a:spcPts val="0"/>
+              </a:spcBef>
+              <a:buNone/>
+            </a:pPr>
+            <a:r>
+              <a:rPr lang="nl-NL" sz="1400" dirty="0">
+                <a:latin typeface="Courier New" panose="02070309020205020404" pitchFamily="49" charset="0"/>
+                <a:cs typeface="Courier New" panose="02070309020205020404" pitchFamily="49" charset="0"/>
+              </a:rPr>
+              <a:t>│  │  </a:t>
+            </a:r>
+          </a:p>
+          <a:p>
+            <a:pPr marL="0" indent="0">
+              <a:spcBef>
+                <a:spcPts val="0"/>
+              </a:spcBef>
+              <a:buNone/>
+            </a:pPr>
+            <a:r>
+              <a:rPr lang="nl-NL" sz="1400" dirty="0">
+                <a:latin typeface="Courier New" panose="02070309020205020404" pitchFamily="49" charset="0"/>
+                <a:cs typeface="Courier New" panose="02070309020205020404" pitchFamily="49" charset="0"/>
+              </a:rPr>
+              <a:t>│  ├─ </a:t>
+            </a:r>
+            <a:r>
+              <a:rPr lang="nl-NL" sz="1400" dirty="0" err="1">
+                <a:latin typeface="Courier New" panose="02070309020205020404" pitchFamily="49" charset="0"/>
+                <a:cs typeface="Courier New" panose="02070309020205020404" pitchFamily="49" charset="0"/>
+              </a:rPr>
+              <a:t>remotes</a:t>
+            </a:r>
+            <a:endParaRPr lang="nl-NL" sz="1400" dirty="0">
+              <a:latin typeface="Courier New" panose="02070309020205020404" pitchFamily="49" charset="0"/>
+              <a:cs typeface="Courier New" panose="02070309020205020404" pitchFamily="49" charset="0"/>
+            </a:endParaRPr>
+          </a:p>
+          <a:p>
+            <a:pPr marL="0" indent="0">
+              <a:spcBef>
+                <a:spcPts val="0"/>
+              </a:spcBef>
+              <a:buNone/>
+            </a:pPr>
+            <a:r>
+              <a:rPr lang="nl-NL" sz="1400" dirty="0">
+                <a:latin typeface="Courier New" panose="02070309020205020404" pitchFamily="49" charset="0"/>
+                <a:cs typeface="Courier New" panose="02070309020205020404" pitchFamily="49" charset="0"/>
+              </a:rPr>
+              <a:t>│  │</a:t>
             </a:r>
           </a:p>
           <a:p>
@@ -5486,12 +6207,109 @@
               <a:buNone/>
             </a:pPr>
             <a:r>
-              <a:rPr lang="nl-NL" sz="1700" dirty="0">
+              <a:rPr lang="nl-NL" sz="1400" dirty="0">
                 <a:latin typeface="Courier New" panose="02070309020205020404" pitchFamily="49" charset="0"/>
                 <a:cs typeface="Courier New" panose="02070309020205020404" pitchFamily="49" charset="0"/>
               </a:rPr>
+              <a:t>│  └─ tags</a:t>
+            </a:r>
+          </a:p>
+          <a:p>
+            <a:pPr marL="0" indent="0">
+              <a:spcBef>
+                <a:spcPts val="0"/>
+              </a:spcBef>
+              <a:buNone/>
+            </a:pPr>
+            <a:r>
+              <a:rPr lang="nl-NL" sz="1400" dirty="0">
+                <a:latin typeface="Courier New" panose="02070309020205020404" pitchFamily="49" charset="0"/>
+                <a:cs typeface="Courier New" panose="02070309020205020404" pitchFamily="49" charset="0"/>
+              </a:rPr>
               <a:t>│</a:t>
             </a:r>
+          </a:p>
+          <a:p>
+            <a:pPr marL="0" indent="0">
+              <a:spcBef>
+                <a:spcPts val="0"/>
+              </a:spcBef>
+              <a:buNone/>
+            </a:pPr>
+            <a:r>
+              <a:rPr lang="nl-NL" sz="1400" dirty="0">
+                <a:latin typeface="Courier New" panose="02070309020205020404" pitchFamily="49" charset="0"/>
+                <a:cs typeface="Courier New" panose="02070309020205020404" pitchFamily="49" charset="0"/>
+              </a:rPr>
+              <a:t>│</a:t>
+            </a:r>
+          </a:p>
+          <a:p>
+            <a:pPr marL="0" indent="0">
+              <a:spcBef>
+                <a:spcPts val="0"/>
+              </a:spcBef>
+              <a:buNone/>
+            </a:pPr>
+            <a:r>
+              <a:rPr lang="nl-NL" sz="1400" dirty="0">
+                <a:latin typeface="Courier New" panose="02070309020205020404" pitchFamily="49" charset="0"/>
+                <a:cs typeface="Courier New" panose="02070309020205020404" pitchFamily="49" charset="0"/>
+              </a:rPr>
+              <a:t>├─ </a:t>
+            </a:r>
+            <a:r>
+              <a:rPr lang="nl-NL" sz="1400" dirty="0" err="1">
+                <a:latin typeface="Courier New" panose="02070309020205020404" pitchFamily="49" charset="0"/>
+                <a:cs typeface="Courier New" panose="02070309020205020404" pitchFamily="49" charset="0"/>
+              </a:rPr>
+              <a:t>config</a:t>
+            </a:r>
+            <a:endParaRPr lang="nl-NL" sz="1400" dirty="0">
+              <a:latin typeface="Courier New" panose="02070309020205020404" pitchFamily="49" charset="0"/>
+              <a:cs typeface="Courier New" panose="02070309020205020404" pitchFamily="49" charset="0"/>
+            </a:endParaRPr>
+          </a:p>
+          <a:p>
+            <a:pPr marL="0" indent="0">
+              <a:spcBef>
+                <a:spcPts val="0"/>
+              </a:spcBef>
+              <a:buNone/>
+            </a:pPr>
+            <a:r>
+              <a:rPr lang="nl-NL" sz="1400" dirty="0">
+                <a:latin typeface="Courier New" panose="02070309020205020404" pitchFamily="49" charset="0"/>
+                <a:cs typeface="Courier New" panose="02070309020205020404" pitchFamily="49" charset="0"/>
+              </a:rPr>
+              <a:t>│</a:t>
+            </a:r>
+          </a:p>
+          <a:p>
+            <a:pPr marL="0" indent="0">
+              <a:spcBef>
+                <a:spcPts val="0"/>
+              </a:spcBef>
+              <a:buNone/>
+            </a:pPr>
+            <a:r>
+              <a:rPr lang="nl-NL" sz="1400" dirty="0">
+                <a:latin typeface="Courier New" panose="02070309020205020404" pitchFamily="49" charset="0"/>
+                <a:cs typeface="Courier New" panose="02070309020205020404" pitchFamily="49" charset="0"/>
+              </a:rPr>
+              <a:t>├─ </a:t>
+            </a:r>
+            <a:r>
+              <a:rPr lang="nl-NL" sz="1400" dirty="0" err="1">
+                <a:latin typeface="Courier New" panose="02070309020205020404" pitchFamily="49" charset="0"/>
+                <a:cs typeface="Courier New" panose="02070309020205020404" pitchFamily="49" charset="0"/>
+              </a:rPr>
+              <a:t>description</a:t>
+            </a:r>
+            <a:endParaRPr lang="nl-NL" sz="1400" dirty="0">
+              <a:latin typeface="Courier New" panose="02070309020205020404" pitchFamily="49" charset="0"/>
+              <a:cs typeface="Courier New" panose="02070309020205020404" pitchFamily="49" charset="0"/>
+            </a:endParaRPr>
           </a:p>
           <a:p>
             <a:pPr marL="0" indent="0">
@@ -5502,55 +6320,11 @@
               <a:buNone/>
             </a:pPr>
             <a:r>
-              <a:rPr lang="nl-NL" sz="1700" dirty="0">
+              <a:rPr lang="nl-NL" sz="1400" dirty="0">
                 <a:latin typeface="Courier New" panose="02070309020205020404" pitchFamily="49" charset="0"/>
                 <a:cs typeface="Courier New" panose="02070309020205020404" pitchFamily="49" charset="0"/>
               </a:rPr>
-              <a:t>├─ </a:t>
-            </a:r>
-            <a:r>
-              <a:rPr lang="nl-NL" sz="1700" dirty="0" err="1">
-                <a:latin typeface="Courier New" panose="02070309020205020404" pitchFamily="49" charset="0"/>
-                <a:cs typeface="Courier New" panose="02070309020205020404" pitchFamily="49" charset="0"/>
-              </a:rPr>
-              <a:t>objects</a:t>
-            </a:r>
-            <a:r>
-              <a:rPr lang="nl-NL" sz="1700" dirty="0">
-                <a:latin typeface="Courier New" panose="02070309020205020404" pitchFamily="49" charset="0"/>
-                <a:cs typeface="Courier New" panose="02070309020205020404" pitchFamily="49" charset="0"/>
-              </a:rPr>
-              <a:t>/</a:t>
-            </a:r>
-          </a:p>
-          <a:p>
-            <a:pPr marL="0" indent="0">
-              <a:spcBef>
-                <a:spcPts val="0"/>
-              </a:spcBef>
-              <a:buNone/>
-            </a:pPr>
-            <a:r>
-              <a:rPr lang="nl-NL" sz="1700" dirty="0">
-                <a:latin typeface="Courier New" panose="02070309020205020404" pitchFamily="49" charset="0"/>
-                <a:cs typeface="Courier New" panose="02070309020205020404" pitchFamily="49" charset="0"/>
-              </a:rPr>
-              <a:t>│</a:t>
-            </a:r>
-          </a:p>
-          <a:p>
-            <a:pPr marL="0" indent="0">
-              <a:spcBef>
-                <a:spcPts val="0"/>
-              </a:spcBef>
-              <a:buNone/>
-            </a:pPr>
-            <a:r>
-              <a:rPr lang="nl-NL" sz="1700" dirty="0">
-                <a:latin typeface="Courier New" panose="02070309020205020404" pitchFamily="49" charset="0"/>
-                <a:cs typeface="Courier New" panose="02070309020205020404" pitchFamily="49" charset="0"/>
-              </a:rPr>
-              <a:t>│</a:t>
+              <a:t>│ </a:t>
             </a:r>
           </a:p>
           <a:p>
@@ -5562,11 +6336,11 @@
               <a:buNone/>
             </a:pPr>
             <a:r>
-              <a:rPr lang="nl-NL" sz="1700" dirty="0">
+              <a:rPr lang="nl-NL" sz="1400" dirty="0">
                 <a:latin typeface="Courier New" panose="02070309020205020404" pitchFamily="49" charset="0"/>
                 <a:cs typeface="Courier New" panose="02070309020205020404" pitchFamily="49" charset="0"/>
               </a:rPr>
-              <a:t>├─ refs/</a:t>
+              <a:t>├─ HEAD</a:t>
             </a:r>
           </a:p>
           <a:p>
@@ -5577,11 +6351,11 @@
               <a:buNone/>
             </a:pPr>
             <a:r>
-              <a:rPr lang="nl-NL" sz="1700" dirty="0">
+              <a:rPr lang="nl-NL" sz="1400" dirty="0">
                 <a:latin typeface="Courier New" panose="02070309020205020404" pitchFamily="49" charset="0"/>
                 <a:cs typeface="Courier New" panose="02070309020205020404" pitchFamily="49" charset="0"/>
               </a:rPr>
-              <a:t>│  │  </a:t>
+              <a:t>│</a:t>
             </a:r>
           </a:p>
           <a:p>
@@ -5592,37 +6366,11 @@
               <a:buNone/>
             </a:pPr>
             <a:r>
-              <a:rPr lang="nl-NL" sz="1700" dirty="0">
+              <a:rPr lang="nl-NL" sz="1400" dirty="0">
                 <a:latin typeface="Courier New" panose="02070309020205020404" pitchFamily="49" charset="0"/>
                 <a:cs typeface="Courier New" panose="02070309020205020404" pitchFamily="49" charset="0"/>
               </a:rPr>
-              <a:t>│  ├─ </a:t>
-            </a:r>
-            <a:r>
-              <a:rPr lang="nl-NL" sz="1700" dirty="0" err="1">
-                <a:latin typeface="Courier New" panose="02070309020205020404" pitchFamily="49" charset="0"/>
-                <a:cs typeface="Courier New" panose="02070309020205020404" pitchFamily="49" charset="0"/>
-              </a:rPr>
-              <a:t>heads</a:t>
-            </a:r>
-            <a:endParaRPr lang="nl-NL" sz="1700" dirty="0">
-              <a:latin typeface="Courier New" panose="02070309020205020404" pitchFamily="49" charset="0"/>
-              <a:cs typeface="Courier New" panose="02070309020205020404" pitchFamily="49" charset="0"/>
-            </a:endParaRPr>
-          </a:p>
-          <a:p>
-            <a:pPr marL="0" indent="0">
-              <a:spcBef>
-                <a:spcPts val="0"/>
-              </a:spcBef>
-              <a:buNone/>
-            </a:pPr>
-            <a:r>
-              <a:rPr lang="nl-NL" sz="1700" dirty="0">
-                <a:latin typeface="Courier New" panose="02070309020205020404" pitchFamily="49" charset="0"/>
-                <a:cs typeface="Courier New" panose="02070309020205020404" pitchFamily="49" charset="0"/>
-              </a:rPr>
-              <a:t>│  │</a:t>
+              <a:t>└─ index</a:t>
             </a:r>
           </a:p>
           <a:p>
@@ -5633,127 +6381,10 @@
               <a:buFont typeface="Arial" panose="020B0604020202020204" pitchFamily="34" charset="0"/>
               <a:buNone/>
             </a:pPr>
-            <a:r>
-              <a:rPr lang="nl-NL" sz="1700" dirty="0">
-                <a:latin typeface="Courier New" panose="02070309020205020404" pitchFamily="49" charset="0"/>
-                <a:cs typeface="Courier New" panose="02070309020205020404" pitchFamily="49" charset="0"/>
-              </a:rPr>
-              <a:t>│  └─ tags</a:t>
-            </a:r>
-          </a:p>
-          <a:p>
-            <a:pPr marL="0" indent="0">
-              <a:spcBef>
-                <a:spcPts val="0"/>
-              </a:spcBef>
-              <a:buNone/>
-            </a:pPr>
-            <a:r>
-              <a:rPr lang="nl-NL" sz="1700" dirty="0">
-                <a:latin typeface="Courier New" panose="02070309020205020404" pitchFamily="49" charset="0"/>
-                <a:cs typeface="Courier New" panose="02070309020205020404" pitchFamily="49" charset="0"/>
-              </a:rPr>
-              <a:t>│</a:t>
-            </a:r>
-          </a:p>
-          <a:p>
-            <a:pPr marL="0" indent="0">
-              <a:spcBef>
-                <a:spcPts val="0"/>
-              </a:spcBef>
-              <a:buNone/>
-            </a:pPr>
-            <a:r>
-              <a:rPr lang="nl-NL" sz="1700" dirty="0">
-                <a:latin typeface="Courier New" panose="02070309020205020404" pitchFamily="49" charset="0"/>
-                <a:cs typeface="Courier New" panose="02070309020205020404" pitchFamily="49" charset="0"/>
-              </a:rPr>
-              <a:t>├─ </a:t>
-            </a:r>
-            <a:r>
-              <a:rPr lang="nl-NL" sz="1700" dirty="0" err="1">
-                <a:latin typeface="Courier New" panose="02070309020205020404" pitchFamily="49" charset="0"/>
-                <a:cs typeface="Courier New" panose="02070309020205020404" pitchFamily="49" charset="0"/>
-              </a:rPr>
-              <a:t>config</a:t>
-            </a:r>
-            <a:endParaRPr lang="nl-NL" sz="1700" dirty="0">
+            <a:endParaRPr lang="nl-NL" sz="1400" dirty="0">
               <a:latin typeface="Courier New" panose="02070309020205020404" pitchFamily="49" charset="0"/>
               <a:cs typeface="Courier New" panose="02070309020205020404" pitchFamily="49" charset="0"/>
             </a:endParaRPr>
-          </a:p>
-          <a:p>
-            <a:pPr marL="0" indent="0">
-              <a:spcBef>
-                <a:spcPts val="0"/>
-              </a:spcBef>
-              <a:buNone/>
-            </a:pPr>
-            <a:r>
-              <a:rPr lang="nl-NL" sz="1700" dirty="0">
-                <a:latin typeface="Courier New" panose="02070309020205020404" pitchFamily="49" charset="0"/>
-                <a:cs typeface="Courier New" panose="02070309020205020404" pitchFamily="49" charset="0"/>
-              </a:rPr>
-              <a:t>│</a:t>
-            </a:r>
-          </a:p>
-          <a:p>
-            <a:pPr marL="0" indent="0">
-              <a:spcBef>
-                <a:spcPts val="0"/>
-              </a:spcBef>
-              <a:buNone/>
-            </a:pPr>
-            <a:r>
-              <a:rPr lang="nl-NL" sz="1700" dirty="0">
-                <a:latin typeface="Courier New" panose="02070309020205020404" pitchFamily="49" charset="0"/>
-                <a:cs typeface="Courier New" panose="02070309020205020404" pitchFamily="49" charset="0"/>
-              </a:rPr>
-              <a:t>├─ </a:t>
-            </a:r>
-            <a:r>
-              <a:rPr lang="nl-NL" sz="1700" dirty="0" err="1">
-                <a:latin typeface="Courier New" panose="02070309020205020404" pitchFamily="49" charset="0"/>
-                <a:cs typeface="Courier New" panose="02070309020205020404" pitchFamily="49" charset="0"/>
-              </a:rPr>
-              <a:t>description</a:t>
-            </a:r>
-            <a:endParaRPr lang="nl-NL" sz="1700" dirty="0">
-              <a:latin typeface="Courier New" panose="02070309020205020404" pitchFamily="49" charset="0"/>
-              <a:cs typeface="Courier New" panose="02070309020205020404" pitchFamily="49" charset="0"/>
-            </a:endParaRPr>
-          </a:p>
-          <a:p>
-            <a:pPr marL="0" indent="0">
-              <a:spcBef>
-                <a:spcPts val="0"/>
-              </a:spcBef>
-              <a:buFont typeface="Arial" panose="020B0604020202020204" pitchFamily="34" charset="0"/>
-              <a:buNone/>
-            </a:pPr>
-            <a:r>
-              <a:rPr lang="nl-NL" sz="1700" dirty="0">
-                <a:latin typeface="Courier New" panose="02070309020205020404" pitchFamily="49" charset="0"/>
-                <a:cs typeface="Courier New" panose="02070309020205020404" pitchFamily="49" charset="0"/>
-              </a:rPr>
-              <a:t>│ </a:t>
-            </a:r>
-          </a:p>
-          <a:p>
-            <a:pPr marL="0" indent="0">
-              <a:spcBef>
-                <a:spcPts val="0"/>
-              </a:spcBef>
-              <a:buFont typeface="Arial" panose="020B0604020202020204" pitchFamily="34" charset="0"/>
-              <a:buNone/>
-            </a:pPr>
-            <a:r>
-              <a:rPr lang="nl-NL" sz="1700" dirty="0">
-                <a:latin typeface="Courier New" panose="02070309020205020404" pitchFamily="49" charset="0"/>
-                <a:cs typeface="Courier New" panose="02070309020205020404" pitchFamily="49" charset="0"/>
-              </a:rPr>
-              <a:t>└─ HEAD</a:t>
-            </a:r>
           </a:p>
         </p:txBody>
       </p:sp>
@@ -5775,8 +6406,8 @@
         </p:nvSpPr>
         <p:spPr>
           <a:xfrm>
-            <a:off x="3516923" y="1456266"/>
-            <a:ext cx="7836877" cy="4923431"/>
+            <a:off x="3298873" y="1456266"/>
+            <a:ext cx="8054927" cy="4923431"/>
           </a:xfrm>
         </p:spPr>
         <p:txBody>
@@ -5786,62 +6417,53 @@
           <a:lstStyle/>
           <a:p>
             <a:pPr marL="0" indent="0">
-              <a:lnSpc>
-                <a:spcPct val="80000"/>
-              </a:lnSpc>
               <a:spcBef>
                 <a:spcPts val="0"/>
               </a:spcBef>
               <a:buNone/>
             </a:pPr>
-            <a:endParaRPr lang="nl-NL" sz="1700" dirty="0">
+            <a:endParaRPr lang="nl-NL" sz="1400" dirty="0">
               <a:cs typeface="Courier New" panose="02070309020205020404" pitchFamily="49" charset="0"/>
             </a:endParaRPr>
           </a:p>
           <a:p>
             <a:pPr marL="0" indent="0">
-              <a:lnSpc>
-                <a:spcPct val="80000"/>
-              </a:lnSpc>
               <a:spcBef>
                 <a:spcPts val="0"/>
               </a:spcBef>
               <a:buNone/>
             </a:pPr>
-            <a:endParaRPr lang="nl-NL" sz="1700" noProof="0" dirty="0">
+            <a:endParaRPr lang="nl-NL" sz="1400" noProof="0" dirty="0">
               <a:cs typeface="Courier New" panose="02070309020205020404" pitchFamily="49" charset="0"/>
             </a:endParaRPr>
           </a:p>
           <a:p>
             <a:pPr marL="0" indent="0">
-              <a:lnSpc>
-                <a:spcPct val="80000"/>
-              </a:lnSpc>
               <a:spcBef>
                 <a:spcPts val="0"/>
               </a:spcBef>
               <a:buNone/>
             </a:pPr>
             <a:r>
-              <a:rPr lang="nl-NL" sz="1700" noProof="0" dirty="0">
+              <a:rPr lang="nl-NL" sz="1400" noProof="0" dirty="0">
                 <a:cs typeface="Courier New" panose="02070309020205020404" pitchFamily="49" charset="0"/>
               </a:rPr>
               <a:t>Scripts </a:t>
             </a:r>
             <a:r>
-              <a:rPr lang="nl-NL" sz="1700" dirty="0">
+              <a:rPr lang="nl-NL" sz="1400" dirty="0">
                 <a:cs typeface="Courier New" panose="02070309020205020404" pitchFamily="49" charset="0"/>
               </a:rPr>
               <a:t>om checks uit te voeren op een </a:t>
             </a:r>
             <a:r>
-              <a:rPr lang="nl-NL" sz="1700" dirty="0" err="1">
+              <a:rPr lang="nl-NL" sz="1400" dirty="0" err="1">
                 <a:cs typeface="Courier New" panose="02070309020205020404" pitchFamily="49" charset="0"/>
               </a:rPr>
               <a:t>commit</a:t>
             </a:r>
             <a:r>
-              <a:rPr lang="nl-NL" sz="1700" dirty="0">
+              <a:rPr lang="nl-NL" sz="1400" dirty="0">
                 <a:cs typeface="Courier New" panose="02070309020205020404" pitchFamily="49" charset="0"/>
               </a:rPr>
               <a:t>.</a:t>
@@ -5849,196 +6471,76 @@
           </a:p>
           <a:p>
             <a:pPr marL="0" indent="0">
-              <a:lnSpc>
-                <a:spcPct val="80000"/>
-              </a:lnSpc>
               <a:spcBef>
                 <a:spcPts val="0"/>
               </a:spcBef>
               <a:buNone/>
             </a:pPr>
-            <a:endParaRPr lang="nl-NL" sz="1700" noProof="0" dirty="0">
+            <a:endParaRPr lang="nl-NL" sz="1400" dirty="0">
               <a:cs typeface="Courier New" panose="02070309020205020404" pitchFamily="49" charset="0"/>
             </a:endParaRPr>
           </a:p>
           <a:p>
             <a:pPr marL="0" indent="0">
-              <a:lnSpc>
-                <a:spcPct val="80000"/>
-              </a:lnSpc>
               <a:spcBef>
                 <a:spcPts val="0"/>
               </a:spcBef>
               <a:buNone/>
             </a:pPr>
-            <a:endParaRPr lang="nl-NL" sz="1700" noProof="0" dirty="0">
+            <a:r>
+              <a:rPr lang="nl-NL" sz="1400" dirty="0">
+                <a:cs typeface="Courier New" panose="02070309020205020404" pitchFamily="49" charset="0"/>
+              </a:rPr>
+              <a:t>Objecten die opgeslagen wijzigingen vastleggen</a:t>
+            </a:r>
+            <a:r>
+              <a:rPr lang="nl-NL" sz="1400" noProof="0" dirty="0">
+                <a:cs typeface="Courier New" panose="02070309020205020404" pitchFamily="49" charset="0"/>
+              </a:rPr>
+              <a:t>.</a:t>
+            </a:r>
+            <a:endParaRPr lang="nl-NL" sz="1400" dirty="0">
               <a:cs typeface="Courier New" panose="02070309020205020404" pitchFamily="49" charset="0"/>
             </a:endParaRPr>
           </a:p>
           <a:p>
             <a:pPr marL="0" indent="0">
-              <a:lnSpc>
-                <a:spcPct val="80000"/>
-              </a:lnSpc>
               <a:spcBef>
                 <a:spcPts val="0"/>
               </a:spcBef>
               <a:buNone/>
             </a:pPr>
-            <a:endParaRPr lang="nl-NL" sz="1700" dirty="0">
+            <a:endParaRPr lang="nl-NL" sz="1400" noProof="0" dirty="0">
               <a:cs typeface="Courier New" panose="02070309020205020404" pitchFamily="49" charset="0"/>
             </a:endParaRPr>
           </a:p>
           <a:p>
             <a:pPr marL="0" indent="0">
-              <a:lnSpc>
-                <a:spcPct val="80000"/>
-              </a:lnSpc>
               <a:spcBef>
                 <a:spcPts val="0"/>
               </a:spcBef>
               <a:buNone/>
             </a:pPr>
             <a:r>
-              <a:rPr lang="nl-NL" sz="1700" noProof="0" dirty="0">
+              <a:rPr lang="nl-NL" sz="1400" noProof="0" dirty="0">
                 <a:cs typeface="Courier New" panose="02070309020205020404" pitchFamily="49" charset="0"/>
               </a:rPr>
-              <a:t>Bestanden om te negeren (alleen lokaal).</a:t>
-            </a:r>
-            <a:endParaRPr lang="nl-NL" sz="1700" dirty="0">
-              <a:cs typeface="Courier New" panose="02070309020205020404" pitchFamily="49" charset="0"/>
-            </a:endParaRPr>
+              <a:t>Verwijzingen naar:</a:t>
+            </a:r>
           </a:p>
           <a:p>
             <a:pPr marL="0" indent="0">
-              <a:lnSpc>
-                <a:spcPct val="80000"/>
-              </a:lnSpc>
               <a:spcBef>
                 <a:spcPts val="0"/>
               </a:spcBef>
               <a:buNone/>
             </a:pPr>
-            <a:endParaRPr lang="nl-NL" sz="1700" noProof="0" dirty="0">
+            <a:endParaRPr lang="nl-NL" sz="1400" dirty="0">
               <a:cs typeface="Courier New" panose="02070309020205020404" pitchFamily="49" charset="0"/>
             </a:endParaRPr>
           </a:p>
           <a:p>
-            <a:pPr marL="0" indent="0">
-              <a:lnSpc>
-                <a:spcPct val="80000"/>
-              </a:lnSpc>
-              <a:spcBef>
-                <a:spcPts val="0"/>
-              </a:spcBef>
-              <a:buNone/>
-            </a:pPr>
-            <a:endParaRPr lang="nl-NL" sz="1700" noProof="0" dirty="0">
-              <a:cs typeface="Courier New" panose="02070309020205020404" pitchFamily="49" charset="0"/>
-            </a:endParaRPr>
-          </a:p>
-          <a:p>
-            <a:pPr marL="0" indent="0">
-              <a:lnSpc>
-                <a:spcPct val="80000"/>
-              </a:lnSpc>
-              <a:spcBef>
-                <a:spcPts val="0"/>
-              </a:spcBef>
-              <a:buNone/>
-            </a:pPr>
-            <a:r>
-              <a:rPr lang="nl-NL" sz="1700" dirty="0">
-                <a:cs typeface="Courier New" panose="02070309020205020404" pitchFamily="49" charset="0"/>
-              </a:rPr>
-              <a:t>Objecten die opgeslagen wijzigingen vastleggen</a:t>
-            </a:r>
-            <a:r>
-              <a:rPr lang="nl-NL" sz="1700" noProof="0" dirty="0">
-                <a:cs typeface="Courier New" panose="02070309020205020404" pitchFamily="49" charset="0"/>
-              </a:rPr>
-              <a:t>.</a:t>
-            </a:r>
-            <a:endParaRPr lang="nl-NL" sz="1700" dirty="0">
-              <a:cs typeface="Courier New" panose="02070309020205020404" pitchFamily="49" charset="0"/>
-            </a:endParaRPr>
-          </a:p>
-          <a:p>
-            <a:pPr marL="0" indent="0">
-              <a:lnSpc>
-                <a:spcPct val="80000"/>
-              </a:lnSpc>
-              <a:spcBef>
-                <a:spcPts val="0"/>
-              </a:spcBef>
-              <a:buNone/>
-            </a:pPr>
-            <a:endParaRPr lang="nl-NL" sz="1700" noProof="0" dirty="0">
-              <a:cs typeface="Courier New" panose="02070309020205020404" pitchFamily="49" charset="0"/>
-            </a:endParaRPr>
-          </a:p>
-          <a:p>
-            <a:pPr marL="0" indent="0">
-              <a:lnSpc>
-                <a:spcPct val="80000"/>
-              </a:lnSpc>
-              <a:spcBef>
-                <a:spcPts val="0"/>
-              </a:spcBef>
-              <a:buNone/>
-            </a:pPr>
-            <a:endParaRPr lang="nl-NL" sz="1700" noProof="0" dirty="0">
-              <a:cs typeface="Courier New" panose="02070309020205020404" pitchFamily="49" charset="0"/>
-            </a:endParaRPr>
-          </a:p>
-          <a:p>
-            <a:pPr marL="0" indent="0">
-              <a:lnSpc>
-                <a:spcPct val="80000"/>
-              </a:lnSpc>
-              <a:spcBef>
-                <a:spcPts val="0"/>
-              </a:spcBef>
-              <a:buNone/>
-            </a:pPr>
-            <a:r>
-              <a:rPr lang="nl-NL" sz="1700" noProof="0" dirty="0">
-                <a:cs typeface="Courier New" panose="02070309020205020404" pitchFamily="49" charset="0"/>
-              </a:rPr>
-              <a:t>Verwijzingen naar </a:t>
-            </a:r>
-            <a:r>
-              <a:rPr lang="nl-NL" sz="1700" noProof="0" dirty="0" err="1">
-                <a:cs typeface="Courier New" panose="02070309020205020404" pitchFamily="49" charset="0"/>
-              </a:rPr>
-              <a:t>commits</a:t>
-            </a:r>
-            <a:r>
-              <a:rPr lang="nl-NL" sz="1700" noProof="0" dirty="0">
-                <a:cs typeface="Courier New" panose="02070309020205020404" pitchFamily="49" charset="0"/>
-              </a:rPr>
-              <a:t>:</a:t>
-            </a:r>
-          </a:p>
-          <a:p>
-            <a:pPr marL="0" indent="0">
-              <a:lnSpc>
-                <a:spcPct val="80000"/>
-              </a:lnSpc>
-              <a:spcBef>
-                <a:spcPts val="0"/>
-              </a:spcBef>
-              <a:buNone/>
-            </a:pPr>
-            <a:endParaRPr lang="nl-NL" sz="1700" dirty="0">
-              <a:cs typeface="Courier New" panose="02070309020205020404" pitchFamily="49" charset="0"/>
-            </a:endParaRPr>
-          </a:p>
-          <a:p>
-            <a:pPr>
-              <a:lnSpc>
-                <a:spcPct val="80000"/>
-              </a:lnSpc>
+            <a:pPr marL="0">
               <a:spcBef>
                 <a:spcPts val="0"/>
               </a:spcBef>
@@ -6046,32 +6548,26 @@
               <a:buChar char="-"/>
             </a:pPr>
             <a:r>
-              <a:rPr lang="nl-NL" sz="1700" noProof="0" dirty="0">
+              <a:rPr lang="nl-NL" sz="1400" noProof="0" dirty="0">
                 <a:cs typeface="Courier New" panose="02070309020205020404" pitchFamily="49" charset="0"/>
               </a:rPr>
               <a:t>branches</a:t>
             </a:r>
           </a:p>
           <a:p>
-            <a:pPr>
-              <a:lnSpc>
-                <a:spcPct val="80000"/>
-              </a:lnSpc>
+            <a:pPr marL="0">
               <a:spcBef>
                 <a:spcPts val="0"/>
               </a:spcBef>
               <a:buFontTx/>
               <a:buChar char="-"/>
             </a:pPr>
-            <a:endParaRPr lang="nl-NL" sz="1700" dirty="0">
+            <a:endParaRPr lang="nl-NL" sz="1400" noProof="0" dirty="0">
               <a:cs typeface="Courier New" panose="02070309020205020404" pitchFamily="49" charset="0"/>
             </a:endParaRPr>
           </a:p>
           <a:p>
-            <a:pPr>
-              <a:lnSpc>
-                <a:spcPct val="80000"/>
-              </a:lnSpc>
+            <a:pPr marL="0">
               <a:spcBef>
                 <a:spcPts val="0"/>
               </a:spcBef>
@@ -6079,153 +6575,182 @@
               <a:buChar char="-"/>
             </a:pPr>
             <a:r>
-              <a:rPr lang="nl-NL" sz="1700" noProof="0" dirty="0">
+              <a:rPr lang="nl-NL" sz="1400" dirty="0">
                 <a:cs typeface="Courier New" panose="02070309020205020404" pitchFamily="49" charset="0"/>
               </a:rPr>
-              <a:t>tags</a:t>
-            </a:r>
-            <a:endParaRPr lang="nl-NL" sz="1700" dirty="0">
+              <a:t>remote servers</a:t>
+            </a:r>
+            <a:endParaRPr lang="nl-NL" sz="1400" noProof="0" dirty="0">
               <a:cs typeface="Courier New" panose="02070309020205020404" pitchFamily="49" charset="0"/>
             </a:endParaRPr>
           </a:p>
           <a:p>
+            <a:pPr marL="0">
+              <a:spcBef>
+                <a:spcPts val="0"/>
+              </a:spcBef>
+              <a:buFontTx/>
+              <a:buChar char="-"/>
+            </a:pPr>
+            <a:endParaRPr lang="nl-NL" sz="1400" dirty="0">
+              <a:cs typeface="Courier New" panose="02070309020205020404" pitchFamily="49" charset="0"/>
+            </a:endParaRPr>
+          </a:p>
+          <a:p>
+            <a:pPr marL="0">
+              <a:spcBef>
+                <a:spcPts val="0"/>
+              </a:spcBef>
+              <a:buFontTx/>
+              <a:buChar char="-"/>
+            </a:pPr>
+            <a:r>
+              <a:rPr lang="nl-NL" sz="1400" noProof="0" dirty="0">
+                <a:cs typeface="Courier New" panose="02070309020205020404" pitchFamily="49" charset="0"/>
+              </a:rPr>
+              <a:t>tags</a:t>
+            </a:r>
+            <a:endParaRPr lang="nl-NL" sz="1400" dirty="0">
+              <a:cs typeface="Courier New" panose="02070309020205020404" pitchFamily="49" charset="0"/>
+            </a:endParaRPr>
+          </a:p>
+          <a:p>
             <a:pPr marL="0" indent="0">
-              <a:lnSpc>
-                <a:spcPct val="80000"/>
-              </a:lnSpc>
               <a:spcBef>
                 <a:spcPts val="0"/>
               </a:spcBef>
               <a:buNone/>
             </a:pPr>
-            <a:endParaRPr lang="nl-NL" sz="1700" noProof="0" dirty="0">
+            <a:endParaRPr lang="nl-NL" sz="1400" noProof="0" dirty="0">
               <a:cs typeface="Courier New" panose="02070309020205020404" pitchFamily="49" charset="0"/>
             </a:endParaRPr>
           </a:p>
           <a:p>
             <a:pPr marL="0" indent="0">
-              <a:lnSpc>
-                <a:spcPct val="80000"/>
-              </a:lnSpc>
               <a:spcBef>
                 <a:spcPts val="0"/>
               </a:spcBef>
               <a:buNone/>
             </a:pPr>
-            <a:r>
-              <a:rPr lang="nl-NL" sz="1700" noProof="0" dirty="0">
-                <a:cs typeface="Courier New" panose="02070309020205020404" pitchFamily="49" charset="0"/>
-              </a:rPr>
-              <a:t>Lokale configuratie, zoals auteursnaam en e-mail.</a:t>
-            </a:r>
+            <a:endParaRPr lang="nl-NL" sz="1400" noProof="0" dirty="0">
+              <a:cs typeface="Courier New" panose="02070309020205020404" pitchFamily="49" charset="0"/>
+            </a:endParaRPr>
           </a:p>
           <a:p>
             <a:pPr marL="0" indent="0">
-              <a:lnSpc>
-                <a:spcPct val="80000"/>
-              </a:lnSpc>
               <a:spcBef>
                 <a:spcPts val="0"/>
               </a:spcBef>
               <a:buNone/>
             </a:pPr>
-            <a:endParaRPr lang="nl-NL" sz="1700" noProof="0" dirty="0">
-              <a:cs typeface="Courier New" panose="02070309020205020404" pitchFamily="49" charset="0"/>
-            </a:endParaRPr>
+            <a:r>
+              <a:rPr lang="nl-NL" sz="1400" noProof="0" dirty="0">
+                <a:cs typeface="Courier New" panose="02070309020205020404" pitchFamily="49" charset="0"/>
+              </a:rPr>
+              <a:t>Lokale configuratie, zoals auteursnaam en e-mail.</a:t>
+            </a:r>
           </a:p>
           <a:p>
             <a:pPr marL="0" indent="0">
-              <a:lnSpc>
-                <a:spcPct val="80000"/>
-              </a:lnSpc>
               <a:spcBef>
                 <a:spcPts val="0"/>
               </a:spcBef>
               <a:buNone/>
             </a:pPr>
-            <a:r>
-              <a:rPr lang="nl-NL" sz="1700" noProof="0" dirty="0">
-                <a:cs typeface="Courier New" panose="02070309020205020404" pitchFamily="49" charset="0"/>
-              </a:rPr>
-              <a:t>Beschrijvende informatie over het repository.</a:t>
-            </a:r>
-            <a:endParaRPr lang="nl-NL" sz="1700" dirty="0">
+            <a:endParaRPr lang="nl-NL" sz="1400" noProof="0" dirty="0">
               <a:cs typeface="Courier New" panose="02070309020205020404" pitchFamily="49" charset="0"/>
             </a:endParaRPr>
           </a:p>
           <a:p>
             <a:pPr marL="0" indent="0">
-              <a:lnSpc>
-                <a:spcPct val="80000"/>
-              </a:lnSpc>
               <a:spcBef>
                 <a:spcPts val="0"/>
               </a:spcBef>
               <a:buNone/>
             </a:pPr>
-            <a:endParaRPr lang="nl-NL" sz="1700" noProof="0" dirty="0">
+            <a:r>
+              <a:rPr lang="nl-NL" sz="1400" noProof="0" dirty="0">
+                <a:cs typeface="Courier New" panose="02070309020205020404" pitchFamily="49" charset="0"/>
+              </a:rPr>
+              <a:t>Beschrijvende informatie over het repository.</a:t>
+            </a:r>
+            <a:endParaRPr lang="nl-NL" sz="1400" dirty="0">
               <a:cs typeface="Courier New" panose="02070309020205020404" pitchFamily="49" charset="0"/>
             </a:endParaRPr>
           </a:p>
           <a:p>
             <a:pPr marL="0" indent="0">
-              <a:lnSpc>
-                <a:spcPct val="80000"/>
-              </a:lnSpc>
               <a:spcBef>
                 <a:spcPts val="0"/>
               </a:spcBef>
               <a:buNone/>
             </a:pPr>
-            <a:r>
-              <a:rPr lang="nl-NL" sz="1700" noProof="0" dirty="0">
-                <a:cs typeface="Courier New" panose="02070309020205020404" pitchFamily="49" charset="0"/>
-              </a:rPr>
-              <a:t>Verwijzing naar laatste </a:t>
-            </a:r>
-            <a:r>
-              <a:rPr lang="nl-NL" sz="1700" noProof="0" dirty="0" err="1">
-                <a:cs typeface="Courier New" panose="02070309020205020404" pitchFamily="49" charset="0"/>
-              </a:rPr>
-              <a:t>commit</a:t>
-            </a:r>
-            <a:r>
-              <a:rPr lang="nl-NL" sz="1700" noProof="0" dirty="0">
-                <a:cs typeface="Courier New" panose="02070309020205020404" pitchFamily="49" charset="0"/>
-              </a:rPr>
-              <a:t>.</a:t>
-            </a:r>
-            <a:endParaRPr lang="nl-NL" sz="1700" dirty="0">
+            <a:endParaRPr lang="nl-NL" sz="1400" noProof="0" dirty="0">
               <a:cs typeface="Courier New" panose="02070309020205020404" pitchFamily="49" charset="0"/>
             </a:endParaRPr>
           </a:p>
           <a:p>
             <a:pPr marL="0" indent="0">
-              <a:lnSpc>
-                <a:spcPct val="80000"/>
-              </a:lnSpc>
               <a:spcBef>
                 <a:spcPts val="0"/>
               </a:spcBef>
               <a:buNone/>
             </a:pPr>
-            <a:endParaRPr lang="nl-NL" sz="1700" dirty="0">
-              <a:cs typeface="Courier New" panose="02070309020205020404" pitchFamily="49" charset="0"/>
-            </a:endParaRPr>
+            <a:r>
+              <a:rPr lang="nl-NL" sz="1400" noProof="0" dirty="0">
+                <a:cs typeface="Courier New" panose="02070309020205020404" pitchFamily="49" charset="0"/>
+              </a:rPr>
+              <a:t>Verwijzing naar huidige </a:t>
+            </a:r>
+            <a:r>
+              <a:rPr lang="nl-NL" sz="1400" noProof="0" dirty="0" err="1">
+                <a:cs typeface="Courier New" panose="02070309020205020404" pitchFamily="49" charset="0"/>
+              </a:rPr>
+              <a:t>branch</a:t>
+            </a:r>
+            <a:r>
+              <a:rPr lang="nl-NL" sz="1400" noProof="0" dirty="0">
+                <a:cs typeface="Courier New" panose="02070309020205020404" pitchFamily="49" charset="0"/>
+              </a:rPr>
+              <a:t>.</a:t>
+            </a:r>
           </a:p>
           <a:p>
             <a:pPr marL="0" indent="0">
-              <a:lnSpc>
-                <a:spcPct val="80000"/>
-              </a:lnSpc>
               <a:spcBef>
                 <a:spcPts val="0"/>
               </a:spcBef>
               <a:buNone/>
             </a:pPr>
-            <a:endParaRPr lang="nl-NL" sz="1700" noProof="0" dirty="0">
+            <a:endParaRPr lang="nl-NL" sz="1400" noProof="0" dirty="0">
               <a:cs typeface="Courier New" panose="02070309020205020404" pitchFamily="49" charset="0"/>
             </a:endParaRPr>
+          </a:p>
+          <a:p>
+            <a:pPr marL="0" indent="0">
+              <a:spcBef>
+                <a:spcPts val="0"/>
+              </a:spcBef>
+              <a:buNone/>
+            </a:pPr>
+            <a:r>
+              <a:rPr lang="nl-NL" sz="1400" dirty="0">
+                <a:cs typeface="Courier New" panose="02070309020205020404" pitchFamily="49" charset="0"/>
+              </a:rPr>
+              <a:t>Index of </a:t>
+            </a:r>
+            <a:r>
+              <a:rPr lang="nl-NL" sz="1400" dirty="0" err="1">
+                <a:cs typeface="Courier New" panose="02070309020205020404" pitchFamily="49" charset="0"/>
+              </a:rPr>
+              <a:t>staging</a:t>
+            </a:r>
+            <a:r>
+              <a:rPr lang="nl-NL" sz="1400" dirty="0">
+                <a:cs typeface="Courier New" panose="02070309020205020404" pitchFamily="49" charset="0"/>
+              </a:rPr>
+              <a:t> area</a:t>
+            </a:r>
           </a:p>
         </p:txBody>
       </p:sp>
@@ -6242,7 +6767,7 @@
 </p:sld>
 </file>
 
-<file path=ppt/slides/slide11.xml><?xml version="1.0" encoding="utf-8"?>
+<file path=ppt/slides/slide12.xml><?xml version="1.0" encoding="utf-8"?>
 <p:sld xmlns:a="http://schemas.openxmlformats.org/drawingml/2006/main" xmlns:r="http://schemas.openxmlformats.org/officeDocument/2006/relationships" xmlns:p="http://schemas.openxmlformats.org/presentationml/2006/main">
   <p:cSld>
     <p:spTree>
@@ -6621,7 +7146,7 @@
 </p:sld>
 </file>
 
-<file path=ppt/slides/slide12.xml><?xml version="1.0" encoding="utf-8"?>
+<file path=ppt/slides/slide13.xml><?xml version="1.0" encoding="utf-8"?>
 <p:sld xmlns:a="http://schemas.openxmlformats.org/drawingml/2006/main" xmlns:r="http://schemas.openxmlformats.org/officeDocument/2006/relationships" xmlns:p="http://schemas.openxmlformats.org/presentationml/2006/main">
   <p:cSld>
     <p:spTree>
@@ -7323,7 +7848,7 @@
 </p:sld>
 </file>
 
-<file path=ppt/slides/slide13.xml><?xml version="1.0" encoding="utf-8"?>
+<file path=ppt/slides/slide14.xml><?xml version="1.0" encoding="utf-8"?>
 <p:sld xmlns:a="http://schemas.openxmlformats.org/drawingml/2006/main" xmlns:r="http://schemas.openxmlformats.org/officeDocument/2006/relationships" xmlns:p="http://schemas.openxmlformats.org/presentationml/2006/main">
   <p:cSld>
     <p:spTree>
@@ -8080,6 +8605,14 @@
               <a:lumOff val="80000"/>
             </a:schemeClr>
           </a:solidFill>
+          <a:ln>
+            <a:solidFill>
+              <a:schemeClr val="accent4">
+                <a:lumMod val="60000"/>
+                <a:lumOff val="40000"/>
+              </a:schemeClr>
+            </a:solidFill>
+          </a:ln>
         </p:spPr>
         <p:style>
           <a:lnRef idx="2">
@@ -8174,7 +8707,7 @@
 </p:sld>
 </file>
 
-<file path=ppt/slides/slide14.xml><?xml version="1.0" encoding="utf-8"?>
+<file path=ppt/slides/slide15.xml><?xml version="1.0" encoding="utf-8"?>
 <p:sld xmlns:a="http://schemas.openxmlformats.org/drawingml/2006/main" xmlns:r="http://schemas.openxmlformats.org/officeDocument/2006/relationships" xmlns:p="http://schemas.openxmlformats.org/presentationml/2006/main">
   <p:cSld>
     <p:spTree>
@@ -8932,6 +9465,14 @@
               <a:lumOff val="80000"/>
             </a:schemeClr>
           </a:solidFill>
+          <a:ln>
+            <a:solidFill>
+              <a:schemeClr val="accent4">
+                <a:lumMod val="60000"/>
+                <a:lumOff val="40000"/>
+              </a:schemeClr>
+            </a:solidFill>
+          </a:ln>
         </p:spPr>
         <p:style>
           <a:lnRef idx="2">
@@ -9076,7 +9617,96 @@
 </p:sld>
 </file>
 
-<file path=ppt/slides/slide15.xml><?xml version="1.0" encoding="utf-8"?>
+<file path=ppt/slides/slide16.xml><?xml version="1.0" encoding="utf-8"?>
+<p:sld xmlns:a="http://schemas.openxmlformats.org/drawingml/2006/main" xmlns:r="http://schemas.openxmlformats.org/officeDocument/2006/relationships" xmlns:p="http://schemas.openxmlformats.org/presentationml/2006/main">
+  <p:cSld>
+    <p:spTree>
+      <p:nvGrpSpPr>
+        <p:cNvPr id="1" name="">
+          <a:extLst>
+            <a:ext uri="{FF2B5EF4-FFF2-40B4-BE49-F238E27FC236}">
+              <a16:creationId xmlns:a16="http://schemas.microsoft.com/office/drawing/2014/main" id="{53350AC3-44D2-125F-C901-74E8A6F61E54}"/>
+            </a:ext>
+          </a:extLst>
+        </p:cNvPr>
+        <p:cNvGrpSpPr/>
+        <p:nvPr/>
+      </p:nvGrpSpPr>
+      <p:grpSpPr>
+        <a:xfrm>
+          <a:off x="0" y="0"/>
+          <a:ext cx="0" cy="0"/>
+          <a:chOff x="0" y="0"/>
+          <a:chExt cx="0" cy="0"/>
+        </a:xfrm>
+      </p:grpSpPr>
+      <p:sp>
+        <p:nvSpPr>
+          <p:cNvPr id="4" name="Title 3">
+            <a:extLst>
+              <a:ext uri="{FF2B5EF4-FFF2-40B4-BE49-F238E27FC236}">
+                <a16:creationId xmlns:a16="http://schemas.microsoft.com/office/drawing/2014/main" id="{09C9436C-DC36-00A0-18E7-6B9DD57D93A7}"/>
+              </a:ext>
+            </a:extLst>
+          </p:cNvPr>
+          <p:cNvSpPr>
+            <a:spLocks noGrp="1"/>
+          </p:cNvSpPr>
+          <p:nvPr>
+            <p:ph type="title"/>
+          </p:nvPr>
+        </p:nvSpPr>
+        <p:spPr/>
+        <p:txBody>
+          <a:bodyPr/>
+          <a:lstStyle/>
+          <a:p>
+            <a:r>
+              <a:rPr lang="nl-NL" noProof="0" dirty="0"/>
+              <a:t>Branches</a:t>
+            </a:r>
+          </a:p>
+        </p:txBody>
+      </p:sp>
+      <p:sp>
+        <p:nvSpPr>
+          <p:cNvPr id="5" name="Text Placeholder 4">
+            <a:extLst>
+              <a:ext uri="{FF2B5EF4-FFF2-40B4-BE49-F238E27FC236}">
+                <a16:creationId xmlns:a16="http://schemas.microsoft.com/office/drawing/2014/main" id="{DEB61E79-1961-C560-A7F0-B064C69A128C}"/>
+              </a:ext>
+            </a:extLst>
+          </p:cNvPr>
+          <p:cNvSpPr>
+            <a:spLocks noGrp="1"/>
+          </p:cNvSpPr>
+          <p:nvPr>
+            <p:ph type="body" idx="1"/>
+          </p:nvPr>
+        </p:nvSpPr>
+        <p:spPr/>
+        <p:txBody>
+          <a:bodyPr/>
+          <a:lstStyle/>
+          <a:p>
+            <a:endParaRPr lang="en-NL"/>
+          </a:p>
+        </p:txBody>
+      </p:sp>
+    </p:spTree>
+    <p:extLst>
+      <p:ext uri="{BB962C8B-B14F-4D97-AF65-F5344CB8AC3E}">
+        <p14:creationId xmlns:p14="http://schemas.microsoft.com/office/powerpoint/2010/main" val="3051769913"/>
+      </p:ext>
+    </p:extLst>
+  </p:cSld>
+  <p:clrMapOvr>
+    <a:masterClrMapping/>
+  </p:clrMapOvr>
+</p:sld>
+</file>
+
+<file path=ppt/slides/slide17.xml><?xml version="1.0" encoding="utf-8"?>
 <p:sld xmlns:a="http://schemas.openxmlformats.org/drawingml/2006/main" xmlns:r="http://schemas.openxmlformats.org/officeDocument/2006/relationships" xmlns:p="http://schemas.openxmlformats.org/presentationml/2006/main">
   <p:cSld>
     <p:spTree>
@@ -9128,68 +9758,28 @@
           <a:lstStyle/>
           <a:p>
             <a:r>
-              <a:rPr lang="nl-NL" sz="3600" noProof="0"/>
-              <a:t>Aftakkingen</a:t>
-            </a:r>
-            <a:endParaRPr lang="nl-NL" sz="3600" noProof="0" dirty="0"/>
+              <a:rPr lang="nl-NL" sz="3600" noProof="0" dirty="0"/>
+              <a:t>Branches</a:t>
+            </a:r>
           </a:p>
         </p:txBody>
       </p:sp>
-      <p:cxnSp>
-        <p:nvCxnSpPr>
-          <p:cNvPr id="5" name="Straight Arrow Connector 4">
-            <a:extLst>
-              <a:ext uri="{FF2B5EF4-FFF2-40B4-BE49-F238E27FC236}">
-                <a16:creationId xmlns:a16="http://schemas.microsoft.com/office/drawing/2014/main" id="{F1E61747-4C7D-39D7-DA69-5DBED9506B5A}"/>
-              </a:ext>
-            </a:extLst>
-          </p:cNvPr>
-          <p:cNvCxnSpPr/>
+      <p:sp>
+        <p:nvSpPr>
+          <p:cNvPr id="6" name="TextBox 5">
+            <a:extLst>
+              <a:ext uri="{FF2B5EF4-FFF2-40B4-BE49-F238E27FC236}">
+                <a16:creationId xmlns:a16="http://schemas.microsoft.com/office/drawing/2014/main" id="{5C342943-A9E9-E611-747C-E1F8748B6CB9}"/>
+              </a:ext>
+            </a:extLst>
+          </p:cNvPr>
+          <p:cNvSpPr txBox="1"/>
           <p:nvPr/>
-        </p:nvCxnSpPr>
+        </p:nvSpPr>
         <p:spPr>
           <a:xfrm>
-            <a:off x="957943" y="2133602"/>
-            <a:ext cx="9953898" cy="0"/>
-          </a:xfrm>
-          <a:prstGeom prst="straightConnector1">
-            <a:avLst/>
-          </a:prstGeom>
-          <a:ln>
-            <a:tailEnd type="triangle"/>
-          </a:ln>
-        </p:spPr>
-        <p:style>
-          <a:lnRef idx="3">
-            <a:schemeClr val="dk1"/>
-          </a:lnRef>
-          <a:fillRef idx="0">
-            <a:schemeClr val="dk1"/>
-          </a:fillRef>
-          <a:effectRef idx="2">
-            <a:schemeClr val="dk1"/>
-          </a:effectRef>
-          <a:fontRef idx="minor">
-            <a:schemeClr val="tx1"/>
-          </a:fontRef>
-        </p:style>
-      </p:cxnSp>
-      <p:sp>
-        <p:nvSpPr>
-          <p:cNvPr id="6" name="TextBox 5">
-            <a:extLst>
-              <a:ext uri="{FF2B5EF4-FFF2-40B4-BE49-F238E27FC236}">
-                <a16:creationId xmlns:a16="http://schemas.microsoft.com/office/drawing/2014/main" id="{5C342943-A9E9-E611-747C-E1F8748B6CB9}"/>
-              </a:ext>
-            </a:extLst>
-          </p:cNvPr>
-          <p:cNvSpPr txBox="1"/>
-          <p:nvPr/>
-        </p:nvSpPr>
-        <p:spPr>
-          <a:xfrm>
-            <a:off x="957943" y="1349829"/>
-            <a:ext cx="9953898" cy="400110"/>
+            <a:off x="838200" y="2362702"/>
+            <a:ext cx="5984463" cy="400110"/>
           </a:xfrm>
           <a:prstGeom prst="rect">
             <a:avLst/>
@@ -9204,19 +9794,555 @@
           <a:p>
             <a:pPr algn="ctr"/>
             <a:r>
-              <a:rPr lang="en-US" sz="2000" dirty="0" err="1"/>
-              <a:t>Tijdslijn</a:t>
+              <a:rPr lang="en-US" sz="2000" dirty="0"/>
+              <a:t>main</a:t>
             </a:r>
             <a:endParaRPr lang="en-NL" sz="2000" dirty="0"/>
           </a:p>
         </p:txBody>
       </p:sp>
-      <p:sp>
-        <p:nvSpPr>
-          <p:cNvPr id="56" name="Oval 55">
-            <a:extLst>
-              <a:ext uri="{FF2B5EF4-FFF2-40B4-BE49-F238E27FC236}">
-                <a16:creationId xmlns:a16="http://schemas.microsoft.com/office/drawing/2014/main" id="{4AEA1329-E9B2-66B8-A683-2147A1ED5627}"/>
+      <p:grpSp>
+        <p:nvGrpSpPr>
+          <p:cNvPr id="4" name="Group 3">
+            <a:extLst>
+              <a:ext uri="{FF2B5EF4-FFF2-40B4-BE49-F238E27FC236}">
+                <a16:creationId xmlns:a16="http://schemas.microsoft.com/office/drawing/2014/main" id="{8002F466-D69F-63DD-E2F2-A15766F15378}"/>
+              </a:ext>
+            </a:extLst>
+          </p:cNvPr>
+          <p:cNvGrpSpPr/>
+          <p:nvPr/>
+        </p:nvGrpSpPr>
+        <p:grpSpPr>
+          <a:xfrm>
+            <a:off x="838200" y="3020540"/>
+            <a:ext cx="5984463" cy="327320"/>
+            <a:chOff x="1654294" y="2795457"/>
+            <a:chExt cx="5984463" cy="327320"/>
+          </a:xfrm>
+        </p:grpSpPr>
+        <p:cxnSp>
+          <p:nvCxnSpPr>
+            <p:cNvPr id="5" name="Straight Arrow Connector 4">
+              <a:extLst>
+                <a:ext uri="{FF2B5EF4-FFF2-40B4-BE49-F238E27FC236}">
+                  <a16:creationId xmlns:a16="http://schemas.microsoft.com/office/drawing/2014/main" id="{F1E61747-4C7D-39D7-DA69-5DBED9506B5A}"/>
+                </a:ext>
+              </a:extLst>
+            </p:cNvPr>
+            <p:cNvCxnSpPr>
+              <a:cxnSpLocks/>
+            </p:cNvCxnSpPr>
+            <p:nvPr/>
+          </p:nvCxnSpPr>
+          <p:spPr>
+            <a:xfrm>
+              <a:off x="1654294" y="2956562"/>
+              <a:ext cx="5984463" cy="0"/>
+            </a:xfrm>
+            <a:prstGeom prst="straightConnector1">
+              <a:avLst/>
+            </a:prstGeom>
+            <a:ln>
+              <a:tailEnd type="triangle"/>
+            </a:ln>
+          </p:spPr>
+          <p:style>
+            <a:lnRef idx="3">
+              <a:schemeClr val="dk1"/>
+            </a:lnRef>
+            <a:fillRef idx="0">
+              <a:schemeClr val="dk1"/>
+            </a:fillRef>
+            <a:effectRef idx="2">
+              <a:schemeClr val="dk1"/>
+            </a:effectRef>
+            <a:fontRef idx="minor">
+              <a:schemeClr val="tx1"/>
+            </a:fontRef>
+          </p:style>
+        </p:cxnSp>
+        <p:sp>
+          <p:nvSpPr>
+            <p:cNvPr id="56" name="Oval 55">
+              <a:extLst>
+                <a:ext uri="{FF2B5EF4-FFF2-40B4-BE49-F238E27FC236}">
+                  <a16:creationId xmlns:a16="http://schemas.microsoft.com/office/drawing/2014/main" id="{4AEA1329-E9B2-66B8-A683-2147A1ED5627}"/>
+                </a:ext>
+              </a:extLst>
+            </p:cNvPr>
+            <p:cNvSpPr/>
+            <p:nvPr/>
+          </p:nvSpPr>
+          <p:spPr>
+            <a:xfrm>
+              <a:off x="2471339" y="2795458"/>
+              <a:ext cx="323160" cy="322207"/>
+            </a:xfrm>
+            <a:prstGeom prst="ellipse">
+              <a:avLst/>
+            </a:prstGeom>
+          </p:spPr>
+          <p:style>
+            <a:lnRef idx="2">
+              <a:schemeClr val="dk1"/>
+            </a:lnRef>
+            <a:fillRef idx="1">
+              <a:schemeClr val="lt1"/>
+            </a:fillRef>
+            <a:effectRef idx="0">
+              <a:schemeClr val="dk1"/>
+            </a:effectRef>
+            <a:fontRef idx="minor">
+              <a:schemeClr val="dk1"/>
+            </a:fontRef>
+          </p:style>
+          <p:txBody>
+            <a:bodyPr rtlCol="0" anchor="ctr"/>
+            <a:lstStyle/>
+            <a:p>
+              <a:pPr algn="ctr"/>
+              <a:r>
+                <a:rPr lang="en-US" dirty="0"/>
+                <a:t>C</a:t>
+              </a:r>
+              <a:endParaRPr lang="en-NL" dirty="0"/>
+            </a:p>
+          </p:txBody>
+        </p:sp>
+        <p:sp>
+          <p:nvSpPr>
+            <p:cNvPr id="57" name="Oval 56">
+              <a:extLst>
+                <a:ext uri="{FF2B5EF4-FFF2-40B4-BE49-F238E27FC236}">
+                  <a16:creationId xmlns:a16="http://schemas.microsoft.com/office/drawing/2014/main" id="{73A849F4-9E22-56EA-AA6C-08CB93425838}"/>
+                </a:ext>
+              </a:extLst>
+            </p:cNvPr>
+            <p:cNvSpPr/>
+            <p:nvPr/>
+          </p:nvSpPr>
+          <p:spPr>
+            <a:xfrm>
+              <a:off x="4484945" y="2795457"/>
+              <a:ext cx="323160" cy="322207"/>
+            </a:xfrm>
+            <a:prstGeom prst="ellipse">
+              <a:avLst/>
+            </a:prstGeom>
+          </p:spPr>
+          <p:style>
+            <a:lnRef idx="2">
+              <a:schemeClr val="dk1"/>
+            </a:lnRef>
+            <a:fillRef idx="1">
+              <a:schemeClr val="lt1"/>
+            </a:fillRef>
+            <a:effectRef idx="0">
+              <a:schemeClr val="dk1"/>
+            </a:effectRef>
+            <a:fontRef idx="minor">
+              <a:schemeClr val="dk1"/>
+            </a:fontRef>
+          </p:style>
+          <p:txBody>
+            <a:bodyPr rtlCol="0" anchor="ctr"/>
+            <a:lstStyle/>
+            <a:p>
+              <a:pPr algn="ctr"/>
+              <a:r>
+                <a:rPr lang="en-US" dirty="0"/>
+                <a:t>C</a:t>
+              </a:r>
+              <a:endParaRPr lang="en-NL" dirty="0"/>
+            </a:p>
+          </p:txBody>
+        </p:sp>
+        <p:sp>
+          <p:nvSpPr>
+            <p:cNvPr id="58" name="Oval 57">
+              <a:extLst>
+                <a:ext uri="{FF2B5EF4-FFF2-40B4-BE49-F238E27FC236}">
+                  <a16:creationId xmlns:a16="http://schemas.microsoft.com/office/drawing/2014/main" id="{725023E8-0A07-B6F2-EC66-37FA429742C9}"/>
+                </a:ext>
+              </a:extLst>
+            </p:cNvPr>
+            <p:cNvSpPr/>
+            <p:nvPr/>
+          </p:nvSpPr>
+          <p:spPr>
+            <a:xfrm>
+              <a:off x="6498551" y="2800570"/>
+              <a:ext cx="323160" cy="322207"/>
+            </a:xfrm>
+            <a:prstGeom prst="ellipse">
+              <a:avLst/>
+            </a:prstGeom>
+            <a:solidFill>
+              <a:schemeClr val="accent1">
+                <a:lumMod val="40000"/>
+                <a:lumOff val="60000"/>
+              </a:schemeClr>
+            </a:solidFill>
+          </p:spPr>
+          <p:style>
+            <a:lnRef idx="2">
+              <a:schemeClr val="dk1"/>
+            </a:lnRef>
+            <a:fillRef idx="1">
+              <a:schemeClr val="lt1"/>
+            </a:fillRef>
+            <a:effectRef idx="0">
+              <a:schemeClr val="dk1"/>
+            </a:effectRef>
+            <a:fontRef idx="minor">
+              <a:schemeClr val="dk1"/>
+            </a:fontRef>
+          </p:style>
+          <p:txBody>
+            <a:bodyPr rtlCol="0" anchor="ctr"/>
+            <a:lstStyle/>
+            <a:p>
+              <a:pPr algn="ctr"/>
+              <a:r>
+                <a:rPr lang="en-US" dirty="0"/>
+                <a:t>C</a:t>
+              </a:r>
+              <a:endParaRPr lang="en-NL" dirty="0"/>
+            </a:p>
+          </p:txBody>
+        </p:sp>
+      </p:grpSp>
+    </p:spTree>
+    <p:extLst>
+      <p:ext uri="{BB962C8B-B14F-4D97-AF65-F5344CB8AC3E}">
+        <p14:creationId xmlns:p14="http://schemas.microsoft.com/office/powerpoint/2010/main" val="199502866"/>
+      </p:ext>
+    </p:extLst>
+  </p:cSld>
+  <p:clrMapOvr>
+    <a:masterClrMapping/>
+  </p:clrMapOvr>
+</p:sld>
+</file>
+
+<file path=ppt/slides/slide18.xml><?xml version="1.0" encoding="utf-8"?>
+<p:sld xmlns:a="http://schemas.openxmlformats.org/drawingml/2006/main" xmlns:r="http://schemas.openxmlformats.org/officeDocument/2006/relationships" xmlns:p="http://schemas.openxmlformats.org/presentationml/2006/main">
+  <p:cSld>
+    <p:spTree>
+      <p:nvGrpSpPr>
+        <p:cNvPr id="1" name="">
+          <a:extLst>
+            <a:ext uri="{FF2B5EF4-FFF2-40B4-BE49-F238E27FC236}">
+              <a16:creationId xmlns:a16="http://schemas.microsoft.com/office/drawing/2014/main" id="{64B19D1A-C91A-A646-824F-B25917BD6E40}"/>
+            </a:ext>
+          </a:extLst>
+        </p:cNvPr>
+        <p:cNvGrpSpPr/>
+        <p:nvPr/>
+      </p:nvGrpSpPr>
+      <p:grpSpPr>
+        <a:xfrm>
+          <a:off x="0" y="0"/>
+          <a:ext cx="0" cy="0"/>
+          <a:chOff x="0" y="0"/>
+          <a:chExt cx="0" cy="0"/>
+        </a:xfrm>
+      </p:grpSpPr>
+      <p:sp>
+        <p:nvSpPr>
+          <p:cNvPr id="2" name="Title 1">
+            <a:extLst>
+              <a:ext uri="{FF2B5EF4-FFF2-40B4-BE49-F238E27FC236}">
+                <a16:creationId xmlns:a16="http://schemas.microsoft.com/office/drawing/2014/main" id="{7F7EED54-A0B3-EFD5-3442-E1AB15EF1C52}"/>
+              </a:ext>
+            </a:extLst>
+          </p:cNvPr>
+          <p:cNvSpPr>
+            <a:spLocks noGrp="1"/>
+          </p:cNvSpPr>
+          <p:nvPr>
+            <p:ph type="title"/>
+          </p:nvPr>
+        </p:nvSpPr>
+        <p:spPr>
+          <a:xfrm>
+            <a:off x="838200" y="365126"/>
+            <a:ext cx="10515600" cy="718608"/>
+          </a:xfrm>
+        </p:spPr>
+        <p:txBody>
+          <a:bodyPr>
+            <a:normAutofit/>
+          </a:bodyPr>
+          <a:lstStyle/>
+          <a:p>
+            <a:r>
+              <a:rPr lang="nl-NL" sz="3600" noProof="0" dirty="0"/>
+              <a:t>Branches</a:t>
+            </a:r>
+          </a:p>
+        </p:txBody>
+      </p:sp>
+      <p:grpSp>
+        <p:nvGrpSpPr>
+          <p:cNvPr id="4" name="Group 3">
+            <a:extLst>
+              <a:ext uri="{FF2B5EF4-FFF2-40B4-BE49-F238E27FC236}">
+                <a16:creationId xmlns:a16="http://schemas.microsoft.com/office/drawing/2014/main" id="{0B7756AD-2AC3-F69A-1E39-D7BF0433D504}"/>
+              </a:ext>
+            </a:extLst>
+          </p:cNvPr>
+          <p:cNvGrpSpPr/>
+          <p:nvPr/>
+        </p:nvGrpSpPr>
+        <p:grpSpPr>
+          <a:xfrm>
+            <a:off x="838200" y="3020540"/>
+            <a:ext cx="5984463" cy="327320"/>
+            <a:chOff x="1654294" y="2795457"/>
+            <a:chExt cx="5984463" cy="327320"/>
+          </a:xfrm>
+        </p:grpSpPr>
+        <p:cxnSp>
+          <p:nvCxnSpPr>
+            <p:cNvPr id="5" name="Straight Arrow Connector 4">
+              <a:extLst>
+                <a:ext uri="{FF2B5EF4-FFF2-40B4-BE49-F238E27FC236}">
+                  <a16:creationId xmlns:a16="http://schemas.microsoft.com/office/drawing/2014/main" id="{AA7FEF91-F181-BFC5-35E0-0396D1EEA9D3}"/>
+                </a:ext>
+              </a:extLst>
+            </p:cNvPr>
+            <p:cNvCxnSpPr>
+              <a:cxnSpLocks/>
+            </p:cNvCxnSpPr>
+            <p:nvPr/>
+          </p:nvCxnSpPr>
+          <p:spPr>
+            <a:xfrm>
+              <a:off x="1654294" y="2956562"/>
+              <a:ext cx="5984463" cy="0"/>
+            </a:xfrm>
+            <a:prstGeom prst="straightConnector1">
+              <a:avLst/>
+            </a:prstGeom>
+            <a:ln>
+              <a:tailEnd type="triangle"/>
+            </a:ln>
+          </p:spPr>
+          <p:style>
+            <a:lnRef idx="3">
+              <a:schemeClr val="dk1"/>
+            </a:lnRef>
+            <a:fillRef idx="0">
+              <a:schemeClr val="dk1"/>
+            </a:fillRef>
+            <a:effectRef idx="2">
+              <a:schemeClr val="dk1"/>
+            </a:effectRef>
+            <a:fontRef idx="minor">
+              <a:schemeClr val="tx1"/>
+            </a:fontRef>
+          </p:style>
+        </p:cxnSp>
+        <p:sp>
+          <p:nvSpPr>
+            <p:cNvPr id="56" name="Oval 55">
+              <a:extLst>
+                <a:ext uri="{FF2B5EF4-FFF2-40B4-BE49-F238E27FC236}">
+                  <a16:creationId xmlns:a16="http://schemas.microsoft.com/office/drawing/2014/main" id="{6FA6295F-8C15-A122-1039-A0BF82CFC39D}"/>
+                </a:ext>
+              </a:extLst>
+            </p:cNvPr>
+            <p:cNvSpPr/>
+            <p:nvPr/>
+          </p:nvSpPr>
+          <p:spPr>
+            <a:xfrm>
+              <a:off x="2471339" y="2795458"/>
+              <a:ext cx="323160" cy="322207"/>
+            </a:xfrm>
+            <a:prstGeom prst="ellipse">
+              <a:avLst/>
+            </a:prstGeom>
+          </p:spPr>
+          <p:style>
+            <a:lnRef idx="2">
+              <a:schemeClr val="dk1"/>
+            </a:lnRef>
+            <a:fillRef idx="1">
+              <a:schemeClr val="lt1"/>
+            </a:fillRef>
+            <a:effectRef idx="0">
+              <a:schemeClr val="dk1"/>
+            </a:effectRef>
+            <a:fontRef idx="minor">
+              <a:schemeClr val="dk1"/>
+            </a:fontRef>
+          </p:style>
+          <p:txBody>
+            <a:bodyPr rtlCol="0" anchor="ctr"/>
+            <a:lstStyle/>
+            <a:p>
+              <a:pPr algn="ctr"/>
+              <a:r>
+                <a:rPr lang="en-US" dirty="0"/>
+                <a:t>C</a:t>
+              </a:r>
+              <a:endParaRPr lang="en-NL" dirty="0"/>
+            </a:p>
+          </p:txBody>
+        </p:sp>
+        <p:sp>
+          <p:nvSpPr>
+            <p:cNvPr id="57" name="Oval 56">
+              <a:extLst>
+                <a:ext uri="{FF2B5EF4-FFF2-40B4-BE49-F238E27FC236}">
+                  <a16:creationId xmlns:a16="http://schemas.microsoft.com/office/drawing/2014/main" id="{538128C1-F32D-4F75-4BC7-03A006FD9812}"/>
+                </a:ext>
+              </a:extLst>
+            </p:cNvPr>
+            <p:cNvSpPr/>
+            <p:nvPr/>
+          </p:nvSpPr>
+          <p:spPr>
+            <a:xfrm>
+              <a:off x="4484945" y="2795457"/>
+              <a:ext cx="323160" cy="322207"/>
+            </a:xfrm>
+            <a:prstGeom prst="ellipse">
+              <a:avLst/>
+            </a:prstGeom>
+          </p:spPr>
+          <p:style>
+            <a:lnRef idx="2">
+              <a:schemeClr val="dk1"/>
+            </a:lnRef>
+            <a:fillRef idx="1">
+              <a:schemeClr val="lt1"/>
+            </a:fillRef>
+            <a:effectRef idx="0">
+              <a:schemeClr val="dk1"/>
+            </a:effectRef>
+            <a:fontRef idx="minor">
+              <a:schemeClr val="dk1"/>
+            </a:fontRef>
+          </p:style>
+          <p:txBody>
+            <a:bodyPr rtlCol="0" anchor="ctr"/>
+            <a:lstStyle/>
+            <a:p>
+              <a:pPr algn="ctr"/>
+              <a:r>
+                <a:rPr lang="en-US" dirty="0"/>
+                <a:t>C</a:t>
+              </a:r>
+              <a:endParaRPr lang="en-NL" dirty="0"/>
+            </a:p>
+          </p:txBody>
+        </p:sp>
+        <p:sp>
+          <p:nvSpPr>
+            <p:cNvPr id="58" name="Oval 57">
+              <a:extLst>
+                <a:ext uri="{FF2B5EF4-FFF2-40B4-BE49-F238E27FC236}">
+                  <a16:creationId xmlns:a16="http://schemas.microsoft.com/office/drawing/2014/main" id="{F7F42FDC-B7FE-0694-D955-11CBFEA6251A}"/>
+                </a:ext>
+              </a:extLst>
+            </p:cNvPr>
+            <p:cNvSpPr/>
+            <p:nvPr/>
+          </p:nvSpPr>
+          <p:spPr>
+            <a:xfrm>
+              <a:off x="6498551" y="2800570"/>
+              <a:ext cx="323160" cy="322207"/>
+            </a:xfrm>
+            <a:prstGeom prst="ellipse">
+              <a:avLst/>
+            </a:prstGeom>
+            <a:solidFill>
+              <a:schemeClr val="accent1">
+                <a:lumMod val="40000"/>
+                <a:lumOff val="60000"/>
+              </a:schemeClr>
+            </a:solidFill>
+          </p:spPr>
+          <p:style>
+            <a:lnRef idx="2">
+              <a:schemeClr val="dk1"/>
+            </a:lnRef>
+            <a:fillRef idx="1">
+              <a:schemeClr val="lt1"/>
+            </a:fillRef>
+            <a:effectRef idx="0">
+              <a:schemeClr val="dk1"/>
+            </a:effectRef>
+            <a:fontRef idx="minor">
+              <a:schemeClr val="dk1"/>
+            </a:fontRef>
+          </p:style>
+          <p:txBody>
+            <a:bodyPr rtlCol="0" anchor="ctr"/>
+            <a:lstStyle/>
+            <a:p>
+              <a:pPr algn="ctr"/>
+              <a:r>
+                <a:rPr lang="en-US" dirty="0"/>
+                <a:t>C</a:t>
+              </a:r>
+              <a:endParaRPr lang="en-NL" dirty="0"/>
+            </a:p>
+          </p:txBody>
+        </p:sp>
+      </p:grpSp>
+      <p:cxnSp>
+        <p:nvCxnSpPr>
+          <p:cNvPr id="8" name="Connector: Elbow 7">
+            <a:extLst>
+              <a:ext uri="{FF2B5EF4-FFF2-40B4-BE49-F238E27FC236}">
+                <a16:creationId xmlns:a16="http://schemas.microsoft.com/office/drawing/2014/main" id="{E3D791A2-418B-9377-859C-201C80A5675B}"/>
+              </a:ext>
+            </a:extLst>
+          </p:cNvPr>
+          <p:cNvCxnSpPr>
+            <a:cxnSpLocks/>
+          </p:cNvCxnSpPr>
+          <p:nvPr/>
+        </p:nvCxnSpPr>
+        <p:spPr>
+          <a:xfrm>
+            <a:off x="4958862" y="2553285"/>
+            <a:ext cx="885175" cy="416096"/>
+          </a:xfrm>
+          <a:prstGeom prst="bentConnector2">
+            <a:avLst/>
+          </a:prstGeom>
+          <a:ln>
+            <a:tailEnd type="triangle"/>
+          </a:ln>
+        </p:spPr>
+        <p:style>
+          <a:lnRef idx="2">
+            <a:schemeClr val="dk1"/>
+          </a:lnRef>
+          <a:fillRef idx="0">
+            <a:schemeClr val="dk1"/>
+          </a:fillRef>
+          <a:effectRef idx="1">
+            <a:schemeClr val="dk1"/>
+          </a:effectRef>
+          <a:fontRef idx="minor">
+            <a:schemeClr val="tx1"/>
+          </a:fontRef>
+        </p:style>
+      </p:cxnSp>
+      <p:sp>
+        <p:nvSpPr>
+          <p:cNvPr id="12" name="Rectangle 11">
+            <a:extLst>
+              <a:ext uri="{FF2B5EF4-FFF2-40B4-BE49-F238E27FC236}">
+                <a16:creationId xmlns:a16="http://schemas.microsoft.com/office/drawing/2014/main" id="{21CAA6EE-7510-0029-A40A-7B70A2505C70}"/>
               </a:ext>
             </a:extLst>
           </p:cNvPr>
@@ -9225,12 +10351,532 @@
         </p:nvSpPr>
         <p:spPr>
           <a:xfrm>
-            <a:off x="1774988" y="1972498"/>
-            <a:ext cx="323160" cy="322207"/>
+            <a:off x="6196818" y="1810544"/>
+            <a:ext cx="2426677" cy="1033976"/>
           </a:xfrm>
-          <a:prstGeom prst="ellipse">
+          <a:prstGeom prst="rect">
             <a:avLst/>
           </a:prstGeom>
+          <a:solidFill>
+            <a:schemeClr val="accent4">
+              <a:lumMod val="20000"/>
+              <a:lumOff val="80000"/>
+            </a:schemeClr>
+          </a:solidFill>
+          <a:ln>
+            <a:solidFill>
+              <a:schemeClr val="accent4">
+                <a:lumMod val="60000"/>
+                <a:lumOff val="40000"/>
+              </a:schemeClr>
+            </a:solidFill>
+          </a:ln>
+        </p:spPr>
+        <p:style>
+          <a:lnRef idx="2">
+            <a:schemeClr val="accent1">
+              <a:shade val="15000"/>
+            </a:schemeClr>
+          </a:lnRef>
+          <a:fillRef idx="1">
+            <a:schemeClr val="accent1"/>
+          </a:fillRef>
+          <a:effectRef idx="0">
+            <a:schemeClr val="accent1"/>
+          </a:effectRef>
+          <a:fontRef idx="minor">
+            <a:schemeClr val="lt1"/>
+          </a:fontRef>
+        </p:style>
+        <p:txBody>
+          <a:bodyPr rtlCol="0" anchor="ctr"/>
+          <a:lstStyle/>
+          <a:p>
+            <a:pPr algn="ctr"/>
+            <a:r>
+              <a:rPr lang="en-US" dirty="0">
+                <a:solidFill>
+                  <a:sysClr val="windowText" lastClr="000000"/>
+                </a:solidFill>
+              </a:rPr>
+              <a:t>De </a:t>
+            </a:r>
+            <a:r>
+              <a:rPr lang="en-US" dirty="0" err="1">
+                <a:solidFill>
+                  <a:sysClr val="windowText" lastClr="000000"/>
+                </a:solidFill>
+              </a:rPr>
+              <a:t>laatste</a:t>
+            </a:r>
+            <a:r>
+              <a:rPr lang="en-US" dirty="0">
+                <a:solidFill>
+                  <a:sysClr val="windowText" lastClr="000000"/>
+                </a:solidFill>
+              </a:rPr>
+              <a:t> commit </a:t>
+            </a:r>
+            <a:r>
+              <a:rPr lang="en-US" dirty="0" err="1">
+                <a:solidFill>
+                  <a:sysClr val="windowText" lastClr="000000"/>
+                </a:solidFill>
+              </a:rPr>
+              <a:t>wordt</a:t>
+            </a:r>
+            <a:r>
+              <a:rPr lang="en-US" dirty="0">
+                <a:solidFill>
+                  <a:sysClr val="windowText" lastClr="000000"/>
+                </a:solidFill>
+              </a:rPr>
+              <a:t> </a:t>
+            </a:r>
+            <a:r>
+              <a:rPr lang="en-US" dirty="0" err="1">
+                <a:solidFill>
+                  <a:sysClr val="windowText" lastClr="000000"/>
+                </a:solidFill>
+              </a:rPr>
+              <a:t>opgeslagen</a:t>
+            </a:r>
+            <a:r>
+              <a:rPr lang="en-US" dirty="0">
+                <a:solidFill>
+                  <a:sysClr val="windowText" lastClr="000000"/>
+                </a:solidFill>
+              </a:rPr>
+              <a:t> in de </a:t>
+            </a:r>
+            <a:r>
+              <a:rPr lang="en-US" dirty="0" err="1">
+                <a:solidFill>
+                  <a:sysClr val="windowText" lastClr="000000"/>
+                </a:solidFill>
+              </a:rPr>
+              <a:t>referentie</a:t>
+            </a:r>
+            <a:r>
+              <a:rPr lang="en-US" dirty="0">
+                <a:solidFill>
+                  <a:sysClr val="windowText" lastClr="000000"/>
+                </a:solidFill>
+              </a:rPr>
+              <a:t> </a:t>
+            </a:r>
+            <a:r>
+              <a:rPr lang="en-US" dirty="0">
+                <a:solidFill>
+                  <a:sysClr val="windowText" lastClr="000000"/>
+                </a:solidFill>
+                <a:latin typeface="Courier New" panose="02070309020205020404" pitchFamily="49" charset="0"/>
+                <a:cs typeface="Courier New" panose="02070309020205020404" pitchFamily="49" charset="0"/>
+              </a:rPr>
+              <a:t>main</a:t>
+            </a:r>
+            <a:r>
+              <a:rPr lang="en-US" dirty="0">
+                <a:solidFill>
+                  <a:sysClr val="windowText" lastClr="000000"/>
+                </a:solidFill>
+              </a:rPr>
+              <a:t>.</a:t>
+            </a:r>
+            <a:endParaRPr lang="en-NL" dirty="0">
+              <a:solidFill>
+                <a:sysClr val="windowText" lastClr="000000"/>
+              </a:solidFill>
+            </a:endParaRPr>
+          </a:p>
+        </p:txBody>
+      </p:sp>
+      <p:sp>
+        <p:nvSpPr>
+          <p:cNvPr id="13" name="TextBox 12">
+            <a:extLst>
+              <a:ext uri="{FF2B5EF4-FFF2-40B4-BE49-F238E27FC236}">
+                <a16:creationId xmlns:a16="http://schemas.microsoft.com/office/drawing/2014/main" id="{37F74DDA-9566-3DC5-91E4-D6A5F05F1257}"/>
+              </a:ext>
+            </a:extLst>
+          </p:cNvPr>
+          <p:cNvSpPr txBox="1"/>
+          <p:nvPr/>
+        </p:nvSpPr>
+        <p:spPr>
+          <a:xfrm>
+            <a:off x="838201" y="2327532"/>
+            <a:ext cx="4120662" cy="400110"/>
+          </a:xfrm>
+          <a:prstGeom prst="rect">
+            <a:avLst/>
+          </a:prstGeom>
+          <a:noFill/>
+        </p:spPr>
+        <p:txBody>
+          <a:bodyPr wrap="square" rtlCol="0">
+            <a:spAutoFit/>
+          </a:bodyPr>
+          <a:lstStyle/>
+          <a:p>
+            <a:pPr algn="r"/>
+            <a:r>
+              <a:rPr lang="en-US" sz="2000" dirty="0"/>
+              <a:t>.git/refs/heads/main</a:t>
+            </a:r>
+            <a:endParaRPr lang="en-NL" sz="2000" dirty="0"/>
+          </a:p>
+        </p:txBody>
+      </p:sp>
+    </p:spTree>
+    <p:extLst>
+      <p:ext uri="{BB962C8B-B14F-4D97-AF65-F5344CB8AC3E}">
+        <p14:creationId xmlns:p14="http://schemas.microsoft.com/office/powerpoint/2010/main" val="2136345676"/>
+      </p:ext>
+    </p:extLst>
+  </p:cSld>
+  <p:clrMapOvr>
+    <a:masterClrMapping/>
+  </p:clrMapOvr>
+</p:sld>
+</file>
+
+<file path=ppt/slides/slide19.xml><?xml version="1.0" encoding="utf-8"?>
+<p:sld xmlns:a="http://schemas.openxmlformats.org/drawingml/2006/main" xmlns:r="http://schemas.openxmlformats.org/officeDocument/2006/relationships" xmlns:p="http://schemas.openxmlformats.org/presentationml/2006/main">
+  <p:cSld>
+    <p:spTree>
+      <p:nvGrpSpPr>
+        <p:cNvPr id="1" name="">
+          <a:extLst>
+            <a:ext uri="{FF2B5EF4-FFF2-40B4-BE49-F238E27FC236}">
+              <a16:creationId xmlns:a16="http://schemas.microsoft.com/office/drawing/2014/main" id="{36A58335-31FD-CEA3-10C2-44CE69DB5E46}"/>
+            </a:ext>
+          </a:extLst>
+        </p:cNvPr>
+        <p:cNvGrpSpPr/>
+        <p:nvPr/>
+      </p:nvGrpSpPr>
+      <p:grpSpPr>
+        <a:xfrm>
+          <a:off x="0" y="0"/>
+          <a:ext cx="0" cy="0"/>
+          <a:chOff x="0" y="0"/>
+          <a:chExt cx="0" cy="0"/>
+        </a:xfrm>
+      </p:grpSpPr>
+      <p:sp>
+        <p:nvSpPr>
+          <p:cNvPr id="2" name="Title 1">
+            <a:extLst>
+              <a:ext uri="{FF2B5EF4-FFF2-40B4-BE49-F238E27FC236}">
+                <a16:creationId xmlns:a16="http://schemas.microsoft.com/office/drawing/2014/main" id="{374B9650-67F5-2970-9E44-16F013143189}"/>
+              </a:ext>
+            </a:extLst>
+          </p:cNvPr>
+          <p:cNvSpPr>
+            <a:spLocks noGrp="1"/>
+          </p:cNvSpPr>
+          <p:nvPr>
+            <p:ph type="title"/>
+          </p:nvPr>
+        </p:nvSpPr>
+        <p:spPr>
+          <a:xfrm>
+            <a:off x="838200" y="365126"/>
+            <a:ext cx="10515600" cy="718608"/>
+          </a:xfrm>
+        </p:spPr>
+        <p:txBody>
+          <a:bodyPr>
+            <a:normAutofit/>
+          </a:bodyPr>
+          <a:lstStyle/>
+          <a:p>
+            <a:r>
+              <a:rPr lang="nl-NL" sz="3600" noProof="0" dirty="0"/>
+              <a:t>Branches</a:t>
+            </a:r>
+          </a:p>
+        </p:txBody>
+      </p:sp>
+      <p:grpSp>
+        <p:nvGrpSpPr>
+          <p:cNvPr id="4" name="Group 3">
+            <a:extLst>
+              <a:ext uri="{FF2B5EF4-FFF2-40B4-BE49-F238E27FC236}">
+                <a16:creationId xmlns:a16="http://schemas.microsoft.com/office/drawing/2014/main" id="{448BAB2D-010A-637A-769C-D88121367E07}"/>
+              </a:ext>
+            </a:extLst>
+          </p:cNvPr>
+          <p:cNvGrpSpPr/>
+          <p:nvPr/>
+        </p:nvGrpSpPr>
+        <p:grpSpPr>
+          <a:xfrm>
+            <a:off x="838200" y="3020540"/>
+            <a:ext cx="5984463" cy="327320"/>
+            <a:chOff x="1654294" y="2795457"/>
+            <a:chExt cx="5984463" cy="327320"/>
+          </a:xfrm>
+        </p:grpSpPr>
+        <p:cxnSp>
+          <p:nvCxnSpPr>
+            <p:cNvPr id="5" name="Straight Arrow Connector 4">
+              <a:extLst>
+                <a:ext uri="{FF2B5EF4-FFF2-40B4-BE49-F238E27FC236}">
+                  <a16:creationId xmlns:a16="http://schemas.microsoft.com/office/drawing/2014/main" id="{724786DE-E896-A831-873D-672A94242C49}"/>
+                </a:ext>
+              </a:extLst>
+            </p:cNvPr>
+            <p:cNvCxnSpPr>
+              <a:cxnSpLocks/>
+            </p:cNvCxnSpPr>
+            <p:nvPr/>
+          </p:nvCxnSpPr>
+          <p:spPr>
+            <a:xfrm>
+              <a:off x="1654294" y="2956562"/>
+              <a:ext cx="5984463" cy="0"/>
+            </a:xfrm>
+            <a:prstGeom prst="straightConnector1">
+              <a:avLst/>
+            </a:prstGeom>
+            <a:ln>
+              <a:tailEnd type="triangle"/>
+            </a:ln>
+          </p:spPr>
+          <p:style>
+            <a:lnRef idx="3">
+              <a:schemeClr val="dk1"/>
+            </a:lnRef>
+            <a:fillRef idx="0">
+              <a:schemeClr val="dk1"/>
+            </a:fillRef>
+            <a:effectRef idx="2">
+              <a:schemeClr val="dk1"/>
+            </a:effectRef>
+            <a:fontRef idx="minor">
+              <a:schemeClr val="tx1"/>
+            </a:fontRef>
+          </p:style>
+        </p:cxnSp>
+        <p:sp>
+          <p:nvSpPr>
+            <p:cNvPr id="56" name="Oval 55">
+              <a:extLst>
+                <a:ext uri="{FF2B5EF4-FFF2-40B4-BE49-F238E27FC236}">
+                  <a16:creationId xmlns:a16="http://schemas.microsoft.com/office/drawing/2014/main" id="{1F3CA2E1-3C01-56E5-DDB4-6E4242A7396F}"/>
+                </a:ext>
+              </a:extLst>
+            </p:cNvPr>
+            <p:cNvSpPr/>
+            <p:nvPr/>
+          </p:nvSpPr>
+          <p:spPr>
+            <a:xfrm>
+              <a:off x="2471339" y="2795458"/>
+              <a:ext cx="323160" cy="322207"/>
+            </a:xfrm>
+            <a:prstGeom prst="ellipse">
+              <a:avLst/>
+            </a:prstGeom>
+          </p:spPr>
+          <p:style>
+            <a:lnRef idx="2">
+              <a:schemeClr val="dk1"/>
+            </a:lnRef>
+            <a:fillRef idx="1">
+              <a:schemeClr val="lt1"/>
+            </a:fillRef>
+            <a:effectRef idx="0">
+              <a:schemeClr val="dk1"/>
+            </a:effectRef>
+            <a:fontRef idx="minor">
+              <a:schemeClr val="dk1"/>
+            </a:fontRef>
+          </p:style>
+          <p:txBody>
+            <a:bodyPr rtlCol="0" anchor="ctr"/>
+            <a:lstStyle/>
+            <a:p>
+              <a:pPr algn="ctr"/>
+              <a:r>
+                <a:rPr lang="en-US" dirty="0"/>
+                <a:t>C</a:t>
+              </a:r>
+              <a:endParaRPr lang="en-NL" dirty="0"/>
+            </a:p>
+          </p:txBody>
+        </p:sp>
+        <p:sp>
+          <p:nvSpPr>
+            <p:cNvPr id="57" name="Oval 56">
+              <a:extLst>
+                <a:ext uri="{FF2B5EF4-FFF2-40B4-BE49-F238E27FC236}">
+                  <a16:creationId xmlns:a16="http://schemas.microsoft.com/office/drawing/2014/main" id="{B7A67AB9-153A-0F4F-2F6D-0962C6ACEE17}"/>
+                </a:ext>
+              </a:extLst>
+            </p:cNvPr>
+            <p:cNvSpPr/>
+            <p:nvPr/>
+          </p:nvSpPr>
+          <p:spPr>
+            <a:xfrm>
+              <a:off x="4484945" y="2795457"/>
+              <a:ext cx="323160" cy="322207"/>
+            </a:xfrm>
+            <a:prstGeom prst="ellipse">
+              <a:avLst/>
+            </a:prstGeom>
+          </p:spPr>
+          <p:style>
+            <a:lnRef idx="2">
+              <a:schemeClr val="dk1"/>
+            </a:lnRef>
+            <a:fillRef idx="1">
+              <a:schemeClr val="lt1"/>
+            </a:fillRef>
+            <a:effectRef idx="0">
+              <a:schemeClr val="dk1"/>
+            </a:effectRef>
+            <a:fontRef idx="minor">
+              <a:schemeClr val="dk1"/>
+            </a:fontRef>
+          </p:style>
+          <p:txBody>
+            <a:bodyPr rtlCol="0" anchor="ctr"/>
+            <a:lstStyle/>
+            <a:p>
+              <a:pPr algn="ctr"/>
+              <a:r>
+                <a:rPr lang="en-US" dirty="0"/>
+                <a:t>C</a:t>
+              </a:r>
+              <a:endParaRPr lang="en-NL" dirty="0"/>
+            </a:p>
+          </p:txBody>
+        </p:sp>
+        <p:sp>
+          <p:nvSpPr>
+            <p:cNvPr id="58" name="Oval 57">
+              <a:extLst>
+                <a:ext uri="{FF2B5EF4-FFF2-40B4-BE49-F238E27FC236}">
+                  <a16:creationId xmlns:a16="http://schemas.microsoft.com/office/drawing/2014/main" id="{62BBDC8C-1F89-38B9-0CC3-82BC931963C9}"/>
+                </a:ext>
+              </a:extLst>
+            </p:cNvPr>
+            <p:cNvSpPr/>
+            <p:nvPr/>
+          </p:nvSpPr>
+          <p:spPr>
+            <a:xfrm>
+              <a:off x="6498551" y="2800570"/>
+              <a:ext cx="323160" cy="322207"/>
+            </a:xfrm>
+            <a:prstGeom prst="ellipse">
+              <a:avLst/>
+            </a:prstGeom>
+            <a:solidFill>
+              <a:schemeClr val="accent1">
+                <a:lumMod val="40000"/>
+                <a:lumOff val="60000"/>
+              </a:schemeClr>
+            </a:solidFill>
+          </p:spPr>
+          <p:style>
+            <a:lnRef idx="2">
+              <a:schemeClr val="dk1"/>
+            </a:lnRef>
+            <a:fillRef idx="1">
+              <a:schemeClr val="lt1"/>
+            </a:fillRef>
+            <a:effectRef idx="0">
+              <a:schemeClr val="dk1"/>
+            </a:effectRef>
+            <a:fontRef idx="minor">
+              <a:schemeClr val="dk1"/>
+            </a:fontRef>
+          </p:style>
+          <p:txBody>
+            <a:bodyPr rtlCol="0" anchor="ctr"/>
+            <a:lstStyle/>
+            <a:p>
+              <a:pPr algn="ctr"/>
+              <a:r>
+                <a:rPr lang="en-US" dirty="0"/>
+                <a:t>C</a:t>
+              </a:r>
+              <a:endParaRPr lang="en-NL" dirty="0"/>
+            </a:p>
+          </p:txBody>
+        </p:sp>
+      </p:grpSp>
+      <p:cxnSp>
+        <p:nvCxnSpPr>
+          <p:cNvPr id="8" name="Connector: Elbow 7">
+            <a:extLst>
+              <a:ext uri="{FF2B5EF4-FFF2-40B4-BE49-F238E27FC236}">
+                <a16:creationId xmlns:a16="http://schemas.microsoft.com/office/drawing/2014/main" id="{1C2A91D8-5FA2-5A51-9D7C-35D35CF0EE08}"/>
+              </a:ext>
+            </a:extLst>
+          </p:cNvPr>
+          <p:cNvCxnSpPr>
+            <a:cxnSpLocks/>
+          </p:cNvCxnSpPr>
+          <p:nvPr/>
+        </p:nvCxnSpPr>
+        <p:spPr>
+          <a:xfrm>
+            <a:off x="4958862" y="2553285"/>
+            <a:ext cx="885175" cy="416096"/>
+          </a:xfrm>
+          <a:prstGeom prst="bentConnector2">
+            <a:avLst/>
+          </a:prstGeom>
+          <a:ln>
+            <a:tailEnd type="triangle"/>
+          </a:ln>
+        </p:spPr>
+        <p:style>
+          <a:lnRef idx="2">
+            <a:schemeClr val="dk1"/>
+          </a:lnRef>
+          <a:fillRef idx="0">
+            <a:schemeClr val="dk1"/>
+          </a:fillRef>
+          <a:effectRef idx="1">
+            <a:schemeClr val="dk1"/>
+          </a:effectRef>
+          <a:fontRef idx="minor">
+            <a:schemeClr val="tx1"/>
+          </a:fontRef>
+        </p:style>
+      </p:cxnSp>
+      <p:sp>
+        <p:nvSpPr>
+          <p:cNvPr id="3" name="Rectangle 2">
+            <a:extLst>
+              <a:ext uri="{FF2B5EF4-FFF2-40B4-BE49-F238E27FC236}">
+                <a16:creationId xmlns:a16="http://schemas.microsoft.com/office/drawing/2014/main" id="{71C5A21A-C56E-0E10-A931-7CE482019FDE}"/>
+              </a:ext>
+            </a:extLst>
+          </p:cNvPr>
+          <p:cNvSpPr/>
+          <p:nvPr/>
+        </p:nvSpPr>
+        <p:spPr>
+          <a:xfrm>
+            <a:off x="2947182" y="1250134"/>
+            <a:ext cx="1793630" cy="538349"/>
+          </a:xfrm>
+          <a:prstGeom prst="rect">
+            <a:avLst/>
+          </a:prstGeom>
+          <a:ln>
+            <a:solidFill>
+              <a:schemeClr val="bg1"/>
+            </a:solidFill>
+          </a:ln>
         </p:spPr>
         <p:style>
           <a:lnRef idx="2">
@@ -9251,16 +10897,62 @@
           <a:lstStyle/>
           <a:p>
             <a:pPr algn="ctr"/>
-            <a:endParaRPr lang="en-NL"/>
+            <a:r>
+              <a:rPr lang="en-US" dirty="0"/>
+              <a:t>.git/HEAD</a:t>
+            </a:r>
+            <a:endParaRPr lang="en-NL" dirty="0"/>
           </a:p>
         </p:txBody>
       </p:sp>
-      <p:sp>
-        <p:nvSpPr>
-          <p:cNvPr id="57" name="Oval 56">
-            <a:extLst>
-              <a:ext uri="{FF2B5EF4-FFF2-40B4-BE49-F238E27FC236}">
-                <a16:creationId xmlns:a16="http://schemas.microsoft.com/office/drawing/2014/main" id="{73A849F4-9E22-56EA-AA6C-08CB93425838}"/>
+      <p:cxnSp>
+        <p:nvCxnSpPr>
+          <p:cNvPr id="10" name="Straight Arrow Connector 9">
+            <a:extLst>
+              <a:ext uri="{FF2B5EF4-FFF2-40B4-BE49-F238E27FC236}">
+                <a16:creationId xmlns:a16="http://schemas.microsoft.com/office/drawing/2014/main" id="{5249ED66-55F1-4DFA-93AD-35ADE56A963F}"/>
+              </a:ext>
+            </a:extLst>
+          </p:cNvPr>
+          <p:cNvCxnSpPr>
+            <a:cxnSpLocks/>
+            <a:stCxn id="3" idx="2"/>
+          </p:cNvCxnSpPr>
+          <p:nvPr/>
+        </p:nvCxnSpPr>
+        <p:spPr>
+          <a:xfrm flipH="1">
+            <a:off x="3830432" y="1788483"/>
+            <a:ext cx="13565" cy="539049"/>
+          </a:xfrm>
+          <a:prstGeom prst="straightConnector1">
+            <a:avLst/>
+          </a:prstGeom>
+          <a:ln>
+            <a:tailEnd type="triangle"/>
+          </a:ln>
+        </p:spPr>
+        <p:style>
+          <a:lnRef idx="2">
+            <a:schemeClr val="dk1"/>
+          </a:lnRef>
+          <a:fillRef idx="0">
+            <a:schemeClr val="dk1"/>
+          </a:fillRef>
+          <a:effectRef idx="1">
+            <a:schemeClr val="dk1"/>
+          </a:effectRef>
+          <a:fontRef idx="minor">
+            <a:schemeClr val="tx1"/>
+          </a:fontRef>
+        </p:style>
+      </p:cxnSp>
+      <p:sp>
+        <p:nvSpPr>
+          <p:cNvPr id="11" name="Rectangle 10">
+            <a:extLst>
+              <a:ext uri="{FF2B5EF4-FFF2-40B4-BE49-F238E27FC236}">
+                <a16:creationId xmlns:a16="http://schemas.microsoft.com/office/drawing/2014/main" id="{04E70E4D-3443-3FA4-9F07-574A742220BA}"/>
               </a:ext>
             </a:extLst>
           </p:cNvPr>
@@ -9269,12 +10961,1627 @@
         </p:nvSpPr>
         <p:spPr>
           <a:xfrm>
-            <a:off x="5772840" y="1972497"/>
-            <a:ext cx="323160" cy="322207"/>
+            <a:off x="4727247" y="974185"/>
+            <a:ext cx="2426677" cy="1033976"/>
           </a:xfrm>
-          <a:prstGeom prst="ellipse">
+          <a:prstGeom prst="rect">
             <a:avLst/>
           </a:prstGeom>
+          <a:solidFill>
+            <a:schemeClr val="accent4">
+              <a:lumMod val="20000"/>
+              <a:lumOff val="80000"/>
+            </a:schemeClr>
+          </a:solidFill>
+          <a:ln>
+            <a:solidFill>
+              <a:schemeClr val="accent4">
+                <a:lumMod val="60000"/>
+                <a:lumOff val="40000"/>
+              </a:schemeClr>
+            </a:solidFill>
+          </a:ln>
+        </p:spPr>
+        <p:style>
+          <a:lnRef idx="2">
+            <a:schemeClr val="accent1">
+              <a:shade val="15000"/>
+            </a:schemeClr>
+          </a:lnRef>
+          <a:fillRef idx="1">
+            <a:schemeClr val="accent1"/>
+          </a:fillRef>
+          <a:effectRef idx="0">
+            <a:schemeClr val="accent1"/>
+          </a:effectRef>
+          <a:fontRef idx="minor">
+            <a:schemeClr val="lt1"/>
+          </a:fontRef>
+        </p:style>
+        <p:txBody>
+          <a:bodyPr rtlCol="0" anchor="ctr"/>
+          <a:lstStyle/>
+          <a:p>
+            <a:pPr algn="ctr"/>
+            <a:r>
+              <a:rPr lang="en-US" dirty="0">
+                <a:solidFill>
+                  <a:sysClr val="windowText" lastClr="000000"/>
+                </a:solidFill>
+                <a:latin typeface="Courier New" panose="02070309020205020404" pitchFamily="49" charset="0"/>
+                <a:cs typeface="Courier New" panose="02070309020205020404" pitchFamily="49" charset="0"/>
+              </a:rPr>
+              <a:t>HEAD</a:t>
+            </a:r>
+            <a:r>
+              <a:rPr lang="en-US" dirty="0">
+                <a:solidFill>
+                  <a:sysClr val="windowText" lastClr="000000"/>
+                </a:solidFill>
+              </a:rPr>
+              <a:t> </a:t>
+            </a:r>
+            <a:r>
+              <a:rPr lang="en-US" dirty="0" err="1">
+                <a:solidFill>
+                  <a:sysClr val="windowText" lastClr="000000"/>
+                </a:solidFill>
+              </a:rPr>
+              <a:t>geeft</a:t>
+            </a:r>
+            <a:r>
+              <a:rPr lang="en-US" dirty="0">
+                <a:solidFill>
+                  <a:sysClr val="windowText" lastClr="000000"/>
+                </a:solidFill>
+              </a:rPr>
+              <a:t> </a:t>
+            </a:r>
+            <a:r>
+              <a:rPr lang="en-US" dirty="0" err="1">
+                <a:solidFill>
+                  <a:sysClr val="windowText" lastClr="000000"/>
+                </a:solidFill>
+              </a:rPr>
+              <a:t>aan</a:t>
+            </a:r>
+            <a:r>
+              <a:rPr lang="en-US" dirty="0">
+                <a:solidFill>
+                  <a:sysClr val="windowText" lastClr="000000"/>
+                </a:solidFill>
+              </a:rPr>
+              <a:t> </a:t>
+            </a:r>
+            <a:r>
+              <a:rPr lang="en-US" dirty="0" err="1">
+                <a:solidFill>
+                  <a:sysClr val="windowText" lastClr="000000"/>
+                </a:solidFill>
+              </a:rPr>
+              <a:t>dat</a:t>
+            </a:r>
+            <a:r>
+              <a:rPr lang="en-US" dirty="0">
+                <a:solidFill>
+                  <a:sysClr val="windowText" lastClr="000000"/>
+                </a:solidFill>
+              </a:rPr>
+              <a:t> we op </a:t>
+            </a:r>
+            <a:r>
+              <a:rPr lang="en-US" dirty="0">
+                <a:solidFill>
+                  <a:sysClr val="windowText" lastClr="000000"/>
+                </a:solidFill>
+                <a:latin typeface="Courier New" panose="02070309020205020404" pitchFamily="49" charset="0"/>
+                <a:cs typeface="Courier New" panose="02070309020205020404" pitchFamily="49" charset="0"/>
+              </a:rPr>
+              <a:t>main</a:t>
+            </a:r>
+            <a:r>
+              <a:rPr lang="en-US" dirty="0">
+                <a:solidFill>
+                  <a:sysClr val="windowText" lastClr="000000"/>
+                </a:solidFill>
+              </a:rPr>
+              <a:t> </a:t>
+            </a:r>
+            <a:r>
+              <a:rPr lang="en-US" dirty="0" err="1">
+                <a:solidFill>
+                  <a:sysClr val="windowText" lastClr="000000"/>
+                </a:solidFill>
+              </a:rPr>
+              <a:t>werken</a:t>
+            </a:r>
+            <a:r>
+              <a:rPr lang="en-US" dirty="0">
+                <a:solidFill>
+                  <a:sysClr val="windowText" lastClr="000000"/>
+                </a:solidFill>
+              </a:rPr>
+              <a:t>.</a:t>
+            </a:r>
+            <a:endParaRPr lang="en-NL" dirty="0">
+              <a:solidFill>
+                <a:sysClr val="windowText" lastClr="000000"/>
+              </a:solidFill>
+            </a:endParaRPr>
+          </a:p>
+        </p:txBody>
+      </p:sp>
+      <p:sp>
+        <p:nvSpPr>
+          <p:cNvPr id="12" name="TextBox 11">
+            <a:extLst>
+              <a:ext uri="{FF2B5EF4-FFF2-40B4-BE49-F238E27FC236}">
+                <a16:creationId xmlns:a16="http://schemas.microsoft.com/office/drawing/2014/main" id="{36BBFDF4-D21F-FBDF-EEA6-D42949DC2819}"/>
+              </a:ext>
+            </a:extLst>
+          </p:cNvPr>
+          <p:cNvSpPr txBox="1"/>
+          <p:nvPr/>
+        </p:nvSpPr>
+        <p:spPr>
+          <a:xfrm>
+            <a:off x="838201" y="2327532"/>
+            <a:ext cx="4120662" cy="400110"/>
+          </a:xfrm>
+          <a:prstGeom prst="rect">
+            <a:avLst/>
+          </a:prstGeom>
+          <a:noFill/>
+        </p:spPr>
+        <p:txBody>
+          <a:bodyPr wrap="square" rtlCol="0">
+            <a:spAutoFit/>
+          </a:bodyPr>
+          <a:lstStyle/>
+          <a:p>
+            <a:pPr algn="r"/>
+            <a:r>
+              <a:rPr lang="en-US" sz="2000" dirty="0"/>
+              <a:t>.git/refs/heads/main</a:t>
+            </a:r>
+            <a:endParaRPr lang="en-NL" sz="2000" dirty="0"/>
+          </a:p>
+        </p:txBody>
+      </p:sp>
+    </p:spTree>
+    <p:extLst>
+      <p:ext uri="{BB962C8B-B14F-4D97-AF65-F5344CB8AC3E}">
+        <p14:creationId xmlns:p14="http://schemas.microsoft.com/office/powerpoint/2010/main" val="452982329"/>
+      </p:ext>
+    </p:extLst>
+  </p:cSld>
+  <p:clrMapOvr>
+    <a:masterClrMapping/>
+  </p:clrMapOvr>
+</p:sld>
+</file>
+
+<file path=ppt/slides/slide2.xml><?xml version="1.0" encoding="utf-8"?>
+<p:sld xmlns:a="http://schemas.openxmlformats.org/drawingml/2006/main" xmlns:r="http://schemas.openxmlformats.org/officeDocument/2006/relationships" xmlns:p="http://schemas.openxmlformats.org/presentationml/2006/main">
+  <p:cSld>
+    <p:spTree>
+      <p:nvGrpSpPr>
+        <p:cNvPr id="1" name=""/>
+        <p:cNvGrpSpPr/>
+        <p:nvPr/>
+      </p:nvGrpSpPr>
+      <p:grpSpPr>
+        <a:xfrm>
+          <a:off x="0" y="0"/>
+          <a:ext cx="0" cy="0"/>
+          <a:chOff x="0" y="0"/>
+          <a:chExt cx="0" cy="0"/>
+        </a:xfrm>
+      </p:grpSpPr>
+      <p:sp>
+        <p:nvSpPr>
+          <p:cNvPr id="2" name="Title 1">
+            <a:extLst>
+              <a:ext uri="{FF2B5EF4-FFF2-40B4-BE49-F238E27FC236}">
+                <a16:creationId xmlns:a16="http://schemas.microsoft.com/office/drawing/2014/main" id="{39A1D606-8DD1-369C-5C09-471CDD551AD5}"/>
+              </a:ext>
+            </a:extLst>
+          </p:cNvPr>
+          <p:cNvSpPr>
+            <a:spLocks noGrp="1"/>
+          </p:cNvSpPr>
+          <p:nvPr>
+            <p:ph type="title"/>
+          </p:nvPr>
+        </p:nvSpPr>
+        <p:spPr>
+          <a:xfrm>
+            <a:off x="838200" y="365126"/>
+            <a:ext cx="10515600" cy="718608"/>
+          </a:xfrm>
+        </p:spPr>
+        <p:txBody>
+          <a:bodyPr>
+            <a:normAutofit/>
+          </a:bodyPr>
+          <a:lstStyle/>
+          <a:p>
+            <a:r>
+              <a:rPr lang="nl-NL" sz="3600" noProof="0" dirty="0"/>
+              <a:t>Agenda</a:t>
+            </a:r>
+          </a:p>
+        </p:txBody>
+      </p:sp>
+      <p:sp>
+        <p:nvSpPr>
+          <p:cNvPr id="3" name="Content Placeholder 2">
+            <a:extLst>
+              <a:ext uri="{FF2B5EF4-FFF2-40B4-BE49-F238E27FC236}">
+                <a16:creationId xmlns:a16="http://schemas.microsoft.com/office/drawing/2014/main" id="{F4C2D286-E049-0AAB-1360-B7157E11AD7E}"/>
+              </a:ext>
+            </a:extLst>
+          </p:cNvPr>
+          <p:cNvSpPr>
+            <a:spLocks noGrp="1"/>
+          </p:cNvSpPr>
+          <p:nvPr>
+            <p:ph idx="1"/>
+          </p:nvPr>
+        </p:nvSpPr>
+        <p:spPr>
+          <a:xfrm>
+            <a:off x="838200" y="1456267"/>
+            <a:ext cx="10515600" cy="4720696"/>
+          </a:xfrm>
+        </p:spPr>
+        <p:txBody>
+          <a:bodyPr>
+            <a:normAutofit/>
+          </a:bodyPr>
+          <a:lstStyle/>
+          <a:p>
+            <a:pPr>
+              <a:spcAft>
+                <a:spcPts val="600"/>
+              </a:spcAft>
+            </a:pPr>
+            <a:r>
+              <a:rPr lang="nl-NL" sz="2000" noProof="0" dirty="0"/>
+              <a:t>Introductie</a:t>
+            </a:r>
+            <a:endParaRPr lang="nl-NL" sz="2000" dirty="0"/>
+          </a:p>
+          <a:p>
+            <a:pPr lvl="1">
+              <a:spcAft>
+                <a:spcPts val="600"/>
+              </a:spcAft>
+            </a:pPr>
+            <a:r>
+              <a:rPr lang="nl-NL" sz="1600" noProof="0" dirty="0"/>
+              <a:t>Wat is git?</a:t>
+            </a:r>
+          </a:p>
+          <a:p>
+            <a:pPr lvl="1">
+              <a:spcAft>
+                <a:spcPts val="600"/>
+              </a:spcAft>
+            </a:pPr>
+            <a:r>
+              <a:rPr lang="nl-NL" sz="1600" noProof="0" dirty="0"/>
+              <a:t>Hoe werkt git?</a:t>
+            </a:r>
+          </a:p>
+          <a:p>
+            <a:pPr>
+              <a:spcAft>
+                <a:spcPts val="600"/>
+              </a:spcAft>
+            </a:pPr>
+            <a:r>
+              <a:rPr lang="nl-NL" sz="2000" dirty="0"/>
+              <a:t>Werken met versies</a:t>
+            </a:r>
+            <a:endParaRPr lang="nl-NL" sz="1600" dirty="0"/>
+          </a:p>
+          <a:p>
+            <a:pPr lvl="1">
+              <a:spcAft>
+                <a:spcPts val="600"/>
+              </a:spcAft>
+            </a:pPr>
+            <a:r>
+              <a:rPr lang="nl-NL" sz="1600" dirty="0"/>
+              <a:t>Repository opzetten</a:t>
+            </a:r>
+            <a:endParaRPr lang="nl-NL" sz="1600" noProof="0" dirty="0"/>
+          </a:p>
+          <a:p>
+            <a:pPr lvl="1">
+              <a:spcAft>
+                <a:spcPts val="600"/>
+              </a:spcAft>
+            </a:pPr>
+            <a:r>
+              <a:rPr lang="nl-NL" sz="1600" dirty="0"/>
+              <a:t>Een </a:t>
+            </a:r>
+            <a:r>
+              <a:rPr lang="nl-NL" sz="1600" dirty="0" err="1"/>
+              <a:t>commit</a:t>
+            </a:r>
+            <a:r>
+              <a:rPr lang="nl-NL" sz="1600" dirty="0"/>
+              <a:t> aanmaken.</a:t>
+            </a:r>
+          </a:p>
+          <a:p>
+            <a:pPr lvl="1">
+              <a:spcAft>
+                <a:spcPts val="600"/>
+              </a:spcAft>
+            </a:pPr>
+            <a:r>
+              <a:rPr lang="nl-NL" sz="1600" dirty="0"/>
+              <a:t>Wat gebeurt er in de </a:t>
+            </a:r>
+            <a:r>
+              <a:rPr lang="nl-NL" sz="1600" dirty="0" err="1"/>
+              <a:t>repository</a:t>
+            </a:r>
+            <a:r>
+              <a:rPr lang="nl-NL" sz="1600" dirty="0"/>
+              <a:t>?</a:t>
+            </a:r>
+          </a:p>
+          <a:p>
+            <a:pPr lvl="1">
+              <a:spcAft>
+                <a:spcPts val="600"/>
+              </a:spcAft>
+            </a:pPr>
+            <a:r>
+              <a:rPr lang="nl-NL" sz="1600" dirty="0"/>
+              <a:t>Fouten herstellen.</a:t>
+            </a:r>
+          </a:p>
+          <a:p>
+            <a:pPr>
+              <a:spcAft>
+                <a:spcPts val="600"/>
+              </a:spcAft>
+            </a:pPr>
+            <a:r>
+              <a:rPr lang="nl-NL" sz="2000" dirty="0"/>
+              <a:t>Aftakkingen aanmaken</a:t>
+            </a:r>
+          </a:p>
+          <a:p>
+            <a:pPr lvl="1">
+              <a:spcAft>
+                <a:spcPts val="600"/>
+              </a:spcAft>
+            </a:pPr>
+            <a:r>
+              <a:rPr lang="nl-NL" sz="1600" dirty="0" err="1"/>
+              <a:t>Branch</a:t>
+            </a:r>
+            <a:r>
+              <a:rPr lang="nl-NL" sz="1600" dirty="0"/>
+              <a:t> aanmaken.</a:t>
+            </a:r>
+          </a:p>
+          <a:p>
+            <a:pPr lvl="1">
+              <a:spcAft>
+                <a:spcPts val="600"/>
+              </a:spcAft>
+            </a:pPr>
+            <a:r>
+              <a:rPr lang="nl-NL" sz="1600" noProof="0" dirty="0" err="1"/>
+              <a:t>Merge</a:t>
+            </a:r>
+            <a:r>
+              <a:rPr lang="nl-NL" sz="1600" noProof="0" dirty="0"/>
+              <a:t> strategieën.</a:t>
+            </a:r>
+          </a:p>
+          <a:p>
+            <a:pPr lvl="1">
+              <a:spcAft>
+                <a:spcPts val="600"/>
+              </a:spcAft>
+            </a:pPr>
+            <a:r>
+              <a:rPr lang="nl-NL" sz="1600" noProof="0" dirty="0"/>
+              <a:t>Conflicten oplossen.</a:t>
+            </a:r>
+          </a:p>
+          <a:p>
+            <a:pPr lvl="1">
+              <a:spcAft>
+                <a:spcPts val="600"/>
+              </a:spcAft>
+            </a:pPr>
+            <a:endParaRPr lang="nl-NL" sz="1600" noProof="0" dirty="0"/>
+          </a:p>
+        </p:txBody>
+      </p:sp>
+      <p:pic>
+        <p:nvPicPr>
+          <p:cNvPr id="4" name="Picture 3">
+            <a:extLst>
+              <a:ext uri="{FF2B5EF4-FFF2-40B4-BE49-F238E27FC236}">
+                <a16:creationId xmlns:a16="http://schemas.microsoft.com/office/drawing/2014/main" id="{10F1785D-DBAB-C34E-4C20-A2078BA9DAEA}"/>
+              </a:ext>
+            </a:extLst>
+          </p:cNvPr>
+          <p:cNvPicPr>
+            <a:picLocks noChangeAspect="1"/>
+          </p:cNvPicPr>
+          <p:nvPr/>
+        </p:nvPicPr>
+        <p:blipFill>
+          <a:blip r:embed="rId2"/>
+          <a:stretch>
+            <a:fillRect/>
+          </a:stretch>
+        </p:blipFill>
+        <p:spPr>
+          <a:xfrm rot="1217736">
+            <a:off x="8321964" y="3685187"/>
+            <a:ext cx="2694468" cy="2415360"/>
+          </a:xfrm>
+          <a:prstGeom prst="rect">
+            <a:avLst/>
+          </a:prstGeom>
+        </p:spPr>
+      </p:pic>
+    </p:spTree>
+    <p:extLst>
+      <p:ext uri="{BB962C8B-B14F-4D97-AF65-F5344CB8AC3E}">
+        <p14:creationId xmlns:p14="http://schemas.microsoft.com/office/powerpoint/2010/main" val="1265611121"/>
+      </p:ext>
+    </p:extLst>
+  </p:cSld>
+  <p:clrMapOvr>
+    <a:masterClrMapping/>
+  </p:clrMapOvr>
+</p:sld>
+</file>
+
+<file path=ppt/slides/slide20.xml><?xml version="1.0" encoding="utf-8"?>
+<p:sld xmlns:a="http://schemas.openxmlformats.org/drawingml/2006/main" xmlns:r="http://schemas.openxmlformats.org/officeDocument/2006/relationships" xmlns:p="http://schemas.openxmlformats.org/presentationml/2006/main">
+  <p:cSld>
+    <p:spTree>
+      <p:nvGrpSpPr>
+        <p:cNvPr id="1" name="">
+          <a:extLst>
+            <a:ext uri="{FF2B5EF4-FFF2-40B4-BE49-F238E27FC236}">
+              <a16:creationId xmlns:a16="http://schemas.microsoft.com/office/drawing/2014/main" id="{84DD7D9F-47E1-8C8E-7578-C8AE56D7081B}"/>
+            </a:ext>
+          </a:extLst>
+        </p:cNvPr>
+        <p:cNvGrpSpPr/>
+        <p:nvPr/>
+      </p:nvGrpSpPr>
+      <p:grpSpPr>
+        <a:xfrm>
+          <a:off x="0" y="0"/>
+          <a:ext cx="0" cy="0"/>
+          <a:chOff x="0" y="0"/>
+          <a:chExt cx="0" cy="0"/>
+        </a:xfrm>
+      </p:grpSpPr>
+      <p:sp>
+        <p:nvSpPr>
+          <p:cNvPr id="2" name="Title 1">
+            <a:extLst>
+              <a:ext uri="{FF2B5EF4-FFF2-40B4-BE49-F238E27FC236}">
+                <a16:creationId xmlns:a16="http://schemas.microsoft.com/office/drawing/2014/main" id="{4C3153AE-2D0F-36F3-E459-68C843239D8E}"/>
+              </a:ext>
+            </a:extLst>
+          </p:cNvPr>
+          <p:cNvSpPr>
+            <a:spLocks noGrp="1"/>
+          </p:cNvSpPr>
+          <p:nvPr>
+            <p:ph type="title"/>
+          </p:nvPr>
+        </p:nvSpPr>
+        <p:spPr>
+          <a:xfrm>
+            <a:off x="838200" y="365126"/>
+            <a:ext cx="10515600" cy="718608"/>
+          </a:xfrm>
+        </p:spPr>
+        <p:txBody>
+          <a:bodyPr>
+            <a:normAutofit/>
+          </a:bodyPr>
+          <a:lstStyle/>
+          <a:p>
+            <a:r>
+              <a:rPr lang="nl-NL" sz="3600" noProof="0" dirty="0"/>
+              <a:t>Branches</a:t>
+            </a:r>
+          </a:p>
+        </p:txBody>
+      </p:sp>
+      <p:sp>
+        <p:nvSpPr>
+          <p:cNvPr id="6" name="TextBox 5">
+            <a:extLst>
+              <a:ext uri="{FF2B5EF4-FFF2-40B4-BE49-F238E27FC236}">
+                <a16:creationId xmlns:a16="http://schemas.microsoft.com/office/drawing/2014/main" id="{6ADE1031-8178-77E7-FA69-BAEDEC31FAB6}"/>
+              </a:ext>
+            </a:extLst>
+          </p:cNvPr>
+          <p:cNvSpPr txBox="1"/>
+          <p:nvPr/>
+        </p:nvSpPr>
+        <p:spPr>
+          <a:xfrm>
+            <a:off x="838201" y="2327532"/>
+            <a:ext cx="4120662" cy="400110"/>
+          </a:xfrm>
+          <a:prstGeom prst="rect">
+            <a:avLst/>
+          </a:prstGeom>
+          <a:noFill/>
+        </p:spPr>
+        <p:txBody>
+          <a:bodyPr wrap="square" rtlCol="0">
+            <a:spAutoFit/>
+          </a:bodyPr>
+          <a:lstStyle/>
+          <a:p>
+            <a:pPr algn="r"/>
+            <a:r>
+              <a:rPr lang="en-US" sz="2000" dirty="0"/>
+              <a:t>.git/refs/heads/main</a:t>
+            </a:r>
+            <a:endParaRPr lang="en-NL" sz="2000" dirty="0"/>
+          </a:p>
+        </p:txBody>
+      </p:sp>
+      <p:grpSp>
+        <p:nvGrpSpPr>
+          <p:cNvPr id="4" name="Group 3">
+            <a:extLst>
+              <a:ext uri="{FF2B5EF4-FFF2-40B4-BE49-F238E27FC236}">
+                <a16:creationId xmlns:a16="http://schemas.microsoft.com/office/drawing/2014/main" id="{98B7DAD4-8A8E-512B-6C3D-69B52333F26F}"/>
+              </a:ext>
+            </a:extLst>
+          </p:cNvPr>
+          <p:cNvGrpSpPr/>
+          <p:nvPr/>
+        </p:nvGrpSpPr>
+        <p:grpSpPr>
+          <a:xfrm>
+            <a:off x="838200" y="3020540"/>
+            <a:ext cx="5984463" cy="327320"/>
+            <a:chOff x="1654294" y="2795457"/>
+            <a:chExt cx="5984463" cy="327320"/>
+          </a:xfrm>
+        </p:grpSpPr>
+        <p:cxnSp>
+          <p:nvCxnSpPr>
+            <p:cNvPr id="5" name="Straight Arrow Connector 4">
+              <a:extLst>
+                <a:ext uri="{FF2B5EF4-FFF2-40B4-BE49-F238E27FC236}">
+                  <a16:creationId xmlns:a16="http://schemas.microsoft.com/office/drawing/2014/main" id="{555489F0-6C9B-578B-0C97-59A3730C8678}"/>
+                </a:ext>
+              </a:extLst>
+            </p:cNvPr>
+            <p:cNvCxnSpPr>
+              <a:cxnSpLocks/>
+            </p:cNvCxnSpPr>
+            <p:nvPr/>
+          </p:nvCxnSpPr>
+          <p:spPr>
+            <a:xfrm>
+              <a:off x="1654294" y="2956562"/>
+              <a:ext cx="5984463" cy="0"/>
+            </a:xfrm>
+            <a:prstGeom prst="straightConnector1">
+              <a:avLst/>
+            </a:prstGeom>
+            <a:ln>
+              <a:tailEnd type="triangle"/>
+            </a:ln>
+          </p:spPr>
+          <p:style>
+            <a:lnRef idx="3">
+              <a:schemeClr val="dk1"/>
+            </a:lnRef>
+            <a:fillRef idx="0">
+              <a:schemeClr val="dk1"/>
+            </a:fillRef>
+            <a:effectRef idx="2">
+              <a:schemeClr val="dk1"/>
+            </a:effectRef>
+            <a:fontRef idx="minor">
+              <a:schemeClr val="tx1"/>
+            </a:fontRef>
+          </p:style>
+        </p:cxnSp>
+        <p:sp>
+          <p:nvSpPr>
+            <p:cNvPr id="56" name="Oval 55">
+              <a:extLst>
+                <a:ext uri="{FF2B5EF4-FFF2-40B4-BE49-F238E27FC236}">
+                  <a16:creationId xmlns:a16="http://schemas.microsoft.com/office/drawing/2014/main" id="{95B0F8BA-81C6-E7B0-97CB-62FCE4F6D8D7}"/>
+                </a:ext>
+              </a:extLst>
+            </p:cNvPr>
+            <p:cNvSpPr/>
+            <p:nvPr/>
+          </p:nvSpPr>
+          <p:spPr>
+            <a:xfrm>
+              <a:off x="2471339" y="2795458"/>
+              <a:ext cx="323160" cy="322207"/>
+            </a:xfrm>
+            <a:prstGeom prst="ellipse">
+              <a:avLst/>
+            </a:prstGeom>
+          </p:spPr>
+          <p:style>
+            <a:lnRef idx="2">
+              <a:schemeClr val="dk1"/>
+            </a:lnRef>
+            <a:fillRef idx="1">
+              <a:schemeClr val="lt1"/>
+            </a:fillRef>
+            <a:effectRef idx="0">
+              <a:schemeClr val="dk1"/>
+            </a:effectRef>
+            <a:fontRef idx="minor">
+              <a:schemeClr val="dk1"/>
+            </a:fontRef>
+          </p:style>
+          <p:txBody>
+            <a:bodyPr rtlCol="0" anchor="ctr"/>
+            <a:lstStyle/>
+            <a:p>
+              <a:pPr algn="ctr"/>
+              <a:r>
+                <a:rPr lang="en-US" dirty="0"/>
+                <a:t>C</a:t>
+              </a:r>
+              <a:endParaRPr lang="en-NL" dirty="0"/>
+            </a:p>
+          </p:txBody>
+        </p:sp>
+        <p:sp>
+          <p:nvSpPr>
+            <p:cNvPr id="57" name="Oval 56">
+              <a:extLst>
+                <a:ext uri="{FF2B5EF4-FFF2-40B4-BE49-F238E27FC236}">
+                  <a16:creationId xmlns:a16="http://schemas.microsoft.com/office/drawing/2014/main" id="{B0A793F7-8998-BB5A-274E-B4847236FF30}"/>
+                </a:ext>
+              </a:extLst>
+            </p:cNvPr>
+            <p:cNvSpPr/>
+            <p:nvPr/>
+          </p:nvSpPr>
+          <p:spPr>
+            <a:xfrm>
+              <a:off x="4484945" y="2795457"/>
+              <a:ext cx="323160" cy="322207"/>
+            </a:xfrm>
+            <a:prstGeom prst="ellipse">
+              <a:avLst/>
+            </a:prstGeom>
+          </p:spPr>
+          <p:style>
+            <a:lnRef idx="2">
+              <a:schemeClr val="dk1"/>
+            </a:lnRef>
+            <a:fillRef idx="1">
+              <a:schemeClr val="lt1"/>
+            </a:fillRef>
+            <a:effectRef idx="0">
+              <a:schemeClr val="dk1"/>
+            </a:effectRef>
+            <a:fontRef idx="minor">
+              <a:schemeClr val="dk1"/>
+            </a:fontRef>
+          </p:style>
+          <p:txBody>
+            <a:bodyPr rtlCol="0" anchor="ctr"/>
+            <a:lstStyle/>
+            <a:p>
+              <a:pPr algn="ctr"/>
+              <a:r>
+                <a:rPr lang="en-US" dirty="0"/>
+                <a:t>C</a:t>
+              </a:r>
+              <a:endParaRPr lang="en-NL" dirty="0"/>
+            </a:p>
+          </p:txBody>
+        </p:sp>
+        <p:sp>
+          <p:nvSpPr>
+            <p:cNvPr id="58" name="Oval 57">
+              <a:extLst>
+                <a:ext uri="{FF2B5EF4-FFF2-40B4-BE49-F238E27FC236}">
+                  <a16:creationId xmlns:a16="http://schemas.microsoft.com/office/drawing/2014/main" id="{C4233D90-6EE6-E231-E720-ACCFAD445D44}"/>
+                </a:ext>
+              </a:extLst>
+            </p:cNvPr>
+            <p:cNvSpPr/>
+            <p:nvPr/>
+          </p:nvSpPr>
+          <p:spPr>
+            <a:xfrm>
+              <a:off x="6498551" y="2800570"/>
+              <a:ext cx="323160" cy="322207"/>
+            </a:xfrm>
+            <a:prstGeom prst="ellipse">
+              <a:avLst/>
+            </a:prstGeom>
+            <a:solidFill>
+              <a:schemeClr val="accent1">
+                <a:lumMod val="40000"/>
+                <a:lumOff val="60000"/>
+              </a:schemeClr>
+            </a:solidFill>
+          </p:spPr>
+          <p:style>
+            <a:lnRef idx="2">
+              <a:schemeClr val="dk1"/>
+            </a:lnRef>
+            <a:fillRef idx="1">
+              <a:schemeClr val="lt1"/>
+            </a:fillRef>
+            <a:effectRef idx="0">
+              <a:schemeClr val="dk1"/>
+            </a:effectRef>
+            <a:fontRef idx="minor">
+              <a:schemeClr val="dk1"/>
+            </a:fontRef>
+          </p:style>
+          <p:txBody>
+            <a:bodyPr rtlCol="0" anchor="ctr"/>
+            <a:lstStyle/>
+            <a:p>
+              <a:pPr algn="ctr"/>
+              <a:r>
+                <a:rPr lang="en-US" dirty="0"/>
+                <a:t>C</a:t>
+              </a:r>
+              <a:endParaRPr lang="en-NL" dirty="0"/>
+            </a:p>
+          </p:txBody>
+        </p:sp>
+      </p:grpSp>
+      <p:cxnSp>
+        <p:nvCxnSpPr>
+          <p:cNvPr id="8" name="Connector: Elbow 7">
+            <a:extLst>
+              <a:ext uri="{FF2B5EF4-FFF2-40B4-BE49-F238E27FC236}">
+                <a16:creationId xmlns:a16="http://schemas.microsoft.com/office/drawing/2014/main" id="{03632D0C-03C7-CA31-F33B-E759D9C4B6F3}"/>
+              </a:ext>
+            </a:extLst>
+          </p:cNvPr>
+          <p:cNvCxnSpPr>
+            <a:cxnSpLocks/>
+          </p:cNvCxnSpPr>
+          <p:nvPr/>
+        </p:nvCxnSpPr>
+        <p:spPr>
+          <a:xfrm>
+            <a:off x="4958862" y="2553285"/>
+            <a:ext cx="885175" cy="416096"/>
+          </a:xfrm>
+          <a:prstGeom prst="bentConnector2">
+            <a:avLst/>
+          </a:prstGeom>
+          <a:ln>
+            <a:tailEnd type="triangle"/>
+          </a:ln>
+        </p:spPr>
+        <p:style>
+          <a:lnRef idx="2">
+            <a:schemeClr val="dk1"/>
+          </a:lnRef>
+          <a:fillRef idx="0">
+            <a:schemeClr val="dk1"/>
+          </a:fillRef>
+          <a:effectRef idx="1">
+            <a:schemeClr val="dk1"/>
+          </a:effectRef>
+          <a:fontRef idx="minor">
+            <a:schemeClr val="tx1"/>
+          </a:fontRef>
+        </p:style>
+      </p:cxnSp>
+      <p:sp>
+        <p:nvSpPr>
+          <p:cNvPr id="11" name="Rectangle 10">
+            <a:extLst>
+              <a:ext uri="{FF2B5EF4-FFF2-40B4-BE49-F238E27FC236}">
+                <a16:creationId xmlns:a16="http://schemas.microsoft.com/office/drawing/2014/main" id="{3BC9E93B-0910-0C46-CF7E-97CBE08D5954}"/>
+              </a:ext>
+            </a:extLst>
+          </p:cNvPr>
+          <p:cNvSpPr/>
+          <p:nvPr/>
+        </p:nvSpPr>
+        <p:spPr>
+          <a:xfrm>
+            <a:off x="2265401" y="4245581"/>
+            <a:ext cx="3578636" cy="1033976"/>
+          </a:xfrm>
+          <a:prstGeom prst="rect">
+            <a:avLst/>
+          </a:prstGeom>
+          <a:solidFill>
+            <a:schemeClr val="accent4">
+              <a:lumMod val="20000"/>
+              <a:lumOff val="80000"/>
+            </a:schemeClr>
+          </a:solidFill>
+          <a:ln>
+            <a:solidFill>
+              <a:schemeClr val="accent4">
+                <a:lumMod val="60000"/>
+                <a:lumOff val="40000"/>
+              </a:schemeClr>
+            </a:solidFill>
+          </a:ln>
+        </p:spPr>
+        <p:style>
+          <a:lnRef idx="2">
+            <a:schemeClr val="accent1">
+              <a:shade val="15000"/>
+            </a:schemeClr>
+          </a:lnRef>
+          <a:fillRef idx="1">
+            <a:schemeClr val="accent1"/>
+          </a:fillRef>
+          <a:effectRef idx="0">
+            <a:schemeClr val="accent1"/>
+          </a:effectRef>
+          <a:fontRef idx="minor">
+            <a:schemeClr val="lt1"/>
+          </a:fontRef>
+        </p:style>
+        <p:txBody>
+          <a:bodyPr rtlCol="0" anchor="ctr"/>
+          <a:lstStyle/>
+          <a:p>
+            <a:pPr algn="ctr"/>
+            <a:r>
+              <a:rPr lang="en-US" dirty="0">
+                <a:solidFill>
+                  <a:sysClr val="windowText" lastClr="000000"/>
+                </a:solidFill>
+              </a:rPr>
+              <a:t>Maak </a:t>
+            </a:r>
+            <a:r>
+              <a:rPr lang="en-US" dirty="0" err="1">
+                <a:solidFill>
+                  <a:sysClr val="windowText" lastClr="000000"/>
+                </a:solidFill>
+              </a:rPr>
+              <a:t>nieuwe</a:t>
+            </a:r>
+            <a:r>
+              <a:rPr lang="en-US" dirty="0">
+                <a:solidFill>
+                  <a:sysClr val="windowText" lastClr="000000"/>
+                </a:solidFill>
+              </a:rPr>
+              <a:t> develop branch </a:t>
+            </a:r>
+            <a:r>
+              <a:rPr lang="en-US" dirty="0" err="1">
+                <a:solidFill>
+                  <a:sysClr val="windowText" lastClr="000000"/>
+                </a:solidFill>
+              </a:rPr>
+              <a:t>aan</a:t>
+            </a:r>
+            <a:r>
+              <a:rPr lang="en-US" dirty="0">
+                <a:solidFill>
+                  <a:sysClr val="windowText" lastClr="000000"/>
+                </a:solidFill>
+              </a:rPr>
+              <a:t>: </a:t>
+            </a:r>
+            <a:r>
+              <a:rPr lang="en-US" dirty="0">
+                <a:solidFill>
+                  <a:sysClr val="windowText" lastClr="000000"/>
+                </a:solidFill>
+                <a:latin typeface="Courier New" panose="02070309020205020404" pitchFamily="49" charset="0"/>
+                <a:cs typeface="Courier New" panose="02070309020205020404" pitchFamily="49" charset="0"/>
+              </a:rPr>
+              <a:t>git checkout –b develop</a:t>
+            </a:r>
+            <a:endParaRPr lang="en-NL" dirty="0">
+              <a:solidFill>
+                <a:sysClr val="windowText" lastClr="000000"/>
+              </a:solidFill>
+            </a:endParaRPr>
+          </a:p>
+        </p:txBody>
+      </p:sp>
+      <p:sp>
+        <p:nvSpPr>
+          <p:cNvPr id="7" name="TextBox 6">
+            <a:extLst>
+              <a:ext uri="{FF2B5EF4-FFF2-40B4-BE49-F238E27FC236}">
+                <a16:creationId xmlns:a16="http://schemas.microsoft.com/office/drawing/2014/main" id="{35C7C98F-1E1C-F350-C364-2FE1D4AD5247}"/>
+              </a:ext>
+            </a:extLst>
+          </p:cNvPr>
+          <p:cNvSpPr txBox="1"/>
+          <p:nvPr/>
+        </p:nvSpPr>
+        <p:spPr>
+          <a:xfrm>
+            <a:off x="838200" y="3605709"/>
+            <a:ext cx="4120662" cy="400110"/>
+          </a:xfrm>
+          <a:prstGeom prst="rect">
+            <a:avLst/>
+          </a:prstGeom>
+          <a:noFill/>
+        </p:spPr>
+        <p:txBody>
+          <a:bodyPr wrap="square" rtlCol="0">
+            <a:spAutoFit/>
+          </a:bodyPr>
+          <a:lstStyle/>
+          <a:p>
+            <a:pPr algn="r"/>
+            <a:r>
+              <a:rPr lang="en-US" sz="2000" dirty="0"/>
+              <a:t>.git/refs/heads/develop</a:t>
+            </a:r>
+            <a:endParaRPr lang="en-NL" sz="2000" dirty="0"/>
+          </a:p>
+        </p:txBody>
+      </p:sp>
+      <p:cxnSp>
+        <p:nvCxnSpPr>
+          <p:cNvPr id="9" name="Connector: Elbow 8">
+            <a:extLst>
+              <a:ext uri="{FF2B5EF4-FFF2-40B4-BE49-F238E27FC236}">
+                <a16:creationId xmlns:a16="http://schemas.microsoft.com/office/drawing/2014/main" id="{426155D7-4C37-3615-88BA-B7088C60AAD2}"/>
+              </a:ext>
+            </a:extLst>
+          </p:cNvPr>
+          <p:cNvCxnSpPr>
+            <a:cxnSpLocks/>
+          </p:cNvCxnSpPr>
+          <p:nvPr/>
+        </p:nvCxnSpPr>
+        <p:spPr>
+          <a:xfrm flipV="1">
+            <a:off x="4958862" y="3406222"/>
+            <a:ext cx="885175" cy="416096"/>
+          </a:xfrm>
+          <a:prstGeom prst="bentConnector2">
+            <a:avLst/>
+          </a:prstGeom>
+          <a:ln>
+            <a:tailEnd type="triangle"/>
+          </a:ln>
+        </p:spPr>
+        <p:style>
+          <a:lnRef idx="2">
+            <a:schemeClr val="dk1"/>
+          </a:lnRef>
+          <a:fillRef idx="0">
+            <a:schemeClr val="dk1"/>
+          </a:fillRef>
+          <a:effectRef idx="1">
+            <a:schemeClr val="dk1"/>
+          </a:effectRef>
+          <a:fontRef idx="minor">
+            <a:schemeClr val="tx1"/>
+          </a:fontRef>
+        </p:style>
+      </p:cxnSp>
+    </p:spTree>
+    <p:extLst>
+      <p:ext uri="{BB962C8B-B14F-4D97-AF65-F5344CB8AC3E}">
+        <p14:creationId xmlns:p14="http://schemas.microsoft.com/office/powerpoint/2010/main" val="4257184232"/>
+      </p:ext>
+    </p:extLst>
+  </p:cSld>
+  <p:clrMapOvr>
+    <a:masterClrMapping/>
+  </p:clrMapOvr>
+</p:sld>
+</file>
+
+<file path=ppt/slides/slide21.xml><?xml version="1.0" encoding="utf-8"?>
+<p:sld xmlns:a="http://schemas.openxmlformats.org/drawingml/2006/main" xmlns:r="http://schemas.openxmlformats.org/officeDocument/2006/relationships" xmlns:p="http://schemas.openxmlformats.org/presentationml/2006/main">
+  <p:cSld>
+    <p:spTree>
+      <p:nvGrpSpPr>
+        <p:cNvPr id="1" name="">
+          <a:extLst>
+            <a:ext uri="{FF2B5EF4-FFF2-40B4-BE49-F238E27FC236}">
+              <a16:creationId xmlns:a16="http://schemas.microsoft.com/office/drawing/2014/main" id="{AE46A346-5907-3C92-0227-95A6C97317FF}"/>
+            </a:ext>
+          </a:extLst>
+        </p:cNvPr>
+        <p:cNvGrpSpPr/>
+        <p:nvPr/>
+      </p:nvGrpSpPr>
+      <p:grpSpPr>
+        <a:xfrm>
+          <a:off x="0" y="0"/>
+          <a:ext cx="0" cy="0"/>
+          <a:chOff x="0" y="0"/>
+          <a:chExt cx="0" cy="0"/>
+        </a:xfrm>
+      </p:grpSpPr>
+      <p:sp>
+        <p:nvSpPr>
+          <p:cNvPr id="2" name="Title 1">
+            <a:extLst>
+              <a:ext uri="{FF2B5EF4-FFF2-40B4-BE49-F238E27FC236}">
+                <a16:creationId xmlns:a16="http://schemas.microsoft.com/office/drawing/2014/main" id="{BD77CB24-7701-3645-E997-944459444B6E}"/>
+              </a:ext>
+            </a:extLst>
+          </p:cNvPr>
+          <p:cNvSpPr>
+            <a:spLocks noGrp="1"/>
+          </p:cNvSpPr>
+          <p:nvPr>
+            <p:ph type="title"/>
+          </p:nvPr>
+        </p:nvSpPr>
+        <p:spPr>
+          <a:xfrm>
+            <a:off x="838200" y="365126"/>
+            <a:ext cx="10515600" cy="718608"/>
+          </a:xfrm>
+        </p:spPr>
+        <p:txBody>
+          <a:bodyPr>
+            <a:normAutofit/>
+          </a:bodyPr>
+          <a:lstStyle/>
+          <a:p>
+            <a:r>
+              <a:rPr lang="nl-NL" sz="3600" noProof="0" dirty="0"/>
+              <a:t>Branches</a:t>
+            </a:r>
+          </a:p>
+        </p:txBody>
+      </p:sp>
+      <p:sp>
+        <p:nvSpPr>
+          <p:cNvPr id="6" name="TextBox 5">
+            <a:extLst>
+              <a:ext uri="{FF2B5EF4-FFF2-40B4-BE49-F238E27FC236}">
+                <a16:creationId xmlns:a16="http://schemas.microsoft.com/office/drawing/2014/main" id="{4F812B19-F698-A038-7526-A1BF20AC0A86}"/>
+              </a:ext>
+            </a:extLst>
+          </p:cNvPr>
+          <p:cNvSpPr txBox="1"/>
+          <p:nvPr/>
+        </p:nvSpPr>
+        <p:spPr>
+          <a:xfrm>
+            <a:off x="838201" y="2327532"/>
+            <a:ext cx="4120662" cy="400110"/>
+          </a:xfrm>
+          <a:prstGeom prst="rect">
+            <a:avLst/>
+          </a:prstGeom>
+          <a:noFill/>
+        </p:spPr>
+        <p:txBody>
+          <a:bodyPr wrap="square" rtlCol="0">
+            <a:spAutoFit/>
+          </a:bodyPr>
+          <a:lstStyle/>
+          <a:p>
+            <a:pPr algn="r"/>
+            <a:r>
+              <a:rPr lang="en-US" sz="2000" dirty="0"/>
+              <a:t>.git/refs/heads/main</a:t>
+            </a:r>
+            <a:endParaRPr lang="en-NL" sz="2000" dirty="0"/>
+          </a:p>
+        </p:txBody>
+      </p:sp>
+      <p:grpSp>
+        <p:nvGrpSpPr>
+          <p:cNvPr id="4" name="Group 3">
+            <a:extLst>
+              <a:ext uri="{FF2B5EF4-FFF2-40B4-BE49-F238E27FC236}">
+                <a16:creationId xmlns:a16="http://schemas.microsoft.com/office/drawing/2014/main" id="{0C29A910-20AF-46D1-78AE-81B88E740670}"/>
+              </a:ext>
+            </a:extLst>
+          </p:cNvPr>
+          <p:cNvGrpSpPr/>
+          <p:nvPr/>
+        </p:nvGrpSpPr>
+        <p:grpSpPr>
+          <a:xfrm>
+            <a:off x="838200" y="3020540"/>
+            <a:ext cx="5984463" cy="327320"/>
+            <a:chOff x="1654294" y="2795457"/>
+            <a:chExt cx="5984463" cy="327320"/>
+          </a:xfrm>
+        </p:grpSpPr>
+        <p:cxnSp>
+          <p:nvCxnSpPr>
+            <p:cNvPr id="5" name="Straight Arrow Connector 4">
+              <a:extLst>
+                <a:ext uri="{FF2B5EF4-FFF2-40B4-BE49-F238E27FC236}">
+                  <a16:creationId xmlns:a16="http://schemas.microsoft.com/office/drawing/2014/main" id="{C0D2033D-6902-C0B5-F889-46541CB1FE7F}"/>
+                </a:ext>
+              </a:extLst>
+            </p:cNvPr>
+            <p:cNvCxnSpPr>
+              <a:cxnSpLocks/>
+            </p:cNvCxnSpPr>
+            <p:nvPr/>
+          </p:nvCxnSpPr>
+          <p:spPr>
+            <a:xfrm>
+              <a:off x="1654294" y="2956562"/>
+              <a:ext cx="5984463" cy="0"/>
+            </a:xfrm>
+            <a:prstGeom prst="straightConnector1">
+              <a:avLst/>
+            </a:prstGeom>
+            <a:ln>
+              <a:tailEnd type="triangle"/>
+            </a:ln>
+          </p:spPr>
+          <p:style>
+            <a:lnRef idx="3">
+              <a:schemeClr val="dk1"/>
+            </a:lnRef>
+            <a:fillRef idx="0">
+              <a:schemeClr val="dk1"/>
+            </a:fillRef>
+            <a:effectRef idx="2">
+              <a:schemeClr val="dk1"/>
+            </a:effectRef>
+            <a:fontRef idx="minor">
+              <a:schemeClr val="tx1"/>
+            </a:fontRef>
+          </p:style>
+        </p:cxnSp>
+        <p:sp>
+          <p:nvSpPr>
+            <p:cNvPr id="56" name="Oval 55">
+              <a:extLst>
+                <a:ext uri="{FF2B5EF4-FFF2-40B4-BE49-F238E27FC236}">
+                  <a16:creationId xmlns:a16="http://schemas.microsoft.com/office/drawing/2014/main" id="{F9724904-653D-FCC6-6375-1BC2D57D2790}"/>
+                </a:ext>
+              </a:extLst>
+            </p:cNvPr>
+            <p:cNvSpPr/>
+            <p:nvPr/>
+          </p:nvSpPr>
+          <p:spPr>
+            <a:xfrm>
+              <a:off x="2471339" y="2795458"/>
+              <a:ext cx="323160" cy="322207"/>
+            </a:xfrm>
+            <a:prstGeom prst="ellipse">
+              <a:avLst/>
+            </a:prstGeom>
+          </p:spPr>
+          <p:style>
+            <a:lnRef idx="2">
+              <a:schemeClr val="dk1"/>
+            </a:lnRef>
+            <a:fillRef idx="1">
+              <a:schemeClr val="lt1"/>
+            </a:fillRef>
+            <a:effectRef idx="0">
+              <a:schemeClr val="dk1"/>
+            </a:effectRef>
+            <a:fontRef idx="minor">
+              <a:schemeClr val="dk1"/>
+            </a:fontRef>
+          </p:style>
+          <p:txBody>
+            <a:bodyPr rtlCol="0" anchor="ctr"/>
+            <a:lstStyle/>
+            <a:p>
+              <a:pPr algn="ctr"/>
+              <a:r>
+                <a:rPr lang="en-US" dirty="0"/>
+                <a:t>C</a:t>
+              </a:r>
+              <a:endParaRPr lang="en-NL" dirty="0"/>
+            </a:p>
+          </p:txBody>
+        </p:sp>
+        <p:sp>
+          <p:nvSpPr>
+            <p:cNvPr id="57" name="Oval 56">
+              <a:extLst>
+                <a:ext uri="{FF2B5EF4-FFF2-40B4-BE49-F238E27FC236}">
+                  <a16:creationId xmlns:a16="http://schemas.microsoft.com/office/drawing/2014/main" id="{94343D5A-01E6-83C1-9B14-2033F4531B24}"/>
+                </a:ext>
+              </a:extLst>
+            </p:cNvPr>
+            <p:cNvSpPr/>
+            <p:nvPr/>
+          </p:nvSpPr>
+          <p:spPr>
+            <a:xfrm>
+              <a:off x="4484945" y="2795457"/>
+              <a:ext cx="323160" cy="322207"/>
+            </a:xfrm>
+            <a:prstGeom prst="ellipse">
+              <a:avLst/>
+            </a:prstGeom>
+          </p:spPr>
+          <p:style>
+            <a:lnRef idx="2">
+              <a:schemeClr val="dk1"/>
+            </a:lnRef>
+            <a:fillRef idx="1">
+              <a:schemeClr val="lt1"/>
+            </a:fillRef>
+            <a:effectRef idx="0">
+              <a:schemeClr val="dk1"/>
+            </a:effectRef>
+            <a:fontRef idx="minor">
+              <a:schemeClr val="dk1"/>
+            </a:fontRef>
+          </p:style>
+          <p:txBody>
+            <a:bodyPr rtlCol="0" anchor="ctr"/>
+            <a:lstStyle/>
+            <a:p>
+              <a:pPr algn="ctr"/>
+              <a:r>
+                <a:rPr lang="en-US" dirty="0"/>
+                <a:t>C</a:t>
+              </a:r>
+              <a:endParaRPr lang="en-NL" dirty="0"/>
+            </a:p>
+          </p:txBody>
+        </p:sp>
+        <p:sp>
+          <p:nvSpPr>
+            <p:cNvPr id="58" name="Oval 57">
+              <a:extLst>
+                <a:ext uri="{FF2B5EF4-FFF2-40B4-BE49-F238E27FC236}">
+                  <a16:creationId xmlns:a16="http://schemas.microsoft.com/office/drawing/2014/main" id="{EAAD823F-15FB-F362-E3AE-5561686AA6CF}"/>
+                </a:ext>
+              </a:extLst>
+            </p:cNvPr>
+            <p:cNvSpPr/>
+            <p:nvPr/>
+          </p:nvSpPr>
+          <p:spPr>
+            <a:xfrm>
+              <a:off x="6498551" y="2800570"/>
+              <a:ext cx="323160" cy="322207"/>
+            </a:xfrm>
+            <a:prstGeom prst="ellipse">
+              <a:avLst/>
+            </a:prstGeom>
+            <a:solidFill>
+              <a:schemeClr val="accent1">
+                <a:lumMod val="40000"/>
+                <a:lumOff val="60000"/>
+              </a:schemeClr>
+            </a:solidFill>
+          </p:spPr>
+          <p:style>
+            <a:lnRef idx="2">
+              <a:schemeClr val="dk1"/>
+            </a:lnRef>
+            <a:fillRef idx="1">
+              <a:schemeClr val="lt1"/>
+            </a:fillRef>
+            <a:effectRef idx="0">
+              <a:schemeClr val="dk1"/>
+            </a:effectRef>
+            <a:fontRef idx="minor">
+              <a:schemeClr val="dk1"/>
+            </a:fontRef>
+          </p:style>
+          <p:txBody>
+            <a:bodyPr rtlCol="0" anchor="ctr"/>
+            <a:lstStyle/>
+            <a:p>
+              <a:pPr algn="ctr"/>
+              <a:r>
+                <a:rPr lang="en-US" dirty="0"/>
+                <a:t>C</a:t>
+              </a:r>
+              <a:endParaRPr lang="en-NL" dirty="0"/>
+            </a:p>
+          </p:txBody>
+        </p:sp>
+      </p:grpSp>
+      <p:cxnSp>
+        <p:nvCxnSpPr>
+          <p:cNvPr id="8" name="Connector: Elbow 7">
+            <a:extLst>
+              <a:ext uri="{FF2B5EF4-FFF2-40B4-BE49-F238E27FC236}">
+                <a16:creationId xmlns:a16="http://schemas.microsoft.com/office/drawing/2014/main" id="{61156AE1-CECB-757D-1581-F64628EB79CE}"/>
+              </a:ext>
+            </a:extLst>
+          </p:cNvPr>
+          <p:cNvCxnSpPr>
+            <a:cxnSpLocks/>
+          </p:cNvCxnSpPr>
+          <p:nvPr/>
+        </p:nvCxnSpPr>
+        <p:spPr>
+          <a:xfrm>
+            <a:off x="4958862" y="2553285"/>
+            <a:ext cx="885175" cy="416096"/>
+          </a:xfrm>
+          <a:prstGeom prst="bentConnector2">
+            <a:avLst/>
+          </a:prstGeom>
+          <a:ln>
+            <a:tailEnd type="triangle"/>
+          </a:ln>
+        </p:spPr>
+        <p:style>
+          <a:lnRef idx="2">
+            <a:schemeClr val="dk1"/>
+          </a:lnRef>
+          <a:fillRef idx="0">
+            <a:schemeClr val="dk1"/>
+          </a:fillRef>
+          <a:effectRef idx="1">
+            <a:schemeClr val="dk1"/>
+          </a:effectRef>
+          <a:fontRef idx="minor">
+            <a:schemeClr val="tx1"/>
+          </a:fontRef>
+        </p:style>
+      </p:cxnSp>
+      <p:sp>
+        <p:nvSpPr>
+          <p:cNvPr id="11" name="Rectangle 10">
+            <a:extLst>
+              <a:ext uri="{FF2B5EF4-FFF2-40B4-BE49-F238E27FC236}">
+                <a16:creationId xmlns:a16="http://schemas.microsoft.com/office/drawing/2014/main" id="{AE7B6040-D47C-6C27-0180-84F47D2F51F8}"/>
+              </a:ext>
+            </a:extLst>
+          </p:cNvPr>
+          <p:cNvSpPr/>
+          <p:nvPr/>
+        </p:nvSpPr>
+        <p:spPr>
+          <a:xfrm>
+            <a:off x="4432023" y="4394312"/>
+            <a:ext cx="3578636" cy="1033976"/>
+          </a:xfrm>
+          <a:prstGeom prst="rect">
+            <a:avLst/>
+          </a:prstGeom>
+          <a:solidFill>
+            <a:schemeClr val="accent4">
+              <a:lumMod val="20000"/>
+              <a:lumOff val="80000"/>
+            </a:schemeClr>
+          </a:solidFill>
+          <a:ln>
+            <a:solidFill>
+              <a:schemeClr val="accent4">
+                <a:lumMod val="60000"/>
+                <a:lumOff val="40000"/>
+              </a:schemeClr>
+            </a:solidFill>
+          </a:ln>
+        </p:spPr>
+        <p:style>
+          <a:lnRef idx="2">
+            <a:schemeClr val="accent1">
+              <a:shade val="15000"/>
+            </a:schemeClr>
+          </a:lnRef>
+          <a:fillRef idx="1">
+            <a:schemeClr val="accent1"/>
+          </a:fillRef>
+          <a:effectRef idx="0">
+            <a:schemeClr val="accent1"/>
+          </a:effectRef>
+          <a:fontRef idx="minor">
+            <a:schemeClr val="lt1"/>
+          </a:fontRef>
+        </p:style>
+        <p:txBody>
+          <a:bodyPr rtlCol="0" anchor="ctr"/>
+          <a:lstStyle/>
+          <a:p>
+            <a:pPr algn="ctr"/>
+            <a:r>
+              <a:rPr lang="en-US" dirty="0" err="1">
+                <a:solidFill>
+                  <a:sysClr val="windowText" lastClr="000000"/>
+                </a:solidFill>
+              </a:rPr>
+              <a:t>Zet</a:t>
+            </a:r>
+            <a:r>
+              <a:rPr lang="en-US" dirty="0">
+                <a:solidFill>
+                  <a:sysClr val="windowText" lastClr="000000"/>
+                </a:solidFill>
+              </a:rPr>
+              <a:t> </a:t>
+            </a:r>
+            <a:r>
+              <a:rPr lang="en-US" dirty="0">
+                <a:solidFill>
+                  <a:sysClr val="windowText" lastClr="000000"/>
+                </a:solidFill>
+                <a:latin typeface="Courier New" panose="02070309020205020404" pitchFamily="49" charset="0"/>
+                <a:cs typeface="Courier New" panose="02070309020205020404" pitchFamily="49" charset="0"/>
+              </a:rPr>
+              <a:t>HEAD</a:t>
+            </a:r>
+            <a:r>
+              <a:rPr lang="en-US" dirty="0">
+                <a:solidFill>
+                  <a:sysClr val="windowText" lastClr="000000"/>
+                </a:solidFill>
+              </a:rPr>
+              <a:t> </a:t>
+            </a:r>
+            <a:r>
+              <a:rPr lang="en-US" dirty="0" err="1">
+                <a:solidFill>
+                  <a:sysClr val="windowText" lastClr="000000"/>
+                </a:solidFill>
+              </a:rPr>
+              <a:t>naar</a:t>
+            </a:r>
+            <a:endParaRPr lang="en-US" dirty="0">
+              <a:solidFill>
+                <a:sysClr val="windowText" lastClr="000000"/>
+              </a:solidFill>
+            </a:endParaRPr>
+          </a:p>
+          <a:p>
+            <a:pPr algn="ctr"/>
+            <a:r>
+              <a:rPr lang="en-US" dirty="0">
+                <a:solidFill>
+                  <a:sysClr val="windowText" lastClr="000000"/>
+                </a:solidFill>
+                <a:latin typeface="Courier New" panose="02070309020205020404" pitchFamily="49" charset="0"/>
+                <a:cs typeface="Courier New" panose="02070309020205020404" pitchFamily="49" charset="0"/>
+              </a:rPr>
+              <a:t>.git/refs/heads/develop</a:t>
+            </a:r>
+            <a:endParaRPr lang="en-NL" dirty="0">
+              <a:solidFill>
+                <a:sysClr val="windowText" lastClr="000000"/>
+              </a:solidFill>
+              <a:latin typeface="Courier New" panose="02070309020205020404" pitchFamily="49" charset="0"/>
+              <a:cs typeface="Courier New" panose="02070309020205020404" pitchFamily="49" charset="0"/>
+            </a:endParaRPr>
+          </a:p>
+        </p:txBody>
+      </p:sp>
+      <p:sp>
+        <p:nvSpPr>
+          <p:cNvPr id="7" name="TextBox 6">
+            <a:extLst>
+              <a:ext uri="{FF2B5EF4-FFF2-40B4-BE49-F238E27FC236}">
+                <a16:creationId xmlns:a16="http://schemas.microsoft.com/office/drawing/2014/main" id="{449266C5-6FEB-B540-BD5E-7AC3C7302857}"/>
+              </a:ext>
+            </a:extLst>
+          </p:cNvPr>
+          <p:cNvSpPr txBox="1"/>
+          <p:nvPr/>
+        </p:nvSpPr>
+        <p:spPr>
+          <a:xfrm>
+            <a:off x="838200" y="3605709"/>
+            <a:ext cx="4120662" cy="400110"/>
+          </a:xfrm>
+          <a:prstGeom prst="rect">
+            <a:avLst/>
+          </a:prstGeom>
+          <a:noFill/>
+        </p:spPr>
+        <p:txBody>
+          <a:bodyPr wrap="square" rtlCol="0">
+            <a:spAutoFit/>
+          </a:bodyPr>
+          <a:lstStyle/>
+          <a:p>
+            <a:pPr algn="r"/>
+            <a:r>
+              <a:rPr lang="en-US" sz="2000" dirty="0"/>
+              <a:t>.git/refs/heads/develop</a:t>
+            </a:r>
+            <a:endParaRPr lang="en-NL" sz="2000" dirty="0"/>
+          </a:p>
+        </p:txBody>
+      </p:sp>
+      <p:cxnSp>
+        <p:nvCxnSpPr>
+          <p:cNvPr id="9" name="Connector: Elbow 8">
+            <a:extLst>
+              <a:ext uri="{FF2B5EF4-FFF2-40B4-BE49-F238E27FC236}">
+                <a16:creationId xmlns:a16="http://schemas.microsoft.com/office/drawing/2014/main" id="{47E7BE4E-89E8-C43D-6A73-018A976B166F}"/>
+              </a:ext>
+            </a:extLst>
+          </p:cNvPr>
+          <p:cNvCxnSpPr>
+            <a:cxnSpLocks/>
+          </p:cNvCxnSpPr>
+          <p:nvPr/>
+        </p:nvCxnSpPr>
+        <p:spPr>
+          <a:xfrm flipV="1">
+            <a:off x="4958862" y="3406222"/>
+            <a:ext cx="885175" cy="416096"/>
+          </a:xfrm>
+          <a:prstGeom prst="bentConnector2">
+            <a:avLst/>
+          </a:prstGeom>
+          <a:ln>
+            <a:tailEnd type="triangle"/>
+          </a:ln>
+        </p:spPr>
+        <p:style>
+          <a:lnRef idx="2">
+            <a:schemeClr val="dk1"/>
+          </a:lnRef>
+          <a:fillRef idx="0">
+            <a:schemeClr val="dk1"/>
+          </a:fillRef>
+          <a:effectRef idx="1">
+            <a:schemeClr val="dk1"/>
+          </a:effectRef>
+          <a:fontRef idx="minor">
+            <a:schemeClr val="tx1"/>
+          </a:fontRef>
+        </p:style>
+      </p:cxnSp>
+      <p:sp>
+        <p:nvSpPr>
+          <p:cNvPr id="3" name="Rectangle 2">
+            <a:extLst>
+              <a:ext uri="{FF2B5EF4-FFF2-40B4-BE49-F238E27FC236}">
+                <a16:creationId xmlns:a16="http://schemas.microsoft.com/office/drawing/2014/main" id="{20EC4279-DA3C-0454-5C7C-4CA4BFB8413C}"/>
+              </a:ext>
+            </a:extLst>
+          </p:cNvPr>
+          <p:cNvSpPr/>
+          <p:nvPr/>
+        </p:nvSpPr>
+        <p:spPr>
+          <a:xfrm>
+            <a:off x="2610257" y="4741208"/>
+            <a:ext cx="1793630" cy="538349"/>
+          </a:xfrm>
+          <a:prstGeom prst="rect">
+            <a:avLst/>
+          </a:prstGeom>
+          <a:ln>
+            <a:solidFill>
+              <a:schemeClr val="bg1"/>
+            </a:solidFill>
+          </a:ln>
         </p:spPr>
         <p:style>
           <a:lnRef idx="2">
@@ -9295,16 +12602,247 @@
           <a:lstStyle/>
           <a:p>
             <a:pPr algn="ctr"/>
-            <a:endParaRPr lang="en-NL"/>
+            <a:r>
+              <a:rPr lang="en-US" dirty="0"/>
+              <a:t>.git/HEAD</a:t>
+            </a:r>
+            <a:endParaRPr lang="en-NL" dirty="0"/>
           </a:p>
         </p:txBody>
       </p:sp>
-      <p:sp>
-        <p:nvSpPr>
-          <p:cNvPr id="58" name="Oval 57">
-            <a:extLst>
-              <a:ext uri="{FF2B5EF4-FFF2-40B4-BE49-F238E27FC236}">
-                <a16:creationId xmlns:a16="http://schemas.microsoft.com/office/drawing/2014/main" id="{725023E8-0A07-B6F2-EC66-37FA429742C9}"/>
+      <p:cxnSp>
+        <p:nvCxnSpPr>
+          <p:cNvPr id="10" name="Straight Arrow Connector 9">
+            <a:extLst>
+              <a:ext uri="{FF2B5EF4-FFF2-40B4-BE49-F238E27FC236}">
+                <a16:creationId xmlns:a16="http://schemas.microsoft.com/office/drawing/2014/main" id="{06643BDD-10C5-1B54-148B-2A4A8504E29B}"/>
+              </a:ext>
+            </a:extLst>
+          </p:cNvPr>
+          <p:cNvCxnSpPr>
+            <a:cxnSpLocks/>
+          </p:cNvCxnSpPr>
+          <p:nvPr/>
+        </p:nvCxnSpPr>
+        <p:spPr>
+          <a:xfrm flipH="1" flipV="1">
+            <a:off x="3507072" y="4160357"/>
+            <a:ext cx="13565" cy="539049"/>
+          </a:xfrm>
+          <a:prstGeom prst="straightConnector1">
+            <a:avLst/>
+          </a:prstGeom>
+          <a:ln>
+            <a:tailEnd type="triangle"/>
+          </a:ln>
+        </p:spPr>
+        <p:style>
+          <a:lnRef idx="2">
+            <a:schemeClr val="dk1"/>
+          </a:lnRef>
+          <a:fillRef idx="0">
+            <a:schemeClr val="dk1"/>
+          </a:fillRef>
+          <a:effectRef idx="1">
+            <a:schemeClr val="dk1"/>
+          </a:effectRef>
+          <a:fontRef idx="minor">
+            <a:schemeClr val="tx1"/>
+          </a:fontRef>
+        </p:style>
+      </p:cxnSp>
+    </p:spTree>
+    <p:extLst>
+      <p:ext uri="{BB962C8B-B14F-4D97-AF65-F5344CB8AC3E}">
+        <p14:creationId xmlns:p14="http://schemas.microsoft.com/office/powerpoint/2010/main" val="1022204065"/>
+      </p:ext>
+    </p:extLst>
+  </p:cSld>
+  <p:clrMapOvr>
+    <a:masterClrMapping/>
+  </p:clrMapOvr>
+</p:sld>
+</file>
+
+<file path=ppt/slides/slide22.xml><?xml version="1.0" encoding="utf-8"?>
+<p:sld xmlns:a="http://schemas.openxmlformats.org/drawingml/2006/main" xmlns:r="http://schemas.openxmlformats.org/officeDocument/2006/relationships" xmlns:p="http://schemas.openxmlformats.org/presentationml/2006/main">
+  <p:cSld>
+    <p:spTree>
+      <p:nvGrpSpPr>
+        <p:cNvPr id="1" name="">
+          <a:extLst>
+            <a:ext uri="{FF2B5EF4-FFF2-40B4-BE49-F238E27FC236}">
+              <a16:creationId xmlns:a16="http://schemas.microsoft.com/office/drawing/2014/main" id="{5BD26C85-EEDE-6920-54C4-8FFEAD5E6FC4}"/>
+            </a:ext>
+          </a:extLst>
+        </p:cNvPr>
+        <p:cNvGrpSpPr/>
+        <p:nvPr/>
+      </p:nvGrpSpPr>
+      <p:grpSpPr>
+        <a:xfrm>
+          <a:off x="0" y="0"/>
+          <a:ext cx="0" cy="0"/>
+          <a:chOff x="0" y="0"/>
+          <a:chExt cx="0" cy="0"/>
+        </a:xfrm>
+      </p:grpSpPr>
+      <p:sp>
+        <p:nvSpPr>
+          <p:cNvPr id="2" name="Title 1">
+            <a:extLst>
+              <a:ext uri="{FF2B5EF4-FFF2-40B4-BE49-F238E27FC236}">
+                <a16:creationId xmlns:a16="http://schemas.microsoft.com/office/drawing/2014/main" id="{F8F07860-0BBA-316D-FE83-5680F537996F}"/>
+              </a:ext>
+            </a:extLst>
+          </p:cNvPr>
+          <p:cNvSpPr>
+            <a:spLocks noGrp="1"/>
+          </p:cNvSpPr>
+          <p:nvPr>
+            <p:ph type="title"/>
+          </p:nvPr>
+        </p:nvSpPr>
+        <p:spPr>
+          <a:xfrm>
+            <a:off x="838200" y="365126"/>
+            <a:ext cx="10515600" cy="718608"/>
+          </a:xfrm>
+        </p:spPr>
+        <p:txBody>
+          <a:bodyPr>
+            <a:normAutofit/>
+          </a:bodyPr>
+          <a:lstStyle/>
+          <a:p>
+            <a:r>
+              <a:rPr lang="nl-NL" sz="3600" noProof="0" dirty="0"/>
+              <a:t>Branches</a:t>
+            </a:r>
+          </a:p>
+        </p:txBody>
+      </p:sp>
+      <p:sp>
+        <p:nvSpPr>
+          <p:cNvPr id="6" name="TextBox 5">
+            <a:extLst>
+              <a:ext uri="{FF2B5EF4-FFF2-40B4-BE49-F238E27FC236}">
+                <a16:creationId xmlns:a16="http://schemas.microsoft.com/office/drawing/2014/main" id="{066CBF2A-8B6D-AF2A-5EB0-6C195BD7A09C}"/>
+              </a:ext>
+            </a:extLst>
+          </p:cNvPr>
+          <p:cNvSpPr txBox="1"/>
+          <p:nvPr/>
+        </p:nvSpPr>
+        <p:spPr>
+          <a:xfrm>
+            <a:off x="838201" y="2327532"/>
+            <a:ext cx="4120662" cy="400110"/>
+          </a:xfrm>
+          <a:prstGeom prst="rect">
+            <a:avLst/>
+          </a:prstGeom>
+          <a:noFill/>
+        </p:spPr>
+        <p:txBody>
+          <a:bodyPr wrap="square" rtlCol="0">
+            <a:spAutoFit/>
+          </a:bodyPr>
+          <a:lstStyle/>
+          <a:p>
+            <a:pPr algn="r"/>
+            <a:r>
+              <a:rPr lang="en-US" sz="2000" dirty="0"/>
+              <a:t>.git/refs/heads/main</a:t>
+            </a:r>
+            <a:endParaRPr lang="en-NL" sz="2000" dirty="0"/>
+          </a:p>
+        </p:txBody>
+      </p:sp>
+      <p:cxnSp>
+        <p:nvCxnSpPr>
+          <p:cNvPr id="8" name="Connector: Elbow 7">
+            <a:extLst>
+              <a:ext uri="{FF2B5EF4-FFF2-40B4-BE49-F238E27FC236}">
+                <a16:creationId xmlns:a16="http://schemas.microsoft.com/office/drawing/2014/main" id="{AD09C11C-756D-5044-DD35-6A75406977A9}"/>
+              </a:ext>
+            </a:extLst>
+          </p:cNvPr>
+          <p:cNvCxnSpPr>
+            <a:cxnSpLocks/>
+          </p:cNvCxnSpPr>
+          <p:nvPr/>
+        </p:nvCxnSpPr>
+        <p:spPr>
+          <a:xfrm>
+            <a:off x="4958862" y="2553285"/>
+            <a:ext cx="885175" cy="416096"/>
+          </a:xfrm>
+          <a:prstGeom prst="bentConnector2">
+            <a:avLst/>
+          </a:prstGeom>
+          <a:ln>
+            <a:tailEnd type="triangle"/>
+          </a:ln>
+        </p:spPr>
+        <p:style>
+          <a:lnRef idx="2">
+            <a:schemeClr val="dk1"/>
+          </a:lnRef>
+          <a:fillRef idx="0">
+            <a:schemeClr val="dk1"/>
+          </a:fillRef>
+          <a:effectRef idx="1">
+            <a:schemeClr val="dk1"/>
+          </a:effectRef>
+          <a:fontRef idx="minor">
+            <a:schemeClr val="tx1"/>
+          </a:fontRef>
+        </p:style>
+      </p:cxnSp>
+      <p:sp>
+        <p:nvSpPr>
+          <p:cNvPr id="7" name="TextBox 6">
+            <a:extLst>
+              <a:ext uri="{FF2B5EF4-FFF2-40B4-BE49-F238E27FC236}">
+                <a16:creationId xmlns:a16="http://schemas.microsoft.com/office/drawing/2014/main" id="{6CAFCDA4-1EA2-55AD-8916-068A60CC91BB}"/>
+              </a:ext>
+            </a:extLst>
+          </p:cNvPr>
+          <p:cNvSpPr txBox="1"/>
+          <p:nvPr/>
+        </p:nvSpPr>
+        <p:spPr>
+          <a:xfrm>
+            <a:off x="6822663" y="4627493"/>
+            <a:ext cx="2680903" cy="400110"/>
+          </a:xfrm>
+          <a:prstGeom prst="rect">
+            <a:avLst/>
+          </a:prstGeom>
+          <a:noFill/>
+        </p:spPr>
+        <p:txBody>
+          <a:bodyPr wrap="square" rtlCol="0">
+            <a:spAutoFit/>
+          </a:bodyPr>
+          <a:lstStyle/>
+          <a:p>
+            <a:pPr algn="ctr"/>
+            <a:r>
+              <a:rPr lang="en-US" sz="2000" dirty="0"/>
+              <a:t>.git/refs/heads/develop</a:t>
+            </a:r>
+            <a:endParaRPr lang="en-NL" sz="2000" dirty="0"/>
+          </a:p>
+        </p:txBody>
+      </p:sp>
+      <p:sp>
+        <p:nvSpPr>
+          <p:cNvPr id="3" name="Rectangle 2">
+            <a:extLst>
+              <a:ext uri="{FF2B5EF4-FFF2-40B4-BE49-F238E27FC236}">
+                <a16:creationId xmlns:a16="http://schemas.microsoft.com/office/drawing/2014/main" id="{0410AF2A-A0E5-DE92-F0DF-92D288ADD9DB}"/>
               </a:ext>
             </a:extLst>
           </p:cNvPr>
@@ -9313,12 +12851,17 @@
         </p:nvSpPr>
         <p:spPr>
           <a:xfrm>
-            <a:off x="9771634" y="1977610"/>
-            <a:ext cx="323160" cy="322207"/>
+            <a:off x="7266299" y="5645351"/>
+            <a:ext cx="1793630" cy="538349"/>
           </a:xfrm>
-          <a:prstGeom prst="ellipse">
+          <a:prstGeom prst="rect">
             <a:avLst/>
           </a:prstGeom>
+          <a:ln>
+            <a:solidFill>
+              <a:schemeClr val="bg1"/>
+            </a:solidFill>
+          </a:ln>
         </p:spPr>
         <p:style>
           <a:lnRef idx="2">
@@ -9339,14 +12882,415 @@
           <a:lstStyle/>
           <a:p>
             <a:pPr algn="ctr"/>
-            <a:endParaRPr lang="en-NL"/>
+            <a:r>
+              <a:rPr lang="en-US" dirty="0"/>
+              <a:t>.git/HEAD</a:t>
+            </a:r>
+            <a:endParaRPr lang="en-NL" dirty="0"/>
           </a:p>
         </p:txBody>
       </p:sp>
+      <p:cxnSp>
+        <p:nvCxnSpPr>
+          <p:cNvPr id="10" name="Straight Arrow Connector 9">
+            <a:extLst>
+              <a:ext uri="{FF2B5EF4-FFF2-40B4-BE49-F238E27FC236}">
+                <a16:creationId xmlns:a16="http://schemas.microsoft.com/office/drawing/2014/main" id="{37E6BFFE-04BA-A507-36D7-F7D46117F13E}"/>
+              </a:ext>
+            </a:extLst>
+          </p:cNvPr>
+          <p:cNvCxnSpPr>
+            <a:cxnSpLocks/>
+          </p:cNvCxnSpPr>
+          <p:nvPr/>
+        </p:nvCxnSpPr>
+        <p:spPr>
+          <a:xfrm flipH="1" flipV="1">
+            <a:off x="8156332" y="5071534"/>
+            <a:ext cx="13565" cy="539049"/>
+          </a:xfrm>
+          <a:prstGeom prst="straightConnector1">
+            <a:avLst/>
+          </a:prstGeom>
+          <a:ln>
+            <a:tailEnd type="triangle"/>
+          </a:ln>
+        </p:spPr>
+        <p:style>
+          <a:lnRef idx="2">
+            <a:schemeClr val="dk1"/>
+          </a:lnRef>
+          <a:fillRef idx="0">
+            <a:schemeClr val="dk1"/>
+          </a:fillRef>
+          <a:effectRef idx="1">
+            <a:schemeClr val="dk1"/>
+          </a:effectRef>
+          <a:fontRef idx="minor">
+            <a:schemeClr val="tx1"/>
+          </a:fontRef>
+        </p:style>
+      </p:cxnSp>
+      <p:sp>
+        <p:nvSpPr>
+          <p:cNvPr id="13" name="Oval 12">
+            <a:extLst>
+              <a:ext uri="{FF2B5EF4-FFF2-40B4-BE49-F238E27FC236}">
+                <a16:creationId xmlns:a16="http://schemas.microsoft.com/office/drawing/2014/main" id="{BB659901-D6B0-549F-998E-40CD88388896}"/>
+              </a:ext>
+            </a:extLst>
+          </p:cNvPr>
+          <p:cNvSpPr/>
+          <p:nvPr/>
+        </p:nvSpPr>
+        <p:spPr>
+          <a:xfrm>
+            <a:off x="7980180" y="3644660"/>
+            <a:ext cx="323160" cy="322207"/>
+          </a:xfrm>
+          <a:prstGeom prst="ellipse">
+            <a:avLst/>
+          </a:prstGeom>
+          <a:solidFill>
+            <a:schemeClr val="accent6">
+              <a:lumMod val="40000"/>
+              <a:lumOff val="60000"/>
+            </a:schemeClr>
+          </a:solidFill>
+          <a:ln>
+            <a:solidFill>
+              <a:schemeClr val="accent6">
+                <a:lumMod val="75000"/>
+              </a:schemeClr>
+            </a:solidFill>
+          </a:ln>
+        </p:spPr>
+        <p:style>
+          <a:lnRef idx="2">
+            <a:schemeClr val="dk1"/>
+          </a:lnRef>
+          <a:fillRef idx="1">
+            <a:schemeClr val="lt1"/>
+          </a:fillRef>
+          <a:effectRef idx="0">
+            <a:schemeClr val="dk1"/>
+          </a:effectRef>
+          <a:fontRef idx="minor">
+            <a:schemeClr val="dk1"/>
+          </a:fontRef>
+        </p:style>
+        <p:txBody>
+          <a:bodyPr rtlCol="0" anchor="ctr"/>
+          <a:lstStyle/>
+          <a:p>
+            <a:pPr algn="ctr"/>
+            <a:r>
+              <a:rPr lang="en-US" dirty="0"/>
+              <a:t>C</a:t>
+            </a:r>
+            <a:endParaRPr lang="en-NL" dirty="0"/>
+          </a:p>
+        </p:txBody>
+      </p:sp>
+      <p:cxnSp>
+        <p:nvCxnSpPr>
+          <p:cNvPr id="15" name="Connector: Elbow 14">
+            <a:extLst>
+              <a:ext uri="{FF2B5EF4-FFF2-40B4-BE49-F238E27FC236}">
+                <a16:creationId xmlns:a16="http://schemas.microsoft.com/office/drawing/2014/main" id="{06388A6D-FF09-EBA5-7EFC-F10A2D3AD5DA}"/>
+              </a:ext>
+            </a:extLst>
+          </p:cNvPr>
+          <p:cNvCxnSpPr>
+            <a:cxnSpLocks/>
+            <a:endCxn id="13" idx="2"/>
+          </p:cNvCxnSpPr>
+          <p:nvPr/>
+        </p:nvCxnSpPr>
+        <p:spPr>
+          <a:xfrm rot="16200000" flipH="1">
+            <a:off x="6683156" y="2508740"/>
+            <a:ext cx="457904" cy="2136143"/>
+          </a:xfrm>
+          <a:prstGeom prst="bentConnector2">
+            <a:avLst/>
+          </a:prstGeom>
+          <a:ln>
+            <a:tailEnd type="triangle"/>
+          </a:ln>
+        </p:spPr>
+        <p:style>
+          <a:lnRef idx="3">
+            <a:schemeClr val="accent6"/>
+          </a:lnRef>
+          <a:fillRef idx="0">
+            <a:schemeClr val="accent6"/>
+          </a:fillRef>
+          <a:effectRef idx="2">
+            <a:schemeClr val="accent6"/>
+          </a:effectRef>
+          <a:fontRef idx="minor">
+            <a:schemeClr val="tx1"/>
+          </a:fontRef>
+        </p:style>
+      </p:cxnSp>
+      <p:grpSp>
+        <p:nvGrpSpPr>
+          <p:cNvPr id="18" name="Group 17">
+            <a:extLst>
+              <a:ext uri="{FF2B5EF4-FFF2-40B4-BE49-F238E27FC236}">
+                <a16:creationId xmlns:a16="http://schemas.microsoft.com/office/drawing/2014/main" id="{A03CB48F-9142-3327-E376-8D10EB32FCD6}"/>
+              </a:ext>
+            </a:extLst>
+          </p:cNvPr>
+          <p:cNvGrpSpPr/>
+          <p:nvPr/>
+        </p:nvGrpSpPr>
+        <p:grpSpPr>
+          <a:xfrm>
+            <a:off x="838200" y="3020540"/>
+            <a:ext cx="5984463" cy="327320"/>
+            <a:chOff x="1654294" y="2795457"/>
+            <a:chExt cx="5984463" cy="327320"/>
+          </a:xfrm>
+        </p:grpSpPr>
+        <p:cxnSp>
+          <p:nvCxnSpPr>
+            <p:cNvPr id="19" name="Straight Arrow Connector 18">
+              <a:extLst>
+                <a:ext uri="{FF2B5EF4-FFF2-40B4-BE49-F238E27FC236}">
+                  <a16:creationId xmlns:a16="http://schemas.microsoft.com/office/drawing/2014/main" id="{C7B69C2A-E036-C397-29EF-92E75E39E725}"/>
+                </a:ext>
+              </a:extLst>
+            </p:cNvPr>
+            <p:cNvCxnSpPr>
+              <a:cxnSpLocks/>
+            </p:cNvCxnSpPr>
+            <p:nvPr/>
+          </p:nvCxnSpPr>
+          <p:spPr>
+            <a:xfrm>
+              <a:off x="1654294" y="2956562"/>
+              <a:ext cx="5984463" cy="0"/>
+            </a:xfrm>
+            <a:prstGeom prst="straightConnector1">
+              <a:avLst/>
+            </a:prstGeom>
+            <a:ln>
+              <a:tailEnd type="triangle"/>
+            </a:ln>
+          </p:spPr>
+          <p:style>
+            <a:lnRef idx="3">
+              <a:schemeClr val="dk1"/>
+            </a:lnRef>
+            <a:fillRef idx="0">
+              <a:schemeClr val="dk1"/>
+            </a:fillRef>
+            <a:effectRef idx="2">
+              <a:schemeClr val="dk1"/>
+            </a:effectRef>
+            <a:fontRef idx="minor">
+              <a:schemeClr val="tx1"/>
+            </a:fontRef>
+          </p:style>
+        </p:cxnSp>
+        <p:sp>
+          <p:nvSpPr>
+            <p:cNvPr id="20" name="Oval 19">
+              <a:extLst>
+                <a:ext uri="{FF2B5EF4-FFF2-40B4-BE49-F238E27FC236}">
+                  <a16:creationId xmlns:a16="http://schemas.microsoft.com/office/drawing/2014/main" id="{5F5999E1-8FD3-4B0B-9F2B-602865AD4DAA}"/>
+                </a:ext>
+              </a:extLst>
+            </p:cNvPr>
+            <p:cNvSpPr/>
+            <p:nvPr/>
+          </p:nvSpPr>
+          <p:spPr>
+            <a:xfrm>
+              <a:off x="2471339" y="2795458"/>
+              <a:ext cx="323160" cy="322207"/>
+            </a:xfrm>
+            <a:prstGeom prst="ellipse">
+              <a:avLst/>
+            </a:prstGeom>
+          </p:spPr>
+          <p:style>
+            <a:lnRef idx="2">
+              <a:schemeClr val="dk1"/>
+            </a:lnRef>
+            <a:fillRef idx="1">
+              <a:schemeClr val="lt1"/>
+            </a:fillRef>
+            <a:effectRef idx="0">
+              <a:schemeClr val="dk1"/>
+            </a:effectRef>
+            <a:fontRef idx="minor">
+              <a:schemeClr val="dk1"/>
+            </a:fontRef>
+          </p:style>
+          <p:txBody>
+            <a:bodyPr rtlCol="0" anchor="ctr"/>
+            <a:lstStyle/>
+            <a:p>
+              <a:pPr algn="ctr"/>
+              <a:r>
+                <a:rPr lang="en-US" dirty="0"/>
+                <a:t>C</a:t>
+              </a:r>
+              <a:endParaRPr lang="en-NL" dirty="0"/>
+            </a:p>
+          </p:txBody>
+        </p:sp>
+        <p:sp>
+          <p:nvSpPr>
+            <p:cNvPr id="21" name="Oval 20">
+              <a:extLst>
+                <a:ext uri="{FF2B5EF4-FFF2-40B4-BE49-F238E27FC236}">
+                  <a16:creationId xmlns:a16="http://schemas.microsoft.com/office/drawing/2014/main" id="{2E04B17A-AEBD-4D95-6781-C2434B033907}"/>
+                </a:ext>
+              </a:extLst>
+            </p:cNvPr>
+            <p:cNvSpPr/>
+            <p:nvPr/>
+          </p:nvSpPr>
+          <p:spPr>
+            <a:xfrm>
+              <a:off x="4484945" y="2795457"/>
+              <a:ext cx="323160" cy="322207"/>
+            </a:xfrm>
+            <a:prstGeom prst="ellipse">
+              <a:avLst/>
+            </a:prstGeom>
+          </p:spPr>
+          <p:style>
+            <a:lnRef idx="2">
+              <a:schemeClr val="dk1"/>
+            </a:lnRef>
+            <a:fillRef idx="1">
+              <a:schemeClr val="lt1"/>
+            </a:fillRef>
+            <a:effectRef idx="0">
+              <a:schemeClr val="dk1"/>
+            </a:effectRef>
+            <a:fontRef idx="minor">
+              <a:schemeClr val="dk1"/>
+            </a:fontRef>
+          </p:style>
+          <p:txBody>
+            <a:bodyPr rtlCol="0" anchor="ctr"/>
+            <a:lstStyle/>
+            <a:p>
+              <a:pPr algn="ctr"/>
+              <a:r>
+                <a:rPr lang="en-US" dirty="0"/>
+                <a:t>C</a:t>
+              </a:r>
+              <a:endParaRPr lang="en-NL" dirty="0"/>
+            </a:p>
+          </p:txBody>
+        </p:sp>
+        <p:sp>
+          <p:nvSpPr>
+            <p:cNvPr id="22" name="Oval 21">
+              <a:extLst>
+                <a:ext uri="{FF2B5EF4-FFF2-40B4-BE49-F238E27FC236}">
+                  <a16:creationId xmlns:a16="http://schemas.microsoft.com/office/drawing/2014/main" id="{D79DF911-59C1-A057-321D-1C586B914C05}"/>
+                </a:ext>
+              </a:extLst>
+            </p:cNvPr>
+            <p:cNvSpPr/>
+            <p:nvPr/>
+          </p:nvSpPr>
+          <p:spPr>
+            <a:xfrm>
+              <a:off x="6498551" y="2800570"/>
+              <a:ext cx="323160" cy="322207"/>
+            </a:xfrm>
+            <a:prstGeom prst="ellipse">
+              <a:avLst/>
+            </a:prstGeom>
+            <a:solidFill>
+              <a:schemeClr val="accent1">
+                <a:lumMod val="40000"/>
+                <a:lumOff val="60000"/>
+              </a:schemeClr>
+            </a:solidFill>
+          </p:spPr>
+          <p:style>
+            <a:lnRef idx="2">
+              <a:schemeClr val="dk1"/>
+            </a:lnRef>
+            <a:fillRef idx="1">
+              <a:schemeClr val="lt1"/>
+            </a:fillRef>
+            <a:effectRef idx="0">
+              <a:schemeClr val="dk1"/>
+            </a:effectRef>
+            <a:fontRef idx="minor">
+              <a:schemeClr val="dk1"/>
+            </a:fontRef>
+          </p:style>
+          <p:txBody>
+            <a:bodyPr rtlCol="0" anchor="ctr"/>
+            <a:lstStyle/>
+            <a:p>
+              <a:pPr algn="ctr"/>
+              <a:r>
+                <a:rPr lang="en-US" dirty="0"/>
+                <a:t>C</a:t>
+              </a:r>
+              <a:endParaRPr lang="en-NL" dirty="0"/>
+            </a:p>
+          </p:txBody>
+        </p:sp>
+      </p:grpSp>
+      <p:cxnSp>
+        <p:nvCxnSpPr>
+          <p:cNvPr id="25" name="Straight Arrow Connector 24">
+            <a:extLst>
+              <a:ext uri="{FF2B5EF4-FFF2-40B4-BE49-F238E27FC236}">
+                <a16:creationId xmlns:a16="http://schemas.microsoft.com/office/drawing/2014/main" id="{C05C0721-8685-FDAB-F0AD-59D931A3DBB9}"/>
+              </a:ext>
+            </a:extLst>
+          </p:cNvPr>
+          <p:cNvCxnSpPr>
+            <a:cxnSpLocks/>
+          </p:cNvCxnSpPr>
+          <p:nvPr/>
+        </p:nvCxnSpPr>
+        <p:spPr>
+          <a:xfrm flipH="1" flipV="1">
+            <a:off x="8156332" y="4054118"/>
+            <a:ext cx="13565" cy="539049"/>
+          </a:xfrm>
+          <a:prstGeom prst="straightConnector1">
+            <a:avLst/>
+          </a:prstGeom>
+          <a:ln>
+            <a:tailEnd type="triangle"/>
+          </a:ln>
+        </p:spPr>
+        <p:style>
+          <a:lnRef idx="2">
+            <a:schemeClr val="dk1"/>
+          </a:lnRef>
+          <a:fillRef idx="0">
+            <a:schemeClr val="dk1"/>
+          </a:fillRef>
+          <a:effectRef idx="1">
+            <a:schemeClr val="dk1"/>
+          </a:effectRef>
+          <a:fontRef idx="minor">
+            <a:schemeClr val="tx1"/>
+          </a:fontRef>
+        </p:style>
+      </p:cxnSp>
     </p:spTree>
     <p:extLst>
       <p:ext uri="{BB962C8B-B14F-4D97-AF65-F5344CB8AC3E}">
-        <p14:creationId xmlns:p14="http://schemas.microsoft.com/office/powerpoint/2010/main" val="199502866"/>
+        <p14:creationId xmlns:p14="http://schemas.microsoft.com/office/powerpoint/2010/main" val="1001224721"/>
       </p:ext>
     </p:extLst>
   </p:cSld>
@@ -9356,90 +13300,7 @@
 </p:sld>
 </file>
 
-<file path=ppt/slides/slide16.xml><?xml version="1.0" encoding="utf-8"?>
-<p:sld xmlns:a="http://schemas.openxmlformats.org/drawingml/2006/main" xmlns:r="http://schemas.openxmlformats.org/officeDocument/2006/relationships" xmlns:p="http://schemas.openxmlformats.org/presentationml/2006/main">
-  <p:cSld>
-    <p:spTree>
-      <p:nvGrpSpPr>
-        <p:cNvPr id="1" name=""/>
-        <p:cNvGrpSpPr/>
-        <p:nvPr/>
-      </p:nvGrpSpPr>
-      <p:grpSpPr>
-        <a:xfrm>
-          <a:off x="0" y="0"/>
-          <a:ext cx="0" cy="0"/>
-          <a:chOff x="0" y="0"/>
-          <a:chExt cx="0" cy="0"/>
-        </a:xfrm>
-      </p:grpSpPr>
-      <p:sp>
-        <p:nvSpPr>
-          <p:cNvPr id="4" name="Title 3">
-            <a:extLst>
-              <a:ext uri="{FF2B5EF4-FFF2-40B4-BE49-F238E27FC236}">
-                <a16:creationId xmlns:a16="http://schemas.microsoft.com/office/drawing/2014/main" id="{72C925CA-BCA3-3701-E08E-95652380B32E}"/>
-              </a:ext>
-            </a:extLst>
-          </p:cNvPr>
-          <p:cNvSpPr>
-            <a:spLocks noGrp="1"/>
-          </p:cNvSpPr>
-          <p:nvPr>
-            <p:ph type="title"/>
-          </p:nvPr>
-        </p:nvSpPr>
-        <p:spPr/>
-        <p:txBody>
-          <a:bodyPr/>
-          <a:lstStyle/>
-          <a:p>
-            <a:r>
-              <a:rPr lang="nl-NL" noProof="0" dirty="0"/>
-              <a:t>Werken met versies</a:t>
-            </a:r>
-          </a:p>
-        </p:txBody>
-      </p:sp>
-      <p:sp>
-        <p:nvSpPr>
-          <p:cNvPr id="5" name="Text Placeholder 4">
-            <a:extLst>
-              <a:ext uri="{FF2B5EF4-FFF2-40B4-BE49-F238E27FC236}">
-                <a16:creationId xmlns:a16="http://schemas.microsoft.com/office/drawing/2014/main" id="{1AB31C95-91AF-DF13-FB58-0DA5F2D9F6F7}"/>
-              </a:ext>
-            </a:extLst>
-          </p:cNvPr>
-          <p:cNvSpPr>
-            <a:spLocks noGrp="1"/>
-          </p:cNvSpPr>
-          <p:nvPr>
-            <p:ph type="body" idx="1"/>
-          </p:nvPr>
-        </p:nvSpPr>
-        <p:spPr/>
-        <p:txBody>
-          <a:bodyPr/>
-          <a:lstStyle/>
-          <a:p>
-            <a:endParaRPr lang="en-NL"/>
-          </a:p>
-        </p:txBody>
-      </p:sp>
-    </p:spTree>
-    <p:extLst>
-      <p:ext uri="{BB962C8B-B14F-4D97-AF65-F5344CB8AC3E}">
-        <p14:creationId xmlns:p14="http://schemas.microsoft.com/office/powerpoint/2010/main" val="1045594335"/>
-      </p:ext>
-    </p:extLst>
-  </p:cSld>
-  <p:clrMapOvr>
-    <a:masterClrMapping/>
-  </p:clrMapOvr>
-</p:sld>
-</file>
-
-<file path=ppt/slides/slide17.xml><?xml version="1.0" encoding="utf-8"?>
+<file path=ppt/slides/slide23.xml><?xml version="1.0" encoding="utf-8"?>
 <p:sld xmlns:a="http://schemas.openxmlformats.org/drawingml/2006/main" xmlns:r="http://schemas.openxmlformats.org/officeDocument/2006/relationships" xmlns:p="http://schemas.openxmlformats.org/presentationml/2006/main">
   <p:cSld>
     <p:spTree>
@@ -9447,7 +13308,7 @@
         <p:cNvPr id="1" name="">
           <a:extLst>
             <a:ext uri="{FF2B5EF4-FFF2-40B4-BE49-F238E27FC236}">
-              <a16:creationId xmlns:a16="http://schemas.microsoft.com/office/drawing/2014/main" id="{53350AC3-44D2-125F-C901-74E8A6F61E54}"/>
+              <a16:creationId xmlns:a16="http://schemas.microsoft.com/office/drawing/2014/main" id="{7FF4DA8C-22FB-9C08-BC4B-5CD00C0D742D}"/>
             </a:ext>
           </a:extLst>
         </p:cNvPr>
@@ -9467,7 +13328,7 @@
           <p:cNvPr id="4" name="Title 3">
             <a:extLst>
               <a:ext uri="{FF2B5EF4-FFF2-40B4-BE49-F238E27FC236}">
-                <a16:creationId xmlns:a16="http://schemas.microsoft.com/office/drawing/2014/main" id="{09C9436C-DC36-00A0-18E7-6B9DD57D93A7}"/>
+                <a16:creationId xmlns:a16="http://schemas.microsoft.com/office/drawing/2014/main" id="{4784DC03-AB17-148C-579C-6ECDC6C7677E}"/>
               </a:ext>
             </a:extLst>
           </p:cNvPr>
@@ -9495,7 +13356,7 @@
           <p:cNvPr id="5" name="Text Placeholder 4">
             <a:extLst>
               <a:ext uri="{FF2B5EF4-FFF2-40B4-BE49-F238E27FC236}">
-                <a16:creationId xmlns:a16="http://schemas.microsoft.com/office/drawing/2014/main" id="{DEB61E79-1961-C560-A7F0-B064C69A128C}"/>
+                <a16:creationId xmlns:a16="http://schemas.microsoft.com/office/drawing/2014/main" id="{9A2D0720-EA8D-BAC9-DCAC-B54B23F9029D}"/>
               </a:ext>
             </a:extLst>
           </p:cNvPr>
@@ -9518,7 +13379,7 @@
     </p:spTree>
     <p:extLst>
       <p:ext uri="{BB962C8B-B14F-4D97-AF65-F5344CB8AC3E}">
-        <p14:creationId xmlns:p14="http://schemas.microsoft.com/office/powerpoint/2010/main" val="3051769913"/>
+        <p14:creationId xmlns:p14="http://schemas.microsoft.com/office/powerpoint/2010/main" val="3293579446"/>
       </p:ext>
     </p:extLst>
   </p:cSld>
@@ -9528,7 +13389,7 @@
 </p:sld>
 </file>
 
-<file path=ppt/slides/slide18.xml><?xml version="1.0" encoding="utf-8"?>
+<file path=ppt/slides/slide24.xml><?xml version="1.0" encoding="utf-8"?>
 <p:sld xmlns:a="http://schemas.openxmlformats.org/drawingml/2006/main" xmlns:r="http://schemas.openxmlformats.org/officeDocument/2006/relationships" xmlns:p="http://schemas.openxmlformats.org/presentationml/2006/main">
   <p:cSld>
     <p:spTree>
@@ -9975,7 +13836,7 @@
 </p:sld>
 </file>
 
-<file path=ppt/slides/slide19.xml><?xml version="1.0" encoding="utf-8"?>
+<file path=ppt/slides/slide25.xml><?xml version="1.0" encoding="utf-8"?>
 <p:sld xmlns:a="http://schemas.openxmlformats.org/drawingml/2006/main" xmlns:r="http://schemas.openxmlformats.org/officeDocument/2006/relationships" xmlns:p="http://schemas.openxmlformats.org/presentationml/2006/main">
   <p:cSld>
     <p:spTree>
@@ -10739,298 +14600,7 @@
 </p:sld>
 </file>
 
-<file path=ppt/slides/slide2.xml><?xml version="1.0" encoding="utf-8"?>
-<p:sld xmlns:a="http://schemas.openxmlformats.org/drawingml/2006/main" xmlns:r="http://schemas.openxmlformats.org/officeDocument/2006/relationships" xmlns:p="http://schemas.openxmlformats.org/presentationml/2006/main">
-  <p:cSld>
-    <p:spTree>
-      <p:nvGrpSpPr>
-        <p:cNvPr id="1" name=""/>
-        <p:cNvGrpSpPr/>
-        <p:nvPr/>
-      </p:nvGrpSpPr>
-      <p:grpSpPr>
-        <a:xfrm>
-          <a:off x="0" y="0"/>
-          <a:ext cx="0" cy="0"/>
-          <a:chOff x="0" y="0"/>
-          <a:chExt cx="0" cy="0"/>
-        </a:xfrm>
-      </p:grpSpPr>
-      <p:sp>
-        <p:nvSpPr>
-          <p:cNvPr id="2" name="Title 1">
-            <a:extLst>
-              <a:ext uri="{FF2B5EF4-FFF2-40B4-BE49-F238E27FC236}">
-                <a16:creationId xmlns:a16="http://schemas.microsoft.com/office/drawing/2014/main" id="{39A1D606-8DD1-369C-5C09-471CDD551AD5}"/>
-              </a:ext>
-            </a:extLst>
-          </p:cNvPr>
-          <p:cNvSpPr>
-            <a:spLocks noGrp="1"/>
-          </p:cNvSpPr>
-          <p:nvPr>
-            <p:ph type="title"/>
-          </p:nvPr>
-        </p:nvSpPr>
-        <p:spPr>
-          <a:xfrm>
-            <a:off x="838200" y="365126"/>
-            <a:ext cx="10515600" cy="718608"/>
-          </a:xfrm>
-        </p:spPr>
-        <p:txBody>
-          <a:bodyPr>
-            <a:normAutofit/>
-          </a:bodyPr>
-          <a:lstStyle/>
-          <a:p>
-            <a:r>
-              <a:rPr lang="nl-NL" sz="3600" noProof="0" dirty="0"/>
-              <a:t>Agenda</a:t>
-            </a:r>
-          </a:p>
-        </p:txBody>
-      </p:sp>
-      <p:sp>
-        <p:nvSpPr>
-          <p:cNvPr id="3" name="Content Placeholder 2">
-            <a:extLst>
-              <a:ext uri="{FF2B5EF4-FFF2-40B4-BE49-F238E27FC236}">
-                <a16:creationId xmlns:a16="http://schemas.microsoft.com/office/drawing/2014/main" id="{F4C2D286-E049-0AAB-1360-B7157E11AD7E}"/>
-              </a:ext>
-            </a:extLst>
-          </p:cNvPr>
-          <p:cNvSpPr>
-            <a:spLocks noGrp="1"/>
-          </p:cNvSpPr>
-          <p:nvPr>
-            <p:ph idx="1"/>
-          </p:nvPr>
-        </p:nvSpPr>
-        <p:spPr>
-          <a:xfrm>
-            <a:off x="838200" y="1456267"/>
-            <a:ext cx="10515600" cy="4720696"/>
-          </a:xfrm>
-        </p:spPr>
-        <p:txBody>
-          <a:bodyPr>
-            <a:normAutofit/>
-          </a:bodyPr>
-          <a:lstStyle/>
-          <a:p>
-            <a:pPr>
-              <a:spcAft>
-                <a:spcPts val="600"/>
-              </a:spcAft>
-            </a:pPr>
-            <a:r>
-              <a:rPr lang="nl-NL" sz="2000" noProof="0" dirty="0"/>
-              <a:t>Introductie</a:t>
-            </a:r>
-            <a:endParaRPr lang="nl-NL" sz="2000" dirty="0"/>
-          </a:p>
-          <a:p>
-            <a:pPr lvl="1">
-              <a:spcAft>
-                <a:spcPts val="600"/>
-              </a:spcAft>
-            </a:pPr>
-            <a:r>
-              <a:rPr lang="nl-NL" sz="1600" noProof="0" dirty="0"/>
-              <a:t>Wat is git?</a:t>
-            </a:r>
-          </a:p>
-          <a:p>
-            <a:pPr lvl="1">
-              <a:spcAft>
-                <a:spcPts val="600"/>
-              </a:spcAft>
-            </a:pPr>
-            <a:r>
-              <a:rPr lang="nl-NL" sz="1600" noProof="0" dirty="0"/>
-              <a:t>Hoe werkt git?</a:t>
-            </a:r>
-          </a:p>
-          <a:p>
-            <a:pPr>
-              <a:spcAft>
-                <a:spcPts val="600"/>
-              </a:spcAft>
-            </a:pPr>
-            <a:r>
-              <a:rPr lang="nl-NL" sz="2000" dirty="0"/>
-              <a:t>Werken met versies</a:t>
-            </a:r>
-            <a:endParaRPr lang="nl-NL" sz="1600" dirty="0"/>
-          </a:p>
-          <a:p>
-            <a:pPr lvl="1">
-              <a:spcAft>
-                <a:spcPts val="600"/>
-              </a:spcAft>
-            </a:pPr>
-            <a:r>
-              <a:rPr lang="nl-NL" sz="1600" dirty="0"/>
-              <a:t>Repository opzetten</a:t>
-            </a:r>
-            <a:endParaRPr lang="nl-NL" sz="1600" noProof="0" dirty="0"/>
-          </a:p>
-          <a:p>
-            <a:pPr lvl="1">
-              <a:spcAft>
-                <a:spcPts val="600"/>
-              </a:spcAft>
-            </a:pPr>
-            <a:r>
-              <a:rPr lang="nl-NL" sz="1600" dirty="0"/>
-              <a:t>Een </a:t>
-            </a:r>
-            <a:r>
-              <a:rPr lang="nl-NL" sz="1600" dirty="0" err="1"/>
-              <a:t>commit</a:t>
-            </a:r>
-            <a:r>
-              <a:rPr lang="nl-NL" sz="1600" dirty="0"/>
-              <a:t> aanmaken.</a:t>
-            </a:r>
-          </a:p>
-          <a:p>
-            <a:pPr lvl="1">
-              <a:spcAft>
-                <a:spcPts val="600"/>
-              </a:spcAft>
-            </a:pPr>
-            <a:r>
-              <a:rPr lang="nl-NL" sz="1600" dirty="0"/>
-              <a:t>Wat gebeurt er in de </a:t>
-            </a:r>
-            <a:r>
-              <a:rPr lang="nl-NL" sz="1600" dirty="0" err="1"/>
-              <a:t>repository</a:t>
-            </a:r>
-            <a:r>
-              <a:rPr lang="nl-NL" sz="1600" dirty="0"/>
-              <a:t>?</a:t>
-            </a:r>
-          </a:p>
-          <a:p>
-            <a:pPr lvl="1">
-              <a:spcAft>
-                <a:spcPts val="600"/>
-              </a:spcAft>
-            </a:pPr>
-            <a:r>
-              <a:rPr lang="nl-NL" sz="1600" dirty="0"/>
-              <a:t>Fouten herstellen.</a:t>
-            </a:r>
-          </a:p>
-          <a:p>
-            <a:pPr>
-              <a:spcAft>
-                <a:spcPts val="600"/>
-              </a:spcAft>
-            </a:pPr>
-            <a:r>
-              <a:rPr lang="nl-NL" sz="2000" dirty="0"/>
-              <a:t>Aftakkingen aanmaken</a:t>
-            </a:r>
-          </a:p>
-          <a:p>
-            <a:pPr lvl="1">
-              <a:spcAft>
-                <a:spcPts val="600"/>
-              </a:spcAft>
-            </a:pPr>
-            <a:r>
-              <a:rPr lang="nl-NL" sz="1600" dirty="0" err="1"/>
-              <a:t>Branch</a:t>
-            </a:r>
-            <a:r>
-              <a:rPr lang="nl-NL" sz="1600" dirty="0"/>
-              <a:t> aanmaken.</a:t>
-            </a:r>
-          </a:p>
-          <a:p>
-            <a:pPr lvl="1">
-              <a:spcAft>
-                <a:spcPts val="600"/>
-              </a:spcAft>
-            </a:pPr>
-            <a:r>
-              <a:rPr lang="nl-NL" sz="1600" noProof="0" dirty="0" err="1"/>
-              <a:t>Merge</a:t>
-            </a:r>
-            <a:r>
-              <a:rPr lang="nl-NL" sz="1600" noProof="0" dirty="0"/>
-              <a:t> strategieën.</a:t>
-            </a:r>
-          </a:p>
-          <a:p>
-            <a:pPr lvl="1">
-              <a:spcAft>
-                <a:spcPts val="600"/>
-              </a:spcAft>
-            </a:pPr>
-            <a:r>
-              <a:rPr lang="nl-NL" sz="1600" noProof="0" dirty="0"/>
-              <a:t>Conflicten oplossen.</a:t>
-            </a:r>
-          </a:p>
-          <a:p>
-            <a:pPr lvl="1">
-              <a:spcAft>
-                <a:spcPts val="600"/>
-              </a:spcAft>
-            </a:pPr>
-            <a:endParaRPr lang="nl-NL" sz="1600" noProof="0" dirty="0"/>
-          </a:p>
-        </p:txBody>
-      </p:sp>
-      <p:pic>
-        <p:nvPicPr>
-          <p:cNvPr id="4" name="Picture 3">
-            <a:extLst>
-              <a:ext uri="{FF2B5EF4-FFF2-40B4-BE49-F238E27FC236}">
-                <a16:creationId xmlns:a16="http://schemas.microsoft.com/office/drawing/2014/main" id="{10F1785D-DBAB-C34E-4C20-A2078BA9DAEA}"/>
-              </a:ext>
-            </a:extLst>
-          </p:cNvPr>
-          <p:cNvPicPr>
-            <a:picLocks noChangeAspect="1"/>
-          </p:cNvPicPr>
-          <p:nvPr/>
-        </p:nvPicPr>
-        <p:blipFill>
-          <a:blip r:embed="rId2"/>
-          <a:stretch>
-            <a:fillRect/>
-          </a:stretch>
-        </p:blipFill>
-        <p:spPr>
-          <a:xfrm rot="1217736">
-            <a:off x="8321964" y="3685187"/>
-            <a:ext cx="2694468" cy="2415360"/>
-          </a:xfrm>
-          <a:prstGeom prst="rect">
-            <a:avLst/>
-          </a:prstGeom>
-        </p:spPr>
-      </p:pic>
-    </p:spTree>
-    <p:extLst>
-      <p:ext uri="{BB962C8B-B14F-4D97-AF65-F5344CB8AC3E}">
-        <p14:creationId xmlns:p14="http://schemas.microsoft.com/office/powerpoint/2010/main" val="1265611121"/>
-      </p:ext>
-    </p:extLst>
-  </p:cSld>
-  <p:clrMapOvr>
-    <a:masterClrMapping/>
-  </p:clrMapOvr>
-</p:sld>
-</file>
-
-<file path=ppt/slides/slide20.xml><?xml version="1.0" encoding="utf-8"?>
+<file path=ppt/slides/slide26.xml><?xml version="1.0" encoding="utf-8"?>
 <p:sld xmlns:a="http://schemas.openxmlformats.org/drawingml/2006/main" xmlns:r="http://schemas.openxmlformats.org/officeDocument/2006/relationships" xmlns:p="http://schemas.openxmlformats.org/presentationml/2006/main">
   <p:cSld>
     <p:spTree>
@@ -11518,7 +15088,7 @@
 </p:sld>
 </file>
 
-<file path=ppt/slides/slide21.xml><?xml version="1.0" encoding="utf-8"?>
+<file path=ppt/slides/slide27.xml><?xml version="1.0" encoding="utf-8"?>
 <p:sld xmlns:a="http://schemas.openxmlformats.org/drawingml/2006/main" xmlns:r="http://schemas.openxmlformats.org/officeDocument/2006/relationships" xmlns:p="http://schemas.openxmlformats.org/presentationml/2006/main">
   <p:cSld>
     <p:spTree>
@@ -12045,7 +15615,7 @@
 </p:sld>
 </file>
 
-<file path=ppt/slides/slide22.xml><?xml version="1.0" encoding="utf-8"?>
+<file path=ppt/slides/slide28.xml><?xml version="1.0" encoding="utf-8"?>
 <p:sld xmlns:a="http://schemas.openxmlformats.org/drawingml/2006/main" xmlns:r="http://schemas.openxmlformats.org/officeDocument/2006/relationships" xmlns:p="http://schemas.openxmlformats.org/presentationml/2006/main">
   <p:cSld>
     <p:spTree>
@@ -12723,6 +16293,33 @@
                 <a:cs typeface="Courier New" panose="02070309020205020404" pitchFamily="49" charset="0"/>
               </a:rPr>
               <a:t>Vangnet, programmeren veel minder riskant!</a:t>
+            </a:r>
+          </a:p>
+          <a:p>
+            <a:pPr>
+              <a:buFontTx/>
+              <a:buChar char="-"/>
+            </a:pPr>
+            <a:endParaRPr lang="nl-NL" sz="1800" noProof="0" dirty="0">
+              <a:cs typeface="Courier New" panose="02070309020205020404" pitchFamily="49" charset="0"/>
+            </a:endParaRPr>
+          </a:p>
+          <a:p>
+            <a:pPr>
+              <a:buFontTx/>
+              <a:buChar char="-"/>
+            </a:pPr>
+            <a:r>
+              <a:rPr lang="nl-NL" sz="1800" dirty="0">
+                <a:cs typeface="Courier New" panose="02070309020205020404" pitchFamily="49" charset="0"/>
+              </a:rPr>
+              <a:t>Eens in git </a:t>
+            </a:r>
+            <a:r>
+              <a:rPr lang="nl-NL" sz="1800">
+                <a:cs typeface="Courier New" panose="02070309020205020404" pitchFamily="49" charset="0"/>
+              </a:rPr>
+              <a:t>== altijd in git!</a:t>
             </a:r>
             <a:endParaRPr lang="nl-NL" sz="1800" noProof="0" dirty="0">
               <a:cs typeface="Courier New" panose="02070309020205020404" pitchFamily="49" charset="0"/>

--- a/git/1_basics/git_basic.pptx
+++ b/git/1_basics/git_basic.pptx
@@ -5,7 +5,7 @@
     <p:sldMasterId id="2147483648" r:id="rId1"/>
   </p:sldMasterIdLst>
   <p:notesMasterIdLst>
-    <p:notesMasterId r:id="rId30"/>
+    <p:notesMasterId r:id="rId33"/>
   </p:notesMasterIdLst>
   <p:sldIdLst>
     <p:sldId id="256" r:id="rId2"/>
@@ -23,19 +23,22 @@
     <p:sldId id="368" r:id="rId14"/>
     <p:sldId id="369" r:id="rId15"/>
     <p:sldId id="370" r:id="rId16"/>
-    <p:sldId id="357" r:id="rId17"/>
-    <p:sldId id="359" r:id="rId18"/>
-    <p:sldId id="372" r:id="rId19"/>
-    <p:sldId id="373" r:id="rId20"/>
-    <p:sldId id="374" r:id="rId21"/>
-    <p:sldId id="375" r:id="rId22"/>
-    <p:sldId id="376" r:id="rId23"/>
-    <p:sldId id="371" r:id="rId24"/>
-    <p:sldId id="258" r:id="rId25"/>
-    <p:sldId id="292" r:id="rId26"/>
-    <p:sldId id="266" r:id="rId27"/>
-    <p:sldId id="263" r:id="rId28"/>
-    <p:sldId id="332" r:id="rId29"/>
+    <p:sldId id="377" r:id="rId17"/>
+    <p:sldId id="378" r:id="rId18"/>
+    <p:sldId id="379" r:id="rId19"/>
+    <p:sldId id="357" r:id="rId20"/>
+    <p:sldId id="359" r:id="rId21"/>
+    <p:sldId id="372" r:id="rId22"/>
+    <p:sldId id="373" r:id="rId23"/>
+    <p:sldId id="374" r:id="rId24"/>
+    <p:sldId id="375" r:id="rId25"/>
+    <p:sldId id="376" r:id="rId26"/>
+    <p:sldId id="371" r:id="rId27"/>
+    <p:sldId id="258" r:id="rId28"/>
+    <p:sldId id="292" r:id="rId29"/>
+    <p:sldId id="266" r:id="rId30"/>
+    <p:sldId id="263" r:id="rId31"/>
+    <p:sldId id="332" r:id="rId32"/>
   </p:sldIdLst>
   <p:sldSz cx="12192000" cy="6858000"/>
   <p:notesSz cx="6858000" cy="9144000"/>
@@ -800,6 +803,330 @@
         <p:cNvPr id="1" name="">
           <a:extLst>
             <a:ext uri="{FF2B5EF4-FFF2-40B4-BE49-F238E27FC236}">
+              <a16:creationId xmlns:a16="http://schemas.microsoft.com/office/drawing/2014/main" id="{8D742114-A585-DB72-51BC-BFF0CB9CACCF}"/>
+            </a:ext>
+          </a:extLst>
+        </p:cNvPr>
+        <p:cNvGrpSpPr/>
+        <p:nvPr/>
+      </p:nvGrpSpPr>
+      <p:grpSpPr>
+        <a:xfrm>
+          <a:off x="0" y="0"/>
+          <a:ext cx="0" cy="0"/>
+          <a:chOff x="0" y="0"/>
+          <a:chExt cx="0" cy="0"/>
+        </a:xfrm>
+      </p:grpSpPr>
+      <p:sp>
+        <p:nvSpPr>
+          <p:cNvPr id="2" name="Slide Image Placeholder 1">
+            <a:extLst>
+              <a:ext uri="{FF2B5EF4-FFF2-40B4-BE49-F238E27FC236}">
+                <a16:creationId xmlns:a16="http://schemas.microsoft.com/office/drawing/2014/main" id="{F15CF9B9-5072-F1E8-F709-423FDF1FBBA3}"/>
+              </a:ext>
+            </a:extLst>
+          </p:cNvPr>
+          <p:cNvSpPr>
+            <a:spLocks noGrp="1" noRot="1" noChangeAspect="1"/>
+          </p:cNvSpPr>
+          <p:nvPr>
+            <p:ph type="sldImg"/>
+          </p:nvPr>
+        </p:nvSpPr>
+        <p:spPr/>
+      </p:sp>
+      <p:sp>
+        <p:nvSpPr>
+          <p:cNvPr id="3" name="Notes Placeholder 2">
+            <a:extLst>
+              <a:ext uri="{FF2B5EF4-FFF2-40B4-BE49-F238E27FC236}">
+                <a16:creationId xmlns:a16="http://schemas.microsoft.com/office/drawing/2014/main" id="{A4E01B9F-4791-39AF-4FC7-7E7A9F172FBF}"/>
+              </a:ext>
+            </a:extLst>
+          </p:cNvPr>
+          <p:cNvSpPr>
+            <a:spLocks noGrp="1"/>
+          </p:cNvSpPr>
+          <p:nvPr>
+            <p:ph type="body" idx="1"/>
+          </p:nvPr>
+        </p:nvSpPr>
+        <p:spPr/>
+        <p:txBody>
+          <a:bodyPr/>
+          <a:lstStyle/>
+          <a:p>
+            <a:endParaRPr lang="nl-NL" dirty="0"/>
+          </a:p>
+        </p:txBody>
+      </p:sp>
+      <p:sp>
+        <p:nvSpPr>
+          <p:cNvPr id="4" name="Slide Number Placeholder 3">
+            <a:extLst>
+              <a:ext uri="{FF2B5EF4-FFF2-40B4-BE49-F238E27FC236}">
+                <a16:creationId xmlns:a16="http://schemas.microsoft.com/office/drawing/2014/main" id="{5EB3C22D-0264-2EA9-4A96-1B162A42DD74}"/>
+              </a:ext>
+            </a:extLst>
+          </p:cNvPr>
+          <p:cNvSpPr>
+            <a:spLocks noGrp="1"/>
+          </p:cNvSpPr>
+          <p:nvPr>
+            <p:ph type="sldNum" sz="quarter" idx="5"/>
+          </p:nvPr>
+        </p:nvSpPr>
+        <p:spPr/>
+        <p:txBody>
+          <a:bodyPr/>
+          <a:lstStyle/>
+          <a:p>
+            <a:fld id="{9583DEA5-E342-4DB2-B087-D0B9C490B19E}" type="slidenum">
+              <a:rPr lang="nl-NL" smtClean="0"/>
+              <a:t>16</a:t>
+            </a:fld>
+            <a:endParaRPr lang="nl-NL"/>
+          </a:p>
+        </p:txBody>
+      </p:sp>
+    </p:spTree>
+    <p:extLst>
+      <p:ext uri="{BB962C8B-B14F-4D97-AF65-F5344CB8AC3E}">
+        <p14:creationId xmlns:p14="http://schemas.microsoft.com/office/powerpoint/2010/main" val="3849852800"/>
+      </p:ext>
+    </p:extLst>
+  </p:cSld>
+  <p:clrMapOvr>
+    <a:masterClrMapping/>
+  </p:clrMapOvr>
+</p:notes>
+</file>
+
+<file path=ppt/notesSlides/notesSlide13.xml><?xml version="1.0" encoding="utf-8"?>
+<p:notes xmlns:a="http://schemas.openxmlformats.org/drawingml/2006/main" xmlns:r="http://schemas.openxmlformats.org/officeDocument/2006/relationships" xmlns:p="http://schemas.openxmlformats.org/presentationml/2006/main">
+  <p:cSld>
+    <p:spTree>
+      <p:nvGrpSpPr>
+        <p:cNvPr id="1" name="">
+          <a:extLst>
+            <a:ext uri="{FF2B5EF4-FFF2-40B4-BE49-F238E27FC236}">
+              <a16:creationId xmlns:a16="http://schemas.microsoft.com/office/drawing/2014/main" id="{BE7C32C6-9167-1C3B-FE98-2434B8F61035}"/>
+            </a:ext>
+          </a:extLst>
+        </p:cNvPr>
+        <p:cNvGrpSpPr/>
+        <p:nvPr/>
+      </p:nvGrpSpPr>
+      <p:grpSpPr>
+        <a:xfrm>
+          <a:off x="0" y="0"/>
+          <a:ext cx="0" cy="0"/>
+          <a:chOff x="0" y="0"/>
+          <a:chExt cx="0" cy="0"/>
+        </a:xfrm>
+      </p:grpSpPr>
+      <p:sp>
+        <p:nvSpPr>
+          <p:cNvPr id="2" name="Slide Image Placeholder 1">
+            <a:extLst>
+              <a:ext uri="{FF2B5EF4-FFF2-40B4-BE49-F238E27FC236}">
+                <a16:creationId xmlns:a16="http://schemas.microsoft.com/office/drawing/2014/main" id="{A5C27A3A-22BD-7387-6E4D-C589BC8FD5E8}"/>
+              </a:ext>
+            </a:extLst>
+          </p:cNvPr>
+          <p:cNvSpPr>
+            <a:spLocks noGrp="1" noRot="1" noChangeAspect="1"/>
+          </p:cNvSpPr>
+          <p:nvPr>
+            <p:ph type="sldImg"/>
+          </p:nvPr>
+        </p:nvSpPr>
+        <p:spPr/>
+      </p:sp>
+      <p:sp>
+        <p:nvSpPr>
+          <p:cNvPr id="3" name="Notes Placeholder 2">
+            <a:extLst>
+              <a:ext uri="{FF2B5EF4-FFF2-40B4-BE49-F238E27FC236}">
+                <a16:creationId xmlns:a16="http://schemas.microsoft.com/office/drawing/2014/main" id="{99D4650E-6EDC-036C-F6CC-6A27B912502B}"/>
+              </a:ext>
+            </a:extLst>
+          </p:cNvPr>
+          <p:cNvSpPr>
+            <a:spLocks noGrp="1"/>
+          </p:cNvSpPr>
+          <p:nvPr>
+            <p:ph type="body" idx="1"/>
+          </p:nvPr>
+        </p:nvSpPr>
+        <p:spPr/>
+        <p:txBody>
+          <a:bodyPr/>
+          <a:lstStyle/>
+          <a:p>
+            <a:endParaRPr lang="nl-NL" dirty="0"/>
+          </a:p>
+        </p:txBody>
+      </p:sp>
+      <p:sp>
+        <p:nvSpPr>
+          <p:cNvPr id="4" name="Slide Number Placeholder 3">
+            <a:extLst>
+              <a:ext uri="{FF2B5EF4-FFF2-40B4-BE49-F238E27FC236}">
+                <a16:creationId xmlns:a16="http://schemas.microsoft.com/office/drawing/2014/main" id="{5697A75C-087B-9859-CC99-E8460D11C422}"/>
+              </a:ext>
+            </a:extLst>
+          </p:cNvPr>
+          <p:cNvSpPr>
+            <a:spLocks noGrp="1"/>
+          </p:cNvSpPr>
+          <p:nvPr>
+            <p:ph type="sldNum" sz="quarter" idx="5"/>
+          </p:nvPr>
+        </p:nvSpPr>
+        <p:spPr/>
+        <p:txBody>
+          <a:bodyPr/>
+          <a:lstStyle/>
+          <a:p>
+            <a:fld id="{9583DEA5-E342-4DB2-B087-D0B9C490B19E}" type="slidenum">
+              <a:rPr lang="nl-NL" smtClean="0"/>
+              <a:t>17</a:t>
+            </a:fld>
+            <a:endParaRPr lang="nl-NL"/>
+          </a:p>
+        </p:txBody>
+      </p:sp>
+    </p:spTree>
+    <p:extLst>
+      <p:ext uri="{BB962C8B-B14F-4D97-AF65-F5344CB8AC3E}">
+        <p14:creationId xmlns:p14="http://schemas.microsoft.com/office/powerpoint/2010/main" val="3070081646"/>
+      </p:ext>
+    </p:extLst>
+  </p:cSld>
+  <p:clrMapOvr>
+    <a:masterClrMapping/>
+  </p:clrMapOvr>
+</p:notes>
+</file>
+
+<file path=ppt/notesSlides/notesSlide14.xml><?xml version="1.0" encoding="utf-8"?>
+<p:notes xmlns:a="http://schemas.openxmlformats.org/drawingml/2006/main" xmlns:r="http://schemas.openxmlformats.org/officeDocument/2006/relationships" xmlns:p="http://schemas.openxmlformats.org/presentationml/2006/main">
+  <p:cSld>
+    <p:spTree>
+      <p:nvGrpSpPr>
+        <p:cNvPr id="1" name="">
+          <a:extLst>
+            <a:ext uri="{FF2B5EF4-FFF2-40B4-BE49-F238E27FC236}">
+              <a16:creationId xmlns:a16="http://schemas.microsoft.com/office/drawing/2014/main" id="{FD96686E-96C7-9213-C3F5-DB15686E6BB6}"/>
+            </a:ext>
+          </a:extLst>
+        </p:cNvPr>
+        <p:cNvGrpSpPr/>
+        <p:nvPr/>
+      </p:nvGrpSpPr>
+      <p:grpSpPr>
+        <a:xfrm>
+          <a:off x="0" y="0"/>
+          <a:ext cx="0" cy="0"/>
+          <a:chOff x="0" y="0"/>
+          <a:chExt cx="0" cy="0"/>
+        </a:xfrm>
+      </p:grpSpPr>
+      <p:sp>
+        <p:nvSpPr>
+          <p:cNvPr id="2" name="Slide Image Placeholder 1">
+            <a:extLst>
+              <a:ext uri="{FF2B5EF4-FFF2-40B4-BE49-F238E27FC236}">
+                <a16:creationId xmlns:a16="http://schemas.microsoft.com/office/drawing/2014/main" id="{68C25D0B-20C1-08BA-70FB-20E3C3523B3D}"/>
+              </a:ext>
+            </a:extLst>
+          </p:cNvPr>
+          <p:cNvSpPr>
+            <a:spLocks noGrp="1" noRot="1" noChangeAspect="1"/>
+          </p:cNvSpPr>
+          <p:nvPr>
+            <p:ph type="sldImg"/>
+          </p:nvPr>
+        </p:nvSpPr>
+        <p:spPr/>
+      </p:sp>
+      <p:sp>
+        <p:nvSpPr>
+          <p:cNvPr id="3" name="Notes Placeholder 2">
+            <a:extLst>
+              <a:ext uri="{FF2B5EF4-FFF2-40B4-BE49-F238E27FC236}">
+                <a16:creationId xmlns:a16="http://schemas.microsoft.com/office/drawing/2014/main" id="{7C8AA036-DBE5-310D-57CE-5EA5BDD38AB7}"/>
+              </a:ext>
+            </a:extLst>
+          </p:cNvPr>
+          <p:cNvSpPr>
+            <a:spLocks noGrp="1"/>
+          </p:cNvSpPr>
+          <p:nvPr>
+            <p:ph type="body" idx="1"/>
+          </p:nvPr>
+        </p:nvSpPr>
+        <p:spPr/>
+        <p:txBody>
+          <a:bodyPr/>
+          <a:lstStyle/>
+          <a:p>
+            <a:endParaRPr lang="nl-NL" dirty="0"/>
+          </a:p>
+        </p:txBody>
+      </p:sp>
+      <p:sp>
+        <p:nvSpPr>
+          <p:cNvPr id="4" name="Slide Number Placeholder 3">
+            <a:extLst>
+              <a:ext uri="{FF2B5EF4-FFF2-40B4-BE49-F238E27FC236}">
+                <a16:creationId xmlns:a16="http://schemas.microsoft.com/office/drawing/2014/main" id="{1DEC5B85-101B-2858-27A1-D721FF94E60A}"/>
+              </a:ext>
+            </a:extLst>
+          </p:cNvPr>
+          <p:cNvSpPr>
+            <a:spLocks noGrp="1"/>
+          </p:cNvSpPr>
+          <p:nvPr>
+            <p:ph type="sldNum" sz="quarter" idx="5"/>
+          </p:nvPr>
+        </p:nvSpPr>
+        <p:spPr/>
+        <p:txBody>
+          <a:bodyPr/>
+          <a:lstStyle/>
+          <a:p>
+            <a:fld id="{9583DEA5-E342-4DB2-B087-D0B9C490B19E}" type="slidenum">
+              <a:rPr lang="nl-NL" smtClean="0"/>
+              <a:t>18</a:t>
+            </a:fld>
+            <a:endParaRPr lang="nl-NL"/>
+          </a:p>
+        </p:txBody>
+      </p:sp>
+    </p:spTree>
+    <p:extLst>
+      <p:ext uri="{BB962C8B-B14F-4D97-AF65-F5344CB8AC3E}">
+        <p14:creationId xmlns:p14="http://schemas.microsoft.com/office/powerpoint/2010/main" val="2669879187"/>
+      </p:ext>
+    </p:extLst>
+  </p:cSld>
+  <p:clrMapOvr>
+    <a:masterClrMapping/>
+  </p:clrMapOvr>
+</p:notes>
+</file>
+
+<file path=ppt/notesSlides/notesSlide15.xml><?xml version="1.0" encoding="utf-8"?>
+<p:notes xmlns:a="http://schemas.openxmlformats.org/drawingml/2006/main" xmlns:r="http://schemas.openxmlformats.org/officeDocument/2006/relationships" xmlns:p="http://schemas.openxmlformats.org/presentationml/2006/main">
+  <p:cSld>
+    <p:spTree>
+      <p:nvGrpSpPr>
+        <p:cNvPr id="1" name="">
+          <a:extLst>
+            <a:ext uri="{FF2B5EF4-FFF2-40B4-BE49-F238E27FC236}">
               <a16:creationId xmlns:a16="http://schemas.microsoft.com/office/drawing/2014/main" id="{B29862C4-7B14-01F4-8EC1-95489C89F1AD}"/>
             </a:ext>
           </a:extLst>
@@ -881,7 +1208,7 @@
           <a:p>
             <a:fld id="{9583DEA5-E342-4DB2-B087-D0B9C490B19E}" type="slidenum">
               <a:rPr lang="nl-NL" smtClean="0"/>
-              <a:t>17</a:t>
+              <a:t>20</a:t>
             </a:fld>
             <a:endParaRPr lang="nl-NL"/>
           </a:p>
@@ -900,7 +1227,7 @@
 </p:notes>
 </file>
 
-<file path=ppt/notesSlides/notesSlide13.xml><?xml version="1.0" encoding="utf-8"?>
+<file path=ppt/notesSlides/notesSlide16.xml><?xml version="1.0" encoding="utf-8"?>
 <p:notes xmlns:a="http://schemas.openxmlformats.org/drawingml/2006/main" xmlns:r="http://schemas.openxmlformats.org/officeDocument/2006/relationships" xmlns:p="http://schemas.openxmlformats.org/presentationml/2006/main">
   <p:cSld>
     <p:spTree>
@@ -989,7 +1316,7 @@
           <a:p>
             <a:fld id="{9583DEA5-E342-4DB2-B087-D0B9C490B19E}" type="slidenum">
               <a:rPr lang="nl-NL" smtClean="0"/>
-              <a:t>18</a:t>
+              <a:t>21</a:t>
             </a:fld>
             <a:endParaRPr lang="nl-NL"/>
           </a:p>
@@ -1008,7 +1335,7 @@
 </p:notes>
 </file>
 
-<file path=ppt/notesSlides/notesSlide14.xml><?xml version="1.0" encoding="utf-8"?>
+<file path=ppt/notesSlides/notesSlide17.xml><?xml version="1.0" encoding="utf-8"?>
 <p:notes xmlns:a="http://schemas.openxmlformats.org/drawingml/2006/main" xmlns:r="http://schemas.openxmlformats.org/officeDocument/2006/relationships" xmlns:p="http://schemas.openxmlformats.org/presentationml/2006/main">
   <p:cSld>
     <p:spTree>
@@ -1108,7 +1435,7 @@
           <a:p>
             <a:fld id="{9583DEA5-E342-4DB2-B087-D0B9C490B19E}" type="slidenum">
               <a:rPr lang="nl-NL" smtClean="0"/>
-              <a:t>19</a:t>
+              <a:t>22</a:t>
             </a:fld>
             <a:endParaRPr lang="nl-NL"/>
           </a:p>
@@ -1127,7 +1454,7 @@
 </p:notes>
 </file>
 
-<file path=ppt/notesSlides/notesSlide15.xml><?xml version="1.0" encoding="utf-8"?>
+<file path=ppt/notesSlides/notesSlide18.xml><?xml version="1.0" encoding="utf-8"?>
 <p:notes xmlns:a="http://schemas.openxmlformats.org/drawingml/2006/main" xmlns:r="http://schemas.openxmlformats.org/officeDocument/2006/relationships" xmlns:p="http://schemas.openxmlformats.org/presentationml/2006/main">
   <p:cSld>
     <p:spTree>
@@ -1216,7 +1543,7 @@
           <a:p>
             <a:fld id="{9583DEA5-E342-4DB2-B087-D0B9C490B19E}" type="slidenum">
               <a:rPr lang="nl-NL" smtClean="0"/>
-              <a:t>20</a:t>
+              <a:t>23</a:t>
             </a:fld>
             <a:endParaRPr lang="nl-NL"/>
           </a:p>
@@ -1235,7 +1562,7 @@
 </p:notes>
 </file>
 
-<file path=ppt/notesSlides/notesSlide16.xml><?xml version="1.0" encoding="utf-8"?>
+<file path=ppt/notesSlides/notesSlide19.xml><?xml version="1.0" encoding="utf-8"?>
 <p:notes xmlns:a="http://schemas.openxmlformats.org/drawingml/2006/main" xmlns:r="http://schemas.openxmlformats.org/officeDocument/2006/relationships" xmlns:p="http://schemas.openxmlformats.org/presentationml/2006/main">
   <p:cSld>
     <p:spTree>
@@ -1324,7 +1651,7 @@
           <a:p>
             <a:fld id="{9583DEA5-E342-4DB2-B087-D0B9C490B19E}" type="slidenum">
               <a:rPr lang="nl-NL" smtClean="0"/>
-              <a:t>21</a:t>
+              <a:t>24</a:t>
             </a:fld>
             <a:endParaRPr lang="nl-NL"/>
           </a:p>
@@ -1334,130 +1661,6 @@
     <p:extLst>
       <p:ext uri="{BB962C8B-B14F-4D97-AF65-F5344CB8AC3E}">
         <p14:creationId xmlns:p14="http://schemas.microsoft.com/office/powerpoint/2010/main" val="3177019543"/>
-      </p:ext>
-    </p:extLst>
-  </p:cSld>
-  <p:clrMapOvr>
-    <a:masterClrMapping/>
-  </p:clrMapOvr>
-</p:notes>
-</file>
-
-<file path=ppt/notesSlides/notesSlide17.xml><?xml version="1.0" encoding="utf-8"?>
-<p:notes xmlns:a="http://schemas.openxmlformats.org/drawingml/2006/main" xmlns:r="http://schemas.openxmlformats.org/officeDocument/2006/relationships" xmlns:p="http://schemas.openxmlformats.org/presentationml/2006/main">
-  <p:cSld>
-    <p:spTree>
-      <p:nvGrpSpPr>
-        <p:cNvPr id="1" name="">
-          <a:extLst>
-            <a:ext uri="{FF2B5EF4-FFF2-40B4-BE49-F238E27FC236}">
-              <a16:creationId xmlns:a16="http://schemas.microsoft.com/office/drawing/2014/main" id="{B29EE7F1-46F9-EC89-9133-7FE31830AF07}"/>
-            </a:ext>
-          </a:extLst>
-        </p:cNvPr>
-        <p:cNvGrpSpPr/>
-        <p:nvPr/>
-      </p:nvGrpSpPr>
-      <p:grpSpPr>
-        <a:xfrm>
-          <a:off x="0" y="0"/>
-          <a:ext cx="0" cy="0"/>
-          <a:chOff x="0" y="0"/>
-          <a:chExt cx="0" cy="0"/>
-        </a:xfrm>
-      </p:grpSpPr>
-      <p:sp>
-        <p:nvSpPr>
-          <p:cNvPr id="2" name="Slide Image Placeholder 1">
-            <a:extLst>
-              <a:ext uri="{FF2B5EF4-FFF2-40B4-BE49-F238E27FC236}">
-                <a16:creationId xmlns:a16="http://schemas.microsoft.com/office/drawing/2014/main" id="{953588D6-0E45-A98F-2FE3-D1DFC8D50799}"/>
-              </a:ext>
-            </a:extLst>
-          </p:cNvPr>
-          <p:cNvSpPr>
-            <a:spLocks noGrp="1" noRot="1" noChangeAspect="1"/>
-          </p:cNvSpPr>
-          <p:nvPr>
-            <p:ph type="sldImg"/>
-          </p:nvPr>
-        </p:nvSpPr>
-        <p:spPr/>
-      </p:sp>
-      <p:sp>
-        <p:nvSpPr>
-          <p:cNvPr id="3" name="Notes Placeholder 2">
-            <a:extLst>
-              <a:ext uri="{FF2B5EF4-FFF2-40B4-BE49-F238E27FC236}">
-                <a16:creationId xmlns:a16="http://schemas.microsoft.com/office/drawing/2014/main" id="{FF9C0861-1EE0-F8BA-B871-F1600A90CF06}"/>
-              </a:ext>
-            </a:extLst>
-          </p:cNvPr>
-          <p:cNvSpPr>
-            <a:spLocks noGrp="1"/>
-          </p:cNvSpPr>
-          <p:nvPr>
-            <p:ph type="body" idx="1"/>
-          </p:nvPr>
-        </p:nvSpPr>
-        <p:spPr/>
-        <p:txBody>
-          <a:bodyPr/>
-          <a:lstStyle/>
-          <a:p>
-            <a:r>
-              <a:rPr lang="nl-NL" dirty="0"/>
-              <a:t>Demo: </a:t>
-            </a:r>
-            <a:r>
-              <a:rPr lang="nl-NL" dirty="0" err="1"/>
-              <a:t>develop</a:t>
-            </a:r>
-            <a:r>
-              <a:rPr lang="nl-NL" dirty="0"/>
-              <a:t> </a:t>
-            </a:r>
-            <a:r>
-              <a:rPr lang="nl-NL" dirty="0" err="1"/>
-              <a:t>branch</a:t>
-            </a:r>
-            <a:endParaRPr lang="nl-NL" dirty="0"/>
-          </a:p>
-        </p:txBody>
-      </p:sp>
-      <p:sp>
-        <p:nvSpPr>
-          <p:cNvPr id="4" name="Slide Number Placeholder 3">
-            <a:extLst>
-              <a:ext uri="{FF2B5EF4-FFF2-40B4-BE49-F238E27FC236}">
-                <a16:creationId xmlns:a16="http://schemas.microsoft.com/office/drawing/2014/main" id="{2DB943E4-273D-AF09-A3E3-30CCCD6FEB19}"/>
-              </a:ext>
-            </a:extLst>
-          </p:cNvPr>
-          <p:cNvSpPr>
-            <a:spLocks noGrp="1"/>
-          </p:cNvSpPr>
-          <p:nvPr>
-            <p:ph type="sldNum" sz="quarter" idx="5"/>
-          </p:nvPr>
-        </p:nvSpPr>
-        <p:spPr/>
-        <p:txBody>
-          <a:bodyPr/>
-          <a:lstStyle/>
-          <a:p>
-            <a:fld id="{9583DEA5-E342-4DB2-B087-D0B9C490B19E}" type="slidenum">
-              <a:rPr lang="nl-NL" smtClean="0"/>
-              <a:t>22</a:t>
-            </a:fld>
-            <a:endParaRPr lang="nl-NL"/>
-          </a:p>
-        </p:txBody>
-      </p:sp>
-    </p:spTree>
-    <p:extLst>
-      <p:ext uri="{BB962C8B-B14F-4D97-AF65-F5344CB8AC3E}">
-        <p14:creationId xmlns:p14="http://schemas.microsoft.com/office/powerpoint/2010/main" val="234275198"/>
       </p:ext>
     </p:extLst>
   </p:cSld>
@@ -1542,6 +1745,130 @@
     <p:extLst>
       <p:ext uri="{BB962C8B-B14F-4D97-AF65-F5344CB8AC3E}">
         <p14:creationId xmlns:p14="http://schemas.microsoft.com/office/powerpoint/2010/main" val="2093983083"/>
+      </p:ext>
+    </p:extLst>
+  </p:cSld>
+  <p:clrMapOvr>
+    <a:masterClrMapping/>
+  </p:clrMapOvr>
+</p:notes>
+</file>
+
+<file path=ppt/notesSlides/notesSlide20.xml><?xml version="1.0" encoding="utf-8"?>
+<p:notes xmlns:a="http://schemas.openxmlformats.org/drawingml/2006/main" xmlns:r="http://schemas.openxmlformats.org/officeDocument/2006/relationships" xmlns:p="http://schemas.openxmlformats.org/presentationml/2006/main">
+  <p:cSld>
+    <p:spTree>
+      <p:nvGrpSpPr>
+        <p:cNvPr id="1" name="">
+          <a:extLst>
+            <a:ext uri="{FF2B5EF4-FFF2-40B4-BE49-F238E27FC236}">
+              <a16:creationId xmlns:a16="http://schemas.microsoft.com/office/drawing/2014/main" id="{B29EE7F1-46F9-EC89-9133-7FE31830AF07}"/>
+            </a:ext>
+          </a:extLst>
+        </p:cNvPr>
+        <p:cNvGrpSpPr/>
+        <p:nvPr/>
+      </p:nvGrpSpPr>
+      <p:grpSpPr>
+        <a:xfrm>
+          <a:off x="0" y="0"/>
+          <a:ext cx="0" cy="0"/>
+          <a:chOff x="0" y="0"/>
+          <a:chExt cx="0" cy="0"/>
+        </a:xfrm>
+      </p:grpSpPr>
+      <p:sp>
+        <p:nvSpPr>
+          <p:cNvPr id="2" name="Slide Image Placeholder 1">
+            <a:extLst>
+              <a:ext uri="{FF2B5EF4-FFF2-40B4-BE49-F238E27FC236}">
+                <a16:creationId xmlns:a16="http://schemas.microsoft.com/office/drawing/2014/main" id="{953588D6-0E45-A98F-2FE3-D1DFC8D50799}"/>
+              </a:ext>
+            </a:extLst>
+          </p:cNvPr>
+          <p:cNvSpPr>
+            <a:spLocks noGrp="1" noRot="1" noChangeAspect="1"/>
+          </p:cNvSpPr>
+          <p:nvPr>
+            <p:ph type="sldImg"/>
+          </p:nvPr>
+        </p:nvSpPr>
+        <p:spPr/>
+      </p:sp>
+      <p:sp>
+        <p:nvSpPr>
+          <p:cNvPr id="3" name="Notes Placeholder 2">
+            <a:extLst>
+              <a:ext uri="{FF2B5EF4-FFF2-40B4-BE49-F238E27FC236}">
+                <a16:creationId xmlns:a16="http://schemas.microsoft.com/office/drawing/2014/main" id="{FF9C0861-1EE0-F8BA-B871-F1600A90CF06}"/>
+              </a:ext>
+            </a:extLst>
+          </p:cNvPr>
+          <p:cNvSpPr>
+            <a:spLocks noGrp="1"/>
+          </p:cNvSpPr>
+          <p:nvPr>
+            <p:ph type="body" idx="1"/>
+          </p:nvPr>
+        </p:nvSpPr>
+        <p:spPr/>
+        <p:txBody>
+          <a:bodyPr/>
+          <a:lstStyle/>
+          <a:p>
+            <a:r>
+              <a:rPr lang="nl-NL" dirty="0"/>
+              <a:t>Demo: </a:t>
+            </a:r>
+            <a:r>
+              <a:rPr lang="nl-NL" dirty="0" err="1"/>
+              <a:t>develop</a:t>
+            </a:r>
+            <a:r>
+              <a:rPr lang="nl-NL" dirty="0"/>
+              <a:t> </a:t>
+            </a:r>
+            <a:r>
+              <a:rPr lang="nl-NL" dirty="0" err="1"/>
+              <a:t>branch</a:t>
+            </a:r>
+            <a:endParaRPr lang="nl-NL" dirty="0"/>
+          </a:p>
+        </p:txBody>
+      </p:sp>
+      <p:sp>
+        <p:nvSpPr>
+          <p:cNvPr id="4" name="Slide Number Placeholder 3">
+            <a:extLst>
+              <a:ext uri="{FF2B5EF4-FFF2-40B4-BE49-F238E27FC236}">
+                <a16:creationId xmlns:a16="http://schemas.microsoft.com/office/drawing/2014/main" id="{2DB943E4-273D-AF09-A3E3-30CCCD6FEB19}"/>
+              </a:ext>
+            </a:extLst>
+          </p:cNvPr>
+          <p:cNvSpPr>
+            <a:spLocks noGrp="1"/>
+          </p:cNvSpPr>
+          <p:nvPr>
+            <p:ph type="sldNum" sz="quarter" idx="5"/>
+          </p:nvPr>
+        </p:nvSpPr>
+        <p:spPr/>
+        <p:txBody>
+          <a:bodyPr/>
+          <a:lstStyle/>
+          <a:p>
+            <a:fld id="{9583DEA5-E342-4DB2-B087-D0B9C490B19E}" type="slidenum">
+              <a:rPr lang="nl-NL" smtClean="0"/>
+              <a:t>25</a:t>
+            </a:fld>
+            <a:endParaRPr lang="nl-NL"/>
+          </a:p>
+        </p:txBody>
+      </p:sp>
+    </p:spTree>
+    <p:extLst>
+      <p:ext uri="{BB962C8B-B14F-4D97-AF65-F5344CB8AC3E}">
+        <p14:creationId xmlns:p14="http://schemas.microsoft.com/office/powerpoint/2010/main" val="234275198"/>
       </p:ext>
     </p:extLst>
   </p:cSld>
@@ -9625,6 +9952,1596 @@
         <p:cNvPr id="1" name="">
           <a:extLst>
             <a:ext uri="{FF2B5EF4-FFF2-40B4-BE49-F238E27FC236}">
+              <a16:creationId xmlns:a16="http://schemas.microsoft.com/office/drawing/2014/main" id="{B465D9F1-1FDA-48B7-A1E6-E9503E60C88A}"/>
+            </a:ext>
+          </a:extLst>
+        </p:cNvPr>
+        <p:cNvGrpSpPr/>
+        <p:nvPr/>
+      </p:nvGrpSpPr>
+      <p:grpSpPr>
+        <a:xfrm>
+          <a:off x="0" y="0"/>
+          <a:ext cx="0" cy="0"/>
+          <a:chOff x="0" y="0"/>
+          <a:chExt cx="0" cy="0"/>
+        </a:xfrm>
+      </p:grpSpPr>
+      <p:sp>
+        <p:nvSpPr>
+          <p:cNvPr id="2" name="Title 1">
+            <a:extLst>
+              <a:ext uri="{FF2B5EF4-FFF2-40B4-BE49-F238E27FC236}">
+                <a16:creationId xmlns:a16="http://schemas.microsoft.com/office/drawing/2014/main" id="{B569F555-0599-B9C5-EBE4-899050E25E85}"/>
+              </a:ext>
+            </a:extLst>
+          </p:cNvPr>
+          <p:cNvSpPr>
+            <a:spLocks noGrp="1"/>
+          </p:cNvSpPr>
+          <p:nvPr>
+            <p:ph type="title"/>
+          </p:nvPr>
+        </p:nvSpPr>
+        <p:spPr>
+          <a:xfrm>
+            <a:off x="838200" y="365126"/>
+            <a:ext cx="10515600" cy="718608"/>
+          </a:xfrm>
+        </p:spPr>
+        <p:txBody>
+          <a:bodyPr>
+            <a:normAutofit/>
+          </a:bodyPr>
+          <a:lstStyle/>
+          <a:p>
+            <a:r>
+              <a:rPr lang="nl-NL" sz="3600" dirty="0"/>
+              <a:t>Een </a:t>
+            </a:r>
+            <a:r>
+              <a:rPr lang="nl-NL" sz="3600" dirty="0" err="1"/>
+              <a:t>commit</a:t>
+            </a:r>
+            <a:r>
+              <a:rPr lang="nl-NL" sz="3600" dirty="0"/>
+              <a:t> maken</a:t>
+            </a:r>
+            <a:endParaRPr lang="nl-NL" sz="3600" noProof="0" dirty="0"/>
+          </a:p>
+        </p:txBody>
+      </p:sp>
+      <p:sp>
+        <p:nvSpPr>
+          <p:cNvPr id="14" name="Rectangle 13">
+            <a:extLst>
+              <a:ext uri="{FF2B5EF4-FFF2-40B4-BE49-F238E27FC236}">
+                <a16:creationId xmlns:a16="http://schemas.microsoft.com/office/drawing/2014/main" id="{7AE1E95E-431E-A7D3-E6E6-6866BF669D97}"/>
+              </a:ext>
+            </a:extLst>
+          </p:cNvPr>
+          <p:cNvSpPr/>
+          <p:nvPr/>
+        </p:nvSpPr>
+        <p:spPr>
+          <a:xfrm>
+            <a:off x="949569" y="2813539"/>
+            <a:ext cx="2405576" cy="1681089"/>
+          </a:xfrm>
+          <a:prstGeom prst="rect">
+            <a:avLst/>
+          </a:prstGeom>
+        </p:spPr>
+        <p:style>
+          <a:lnRef idx="2">
+            <a:schemeClr val="dk1"/>
+          </a:lnRef>
+          <a:fillRef idx="1">
+            <a:schemeClr val="lt1"/>
+          </a:fillRef>
+          <a:effectRef idx="0">
+            <a:schemeClr val="dk1"/>
+          </a:effectRef>
+          <a:fontRef idx="minor">
+            <a:schemeClr val="dk1"/>
+          </a:fontRef>
+        </p:style>
+        <p:txBody>
+          <a:bodyPr lIns="144000" tIns="144000" rIns="144000" bIns="144000" rtlCol="0" anchor="t"/>
+          <a:lstStyle/>
+          <a:p>
+            <a:pPr algn="ctr">
+              <a:spcAft>
+                <a:spcPts val="600"/>
+              </a:spcAft>
+            </a:pPr>
+            <a:r>
+              <a:rPr lang="en-US" b="1" dirty="0" err="1">
+                <a:latin typeface="Courier New" panose="02070309020205020404" pitchFamily="49" charset="0"/>
+                <a:cs typeface="Courier New" panose="02070309020205020404" pitchFamily="49" charset="0"/>
+              </a:rPr>
+              <a:t>work_dir</a:t>
+            </a:r>
+            <a:endParaRPr lang="en-US" dirty="0">
+              <a:latin typeface="Courier New" panose="02070309020205020404" pitchFamily="49" charset="0"/>
+              <a:cs typeface="Courier New" panose="02070309020205020404" pitchFamily="49" charset="0"/>
+            </a:endParaRPr>
+          </a:p>
+          <a:p>
+            <a:pPr lvl="1">
+              <a:spcAft>
+                <a:spcPts val="600"/>
+              </a:spcAft>
+            </a:pPr>
+            <a:r>
+              <a:rPr lang="en-US" dirty="0">
+                <a:latin typeface="Courier New" panose="02070309020205020404" pitchFamily="49" charset="0"/>
+                <a:cs typeface="Courier New" panose="02070309020205020404" pitchFamily="49" charset="0"/>
+              </a:rPr>
+              <a:t>main.py</a:t>
+            </a:r>
+          </a:p>
+          <a:p>
+            <a:pPr lvl="1">
+              <a:spcAft>
+                <a:spcPts val="600"/>
+              </a:spcAft>
+            </a:pPr>
+            <a:r>
+              <a:rPr lang="en-US" dirty="0">
+                <a:latin typeface="Courier New" panose="02070309020205020404" pitchFamily="49" charset="0"/>
+                <a:cs typeface="Courier New" panose="02070309020205020404" pitchFamily="49" charset="0"/>
+              </a:rPr>
+              <a:t>utils.py</a:t>
+            </a:r>
+          </a:p>
+          <a:p>
+            <a:pPr lvl="1">
+              <a:spcAft>
+                <a:spcPts val="600"/>
+              </a:spcAft>
+            </a:pPr>
+            <a:r>
+              <a:rPr lang="en-US" dirty="0">
+                <a:latin typeface="Courier New" panose="02070309020205020404" pitchFamily="49" charset="0"/>
+                <a:cs typeface="Courier New" panose="02070309020205020404" pitchFamily="49" charset="0"/>
+              </a:rPr>
+              <a:t>test.log</a:t>
+            </a:r>
+          </a:p>
+          <a:p>
+            <a:pPr algn="ctr">
+              <a:spcAft>
+                <a:spcPts val="600"/>
+              </a:spcAft>
+            </a:pPr>
+            <a:r>
+              <a:rPr lang="en-US" dirty="0">
+                <a:latin typeface="Courier New" panose="02070309020205020404" pitchFamily="49" charset="0"/>
+                <a:cs typeface="Courier New" panose="02070309020205020404" pitchFamily="49" charset="0"/>
+              </a:rPr>
+              <a:t> </a:t>
+            </a:r>
+            <a:endParaRPr lang="en-NL" dirty="0">
+              <a:latin typeface="Courier New" panose="02070309020205020404" pitchFamily="49" charset="0"/>
+              <a:cs typeface="Courier New" panose="02070309020205020404" pitchFamily="49" charset="0"/>
+            </a:endParaRPr>
+          </a:p>
+        </p:txBody>
+      </p:sp>
+      <p:sp>
+        <p:nvSpPr>
+          <p:cNvPr id="15" name="Rectangle 14">
+            <a:extLst>
+              <a:ext uri="{FF2B5EF4-FFF2-40B4-BE49-F238E27FC236}">
+                <a16:creationId xmlns:a16="http://schemas.microsoft.com/office/drawing/2014/main" id="{47B45964-E690-E667-8990-AFB7552470F8}"/>
+              </a:ext>
+            </a:extLst>
+          </p:cNvPr>
+          <p:cNvSpPr/>
+          <p:nvPr/>
+        </p:nvSpPr>
+        <p:spPr>
+          <a:xfrm>
+            <a:off x="4893213" y="2813538"/>
+            <a:ext cx="2405576" cy="1681089"/>
+          </a:xfrm>
+          <a:prstGeom prst="rect">
+            <a:avLst/>
+          </a:prstGeom>
+        </p:spPr>
+        <p:style>
+          <a:lnRef idx="2">
+            <a:schemeClr val="dk1"/>
+          </a:lnRef>
+          <a:fillRef idx="1">
+            <a:schemeClr val="lt1"/>
+          </a:fillRef>
+          <a:effectRef idx="0">
+            <a:schemeClr val="dk1"/>
+          </a:effectRef>
+          <a:fontRef idx="minor">
+            <a:schemeClr val="dk1"/>
+          </a:fontRef>
+        </p:style>
+        <p:txBody>
+          <a:bodyPr lIns="144000" tIns="144000" rIns="144000" bIns="144000" rtlCol="0" anchor="t"/>
+          <a:lstStyle/>
+          <a:p>
+            <a:pPr algn="ctr">
+              <a:spcAft>
+                <a:spcPts val="600"/>
+              </a:spcAft>
+            </a:pPr>
+            <a:r>
+              <a:rPr lang="en-US" b="1" dirty="0">
+                <a:latin typeface="Courier New" panose="02070309020205020404" pitchFamily="49" charset="0"/>
+                <a:cs typeface="Courier New" panose="02070309020205020404" pitchFamily="49" charset="0"/>
+              </a:rPr>
+              <a:t>./git/index</a:t>
+            </a:r>
+            <a:endParaRPr lang="en-US" dirty="0">
+              <a:latin typeface="Courier New" panose="02070309020205020404" pitchFamily="49" charset="0"/>
+              <a:cs typeface="Courier New" panose="02070309020205020404" pitchFamily="49" charset="0"/>
+            </a:endParaRPr>
+          </a:p>
+          <a:p>
+            <a:pPr lvl="1">
+              <a:spcAft>
+                <a:spcPts val="600"/>
+              </a:spcAft>
+            </a:pPr>
+            <a:r>
+              <a:rPr lang="en-US" dirty="0">
+                <a:latin typeface="Courier New" panose="02070309020205020404" pitchFamily="49" charset="0"/>
+                <a:cs typeface="Courier New" panose="02070309020205020404" pitchFamily="49" charset="0"/>
+              </a:rPr>
+              <a:t>main.py</a:t>
+            </a:r>
+          </a:p>
+          <a:p>
+            <a:pPr lvl="1">
+              <a:spcAft>
+                <a:spcPts val="600"/>
+              </a:spcAft>
+            </a:pPr>
+            <a:r>
+              <a:rPr lang="en-US" dirty="0">
+                <a:latin typeface="Courier New" panose="02070309020205020404" pitchFamily="49" charset="0"/>
+                <a:cs typeface="Courier New" panose="02070309020205020404" pitchFamily="49" charset="0"/>
+              </a:rPr>
+              <a:t>utils.py</a:t>
+            </a:r>
+          </a:p>
+          <a:p>
+            <a:pPr lvl="1">
+              <a:spcAft>
+                <a:spcPts val="600"/>
+              </a:spcAft>
+            </a:pPr>
+            <a:r>
+              <a:rPr lang="en-US" strike="sngStrike" dirty="0">
+                <a:latin typeface="Courier New" panose="02070309020205020404" pitchFamily="49" charset="0"/>
+                <a:cs typeface="Courier New" panose="02070309020205020404" pitchFamily="49" charset="0"/>
+              </a:rPr>
+              <a:t>test.log</a:t>
+            </a:r>
+            <a:r>
+              <a:rPr lang="en-US" dirty="0">
+                <a:latin typeface="Courier New" panose="02070309020205020404" pitchFamily="49" charset="0"/>
+                <a:cs typeface="Courier New" panose="02070309020205020404" pitchFamily="49" charset="0"/>
+              </a:rPr>
+              <a:t> </a:t>
+            </a:r>
+            <a:endParaRPr lang="en-NL" dirty="0">
+              <a:latin typeface="Courier New" panose="02070309020205020404" pitchFamily="49" charset="0"/>
+              <a:cs typeface="Courier New" panose="02070309020205020404" pitchFamily="49" charset="0"/>
+            </a:endParaRPr>
+          </a:p>
+        </p:txBody>
+      </p:sp>
+      <p:sp>
+        <p:nvSpPr>
+          <p:cNvPr id="21" name="Rectangle 20">
+            <a:extLst>
+              <a:ext uri="{FF2B5EF4-FFF2-40B4-BE49-F238E27FC236}">
+                <a16:creationId xmlns:a16="http://schemas.microsoft.com/office/drawing/2014/main" id="{B1F39801-2873-19A3-FFFD-953AE96EA07C}"/>
+              </a:ext>
+            </a:extLst>
+          </p:cNvPr>
+          <p:cNvSpPr/>
+          <p:nvPr/>
+        </p:nvSpPr>
+        <p:spPr>
+          <a:xfrm>
+            <a:off x="2861604" y="1564973"/>
+            <a:ext cx="2525150" cy="718609"/>
+          </a:xfrm>
+          <a:prstGeom prst="rect">
+            <a:avLst/>
+          </a:prstGeom>
+          <a:solidFill>
+            <a:schemeClr val="accent4">
+              <a:lumMod val="20000"/>
+              <a:lumOff val="80000"/>
+            </a:schemeClr>
+          </a:solidFill>
+        </p:spPr>
+        <p:style>
+          <a:lnRef idx="1">
+            <a:schemeClr val="accent4"/>
+          </a:lnRef>
+          <a:fillRef idx="2">
+            <a:schemeClr val="accent4"/>
+          </a:fillRef>
+          <a:effectRef idx="1">
+            <a:schemeClr val="accent4"/>
+          </a:effectRef>
+          <a:fontRef idx="minor">
+            <a:schemeClr val="dk1"/>
+          </a:fontRef>
+        </p:style>
+        <p:txBody>
+          <a:bodyPr lIns="252000" tIns="108000" rIns="252000" bIns="108000" rtlCol="0" anchor="ctr"/>
+          <a:lstStyle/>
+          <a:p>
+            <a:r>
+              <a:rPr lang="en-US" sz="1400" dirty="0">
+                <a:latin typeface="Courier New" panose="02070309020205020404" pitchFamily="49" charset="0"/>
+                <a:cs typeface="Courier New" panose="02070309020205020404" pitchFamily="49" charset="0"/>
+              </a:rPr>
+              <a:t>git add *</a:t>
+            </a:r>
+          </a:p>
+          <a:p>
+            <a:r>
+              <a:rPr lang="en-US" sz="1400" dirty="0">
+                <a:latin typeface="Courier New" panose="02070309020205020404" pitchFamily="49" charset="0"/>
+                <a:cs typeface="Courier New" panose="02070309020205020404" pitchFamily="49" charset="0"/>
+              </a:rPr>
+              <a:t>git add &lt;file&gt;</a:t>
+            </a:r>
+            <a:endParaRPr lang="en-NL" sz="1400" dirty="0">
+              <a:latin typeface="Courier New" panose="02070309020205020404" pitchFamily="49" charset="0"/>
+              <a:cs typeface="Courier New" panose="02070309020205020404" pitchFamily="49" charset="0"/>
+            </a:endParaRPr>
+          </a:p>
+        </p:txBody>
+      </p:sp>
+      <p:cxnSp>
+        <p:nvCxnSpPr>
+          <p:cNvPr id="25" name="Straight Connector 24">
+            <a:extLst>
+              <a:ext uri="{FF2B5EF4-FFF2-40B4-BE49-F238E27FC236}">
+                <a16:creationId xmlns:a16="http://schemas.microsoft.com/office/drawing/2014/main" id="{5AE2692A-0A56-ECA2-D827-F52B05DBC38F}"/>
+              </a:ext>
+            </a:extLst>
+          </p:cNvPr>
+          <p:cNvCxnSpPr>
+            <a:cxnSpLocks/>
+            <a:stCxn id="21" idx="2"/>
+          </p:cNvCxnSpPr>
+          <p:nvPr/>
+        </p:nvCxnSpPr>
+        <p:spPr>
+          <a:xfrm>
+            <a:off x="4124179" y="2283582"/>
+            <a:ext cx="0" cy="1145418"/>
+          </a:xfrm>
+          <a:prstGeom prst="line">
+            <a:avLst/>
+          </a:prstGeom>
+        </p:spPr>
+        <p:style>
+          <a:lnRef idx="2">
+            <a:schemeClr val="accent4"/>
+          </a:lnRef>
+          <a:fillRef idx="0">
+            <a:schemeClr val="accent4"/>
+          </a:fillRef>
+          <a:effectRef idx="1">
+            <a:schemeClr val="accent4"/>
+          </a:effectRef>
+          <a:fontRef idx="minor">
+            <a:schemeClr val="tx1"/>
+          </a:fontRef>
+        </p:style>
+      </p:cxnSp>
+      <p:sp>
+        <p:nvSpPr>
+          <p:cNvPr id="26" name="Rectangle 25">
+            <a:extLst>
+              <a:ext uri="{FF2B5EF4-FFF2-40B4-BE49-F238E27FC236}">
+                <a16:creationId xmlns:a16="http://schemas.microsoft.com/office/drawing/2014/main" id="{3A21DD4B-4D32-DB06-A424-B36DB9E54999}"/>
+              </a:ext>
+            </a:extLst>
+          </p:cNvPr>
+          <p:cNvSpPr/>
+          <p:nvPr/>
+        </p:nvSpPr>
+        <p:spPr>
+          <a:xfrm>
+            <a:off x="2433711" y="5024583"/>
+            <a:ext cx="3376247" cy="718609"/>
+          </a:xfrm>
+          <a:prstGeom prst="rect">
+            <a:avLst/>
+          </a:prstGeom>
+          <a:solidFill>
+            <a:schemeClr val="accent4">
+              <a:lumMod val="20000"/>
+              <a:lumOff val="80000"/>
+            </a:schemeClr>
+          </a:solidFill>
+        </p:spPr>
+        <p:style>
+          <a:lnRef idx="1">
+            <a:schemeClr val="accent4"/>
+          </a:lnRef>
+          <a:fillRef idx="2">
+            <a:schemeClr val="accent4"/>
+          </a:fillRef>
+          <a:effectRef idx="1">
+            <a:schemeClr val="accent4"/>
+          </a:effectRef>
+          <a:fontRef idx="minor">
+            <a:schemeClr val="dk1"/>
+          </a:fontRef>
+        </p:style>
+        <p:txBody>
+          <a:bodyPr lIns="252000" tIns="108000" rIns="252000" bIns="108000" rtlCol="0" anchor="ctr"/>
+          <a:lstStyle/>
+          <a:p>
+            <a:r>
+              <a:rPr lang="en-US" sz="1400" dirty="0">
+                <a:latin typeface="Courier New" panose="02070309020205020404" pitchFamily="49" charset="0"/>
+                <a:cs typeface="Courier New" panose="02070309020205020404" pitchFamily="49" charset="0"/>
+              </a:rPr>
+              <a:t>git reset &lt;file&gt;</a:t>
+            </a:r>
+          </a:p>
+          <a:p>
+            <a:r>
+              <a:rPr lang="en-US" sz="1400" dirty="0">
+                <a:latin typeface="Courier New" panose="02070309020205020404" pitchFamily="49" charset="0"/>
+                <a:cs typeface="Courier New" panose="02070309020205020404" pitchFamily="49" charset="0"/>
+              </a:rPr>
+              <a:t>git restore --staged &lt;file&gt;</a:t>
+            </a:r>
+            <a:endParaRPr lang="en-NL" sz="1400" dirty="0">
+              <a:latin typeface="Courier New" panose="02070309020205020404" pitchFamily="49" charset="0"/>
+              <a:cs typeface="Courier New" panose="02070309020205020404" pitchFamily="49" charset="0"/>
+            </a:endParaRPr>
+          </a:p>
+        </p:txBody>
+      </p:sp>
+      <p:cxnSp>
+        <p:nvCxnSpPr>
+          <p:cNvPr id="28" name="Straight Connector 27">
+            <a:extLst>
+              <a:ext uri="{FF2B5EF4-FFF2-40B4-BE49-F238E27FC236}">
+                <a16:creationId xmlns:a16="http://schemas.microsoft.com/office/drawing/2014/main" id="{5E2EA392-B717-2257-64B0-433C6A381ECE}"/>
+              </a:ext>
+            </a:extLst>
+          </p:cNvPr>
+          <p:cNvCxnSpPr>
+            <a:cxnSpLocks/>
+            <a:stCxn id="26" idx="0"/>
+          </p:cNvCxnSpPr>
+          <p:nvPr/>
+        </p:nvCxnSpPr>
+        <p:spPr>
+          <a:xfrm flipV="1">
+            <a:off x="4121835" y="3945988"/>
+            <a:ext cx="0" cy="1078595"/>
+          </a:xfrm>
+          <a:prstGeom prst="line">
+            <a:avLst/>
+          </a:prstGeom>
+        </p:spPr>
+        <p:style>
+          <a:lnRef idx="2">
+            <a:schemeClr val="accent4"/>
+          </a:lnRef>
+          <a:fillRef idx="0">
+            <a:schemeClr val="accent4"/>
+          </a:fillRef>
+          <a:effectRef idx="1">
+            <a:schemeClr val="accent4"/>
+          </a:effectRef>
+          <a:fontRef idx="minor">
+            <a:schemeClr val="tx1"/>
+          </a:fontRef>
+        </p:style>
+      </p:cxnSp>
+      <p:cxnSp>
+        <p:nvCxnSpPr>
+          <p:cNvPr id="18" name="Straight Arrow Connector 17">
+            <a:extLst>
+              <a:ext uri="{FF2B5EF4-FFF2-40B4-BE49-F238E27FC236}">
+                <a16:creationId xmlns:a16="http://schemas.microsoft.com/office/drawing/2014/main" id="{98A650BF-FD8F-024B-8311-E0C4199A62C3}"/>
+              </a:ext>
+            </a:extLst>
+          </p:cNvPr>
+          <p:cNvCxnSpPr>
+            <a:cxnSpLocks/>
+          </p:cNvCxnSpPr>
+          <p:nvPr/>
+        </p:nvCxnSpPr>
+        <p:spPr>
+          <a:xfrm flipV="1">
+            <a:off x="3355145" y="3429000"/>
+            <a:ext cx="1538068" cy="1"/>
+          </a:xfrm>
+          <a:prstGeom prst="straightConnector1">
+            <a:avLst/>
+          </a:prstGeom>
+          <a:ln>
+            <a:tailEnd type="triangle"/>
+          </a:ln>
+        </p:spPr>
+        <p:style>
+          <a:lnRef idx="2">
+            <a:schemeClr val="dk1"/>
+          </a:lnRef>
+          <a:fillRef idx="0">
+            <a:schemeClr val="dk1"/>
+          </a:fillRef>
+          <a:effectRef idx="1">
+            <a:schemeClr val="dk1"/>
+          </a:effectRef>
+          <a:fontRef idx="minor">
+            <a:schemeClr val="tx1"/>
+          </a:fontRef>
+        </p:style>
+      </p:cxnSp>
+      <p:cxnSp>
+        <p:nvCxnSpPr>
+          <p:cNvPr id="23" name="Straight Arrow Connector 22">
+            <a:extLst>
+              <a:ext uri="{FF2B5EF4-FFF2-40B4-BE49-F238E27FC236}">
+                <a16:creationId xmlns:a16="http://schemas.microsoft.com/office/drawing/2014/main" id="{8A1F4710-EAAC-43BC-070E-2F3A47EACCF7}"/>
+              </a:ext>
+            </a:extLst>
+          </p:cNvPr>
+          <p:cNvCxnSpPr/>
+          <p:nvPr/>
+        </p:nvCxnSpPr>
+        <p:spPr>
+          <a:xfrm flipH="1">
+            <a:off x="3355145" y="3945988"/>
+            <a:ext cx="1538068" cy="0"/>
+          </a:xfrm>
+          <a:prstGeom prst="straightConnector1">
+            <a:avLst/>
+          </a:prstGeom>
+          <a:ln>
+            <a:tailEnd type="triangle"/>
+          </a:ln>
+        </p:spPr>
+        <p:style>
+          <a:lnRef idx="2">
+            <a:schemeClr val="dk1"/>
+          </a:lnRef>
+          <a:fillRef idx="0">
+            <a:schemeClr val="dk1"/>
+          </a:fillRef>
+          <a:effectRef idx="1">
+            <a:schemeClr val="dk1"/>
+          </a:effectRef>
+          <a:fontRef idx="minor">
+            <a:schemeClr val="tx1"/>
+          </a:fontRef>
+        </p:style>
+      </p:cxnSp>
+    </p:spTree>
+    <p:extLst>
+      <p:ext uri="{BB962C8B-B14F-4D97-AF65-F5344CB8AC3E}">
+        <p14:creationId xmlns:p14="http://schemas.microsoft.com/office/powerpoint/2010/main" val="356345646"/>
+      </p:ext>
+    </p:extLst>
+  </p:cSld>
+  <p:clrMapOvr>
+    <a:masterClrMapping/>
+  </p:clrMapOvr>
+</p:sld>
+</file>
+
+<file path=ppt/slides/slide17.xml><?xml version="1.0" encoding="utf-8"?>
+<p:sld xmlns:a="http://schemas.openxmlformats.org/drawingml/2006/main" xmlns:r="http://schemas.openxmlformats.org/officeDocument/2006/relationships" xmlns:p="http://schemas.openxmlformats.org/presentationml/2006/main">
+  <p:cSld>
+    <p:spTree>
+      <p:nvGrpSpPr>
+        <p:cNvPr id="1" name="">
+          <a:extLst>
+            <a:ext uri="{FF2B5EF4-FFF2-40B4-BE49-F238E27FC236}">
+              <a16:creationId xmlns:a16="http://schemas.microsoft.com/office/drawing/2014/main" id="{46A8D198-BE87-BF5D-FD7E-DC06ABF76340}"/>
+            </a:ext>
+          </a:extLst>
+        </p:cNvPr>
+        <p:cNvGrpSpPr/>
+        <p:nvPr/>
+      </p:nvGrpSpPr>
+      <p:grpSpPr>
+        <a:xfrm>
+          <a:off x="0" y="0"/>
+          <a:ext cx="0" cy="0"/>
+          <a:chOff x="0" y="0"/>
+          <a:chExt cx="0" cy="0"/>
+        </a:xfrm>
+      </p:grpSpPr>
+      <p:sp>
+        <p:nvSpPr>
+          <p:cNvPr id="2" name="Title 1">
+            <a:extLst>
+              <a:ext uri="{FF2B5EF4-FFF2-40B4-BE49-F238E27FC236}">
+                <a16:creationId xmlns:a16="http://schemas.microsoft.com/office/drawing/2014/main" id="{255AA892-345D-17EE-0485-4D1E3720EEE3}"/>
+              </a:ext>
+            </a:extLst>
+          </p:cNvPr>
+          <p:cNvSpPr>
+            <a:spLocks noGrp="1"/>
+          </p:cNvSpPr>
+          <p:nvPr>
+            <p:ph type="title"/>
+          </p:nvPr>
+        </p:nvSpPr>
+        <p:spPr>
+          <a:xfrm>
+            <a:off x="838200" y="365126"/>
+            <a:ext cx="10515600" cy="718608"/>
+          </a:xfrm>
+        </p:spPr>
+        <p:txBody>
+          <a:bodyPr>
+            <a:normAutofit/>
+          </a:bodyPr>
+          <a:lstStyle/>
+          <a:p>
+            <a:r>
+              <a:rPr lang="nl-NL" sz="3600" dirty="0"/>
+              <a:t>Een </a:t>
+            </a:r>
+            <a:r>
+              <a:rPr lang="nl-NL" sz="3600" dirty="0" err="1"/>
+              <a:t>commit</a:t>
+            </a:r>
+            <a:r>
+              <a:rPr lang="nl-NL" sz="3600" dirty="0"/>
+              <a:t> maken</a:t>
+            </a:r>
+            <a:endParaRPr lang="nl-NL" sz="3600" noProof="0" dirty="0"/>
+          </a:p>
+        </p:txBody>
+      </p:sp>
+      <p:sp>
+        <p:nvSpPr>
+          <p:cNvPr id="14" name="Rectangle 13">
+            <a:extLst>
+              <a:ext uri="{FF2B5EF4-FFF2-40B4-BE49-F238E27FC236}">
+                <a16:creationId xmlns:a16="http://schemas.microsoft.com/office/drawing/2014/main" id="{C65E6CBE-2E40-EC22-A722-574ABF1670F1}"/>
+              </a:ext>
+            </a:extLst>
+          </p:cNvPr>
+          <p:cNvSpPr/>
+          <p:nvPr/>
+        </p:nvSpPr>
+        <p:spPr>
+          <a:xfrm>
+            <a:off x="949569" y="2813539"/>
+            <a:ext cx="2405576" cy="1681089"/>
+          </a:xfrm>
+          <a:prstGeom prst="rect">
+            <a:avLst/>
+          </a:prstGeom>
+        </p:spPr>
+        <p:style>
+          <a:lnRef idx="2">
+            <a:schemeClr val="dk1"/>
+          </a:lnRef>
+          <a:fillRef idx="1">
+            <a:schemeClr val="lt1"/>
+          </a:fillRef>
+          <a:effectRef idx="0">
+            <a:schemeClr val="dk1"/>
+          </a:effectRef>
+          <a:fontRef idx="minor">
+            <a:schemeClr val="dk1"/>
+          </a:fontRef>
+        </p:style>
+        <p:txBody>
+          <a:bodyPr lIns="144000" tIns="144000" rIns="144000" bIns="144000" rtlCol="0" anchor="t"/>
+          <a:lstStyle/>
+          <a:p>
+            <a:pPr algn="ctr">
+              <a:spcAft>
+                <a:spcPts val="600"/>
+              </a:spcAft>
+            </a:pPr>
+            <a:r>
+              <a:rPr lang="en-US" b="1" dirty="0" err="1">
+                <a:latin typeface="Courier New" panose="02070309020205020404" pitchFamily="49" charset="0"/>
+                <a:cs typeface="Courier New" panose="02070309020205020404" pitchFamily="49" charset="0"/>
+              </a:rPr>
+              <a:t>work_dir</a:t>
+            </a:r>
+            <a:endParaRPr lang="en-US" dirty="0">
+              <a:latin typeface="Courier New" panose="02070309020205020404" pitchFamily="49" charset="0"/>
+              <a:cs typeface="Courier New" panose="02070309020205020404" pitchFamily="49" charset="0"/>
+            </a:endParaRPr>
+          </a:p>
+          <a:p>
+            <a:pPr lvl="1">
+              <a:spcAft>
+                <a:spcPts val="600"/>
+              </a:spcAft>
+            </a:pPr>
+            <a:r>
+              <a:rPr lang="en-US" dirty="0">
+                <a:latin typeface="Courier New" panose="02070309020205020404" pitchFamily="49" charset="0"/>
+                <a:cs typeface="Courier New" panose="02070309020205020404" pitchFamily="49" charset="0"/>
+              </a:rPr>
+              <a:t>main.py</a:t>
+            </a:r>
+          </a:p>
+          <a:p>
+            <a:pPr lvl="1">
+              <a:spcAft>
+                <a:spcPts val="600"/>
+              </a:spcAft>
+            </a:pPr>
+            <a:r>
+              <a:rPr lang="en-US" dirty="0">
+                <a:latin typeface="Courier New" panose="02070309020205020404" pitchFamily="49" charset="0"/>
+                <a:cs typeface="Courier New" panose="02070309020205020404" pitchFamily="49" charset="0"/>
+              </a:rPr>
+              <a:t>utils.py</a:t>
+            </a:r>
+          </a:p>
+          <a:p>
+            <a:pPr lvl="1">
+              <a:spcAft>
+                <a:spcPts val="600"/>
+              </a:spcAft>
+            </a:pPr>
+            <a:r>
+              <a:rPr lang="en-US" dirty="0">
+                <a:latin typeface="Courier New" panose="02070309020205020404" pitchFamily="49" charset="0"/>
+                <a:cs typeface="Courier New" panose="02070309020205020404" pitchFamily="49" charset="0"/>
+              </a:rPr>
+              <a:t>test.log </a:t>
+            </a:r>
+            <a:endParaRPr lang="en-NL" dirty="0">
+              <a:latin typeface="Courier New" panose="02070309020205020404" pitchFamily="49" charset="0"/>
+              <a:cs typeface="Courier New" panose="02070309020205020404" pitchFamily="49" charset="0"/>
+            </a:endParaRPr>
+          </a:p>
+        </p:txBody>
+      </p:sp>
+      <p:sp>
+        <p:nvSpPr>
+          <p:cNvPr id="15" name="Rectangle 14">
+            <a:extLst>
+              <a:ext uri="{FF2B5EF4-FFF2-40B4-BE49-F238E27FC236}">
+                <a16:creationId xmlns:a16="http://schemas.microsoft.com/office/drawing/2014/main" id="{8EFDBB8B-BA9A-E9AE-F112-76251F838E4F}"/>
+              </a:ext>
+            </a:extLst>
+          </p:cNvPr>
+          <p:cNvSpPr/>
+          <p:nvPr/>
+        </p:nvSpPr>
+        <p:spPr>
+          <a:xfrm>
+            <a:off x="4893213" y="2813538"/>
+            <a:ext cx="2405576" cy="1681089"/>
+          </a:xfrm>
+          <a:prstGeom prst="rect">
+            <a:avLst/>
+          </a:prstGeom>
+        </p:spPr>
+        <p:style>
+          <a:lnRef idx="2">
+            <a:schemeClr val="dk1"/>
+          </a:lnRef>
+          <a:fillRef idx="1">
+            <a:schemeClr val="lt1"/>
+          </a:fillRef>
+          <a:effectRef idx="0">
+            <a:schemeClr val="dk1"/>
+          </a:effectRef>
+          <a:fontRef idx="minor">
+            <a:schemeClr val="dk1"/>
+          </a:fontRef>
+        </p:style>
+        <p:txBody>
+          <a:bodyPr lIns="144000" tIns="144000" rIns="144000" bIns="144000" rtlCol="0" anchor="t"/>
+          <a:lstStyle/>
+          <a:p>
+            <a:pPr algn="ctr">
+              <a:spcAft>
+                <a:spcPts val="600"/>
+              </a:spcAft>
+            </a:pPr>
+            <a:r>
+              <a:rPr lang="en-US" b="1" dirty="0">
+                <a:latin typeface="Courier New" panose="02070309020205020404" pitchFamily="49" charset="0"/>
+                <a:cs typeface="Courier New" panose="02070309020205020404" pitchFamily="49" charset="0"/>
+              </a:rPr>
+              <a:t>./git/index</a:t>
+            </a:r>
+            <a:endParaRPr lang="en-US" dirty="0">
+              <a:latin typeface="Courier New" panose="02070309020205020404" pitchFamily="49" charset="0"/>
+              <a:cs typeface="Courier New" panose="02070309020205020404" pitchFamily="49" charset="0"/>
+            </a:endParaRPr>
+          </a:p>
+          <a:p>
+            <a:pPr lvl="1">
+              <a:spcAft>
+                <a:spcPts val="600"/>
+              </a:spcAft>
+            </a:pPr>
+            <a:r>
+              <a:rPr lang="en-US" dirty="0">
+                <a:latin typeface="Courier New" panose="02070309020205020404" pitchFamily="49" charset="0"/>
+                <a:cs typeface="Courier New" panose="02070309020205020404" pitchFamily="49" charset="0"/>
+              </a:rPr>
+              <a:t>main.py</a:t>
+            </a:r>
+          </a:p>
+          <a:p>
+            <a:pPr lvl="1">
+              <a:spcAft>
+                <a:spcPts val="600"/>
+              </a:spcAft>
+            </a:pPr>
+            <a:r>
+              <a:rPr lang="en-US" dirty="0">
+                <a:latin typeface="Courier New" panose="02070309020205020404" pitchFamily="49" charset="0"/>
+                <a:cs typeface="Courier New" panose="02070309020205020404" pitchFamily="49" charset="0"/>
+              </a:rPr>
+              <a:t>utils.py</a:t>
+            </a:r>
+          </a:p>
+          <a:p>
+            <a:pPr lvl="1">
+              <a:spcAft>
+                <a:spcPts val="600"/>
+              </a:spcAft>
+            </a:pPr>
+            <a:r>
+              <a:rPr lang="en-US" strike="sngStrike" dirty="0">
+                <a:latin typeface="Courier New" panose="02070309020205020404" pitchFamily="49" charset="0"/>
+                <a:cs typeface="Courier New" panose="02070309020205020404" pitchFamily="49" charset="0"/>
+              </a:rPr>
+              <a:t>test.log</a:t>
+            </a:r>
+            <a:r>
+              <a:rPr lang="en-US" dirty="0">
+                <a:latin typeface="Courier New" panose="02070309020205020404" pitchFamily="49" charset="0"/>
+                <a:cs typeface="Courier New" panose="02070309020205020404" pitchFamily="49" charset="0"/>
+              </a:rPr>
+              <a:t> </a:t>
+            </a:r>
+            <a:endParaRPr lang="en-NL" dirty="0">
+              <a:latin typeface="Courier New" panose="02070309020205020404" pitchFamily="49" charset="0"/>
+              <a:cs typeface="Courier New" panose="02070309020205020404" pitchFamily="49" charset="0"/>
+            </a:endParaRPr>
+          </a:p>
+        </p:txBody>
+      </p:sp>
+      <p:sp>
+        <p:nvSpPr>
+          <p:cNvPr id="16" name="Rectangle 15">
+            <a:extLst>
+              <a:ext uri="{FF2B5EF4-FFF2-40B4-BE49-F238E27FC236}">
+                <a16:creationId xmlns:a16="http://schemas.microsoft.com/office/drawing/2014/main" id="{B35F0CD3-05E8-40AC-8CD0-3396619FEEAB}"/>
+              </a:ext>
+            </a:extLst>
+          </p:cNvPr>
+          <p:cNvSpPr/>
+          <p:nvPr/>
+        </p:nvSpPr>
+        <p:spPr>
+          <a:xfrm>
+            <a:off x="8836857" y="2813538"/>
+            <a:ext cx="2405576" cy="1681089"/>
+          </a:xfrm>
+          <a:prstGeom prst="rect">
+            <a:avLst/>
+          </a:prstGeom>
+        </p:spPr>
+        <p:style>
+          <a:lnRef idx="2">
+            <a:schemeClr val="dk1"/>
+          </a:lnRef>
+          <a:fillRef idx="1">
+            <a:schemeClr val="lt1"/>
+          </a:fillRef>
+          <a:effectRef idx="0">
+            <a:schemeClr val="dk1"/>
+          </a:effectRef>
+          <a:fontRef idx="minor">
+            <a:schemeClr val="dk1"/>
+          </a:fontRef>
+        </p:style>
+        <p:txBody>
+          <a:bodyPr lIns="144000" tIns="144000" rIns="144000" bIns="144000" rtlCol="0" anchor="t"/>
+          <a:lstStyle/>
+          <a:p>
+            <a:pPr algn="ctr">
+              <a:spcAft>
+                <a:spcPts val="600"/>
+              </a:spcAft>
+            </a:pPr>
+            <a:r>
+              <a:rPr lang="en-US" b="1" dirty="0">
+                <a:latin typeface="Courier New" panose="02070309020205020404" pitchFamily="49" charset="0"/>
+                <a:cs typeface="Courier New" panose="02070309020205020404" pitchFamily="49" charset="0"/>
+              </a:rPr>
+              <a:t>./git/objects</a:t>
+            </a:r>
+            <a:endParaRPr lang="en-US" dirty="0">
+              <a:latin typeface="Courier New" panose="02070309020205020404" pitchFamily="49" charset="0"/>
+              <a:cs typeface="Courier New" panose="02070309020205020404" pitchFamily="49" charset="0"/>
+            </a:endParaRPr>
+          </a:p>
+          <a:p>
+            <a:pPr lvl="1">
+              <a:spcAft>
+                <a:spcPts val="600"/>
+              </a:spcAft>
+            </a:pPr>
+            <a:r>
+              <a:rPr lang="en-US" dirty="0">
+                <a:latin typeface="Courier New" panose="02070309020205020404" pitchFamily="49" charset="0"/>
+                <a:cs typeface="Courier New" panose="02070309020205020404" pitchFamily="49" charset="0"/>
+              </a:rPr>
+              <a:t>main.py</a:t>
+            </a:r>
+          </a:p>
+          <a:p>
+            <a:pPr lvl="1">
+              <a:spcAft>
+                <a:spcPts val="600"/>
+              </a:spcAft>
+            </a:pPr>
+            <a:r>
+              <a:rPr lang="en-US" dirty="0">
+                <a:latin typeface="Courier New" panose="02070309020205020404" pitchFamily="49" charset="0"/>
+                <a:cs typeface="Courier New" panose="02070309020205020404" pitchFamily="49" charset="0"/>
+              </a:rPr>
+              <a:t>utils.py</a:t>
+            </a:r>
+          </a:p>
+          <a:p>
+            <a:pPr algn="ctr"/>
+            <a:r>
+              <a:rPr lang="en-US" dirty="0">
+                <a:latin typeface="Courier New" panose="02070309020205020404" pitchFamily="49" charset="0"/>
+                <a:cs typeface="Courier New" panose="02070309020205020404" pitchFamily="49" charset="0"/>
+              </a:rPr>
+              <a:t> </a:t>
+            </a:r>
+            <a:endParaRPr lang="en-NL" dirty="0">
+              <a:latin typeface="Courier New" panose="02070309020205020404" pitchFamily="49" charset="0"/>
+              <a:cs typeface="Courier New" panose="02070309020205020404" pitchFamily="49" charset="0"/>
+            </a:endParaRPr>
+          </a:p>
+        </p:txBody>
+      </p:sp>
+      <p:cxnSp>
+        <p:nvCxnSpPr>
+          <p:cNvPr id="18" name="Straight Arrow Connector 17">
+            <a:extLst>
+              <a:ext uri="{FF2B5EF4-FFF2-40B4-BE49-F238E27FC236}">
+                <a16:creationId xmlns:a16="http://schemas.microsoft.com/office/drawing/2014/main" id="{59CB2FAE-CF9F-7AC6-38FA-E188D30D933F}"/>
+              </a:ext>
+            </a:extLst>
+          </p:cNvPr>
+          <p:cNvCxnSpPr>
+            <a:cxnSpLocks/>
+          </p:cNvCxnSpPr>
+          <p:nvPr/>
+        </p:nvCxnSpPr>
+        <p:spPr>
+          <a:xfrm flipV="1">
+            <a:off x="3355145" y="3429000"/>
+            <a:ext cx="1538068" cy="1"/>
+          </a:xfrm>
+          <a:prstGeom prst="straightConnector1">
+            <a:avLst/>
+          </a:prstGeom>
+          <a:ln>
+            <a:tailEnd type="triangle"/>
+          </a:ln>
+        </p:spPr>
+        <p:style>
+          <a:lnRef idx="2">
+            <a:schemeClr val="dk1"/>
+          </a:lnRef>
+          <a:fillRef idx="0">
+            <a:schemeClr val="dk1"/>
+          </a:fillRef>
+          <a:effectRef idx="1">
+            <a:schemeClr val="dk1"/>
+          </a:effectRef>
+          <a:fontRef idx="minor">
+            <a:schemeClr val="tx1"/>
+          </a:fontRef>
+        </p:style>
+      </p:cxnSp>
+      <p:sp>
+        <p:nvSpPr>
+          <p:cNvPr id="21" name="Rectangle 20">
+            <a:extLst>
+              <a:ext uri="{FF2B5EF4-FFF2-40B4-BE49-F238E27FC236}">
+                <a16:creationId xmlns:a16="http://schemas.microsoft.com/office/drawing/2014/main" id="{32BCB2A6-E631-CEDD-4E74-8996FFAEF84E}"/>
+              </a:ext>
+            </a:extLst>
+          </p:cNvPr>
+          <p:cNvSpPr/>
+          <p:nvPr/>
+        </p:nvSpPr>
+        <p:spPr>
+          <a:xfrm>
+            <a:off x="6786490" y="1564973"/>
+            <a:ext cx="2525150" cy="718609"/>
+          </a:xfrm>
+          <a:prstGeom prst="rect">
+            <a:avLst/>
+          </a:prstGeom>
+          <a:solidFill>
+            <a:schemeClr val="accent4">
+              <a:lumMod val="20000"/>
+              <a:lumOff val="80000"/>
+            </a:schemeClr>
+          </a:solidFill>
+        </p:spPr>
+        <p:style>
+          <a:lnRef idx="1">
+            <a:schemeClr val="accent4"/>
+          </a:lnRef>
+          <a:fillRef idx="2">
+            <a:schemeClr val="accent4"/>
+          </a:fillRef>
+          <a:effectRef idx="1">
+            <a:schemeClr val="accent4"/>
+          </a:effectRef>
+          <a:fontRef idx="minor">
+            <a:schemeClr val="dk1"/>
+          </a:fontRef>
+        </p:style>
+        <p:txBody>
+          <a:bodyPr lIns="252000" tIns="108000" rIns="252000" bIns="108000" rtlCol="0" anchor="ctr"/>
+          <a:lstStyle/>
+          <a:p>
+            <a:r>
+              <a:rPr lang="en-US" sz="1400" dirty="0">
+                <a:latin typeface="Courier New" panose="02070309020205020404" pitchFamily="49" charset="0"/>
+                <a:cs typeface="Courier New" panose="02070309020205020404" pitchFamily="49" charset="0"/>
+              </a:rPr>
+              <a:t>git commit –m "..."</a:t>
+            </a:r>
+          </a:p>
+        </p:txBody>
+      </p:sp>
+      <p:cxnSp>
+        <p:nvCxnSpPr>
+          <p:cNvPr id="23" name="Straight Arrow Connector 22">
+            <a:extLst>
+              <a:ext uri="{FF2B5EF4-FFF2-40B4-BE49-F238E27FC236}">
+                <a16:creationId xmlns:a16="http://schemas.microsoft.com/office/drawing/2014/main" id="{913E909F-F431-D4F9-3702-349E42B7EA97}"/>
+              </a:ext>
+            </a:extLst>
+          </p:cNvPr>
+          <p:cNvCxnSpPr/>
+          <p:nvPr/>
+        </p:nvCxnSpPr>
+        <p:spPr>
+          <a:xfrm flipH="1">
+            <a:off x="3355145" y="3945988"/>
+            <a:ext cx="1538068" cy="0"/>
+          </a:xfrm>
+          <a:prstGeom prst="straightConnector1">
+            <a:avLst/>
+          </a:prstGeom>
+          <a:ln>
+            <a:tailEnd type="triangle"/>
+          </a:ln>
+        </p:spPr>
+        <p:style>
+          <a:lnRef idx="2">
+            <a:schemeClr val="dk1"/>
+          </a:lnRef>
+          <a:fillRef idx="0">
+            <a:schemeClr val="dk1"/>
+          </a:fillRef>
+          <a:effectRef idx="1">
+            <a:schemeClr val="dk1"/>
+          </a:effectRef>
+          <a:fontRef idx="minor">
+            <a:schemeClr val="tx1"/>
+          </a:fontRef>
+        </p:style>
+      </p:cxnSp>
+      <p:cxnSp>
+        <p:nvCxnSpPr>
+          <p:cNvPr id="25" name="Straight Connector 24">
+            <a:extLst>
+              <a:ext uri="{FF2B5EF4-FFF2-40B4-BE49-F238E27FC236}">
+                <a16:creationId xmlns:a16="http://schemas.microsoft.com/office/drawing/2014/main" id="{129891EE-1D53-5D5E-9FA5-47D2F05F2771}"/>
+              </a:ext>
+            </a:extLst>
+          </p:cNvPr>
+          <p:cNvCxnSpPr>
+            <a:cxnSpLocks/>
+            <a:stCxn id="21" idx="2"/>
+          </p:cNvCxnSpPr>
+          <p:nvPr/>
+        </p:nvCxnSpPr>
+        <p:spPr>
+          <a:xfrm>
+            <a:off x="8049065" y="2283582"/>
+            <a:ext cx="0" cy="1370501"/>
+          </a:xfrm>
+          <a:prstGeom prst="line">
+            <a:avLst/>
+          </a:prstGeom>
+        </p:spPr>
+        <p:style>
+          <a:lnRef idx="2">
+            <a:schemeClr val="accent4"/>
+          </a:lnRef>
+          <a:fillRef idx="0">
+            <a:schemeClr val="accent4"/>
+          </a:fillRef>
+          <a:effectRef idx="1">
+            <a:schemeClr val="accent4"/>
+          </a:effectRef>
+          <a:fontRef idx="minor">
+            <a:schemeClr val="tx1"/>
+          </a:fontRef>
+        </p:style>
+      </p:cxnSp>
+      <p:cxnSp>
+        <p:nvCxnSpPr>
+          <p:cNvPr id="20" name="Straight Arrow Connector 19">
+            <a:extLst>
+              <a:ext uri="{FF2B5EF4-FFF2-40B4-BE49-F238E27FC236}">
+                <a16:creationId xmlns:a16="http://schemas.microsoft.com/office/drawing/2014/main" id="{D8DA821E-F570-3D98-375E-8482A22D500F}"/>
+              </a:ext>
+            </a:extLst>
+          </p:cNvPr>
+          <p:cNvCxnSpPr>
+            <a:stCxn id="15" idx="3"/>
+            <a:endCxn id="16" idx="1"/>
+          </p:cNvCxnSpPr>
+          <p:nvPr/>
+        </p:nvCxnSpPr>
+        <p:spPr>
+          <a:xfrm>
+            <a:off x="7298789" y="3654083"/>
+            <a:ext cx="1538068" cy="0"/>
+          </a:xfrm>
+          <a:prstGeom prst="straightConnector1">
+            <a:avLst/>
+          </a:prstGeom>
+          <a:ln>
+            <a:tailEnd type="triangle"/>
+          </a:ln>
+        </p:spPr>
+        <p:style>
+          <a:lnRef idx="2">
+            <a:schemeClr val="dk1"/>
+          </a:lnRef>
+          <a:fillRef idx="0">
+            <a:schemeClr val="dk1"/>
+          </a:fillRef>
+          <a:effectRef idx="1">
+            <a:schemeClr val="dk1"/>
+          </a:effectRef>
+          <a:fontRef idx="minor">
+            <a:schemeClr val="tx1"/>
+          </a:fontRef>
+        </p:style>
+      </p:cxnSp>
+    </p:spTree>
+    <p:extLst>
+      <p:ext uri="{BB962C8B-B14F-4D97-AF65-F5344CB8AC3E}">
+        <p14:creationId xmlns:p14="http://schemas.microsoft.com/office/powerpoint/2010/main" val="2702244032"/>
+      </p:ext>
+    </p:extLst>
+  </p:cSld>
+  <p:clrMapOvr>
+    <a:masterClrMapping/>
+  </p:clrMapOvr>
+</p:sld>
+</file>
+
+<file path=ppt/slides/slide18.xml><?xml version="1.0" encoding="utf-8"?>
+<p:sld xmlns:a="http://schemas.openxmlformats.org/drawingml/2006/main" xmlns:r="http://schemas.openxmlformats.org/officeDocument/2006/relationships" xmlns:p="http://schemas.openxmlformats.org/presentationml/2006/main">
+  <p:cSld>
+    <p:spTree>
+      <p:nvGrpSpPr>
+        <p:cNvPr id="1" name="">
+          <a:extLst>
+            <a:ext uri="{FF2B5EF4-FFF2-40B4-BE49-F238E27FC236}">
+              <a16:creationId xmlns:a16="http://schemas.microsoft.com/office/drawing/2014/main" id="{D22C4855-B453-50DD-76F3-D3207F5D21B8}"/>
+            </a:ext>
+          </a:extLst>
+        </p:cNvPr>
+        <p:cNvGrpSpPr/>
+        <p:nvPr/>
+      </p:nvGrpSpPr>
+      <p:grpSpPr>
+        <a:xfrm>
+          <a:off x="0" y="0"/>
+          <a:ext cx="0" cy="0"/>
+          <a:chOff x="0" y="0"/>
+          <a:chExt cx="0" cy="0"/>
+        </a:xfrm>
+      </p:grpSpPr>
+      <p:sp>
+        <p:nvSpPr>
+          <p:cNvPr id="2" name="Title 1">
+            <a:extLst>
+              <a:ext uri="{FF2B5EF4-FFF2-40B4-BE49-F238E27FC236}">
+                <a16:creationId xmlns:a16="http://schemas.microsoft.com/office/drawing/2014/main" id="{7BAC8F3C-59C9-0604-5FEB-E95D26D891AC}"/>
+              </a:ext>
+            </a:extLst>
+          </p:cNvPr>
+          <p:cNvSpPr>
+            <a:spLocks noGrp="1"/>
+          </p:cNvSpPr>
+          <p:nvPr>
+            <p:ph type="title"/>
+          </p:nvPr>
+        </p:nvSpPr>
+        <p:spPr>
+          <a:xfrm>
+            <a:off x="838200" y="365126"/>
+            <a:ext cx="10515600" cy="718608"/>
+          </a:xfrm>
+        </p:spPr>
+        <p:txBody>
+          <a:bodyPr>
+            <a:normAutofit/>
+          </a:bodyPr>
+          <a:lstStyle/>
+          <a:p>
+            <a:r>
+              <a:rPr lang="nl-NL" sz="3600" dirty="0"/>
+              <a:t>Een goede </a:t>
+            </a:r>
+            <a:r>
+              <a:rPr lang="nl-NL" sz="3600" dirty="0" err="1"/>
+              <a:t>commit</a:t>
+            </a:r>
+            <a:r>
+              <a:rPr lang="nl-NL" sz="3600" dirty="0"/>
+              <a:t>…</a:t>
+            </a:r>
+            <a:endParaRPr lang="nl-NL" sz="3600" noProof="0" dirty="0"/>
+          </a:p>
+        </p:txBody>
+      </p:sp>
+      <p:sp>
+        <p:nvSpPr>
+          <p:cNvPr id="3" name="Content Placeholder 2">
+            <a:extLst>
+              <a:ext uri="{FF2B5EF4-FFF2-40B4-BE49-F238E27FC236}">
+                <a16:creationId xmlns:a16="http://schemas.microsoft.com/office/drawing/2014/main" id="{27734D49-871A-6199-EA83-2BCC023BB2FC}"/>
+              </a:ext>
+            </a:extLst>
+          </p:cNvPr>
+          <p:cNvSpPr>
+            <a:spLocks noGrp="1"/>
+          </p:cNvSpPr>
+          <p:nvPr>
+            <p:ph idx="1"/>
+          </p:nvPr>
+        </p:nvSpPr>
+        <p:spPr>
+          <a:xfrm>
+            <a:off x="838200" y="1456267"/>
+            <a:ext cx="6223782" cy="4720696"/>
+          </a:xfrm>
+        </p:spPr>
+        <p:txBody>
+          <a:bodyPr>
+            <a:normAutofit/>
+          </a:bodyPr>
+          <a:lstStyle/>
+          <a:p>
+            <a:pPr marL="0" indent="0">
+              <a:buNone/>
+            </a:pPr>
+            <a:r>
+              <a:rPr lang="nl-NL" sz="1800" b="1" noProof="0" dirty="0">
+                <a:cs typeface="Courier New" panose="02070309020205020404" pitchFamily="49" charset="0"/>
+              </a:rPr>
+              <a:t>Bevat een afgebakend stuk werk</a:t>
+            </a:r>
+          </a:p>
+          <a:p>
+            <a:pPr>
+              <a:buFontTx/>
+              <a:buChar char="-"/>
+            </a:pPr>
+            <a:r>
+              <a:rPr lang="nl-NL" sz="1800" dirty="0">
+                <a:cs typeface="Courier New" panose="02070309020205020404" pitchFamily="49" charset="0"/>
+              </a:rPr>
+              <a:t>Maak kleine </a:t>
+            </a:r>
+            <a:r>
+              <a:rPr lang="nl-NL" sz="1800" dirty="0" err="1">
+                <a:cs typeface="Courier New" panose="02070309020205020404" pitchFamily="49" charset="0"/>
+              </a:rPr>
+              <a:t>commits</a:t>
+            </a:r>
+            <a:r>
+              <a:rPr lang="nl-NL" sz="1800" dirty="0">
+                <a:cs typeface="Courier New" panose="02070309020205020404" pitchFamily="49" charset="0"/>
+              </a:rPr>
+              <a:t> met een duidelijke focus.</a:t>
+            </a:r>
+          </a:p>
+          <a:p>
+            <a:pPr>
+              <a:buFontTx/>
+              <a:buChar char="-"/>
+            </a:pPr>
+            <a:r>
+              <a:rPr lang="nl-NL" sz="1800" dirty="0" err="1">
+                <a:cs typeface="Courier New" panose="02070309020205020404" pitchFamily="49" charset="0"/>
+              </a:rPr>
+              <a:t>Refactor</a:t>
+            </a:r>
+            <a:r>
+              <a:rPr lang="nl-NL" sz="1800" dirty="0">
+                <a:cs typeface="Courier New" panose="02070309020205020404" pitchFamily="49" charset="0"/>
+              </a:rPr>
+              <a:t> van één class of enkele </a:t>
+            </a:r>
+            <a:r>
+              <a:rPr lang="nl-NL" sz="1800" dirty="0" err="1">
+                <a:cs typeface="Courier New" panose="02070309020205020404" pitchFamily="49" charset="0"/>
+              </a:rPr>
+              <a:t>bugfix</a:t>
+            </a:r>
+            <a:r>
+              <a:rPr lang="nl-NL" sz="1800" dirty="0">
+                <a:cs typeface="Courier New" panose="02070309020205020404" pitchFamily="49" charset="0"/>
+              </a:rPr>
+              <a:t>.</a:t>
+            </a:r>
+          </a:p>
+          <a:p>
+            <a:pPr>
+              <a:buFontTx/>
+              <a:buChar char="-"/>
+            </a:pPr>
+            <a:r>
+              <a:rPr lang="nl-NL" sz="1800" dirty="0">
+                <a:cs typeface="Courier New" panose="02070309020205020404" pitchFamily="49" charset="0"/>
+              </a:rPr>
+              <a:t>Kleine stappen makkelijker te overzien en terug te draaien. </a:t>
+            </a:r>
+          </a:p>
+          <a:p>
+            <a:pPr marL="0" indent="0">
+              <a:buNone/>
+            </a:pPr>
+            <a:endParaRPr lang="nl-NL" sz="1800" b="1" noProof="0" dirty="0">
+              <a:cs typeface="Courier New" panose="02070309020205020404" pitchFamily="49" charset="0"/>
+            </a:endParaRPr>
+          </a:p>
+          <a:p>
+            <a:pPr marL="0" indent="0">
+              <a:buNone/>
+            </a:pPr>
+            <a:r>
+              <a:rPr lang="nl-NL" sz="1800" b="1" dirty="0">
+                <a:cs typeface="Courier New" panose="02070309020205020404" pitchFamily="49" charset="0"/>
+              </a:rPr>
+              <a:t>Heeft een duidelijke omschrijving</a:t>
+            </a:r>
+          </a:p>
+          <a:p>
+            <a:pPr>
+              <a:buFontTx/>
+              <a:buChar char="-"/>
+            </a:pPr>
+            <a:r>
+              <a:rPr lang="nl-NL" sz="1800" noProof="0" dirty="0">
+                <a:cs typeface="Courier New" panose="02070309020205020404" pitchFamily="49" charset="0"/>
+              </a:rPr>
+              <a:t>Omschrijving moet de lading dekken (vgl. </a:t>
+            </a:r>
+            <a:r>
+              <a:rPr lang="nl-NL" sz="1800" noProof="0" dirty="0" err="1">
+                <a:cs typeface="Courier New" panose="02070309020205020404" pitchFamily="49" charset="0"/>
+              </a:rPr>
+              <a:t>docstring</a:t>
+            </a:r>
+            <a:r>
+              <a:rPr lang="nl-NL" sz="1800" noProof="0" dirty="0">
+                <a:cs typeface="Courier New" panose="02070309020205020404" pitchFamily="49" charset="0"/>
+              </a:rPr>
+              <a:t>).</a:t>
+            </a:r>
+          </a:p>
+          <a:p>
+            <a:pPr>
+              <a:buFontTx/>
+              <a:buChar char="-"/>
+            </a:pPr>
+            <a:r>
+              <a:rPr lang="nl-NL" sz="1800" noProof="0" dirty="0">
+                <a:cs typeface="Courier New" panose="02070309020205020404" pitchFamily="49" charset="0"/>
+              </a:rPr>
+              <a:t>Makkelijker als </a:t>
+            </a:r>
+            <a:r>
+              <a:rPr lang="nl-NL" sz="1800" noProof="0" dirty="0" err="1">
+                <a:cs typeface="Courier New" panose="02070309020205020404" pitchFamily="49" charset="0"/>
+              </a:rPr>
+              <a:t>commit</a:t>
+            </a:r>
+            <a:r>
+              <a:rPr lang="nl-NL" sz="1800" noProof="0" dirty="0">
+                <a:cs typeface="Courier New" panose="02070309020205020404" pitchFamily="49" charset="0"/>
+              </a:rPr>
+              <a:t> één duidelijke focus heeft.</a:t>
+            </a:r>
+          </a:p>
+          <a:p>
+            <a:pPr>
+              <a:buFontTx/>
+              <a:buChar char="-"/>
+            </a:pPr>
+            <a:r>
+              <a:rPr lang="nl-NL" sz="1800" dirty="0">
+                <a:cs typeface="Courier New" panose="02070309020205020404" pitchFamily="49" charset="0"/>
+              </a:rPr>
+              <a:t>Begin met een werkwoord; "</a:t>
+            </a:r>
+            <a:r>
+              <a:rPr lang="nl-NL" sz="1800" dirty="0" err="1">
+                <a:cs typeface="Courier New" panose="02070309020205020404" pitchFamily="49" charset="0"/>
+              </a:rPr>
+              <a:t>Add</a:t>
+            </a:r>
+            <a:r>
+              <a:rPr lang="nl-NL" sz="1800" dirty="0">
+                <a:cs typeface="Courier New" panose="02070309020205020404" pitchFamily="49" charset="0"/>
+              </a:rPr>
+              <a:t> </a:t>
+            </a:r>
+            <a:r>
+              <a:rPr lang="nl-NL" sz="1800" dirty="0" err="1">
+                <a:cs typeface="Courier New" panose="02070309020205020404" pitchFamily="49" charset="0"/>
+              </a:rPr>
+              <a:t>docstrings</a:t>
+            </a:r>
+            <a:r>
+              <a:rPr lang="nl-NL" sz="1800" dirty="0">
+                <a:cs typeface="Courier New" panose="02070309020205020404" pitchFamily="49" charset="0"/>
+              </a:rPr>
+              <a:t> </a:t>
+            </a:r>
+            <a:r>
+              <a:rPr lang="nl-NL" sz="1800" dirty="0" err="1">
+                <a:cs typeface="Courier New" panose="02070309020205020404" pitchFamily="49" charset="0"/>
+              </a:rPr>
+              <a:t>to</a:t>
+            </a:r>
+            <a:r>
+              <a:rPr lang="nl-NL" sz="1800" dirty="0">
+                <a:cs typeface="Courier New" panose="02070309020205020404" pitchFamily="49" charset="0"/>
+              </a:rPr>
+              <a:t> </a:t>
+            </a:r>
+            <a:r>
+              <a:rPr lang="nl-NL" sz="1800" dirty="0" err="1">
+                <a:cs typeface="Courier New" panose="02070309020205020404" pitchFamily="49" charset="0"/>
+              </a:rPr>
+              <a:t>MyClass</a:t>
+            </a:r>
+            <a:r>
+              <a:rPr lang="nl-NL" sz="1800" dirty="0">
+                <a:cs typeface="Courier New" panose="02070309020205020404" pitchFamily="49" charset="0"/>
+              </a:rPr>
+              <a:t>".</a:t>
+            </a:r>
+            <a:endParaRPr lang="nl-NL" sz="1800" noProof="0" dirty="0">
+              <a:cs typeface="Courier New" panose="02070309020205020404" pitchFamily="49" charset="0"/>
+            </a:endParaRPr>
+          </a:p>
+          <a:p>
+            <a:pPr marL="0" indent="0">
+              <a:buNone/>
+            </a:pPr>
+            <a:endParaRPr lang="nl-NL" sz="1800" noProof="0" dirty="0">
+              <a:cs typeface="Courier New" panose="02070309020205020404" pitchFamily="49" charset="0"/>
+            </a:endParaRPr>
+          </a:p>
+          <a:p>
+            <a:pPr marL="0" indent="0">
+              <a:buNone/>
+            </a:pPr>
+            <a:endParaRPr lang="nl-NL" sz="1800" b="1" dirty="0">
+              <a:cs typeface="Courier New" panose="02070309020205020404" pitchFamily="49" charset="0"/>
+            </a:endParaRPr>
+          </a:p>
+          <a:p>
+            <a:pPr marL="0" indent="0">
+              <a:buNone/>
+            </a:pPr>
+            <a:endParaRPr lang="nl-NL" sz="1800" b="1" noProof="0" dirty="0">
+              <a:cs typeface="Courier New" panose="02070309020205020404" pitchFamily="49" charset="0"/>
+            </a:endParaRPr>
+          </a:p>
+        </p:txBody>
+      </p:sp>
+      <p:pic>
+        <p:nvPicPr>
+          <p:cNvPr id="5" name="Picture 4" descr="A screenshot of a computer program&#10;&#10;Description automatically generated">
+            <a:extLst>
+              <a:ext uri="{FF2B5EF4-FFF2-40B4-BE49-F238E27FC236}">
+                <a16:creationId xmlns:a16="http://schemas.microsoft.com/office/drawing/2014/main" id="{C8AD7044-CD48-5888-7401-3F00C7AE0080}"/>
+              </a:ext>
+            </a:extLst>
+          </p:cNvPr>
+          <p:cNvPicPr>
+            <a:picLocks noChangeAspect="1"/>
+          </p:cNvPicPr>
+          <p:nvPr/>
+        </p:nvPicPr>
+        <p:blipFill>
+          <a:blip r:embed="rId3">
+            <a:extLst>
+              <a:ext uri="{28A0092B-C50C-407E-A947-70E740481C1C}">
+                <a14:useLocalDpi xmlns:a14="http://schemas.microsoft.com/office/drawing/2010/main" val="0"/>
+              </a:ext>
+            </a:extLst>
+          </a:blip>
+          <a:stretch>
+            <a:fillRect/>
+          </a:stretch>
+        </p:blipFill>
+        <p:spPr>
+          <a:xfrm>
+            <a:off x="7613761" y="1518054"/>
+            <a:ext cx="3740039" cy="3821892"/>
+          </a:xfrm>
+          <a:prstGeom prst="rect">
+            <a:avLst/>
+          </a:prstGeom>
+        </p:spPr>
+      </p:pic>
+    </p:spTree>
+    <p:extLst>
+      <p:ext uri="{BB962C8B-B14F-4D97-AF65-F5344CB8AC3E}">
+        <p14:creationId xmlns:p14="http://schemas.microsoft.com/office/powerpoint/2010/main" val="795842294"/>
+      </p:ext>
+    </p:extLst>
+  </p:cSld>
+  <p:clrMapOvr>
+    <a:masterClrMapping/>
+  </p:clrMapOvr>
+</p:sld>
+</file>
+
+<file path=ppt/slides/slide19.xml><?xml version="1.0" encoding="utf-8"?>
+<p:sld xmlns:a="http://schemas.openxmlformats.org/drawingml/2006/main" xmlns:r="http://schemas.openxmlformats.org/officeDocument/2006/relationships" xmlns:p="http://schemas.openxmlformats.org/presentationml/2006/main">
+  <p:cSld>
+    <p:spTree>
+      <p:nvGrpSpPr>
+        <p:cNvPr id="1" name="">
+          <a:extLst>
+            <a:ext uri="{FF2B5EF4-FFF2-40B4-BE49-F238E27FC236}">
               <a16:creationId xmlns:a16="http://schemas.microsoft.com/office/drawing/2014/main" id="{53350AC3-44D2-125F-C901-74E8A6F61E54}"/>
             </a:ext>
           </a:extLst>
@@ -9706,7 +11623,298 @@
 </p:sld>
 </file>
 
-<file path=ppt/slides/slide17.xml><?xml version="1.0" encoding="utf-8"?>
+<file path=ppt/slides/slide2.xml><?xml version="1.0" encoding="utf-8"?>
+<p:sld xmlns:a="http://schemas.openxmlformats.org/drawingml/2006/main" xmlns:r="http://schemas.openxmlformats.org/officeDocument/2006/relationships" xmlns:p="http://schemas.openxmlformats.org/presentationml/2006/main">
+  <p:cSld>
+    <p:spTree>
+      <p:nvGrpSpPr>
+        <p:cNvPr id="1" name=""/>
+        <p:cNvGrpSpPr/>
+        <p:nvPr/>
+      </p:nvGrpSpPr>
+      <p:grpSpPr>
+        <a:xfrm>
+          <a:off x="0" y="0"/>
+          <a:ext cx="0" cy="0"/>
+          <a:chOff x="0" y="0"/>
+          <a:chExt cx="0" cy="0"/>
+        </a:xfrm>
+      </p:grpSpPr>
+      <p:sp>
+        <p:nvSpPr>
+          <p:cNvPr id="2" name="Title 1">
+            <a:extLst>
+              <a:ext uri="{FF2B5EF4-FFF2-40B4-BE49-F238E27FC236}">
+                <a16:creationId xmlns:a16="http://schemas.microsoft.com/office/drawing/2014/main" id="{39A1D606-8DD1-369C-5C09-471CDD551AD5}"/>
+              </a:ext>
+            </a:extLst>
+          </p:cNvPr>
+          <p:cNvSpPr>
+            <a:spLocks noGrp="1"/>
+          </p:cNvSpPr>
+          <p:nvPr>
+            <p:ph type="title"/>
+          </p:nvPr>
+        </p:nvSpPr>
+        <p:spPr>
+          <a:xfrm>
+            <a:off x="838200" y="365126"/>
+            <a:ext cx="10515600" cy="718608"/>
+          </a:xfrm>
+        </p:spPr>
+        <p:txBody>
+          <a:bodyPr>
+            <a:normAutofit/>
+          </a:bodyPr>
+          <a:lstStyle/>
+          <a:p>
+            <a:r>
+              <a:rPr lang="nl-NL" sz="3600" noProof="0" dirty="0"/>
+              <a:t>Agenda</a:t>
+            </a:r>
+          </a:p>
+        </p:txBody>
+      </p:sp>
+      <p:sp>
+        <p:nvSpPr>
+          <p:cNvPr id="3" name="Content Placeholder 2">
+            <a:extLst>
+              <a:ext uri="{FF2B5EF4-FFF2-40B4-BE49-F238E27FC236}">
+                <a16:creationId xmlns:a16="http://schemas.microsoft.com/office/drawing/2014/main" id="{F4C2D286-E049-0AAB-1360-B7157E11AD7E}"/>
+              </a:ext>
+            </a:extLst>
+          </p:cNvPr>
+          <p:cNvSpPr>
+            <a:spLocks noGrp="1"/>
+          </p:cNvSpPr>
+          <p:nvPr>
+            <p:ph idx="1"/>
+          </p:nvPr>
+        </p:nvSpPr>
+        <p:spPr>
+          <a:xfrm>
+            <a:off x="838200" y="1456267"/>
+            <a:ext cx="10515600" cy="4720696"/>
+          </a:xfrm>
+        </p:spPr>
+        <p:txBody>
+          <a:bodyPr>
+            <a:normAutofit/>
+          </a:bodyPr>
+          <a:lstStyle/>
+          <a:p>
+            <a:pPr>
+              <a:spcAft>
+                <a:spcPts val="600"/>
+              </a:spcAft>
+            </a:pPr>
+            <a:r>
+              <a:rPr lang="nl-NL" sz="2000" noProof="0" dirty="0"/>
+              <a:t>Introductie</a:t>
+            </a:r>
+            <a:endParaRPr lang="nl-NL" sz="2000" dirty="0"/>
+          </a:p>
+          <a:p>
+            <a:pPr lvl="1">
+              <a:spcAft>
+                <a:spcPts val="600"/>
+              </a:spcAft>
+            </a:pPr>
+            <a:r>
+              <a:rPr lang="nl-NL" sz="1600" noProof="0" dirty="0"/>
+              <a:t>Wat is git?</a:t>
+            </a:r>
+          </a:p>
+          <a:p>
+            <a:pPr lvl="1">
+              <a:spcAft>
+                <a:spcPts val="600"/>
+              </a:spcAft>
+            </a:pPr>
+            <a:r>
+              <a:rPr lang="nl-NL" sz="1600" noProof="0" dirty="0"/>
+              <a:t>Hoe werkt git?</a:t>
+            </a:r>
+          </a:p>
+          <a:p>
+            <a:pPr>
+              <a:spcAft>
+                <a:spcPts val="600"/>
+              </a:spcAft>
+            </a:pPr>
+            <a:r>
+              <a:rPr lang="nl-NL" sz="2000" dirty="0"/>
+              <a:t>Werken met versies</a:t>
+            </a:r>
+            <a:endParaRPr lang="nl-NL" sz="1600" dirty="0"/>
+          </a:p>
+          <a:p>
+            <a:pPr lvl="1">
+              <a:spcAft>
+                <a:spcPts val="600"/>
+              </a:spcAft>
+            </a:pPr>
+            <a:r>
+              <a:rPr lang="nl-NL" sz="1600" dirty="0"/>
+              <a:t>Repository opzetten</a:t>
+            </a:r>
+            <a:endParaRPr lang="nl-NL" sz="1600" noProof="0" dirty="0"/>
+          </a:p>
+          <a:p>
+            <a:pPr lvl="1">
+              <a:spcAft>
+                <a:spcPts val="600"/>
+              </a:spcAft>
+            </a:pPr>
+            <a:r>
+              <a:rPr lang="nl-NL" sz="1600" dirty="0"/>
+              <a:t>Een </a:t>
+            </a:r>
+            <a:r>
+              <a:rPr lang="nl-NL" sz="1600" dirty="0" err="1"/>
+              <a:t>commit</a:t>
+            </a:r>
+            <a:r>
+              <a:rPr lang="nl-NL" sz="1600" dirty="0"/>
+              <a:t> aanmaken.</a:t>
+            </a:r>
+          </a:p>
+          <a:p>
+            <a:pPr lvl="1">
+              <a:spcAft>
+                <a:spcPts val="600"/>
+              </a:spcAft>
+            </a:pPr>
+            <a:r>
+              <a:rPr lang="nl-NL" sz="1600" dirty="0"/>
+              <a:t>Wat gebeurt er in de </a:t>
+            </a:r>
+            <a:r>
+              <a:rPr lang="nl-NL" sz="1600" dirty="0" err="1"/>
+              <a:t>repository</a:t>
+            </a:r>
+            <a:r>
+              <a:rPr lang="nl-NL" sz="1600" dirty="0"/>
+              <a:t>?</a:t>
+            </a:r>
+          </a:p>
+          <a:p>
+            <a:pPr lvl="1">
+              <a:spcAft>
+                <a:spcPts val="600"/>
+              </a:spcAft>
+            </a:pPr>
+            <a:r>
+              <a:rPr lang="nl-NL" sz="1600" dirty="0"/>
+              <a:t>Fouten herstellen.</a:t>
+            </a:r>
+          </a:p>
+          <a:p>
+            <a:pPr>
+              <a:spcAft>
+                <a:spcPts val="600"/>
+              </a:spcAft>
+            </a:pPr>
+            <a:r>
+              <a:rPr lang="nl-NL" sz="2000" dirty="0"/>
+              <a:t>Aftakkingen aanmaken</a:t>
+            </a:r>
+          </a:p>
+          <a:p>
+            <a:pPr lvl="1">
+              <a:spcAft>
+                <a:spcPts val="600"/>
+              </a:spcAft>
+            </a:pPr>
+            <a:r>
+              <a:rPr lang="nl-NL" sz="1600" dirty="0" err="1"/>
+              <a:t>Branch</a:t>
+            </a:r>
+            <a:r>
+              <a:rPr lang="nl-NL" sz="1600" dirty="0"/>
+              <a:t> aanmaken.</a:t>
+            </a:r>
+          </a:p>
+          <a:p>
+            <a:pPr lvl="1">
+              <a:spcAft>
+                <a:spcPts val="600"/>
+              </a:spcAft>
+            </a:pPr>
+            <a:r>
+              <a:rPr lang="nl-NL" sz="1600" noProof="0" dirty="0" err="1"/>
+              <a:t>Merge</a:t>
+            </a:r>
+            <a:r>
+              <a:rPr lang="nl-NL" sz="1600" noProof="0" dirty="0"/>
+              <a:t> strategieën.</a:t>
+            </a:r>
+          </a:p>
+          <a:p>
+            <a:pPr lvl="1">
+              <a:spcAft>
+                <a:spcPts val="600"/>
+              </a:spcAft>
+            </a:pPr>
+            <a:r>
+              <a:rPr lang="nl-NL" sz="1600" noProof="0" dirty="0"/>
+              <a:t>Conflicten oplossen.</a:t>
+            </a:r>
+          </a:p>
+          <a:p>
+            <a:pPr lvl="1">
+              <a:spcAft>
+                <a:spcPts val="600"/>
+              </a:spcAft>
+            </a:pPr>
+            <a:endParaRPr lang="nl-NL" sz="1600" noProof="0" dirty="0"/>
+          </a:p>
+        </p:txBody>
+      </p:sp>
+      <p:pic>
+        <p:nvPicPr>
+          <p:cNvPr id="4" name="Picture 3">
+            <a:extLst>
+              <a:ext uri="{FF2B5EF4-FFF2-40B4-BE49-F238E27FC236}">
+                <a16:creationId xmlns:a16="http://schemas.microsoft.com/office/drawing/2014/main" id="{10F1785D-DBAB-C34E-4C20-A2078BA9DAEA}"/>
+              </a:ext>
+            </a:extLst>
+          </p:cNvPr>
+          <p:cNvPicPr>
+            <a:picLocks noChangeAspect="1"/>
+          </p:cNvPicPr>
+          <p:nvPr/>
+        </p:nvPicPr>
+        <p:blipFill>
+          <a:blip r:embed="rId2"/>
+          <a:stretch>
+            <a:fillRect/>
+          </a:stretch>
+        </p:blipFill>
+        <p:spPr>
+          <a:xfrm rot="1217736">
+            <a:off x="8321964" y="3685187"/>
+            <a:ext cx="2694468" cy="2415360"/>
+          </a:xfrm>
+          <a:prstGeom prst="rect">
+            <a:avLst/>
+          </a:prstGeom>
+        </p:spPr>
+      </p:pic>
+    </p:spTree>
+    <p:extLst>
+      <p:ext uri="{BB962C8B-B14F-4D97-AF65-F5344CB8AC3E}">
+        <p14:creationId xmlns:p14="http://schemas.microsoft.com/office/powerpoint/2010/main" val="1265611121"/>
+      </p:ext>
+    </p:extLst>
+  </p:cSld>
+  <p:clrMapOvr>
+    <a:masterClrMapping/>
+  </p:clrMapOvr>
+</p:sld>
+</file>
+
+<file path=ppt/slides/slide20.xml><?xml version="1.0" encoding="utf-8"?>
 <p:sld xmlns:a="http://schemas.openxmlformats.org/drawingml/2006/main" xmlns:r="http://schemas.openxmlformats.org/officeDocument/2006/relationships" xmlns:p="http://schemas.openxmlformats.org/presentationml/2006/main">
   <p:cSld>
     <p:spTree>
@@ -10026,7 +12234,7 @@
 </p:sld>
 </file>
 
-<file path=ppt/slides/slide18.xml><?xml version="1.0" encoding="utf-8"?>
+<file path=ppt/slides/slide21.xml><?xml version="1.0" encoding="utf-8"?>
 <p:sld xmlns:a="http://schemas.openxmlformats.org/drawingml/2006/main" xmlns:r="http://schemas.openxmlformats.org/officeDocument/2006/relationships" xmlns:p="http://schemas.openxmlformats.org/presentationml/2006/main">
   <p:cSld>
     <p:spTree>
@@ -10541,7 +12749,7 @@
 </p:sld>
 </file>
 
-<file path=ppt/slides/slide19.xml><?xml version="1.0" encoding="utf-8"?>
+<file path=ppt/slides/slide22.xml><?xml version="1.0" encoding="utf-8"?>
 <p:sld xmlns:a="http://schemas.openxmlformats.org/drawingml/2006/main" xmlns:r="http://schemas.openxmlformats.org/officeDocument/2006/relationships" xmlns:p="http://schemas.openxmlformats.org/presentationml/2006/main">
   <p:cSld>
     <p:spTree>
@@ -11161,298 +13369,7 @@
 </p:sld>
 </file>
 
-<file path=ppt/slides/slide2.xml><?xml version="1.0" encoding="utf-8"?>
-<p:sld xmlns:a="http://schemas.openxmlformats.org/drawingml/2006/main" xmlns:r="http://schemas.openxmlformats.org/officeDocument/2006/relationships" xmlns:p="http://schemas.openxmlformats.org/presentationml/2006/main">
-  <p:cSld>
-    <p:spTree>
-      <p:nvGrpSpPr>
-        <p:cNvPr id="1" name=""/>
-        <p:cNvGrpSpPr/>
-        <p:nvPr/>
-      </p:nvGrpSpPr>
-      <p:grpSpPr>
-        <a:xfrm>
-          <a:off x="0" y="0"/>
-          <a:ext cx="0" cy="0"/>
-          <a:chOff x="0" y="0"/>
-          <a:chExt cx="0" cy="0"/>
-        </a:xfrm>
-      </p:grpSpPr>
-      <p:sp>
-        <p:nvSpPr>
-          <p:cNvPr id="2" name="Title 1">
-            <a:extLst>
-              <a:ext uri="{FF2B5EF4-FFF2-40B4-BE49-F238E27FC236}">
-                <a16:creationId xmlns:a16="http://schemas.microsoft.com/office/drawing/2014/main" id="{39A1D606-8DD1-369C-5C09-471CDD551AD5}"/>
-              </a:ext>
-            </a:extLst>
-          </p:cNvPr>
-          <p:cNvSpPr>
-            <a:spLocks noGrp="1"/>
-          </p:cNvSpPr>
-          <p:nvPr>
-            <p:ph type="title"/>
-          </p:nvPr>
-        </p:nvSpPr>
-        <p:spPr>
-          <a:xfrm>
-            <a:off x="838200" y="365126"/>
-            <a:ext cx="10515600" cy="718608"/>
-          </a:xfrm>
-        </p:spPr>
-        <p:txBody>
-          <a:bodyPr>
-            <a:normAutofit/>
-          </a:bodyPr>
-          <a:lstStyle/>
-          <a:p>
-            <a:r>
-              <a:rPr lang="nl-NL" sz="3600" noProof="0" dirty="0"/>
-              <a:t>Agenda</a:t>
-            </a:r>
-          </a:p>
-        </p:txBody>
-      </p:sp>
-      <p:sp>
-        <p:nvSpPr>
-          <p:cNvPr id="3" name="Content Placeholder 2">
-            <a:extLst>
-              <a:ext uri="{FF2B5EF4-FFF2-40B4-BE49-F238E27FC236}">
-                <a16:creationId xmlns:a16="http://schemas.microsoft.com/office/drawing/2014/main" id="{F4C2D286-E049-0AAB-1360-B7157E11AD7E}"/>
-              </a:ext>
-            </a:extLst>
-          </p:cNvPr>
-          <p:cNvSpPr>
-            <a:spLocks noGrp="1"/>
-          </p:cNvSpPr>
-          <p:nvPr>
-            <p:ph idx="1"/>
-          </p:nvPr>
-        </p:nvSpPr>
-        <p:spPr>
-          <a:xfrm>
-            <a:off x="838200" y="1456267"/>
-            <a:ext cx="10515600" cy="4720696"/>
-          </a:xfrm>
-        </p:spPr>
-        <p:txBody>
-          <a:bodyPr>
-            <a:normAutofit/>
-          </a:bodyPr>
-          <a:lstStyle/>
-          <a:p>
-            <a:pPr>
-              <a:spcAft>
-                <a:spcPts val="600"/>
-              </a:spcAft>
-            </a:pPr>
-            <a:r>
-              <a:rPr lang="nl-NL" sz="2000" noProof="0" dirty="0"/>
-              <a:t>Introductie</a:t>
-            </a:r>
-            <a:endParaRPr lang="nl-NL" sz="2000" dirty="0"/>
-          </a:p>
-          <a:p>
-            <a:pPr lvl="1">
-              <a:spcAft>
-                <a:spcPts val="600"/>
-              </a:spcAft>
-            </a:pPr>
-            <a:r>
-              <a:rPr lang="nl-NL" sz="1600" noProof="0" dirty="0"/>
-              <a:t>Wat is git?</a:t>
-            </a:r>
-          </a:p>
-          <a:p>
-            <a:pPr lvl="1">
-              <a:spcAft>
-                <a:spcPts val="600"/>
-              </a:spcAft>
-            </a:pPr>
-            <a:r>
-              <a:rPr lang="nl-NL" sz="1600" noProof="0" dirty="0"/>
-              <a:t>Hoe werkt git?</a:t>
-            </a:r>
-          </a:p>
-          <a:p>
-            <a:pPr>
-              <a:spcAft>
-                <a:spcPts val="600"/>
-              </a:spcAft>
-            </a:pPr>
-            <a:r>
-              <a:rPr lang="nl-NL" sz="2000" dirty="0"/>
-              <a:t>Werken met versies</a:t>
-            </a:r>
-            <a:endParaRPr lang="nl-NL" sz="1600" dirty="0"/>
-          </a:p>
-          <a:p>
-            <a:pPr lvl="1">
-              <a:spcAft>
-                <a:spcPts val="600"/>
-              </a:spcAft>
-            </a:pPr>
-            <a:r>
-              <a:rPr lang="nl-NL" sz="1600" dirty="0"/>
-              <a:t>Repository opzetten</a:t>
-            </a:r>
-            <a:endParaRPr lang="nl-NL" sz="1600" noProof="0" dirty="0"/>
-          </a:p>
-          <a:p>
-            <a:pPr lvl="1">
-              <a:spcAft>
-                <a:spcPts val="600"/>
-              </a:spcAft>
-            </a:pPr>
-            <a:r>
-              <a:rPr lang="nl-NL" sz="1600" dirty="0"/>
-              <a:t>Een </a:t>
-            </a:r>
-            <a:r>
-              <a:rPr lang="nl-NL" sz="1600" dirty="0" err="1"/>
-              <a:t>commit</a:t>
-            </a:r>
-            <a:r>
-              <a:rPr lang="nl-NL" sz="1600" dirty="0"/>
-              <a:t> aanmaken.</a:t>
-            </a:r>
-          </a:p>
-          <a:p>
-            <a:pPr lvl="1">
-              <a:spcAft>
-                <a:spcPts val="600"/>
-              </a:spcAft>
-            </a:pPr>
-            <a:r>
-              <a:rPr lang="nl-NL" sz="1600" dirty="0"/>
-              <a:t>Wat gebeurt er in de </a:t>
-            </a:r>
-            <a:r>
-              <a:rPr lang="nl-NL" sz="1600" dirty="0" err="1"/>
-              <a:t>repository</a:t>
-            </a:r>
-            <a:r>
-              <a:rPr lang="nl-NL" sz="1600" dirty="0"/>
-              <a:t>?</a:t>
-            </a:r>
-          </a:p>
-          <a:p>
-            <a:pPr lvl="1">
-              <a:spcAft>
-                <a:spcPts val="600"/>
-              </a:spcAft>
-            </a:pPr>
-            <a:r>
-              <a:rPr lang="nl-NL" sz="1600" dirty="0"/>
-              <a:t>Fouten herstellen.</a:t>
-            </a:r>
-          </a:p>
-          <a:p>
-            <a:pPr>
-              <a:spcAft>
-                <a:spcPts val="600"/>
-              </a:spcAft>
-            </a:pPr>
-            <a:r>
-              <a:rPr lang="nl-NL" sz="2000" dirty="0"/>
-              <a:t>Aftakkingen aanmaken</a:t>
-            </a:r>
-          </a:p>
-          <a:p>
-            <a:pPr lvl="1">
-              <a:spcAft>
-                <a:spcPts val="600"/>
-              </a:spcAft>
-            </a:pPr>
-            <a:r>
-              <a:rPr lang="nl-NL" sz="1600" dirty="0" err="1"/>
-              <a:t>Branch</a:t>
-            </a:r>
-            <a:r>
-              <a:rPr lang="nl-NL" sz="1600" dirty="0"/>
-              <a:t> aanmaken.</a:t>
-            </a:r>
-          </a:p>
-          <a:p>
-            <a:pPr lvl="1">
-              <a:spcAft>
-                <a:spcPts val="600"/>
-              </a:spcAft>
-            </a:pPr>
-            <a:r>
-              <a:rPr lang="nl-NL" sz="1600" noProof="0" dirty="0" err="1"/>
-              <a:t>Merge</a:t>
-            </a:r>
-            <a:r>
-              <a:rPr lang="nl-NL" sz="1600" noProof="0" dirty="0"/>
-              <a:t> strategieën.</a:t>
-            </a:r>
-          </a:p>
-          <a:p>
-            <a:pPr lvl="1">
-              <a:spcAft>
-                <a:spcPts val="600"/>
-              </a:spcAft>
-            </a:pPr>
-            <a:r>
-              <a:rPr lang="nl-NL" sz="1600" noProof="0" dirty="0"/>
-              <a:t>Conflicten oplossen.</a:t>
-            </a:r>
-          </a:p>
-          <a:p>
-            <a:pPr lvl="1">
-              <a:spcAft>
-                <a:spcPts val="600"/>
-              </a:spcAft>
-            </a:pPr>
-            <a:endParaRPr lang="nl-NL" sz="1600" noProof="0" dirty="0"/>
-          </a:p>
-        </p:txBody>
-      </p:sp>
-      <p:pic>
-        <p:nvPicPr>
-          <p:cNvPr id="4" name="Picture 3">
-            <a:extLst>
-              <a:ext uri="{FF2B5EF4-FFF2-40B4-BE49-F238E27FC236}">
-                <a16:creationId xmlns:a16="http://schemas.microsoft.com/office/drawing/2014/main" id="{10F1785D-DBAB-C34E-4C20-A2078BA9DAEA}"/>
-              </a:ext>
-            </a:extLst>
-          </p:cNvPr>
-          <p:cNvPicPr>
-            <a:picLocks noChangeAspect="1"/>
-          </p:cNvPicPr>
-          <p:nvPr/>
-        </p:nvPicPr>
-        <p:blipFill>
-          <a:blip r:embed="rId2"/>
-          <a:stretch>
-            <a:fillRect/>
-          </a:stretch>
-        </p:blipFill>
-        <p:spPr>
-          <a:xfrm rot="1217736">
-            <a:off x="8321964" y="3685187"/>
-            <a:ext cx="2694468" cy="2415360"/>
-          </a:xfrm>
-          <a:prstGeom prst="rect">
-            <a:avLst/>
-          </a:prstGeom>
-        </p:spPr>
-      </p:pic>
-    </p:spTree>
-    <p:extLst>
-      <p:ext uri="{BB962C8B-B14F-4D97-AF65-F5344CB8AC3E}">
-        <p14:creationId xmlns:p14="http://schemas.microsoft.com/office/powerpoint/2010/main" val="1265611121"/>
-      </p:ext>
-    </p:extLst>
-  </p:cSld>
-  <p:clrMapOvr>
-    <a:masterClrMapping/>
-  </p:clrMapOvr>
-</p:sld>
-</file>
-
-<file path=ppt/slides/slide20.xml><?xml version="1.0" encoding="utf-8"?>
+<file path=ppt/slides/slide23.xml><?xml version="1.0" encoding="utf-8"?>
 <p:sld xmlns:a="http://schemas.openxmlformats.org/drawingml/2006/main" xmlns:r="http://schemas.openxmlformats.org/officeDocument/2006/relationships" xmlns:p="http://schemas.openxmlformats.org/presentationml/2006/main">
   <p:cSld>
     <p:spTree>
@@ -12005,7 +13922,7 @@
 </p:sld>
 </file>
 
-<file path=ppt/slides/slide21.xml><?xml version="1.0" encoding="utf-8"?>
+<file path=ppt/slides/slide24.xml><?xml version="1.0" encoding="utf-8"?>
 <p:sld xmlns:a="http://schemas.openxmlformats.org/drawingml/2006/main" xmlns:r="http://schemas.openxmlformats.org/officeDocument/2006/relationships" xmlns:p="http://schemas.openxmlformats.org/presentationml/2006/main">
   <p:cSld>
     <p:spTree>
@@ -12664,7 +14581,7 @@
 </p:sld>
 </file>
 
-<file path=ppt/slides/slide22.xml><?xml version="1.0" encoding="utf-8"?>
+<file path=ppt/slides/slide25.xml><?xml version="1.0" encoding="utf-8"?>
 <p:sld xmlns:a="http://schemas.openxmlformats.org/drawingml/2006/main" xmlns:r="http://schemas.openxmlformats.org/officeDocument/2006/relationships" xmlns:p="http://schemas.openxmlformats.org/presentationml/2006/main">
   <p:cSld>
     <p:spTree>
@@ -13300,7 +15217,7 @@
 </p:sld>
 </file>
 
-<file path=ppt/slides/slide23.xml><?xml version="1.0" encoding="utf-8"?>
+<file path=ppt/slides/slide26.xml><?xml version="1.0" encoding="utf-8"?>
 <p:sld xmlns:a="http://schemas.openxmlformats.org/drawingml/2006/main" xmlns:r="http://schemas.openxmlformats.org/officeDocument/2006/relationships" xmlns:p="http://schemas.openxmlformats.org/presentationml/2006/main">
   <p:cSld>
     <p:spTree>
@@ -13389,7 +15306,7 @@
 </p:sld>
 </file>
 
-<file path=ppt/slides/slide24.xml><?xml version="1.0" encoding="utf-8"?>
+<file path=ppt/slides/slide27.xml><?xml version="1.0" encoding="utf-8"?>
 <p:sld xmlns:a="http://schemas.openxmlformats.org/drawingml/2006/main" xmlns:r="http://schemas.openxmlformats.org/officeDocument/2006/relationships" xmlns:p="http://schemas.openxmlformats.org/presentationml/2006/main">
   <p:cSld>
     <p:spTree>
@@ -13836,7 +15753,7 @@
 </p:sld>
 </file>
 
-<file path=ppt/slides/slide25.xml><?xml version="1.0" encoding="utf-8"?>
+<file path=ppt/slides/slide28.xml><?xml version="1.0" encoding="utf-8"?>
 <p:sld xmlns:a="http://schemas.openxmlformats.org/drawingml/2006/main" xmlns:r="http://schemas.openxmlformats.org/officeDocument/2006/relationships" xmlns:p="http://schemas.openxmlformats.org/presentationml/2006/main">
   <p:cSld>
     <p:spTree>
@@ -14600,7 +16517,7 @@
 </p:sld>
 </file>
 
-<file path=ppt/slides/slide26.xml><?xml version="1.0" encoding="utf-8"?>
+<file path=ppt/slides/slide29.xml><?xml version="1.0" encoding="utf-8"?>
 <p:sld xmlns:a="http://schemas.openxmlformats.org/drawingml/2006/main" xmlns:r="http://schemas.openxmlformats.org/officeDocument/2006/relationships" xmlns:p="http://schemas.openxmlformats.org/presentationml/2006/main">
   <p:cSld>
     <p:spTree>
@@ -15088,7 +17005,90 @@
 </p:sld>
 </file>
 
-<file path=ppt/slides/slide27.xml><?xml version="1.0" encoding="utf-8"?>
+<file path=ppt/slides/slide3.xml><?xml version="1.0" encoding="utf-8"?>
+<p:sld xmlns:a="http://schemas.openxmlformats.org/drawingml/2006/main" xmlns:r="http://schemas.openxmlformats.org/officeDocument/2006/relationships" xmlns:p="http://schemas.openxmlformats.org/presentationml/2006/main">
+  <p:cSld>
+    <p:spTree>
+      <p:nvGrpSpPr>
+        <p:cNvPr id="1" name=""/>
+        <p:cNvGrpSpPr/>
+        <p:nvPr/>
+      </p:nvGrpSpPr>
+      <p:grpSpPr>
+        <a:xfrm>
+          <a:off x="0" y="0"/>
+          <a:ext cx="0" cy="0"/>
+          <a:chOff x="0" y="0"/>
+          <a:chExt cx="0" cy="0"/>
+        </a:xfrm>
+      </p:grpSpPr>
+      <p:sp>
+        <p:nvSpPr>
+          <p:cNvPr id="4" name="Title 3">
+            <a:extLst>
+              <a:ext uri="{FF2B5EF4-FFF2-40B4-BE49-F238E27FC236}">
+                <a16:creationId xmlns:a16="http://schemas.microsoft.com/office/drawing/2014/main" id="{72C925CA-BCA3-3701-E08E-95652380B32E}"/>
+              </a:ext>
+            </a:extLst>
+          </p:cNvPr>
+          <p:cNvSpPr>
+            <a:spLocks noGrp="1"/>
+          </p:cNvSpPr>
+          <p:nvPr>
+            <p:ph type="title"/>
+          </p:nvPr>
+        </p:nvSpPr>
+        <p:spPr/>
+        <p:txBody>
+          <a:bodyPr/>
+          <a:lstStyle/>
+          <a:p>
+            <a:r>
+              <a:rPr lang="nl-NL" noProof="0" dirty="0"/>
+              <a:t>Introductie</a:t>
+            </a:r>
+          </a:p>
+        </p:txBody>
+      </p:sp>
+      <p:sp>
+        <p:nvSpPr>
+          <p:cNvPr id="5" name="Text Placeholder 4">
+            <a:extLst>
+              <a:ext uri="{FF2B5EF4-FFF2-40B4-BE49-F238E27FC236}">
+                <a16:creationId xmlns:a16="http://schemas.microsoft.com/office/drawing/2014/main" id="{1AB31C95-91AF-DF13-FB58-0DA5F2D9F6F7}"/>
+              </a:ext>
+            </a:extLst>
+          </p:cNvPr>
+          <p:cNvSpPr>
+            <a:spLocks noGrp="1"/>
+          </p:cNvSpPr>
+          <p:nvPr>
+            <p:ph type="body" idx="1"/>
+          </p:nvPr>
+        </p:nvSpPr>
+        <p:spPr/>
+        <p:txBody>
+          <a:bodyPr/>
+          <a:lstStyle/>
+          <a:p>
+            <a:endParaRPr lang="en-NL"/>
+          </a:p>
+        </p:txBody>
+      </p:sp>
+    </p:spTree>
+    <p:extLst>
+      <p:ext uri="{BB962C8B-B14F-4D97-AF65-F5344CB8AC3E}">
+        <p14:creationId xmlns:p14="http://schemas.microsoft.com/office/powerpoint/2010/main" val="276640083"/>
+      </p:ext>
+    </p:extLst>
+  </p:cSld>
+  <p:clrMapOvr>
+    <a:masterClrMapping/>
+  </p:clrMapOvr>
+</p:sld>
+</file>
+
+<file path=ppt/slides/slide30.xml><?xml version="1.0" encoding="utf-8"?>
 <p:sld xmlns:a="http://schemas.openxmlformats.org/drawingml/2006/main" xmlns:r="http://schemas.openxmlformats.org/officeDocument/2006/relationships" xmlns:p="http://schemas.openxmlformats.org/presentationml/2006/main">
   <p:cSld>
     <p:spTree>
@@ -15615,7 +17615,7 @@
 </p:sld>
 </file>
 
-<file path=ppt/slides/slide28.xml><?xml version="1.0" encoding="utf-8"?>
+<file path=ppt/slides/slide31.xml><?xml version="1.0" encoding="utf-8"?>
 <p:sld xmlns:a="http://schemas.openxmlformats.org/drawingml/2006/main" xmlns:r="http://schemas.openxmlformats.org/officeDocument/2006/relationships" xmlns:p="http://schemas.openxmlformats.org/presentationml/2006/main">
   <p:cSld>
     <p:spTree>
@@ -16027,89 +18027,6 @@
     <p:extLst>
       <p:ext uri="{BB962C8B-B14F-4D97-AF65-F5344CB8AC3E}">
         <p14:creationId xmlns:p14="http://schemas.microsoft.com/office/powerpoint/2010/main" val="4287688984"/>
-      </p:ext>
-    </p:extLst>
-  </p:cSld>
-  <p:clrMapOvr>
-    <a:masterClrMapping/>
-  </p:clrMapOvr>
-</p:sld>
-</file>
-
-<file path=ppt/slides/slide3.xml><?xml version="1.0" encoding="utf-8"?>
-<p:sld xmlns:a="http://schemas.openxmlformats.org/drawingml/2006/main" xmlns:r="http://schemas.openxmlformats.org/officeDocument/2006/relationships" xmlns:p="http://schemas.openxmlformats.org/presentationml/2006/main">
-  <p:cSld>
-    <p:spTree>
-      <p:nvGrpSpPr>
-        <p:cNvPr id="1" name=""/>
-        <p:cNvGrpSpPr/>
-        <p:nvPr/>
-      </p:nvGrpSpPr>
-      <p:grpSpPr>
-        <a:xfrm>
-          <a:off x="0" y="0"/>
-          <a:ext cx="0" cy="0"/>
-          <a:chOff x="0" y="0"/>
-          <a:chExt cx="0" cy="0"/>
-        </a:xfrm>
-      </p:grpSpPr>
-      <p:sp>
-        <p:nvSpPr>
-          <p:cNvPr id="4" name="Title 3">
-            <a:extLst>
-              <a:ext uri="{FF2B5EF4-FFF2-40B4-BE49-F238E27FC236}">
-                <a16:creationId xmlns:a16="http://schemas.microsoft.com/office/drawing/2014/main" id="{72C925CA-BCA3-3701-E08E-95652380B32E}"/>
-              </a:ext>
-            </a:extLst>
-          </p:cNvPr>
-          <p:cNvSpPr>
-            <a:spLocks noGrp="1"/>
-          </p:cNvSpPr>
-          <p:nvPr>
-            <p:ph type="title"/>
-          </p:nvPr>
-        </p:nvSpPr>
-        <p:spPr/>
-        <p:txBody>
-          <a:bodyPr/>
-          <a:lstStyle/>
-          <a:p>
-            <a:r>
-              <a:rPr lang="nl-NL" noProof="0" dirty="0"/>
-              <a:t>Introductie</a:t>
-            </a:r>
-          </a:p>
-        </p:txBody>
-      </p:sp>
-      <p:sp>
-        <p:nvSpPr>
-          <p:cNvPr id="5" name="Text Placeholder 4">
-            <a:extLst>
-              <a:ext uri="{FF2B5EF4-FFF2-40B4-BE49-F238E27FC236}">
-                <a16:creationId xmlns:a16="http://schemas.microsoft.com/office/drawing/2014/main" id="{1AB31C95-91AF-DF13-FB58-0DA5F2D9F6F7}"/>
-              </a:ext>
-            </a:extLst>
-          </p:cNvPr>
-          <p:cNvSpPr>
-            <a:spLocks noGrp="1"/>
-          </p:cNvSpPr>
-          <p:nvPr>
-            <p:ph type="body" idx="1"/>
-          </p:nvPr>
-        </p:nvSpPr>
-        <p:spPr/>
-        <p:txBody>
-          <a:bodyPr/>
-          <a:lstStyle/>
-          <a:p>
-            <a:endParaRPr lang="en-NL"/>
-          </a:p>
-        </p:txBody>
-      </p:sp>
-    </p:spTree>
-    <p:extLst>
-      <p:ext uri="{BB962C8B-B14F-4D97-AF65-F5344CB8AC3E}">
-        <p14:creationId xmlns:p14="http://schemas.microsoft.com/office/powerpoint/2010/main" val="276640083"/>
       </p:ext>
     </p:extLst>
   </p:cSld>
@@ -16313,13 +18230,7 @@
               <a:rPr lang="nl-NL" sz="1800" dirty="0">
                 <a:cs typeface="Courier New" panose="02070309020205020404" pitchFamily="49" charset="0"/>
               </a:rPr>
-              <a:t>Eens in git </a:t>
-            </a:r>
-            <a:r>
-              <a:rPr lang="nl-NL" sz="1800">
-                <a:cs typeface="Courier New" panose="02070309020205020404" pitchFamily="49" charset="0"/>
-              </a:rPr>
-              <a:t>== altijd in git!</a:t>
+              <a:t>Eens in git == altijd in git!</a:t>
             </a:r>
             <a:endParaRPr lang="nl-NL" sz="1800" noProof="0" dirty="0">
               <a:cs typeface="Courier New" panose="02070309020205020404" pitchFamily="49" charset="0"/>

--- a/git/1_basics/git_basic.pptx
+++ b/git/1_basics/git_basic.pptx
@@ -5,7 +5,7 @@
     <p:sldMasterId id="2147483648" r:id="rId1"/>
   </p:sldMasterIdLst>
   <p:notesMasterIdLst>
-    <p:notesMasterId r:id="rId33"/>
+    <p:notesMasterId r:id="rId35"/>
   </p:notesMasterIdLst>
   <p:sldIdLst>
     <p:sldId id="256" r:id="rId2"/>
@@ -23,22 +23,24 @@
     <p:sldId id="368" r:id="rId14"/>
     <p:sldId id="369" r:id="rId15"/>
     <p:sldId id="370" r:id="rId16"/>
-    <p:sldId id="377" r:id="rId17"/>
-    <p:sldId id="378" r:id="rId18"/>
-    <p:sldId id="379" r:id="rId19"/>
-    <p:sldId id="357" r:id="rId20"/>
-    <p:sldId id="359" r:id="rId21"/>
-    <p:sldId id="372" r:id="rId22"/>
-    <p:sldId id="373" r:id="rId23"/>
-    <p:sldId id="374" r:id="rId24"/>
-    <p:sldId id="375" r:id="rId25"/>
-    <p:sldId id="376" r:id="rId26"/>
-    <p:sldId id="371" r:id="rId27"/>
-    <p:sldId id="258" r:id="rId28"/>
-    <p:sldId id="292" r:id="rId29"/>
-    <p:sldId id="266" r:id="rId30"/>
-    <p:sldId id="263" r:id="rId31"/>
-    <p:sldId id="332" r:id="rId32"/>
+    <p:sldId id="380" r:id="rId17"/>
+    <p:sldId id="379" r:id="rId18"/>
+    <p:sldId id="377" r:id="rId19"/>
+    <p:sldId id="378" r:id="rId20"/>
+    <p:sldId id="381" r:id="rId21"/>
+    <p:sldId id="357" r:id="rId22"/>
+    <p:sldId id="359" r:id="rId23"/>
+    <p:sldId id="372" r:id="rId24"/>
+    <p:sldId id="373" r:id="rId25"/>
+    <p:sldId id="374" r:id="rId26"/>
+    <p:sldId id="375" r:id="rId27"/>
+    <p:sldId id="376" r:id="rId28"/>
+    <p:sldId id="371" r:id="rId29"/>
+    <p:sldId id="258" r:id="rId30"/>
+    <p:sldId id="292" r:id="rId31"/>
+    <p:sldId id="266" r:id="rId32"/>
+    <p:sldId id="263" r:id="rId33"/>
+    <p:sldId id="332" r:id="rId34"/>
   </p:sldIdLst>
   <p:sldSz cx="12192000" cy="6858000"/>
   <p:notesSz cx="6858000" cy="9144000"/>
@@ -227,7 +229,7 @@
           <a:p>
             <a:fld id="{3BADDCAA-88FC-44D4-A91A-DD0530AB88E0}" type="datetimeFigureOut">
               <a:rPr lang="en-NL" smtClean="0"/>
-              <a:t>15/10/2024</a:t>
+              <a:t>25/10/2024</a:t>
             </a:fld>
             <a:endParaRPr lang="en-NL"/>
           </a:p>
@@ -803,6 +805,114 @@
         <p:cNvPr id="1" name="">
           <a:extLst>
             <a:ext uri="{FF2B5EF4-FFF2-40B4-BE49-F238E27FC236}">
+              <a16:creationId xmlns:a16="http://schemas.microsoft.com/office/drawing/2014/main" id="{FD96686E-96C7-9213-C3F5-DB15686E6BB6}"/>
+            </a:ext>
+          </a:extLst>
+        </p:cNvPr>
+        <p:cNvGrpSpPr/>
+        <p:nvPr/>
+      </p:nvGrpSpPr>
+      <p:grpSpPr>
+        <a:xfrm>
+          <a:off x="0" y="0"/>
+          <a:ext cx="0" cy="0"/>
+          <a:chOff x="0" y="0"/>
+          <a:chExt cx="0" cy="0"/>
+        </a:xfrm>
+      </p:grpSpPr>
+      <p:sp>
+        <p:nvSpPr>
+          <p:cNvPr id="2" name="Slide Image Placeholder 1">
+            <a:extLst>
+              <a:ext uri="{FF2B5EF4-FFF2-40B4-BE49-F238E27FC236}">
+                <a16:creationId xmlns:a16="http://schemas.microsoft.com/office/drawing/2014/main" id="{68C25D0B-20C1-08BA-70FB-20E3C3523B3D}"/>
+              </a:ext>
+            </a:extLst>
+          </p:cNvPr>
+          <p:cNvSpPr>
+            <a:spLocks noGrp="1" noRot="1" noChangeAspect="1"/>
+          </p:cNvSpPr>
+          <p:nvPr>
+            <p:ph type="sldImg"/>
+          </p:nvPr>
+        </p:nvSpPr>
+        <p:spPr/>
+      </p:sp>
+      <p:sp>
+        <p:nvSpPr>
+          <p:cNvPr id="3" name="Notes Placeholder 2">
+            <a:extLst>
+              <a:ext uri="{FF2B5EF4-FFF2-40B4-BE49-F238E27FC236}">
+                <a16:creationId xmlns:a16="http://schemas.microsoft.com/office/drawing/2014/main" id="{7C8AA036-DBE5-310D-57CE-5EA5BDD38AB7}"/>
+              </a:ext>
+            </a:extLst>
+          </p:cNvPr>
+          <p:cNvSpPr>
+            <a:spLocks noGrp="1"/>
+          </p:cNvSpPr>
+          <p:nvPr>
+            <p:ph type="body" idx="1"/>
+          </p:nvPr>
+        </p:nvSpPr>
+        <p:spPr/>
+        <p:txBody>
+          <a:bodyPr/>
+          <a:lstStyle/>
+          <a:p>
+            <a:endParaRPr lang="nl-NL" dirty="0"/>
+          </a:p>
+        </p:txBody>
+      </p:sp>
+      <p:sp>
+        <p:nvSpPr>
+          <p:cNvPr id="4" name="Slide Number Placeholder 3">
+            <a:extLst>
+              <a:ext uri="{FF2B5EF4-FFF2-40B4-BE49-F238E27FC236}">
+                <a16:creationId xmlns:a16="http://schemas.microsoft.com/office/drawing/2014/main" id="{1DEC5B85-101B-2858-27A1-D721FF94E60A}"/>
+              </a:ext>
+            </a:extLst>
+          </p:cNvPr>
+          <p:cNvSpPr>
+            <a:spLocks noGrp="1"/>
+          </p:cNvSpPr>
+          <p:nvPr>
+            <p:ph type="sldNum" sz="quarter" idx="5"/>
+          </p:nvPr>
+        </p:nvSpPr>
+        <p:spPr/>
+        <p:txBody>
+          <a:bodyPr/>
+          <a:lstStyle/>
+          <a:p>
+            <a:fld id="{9583DEA5-E342-4DB2-B087-D0B9C490B19E}" type="slidenum">
+              <a:rPr lang="nl-NL" smtClean="0"/>
+              <a:t>17</a:t>
+            </a:fld>
+            <a:endParaRPr lang="nl-NL"/>
+          </a:p>
+        </p:txBody>
+      </p:sp>
+    </p:spTree>
+    <p:extLst>
+      <p:ext uri="{BB962C8B-B14F-4D97-AF65-F5344CB8AC3E}">
+        <p14:creationId xmlns:p14="http://schemas.microsoft.com/office/powerpoint/2010/main" val="2669879187"/>
+      </p:ext>
+    </p:extLst>
+  </p:cSld>
+  <p:clrMapOvr>
+    <a:masterClrMapping/>
+  </p:clrMapOvr>
+</p:notes>
+</file>
+
+<file path=ppt/notesSlides/notesSlide13.xml><?xml version="1.0" encoding="utf-8"?>
+<p:notes xmlns:a="http://schemas.openxmlformats.org/drawingml/2006/main" xmlns:r="http://schemas.openxmlformats.org/officeDocument/2006/relationships" xmlns:p="http://schemas.openxmlformats.org/presentationml/2006/main">
+  <p:cSld>
+    <p:spTree>
+      <p:nvGrpSpPr>
+        <p:cNvPr id="1" name="">
+          <a:extLst>
+            <a:ext uri="{FF2B5EF4-FFF2-40B4-BE49-F238E27FC236}">
               <a16:creationId xmlns:a16="http://schemas.microsoft.com/office/drawing/2014/main" id="{8D742114-A585-DB72-51BC-BFF0CB9CACCF}"/>
             </a:ext>
           </a:extLst>
@@ -884,7 +994,7 @@
           <a:p>
             <a:fld id="{9583DEA5-E342-4DB2-B087-D0B9C490B19E}" type="slidenum">
               <a:rPr lang="nl-NL" smtClean="0"/>
-              <a:t>16</a:t>
+              <a:t>18</a:t>
             </a:fld>
             <a:endParaRPr lang="nl-NL"/>
           </a:p>
@@ -903,7 +1013,7 @@
 </p:notes>
 </file>
 
-<file path=ppt/notesSlides/notesSlide13.xml><?xml version="1.0" encoding="utf-8"?>
+<file path=ppt/notesSlides/notesSlide14.xml><?xml version="1.0" encoding="utf-8"?>
 <p:notes xmlns:a="http://schemas.openxmlformats.org/drawingml/2006/main" xmlns:r="http://schemas.openxmlformats.org/officeDocument/2006/relationships" xmlns:p="http://schemas.openxmlformats.org/presentationml/2006/main">
   <p:cSld>
     <p:spTree>
@@ -992,7 +1102,7 @@
           <a:p>
             <a:fld id="{9583DEA5-E342-4DB2-B087-D0B9C490B19E}" type="slidenum">
               <a:rPr lang="nl-NL" smtClean="0"/>
-              <a:t>17</a:t>
+              <a:t>19</a:t>
             </a:fld>
             <a:endParaRPr lang="nl-NL"/>
           </a:p>
@@ -1002,114 +1112,6 @@
     <p:extLst>
       <p:ext uri="{BB962C8B-B14F-4D97-AF65-F5344CB8AC3E}">
         <p14:creationId xmlns:p14="http://schemas.microsoft.com/office/powerpoint/2010/main" val="3070081646"/>
-      </p:ext>
-    </p:extLst>
-  </p:cSld>
-  <p:clrMapOvr>
-    <a:masterClrMapping/>
-  </p:clrMapOvr>
-</p:notes>
-</file>
-
-<file path=ppt/notesSlides/notesSlide14.xml><?xml version="1.0" encoding="utf-8"?>
-<p:notes xmlns:a="http://schemas.openxmlformats.org/drawingml/2006/main" xmlns:r="http://schemas.openxmlformats.org/officeDocument/2006/relationships" xmlns:p="http://schemas.openxmlformats.org/presentationml/2006/main">
-  <p:cSld>
-    <p:spTree>
-      <p:nvGrpSpPr>
-        <p:cNvPr id="1" name="">
-          <a:extLst>
-            <a:ext uri="{FF2B5EF4-FFF2-40B4-BE49-F238E27FC236}">
-              <a16:creationId xmlns:a16="http://schemas.microsoft.com/office/drawing/2014/main" id="{FD96686E-96C7-9213-C3F5-DB15686E6BB6}"/>
-            </a:ext>
-          </a:extLst>
-        </p:cNvPr>
-        <p:cNvGrpSpPr/>
-        <p:nvPr/>
-      </p:nvGrpSpPr>
-      <p:grpSpPr>
-        <a:xfrm>
-          <a:off x="0" y="0"/>
-          <a:ext cx="0" cy="0"/>
-          <a:chOff x="0" y="0"/>
-          <a:chExt cx="0" cy="0"/>
-        </a:xfrm>
-      </p:grpSpPr>
-      <p:sp>
-        <p:nvSpPr>
-          <p:cNvPr id="2" name="Slide Image Placeholder 1">
-            <a:extLst>
-              <a:ext uri="{FF2B5EF4-FFF2-40B4-BE49-F238E27FC236}">
-                <a16:creationId xmlns:a16="http://schemas.microsoft.com/office/drawing/2014/main" id="{68C25D0B-20C1-08BA-70FB-20E3C3523B3D}"/>
-              </a:ext>
-            </a:extLst>
-          </p:cNvPr>
-          <p:cNvSpPr>
-            <a:spLocks noGrp="1" noRot="1" noChangeAspect="1"/>
-          </p:cNvSpPr>
-          <p:nvPr>
-            <p:ph type="sldImg"/>
-          </p:nvPr>
-        </p:nvSpPr>
-        <p:spPr/>
-      </p:sp>
-      <p:sp>
-        <p:nvSpPr>
-          <p:cNvPr id="3" name="Notes Placeholder 2">
-            <a:extLst>
-              <a:ext uri="{FF2B5EF4-FFF2-40B4-BE49-F238E27FC236}">
-                <a16:creationId xmlns:a16="http://schemas.microsoft.com/office/drawing/2014/main" id="{7C8AA036-DBE5-310D-57CE-5EA5BDD38AB7}"/>
-              </a:ext>
-            </a:extLst>
-          </p:cNvPr>
-          <p:cNvSpPr>
-            <a:spLocks noGrp="1"/>
-          </p:cNvSpPr>
-          <p:nvPr>
-            <p:ph type="body" idx="1"/>
-          </p:nvPr>
-        </p:nvSpPr>
-        <p:spPr/>
-        <p:txBody>
-          <a:bodyPr/>
-          <a:lstStyle/>
-          <a:p>
-            <a:endParaRPr lang="nl-NL" dirty="0"/>
-          </a:p>
-        </p:txBody>
-      </p:sp>
-      <p:sp>
-        <p:nvSpPr>
-          <p:cNvPr id="4" name="Slide Number Placeholder 3">
-            <a:extLst>
-              <a:ext uri="{FF2B5EF4-FFF2-40B4-BE49-F238E27FC236}">
-                <a16:creationId xmlns:a16="http://schemas.microsoft.com/office/drawing/2014/main" id="{1DEC5B85-101B-2858-27A1-D721FF94E60A}"/>
-              </a:ext>
-            </a:extLst>
-          </p:cNvPr>
-          <p:cNvSpPr>
-            <a:spLocks noGrp="1"/>
-          </p:cNvSpPr>
-          <p:nvPr>
-            <p:ph type="sldNum" sz="quarter" idx="5"/>
-          </p:nvPr>
-        </p:nvSpPr>
-        <p:spPr/>
-        <p:txBody>
-          <a:bodyPr/>
-          <a:lstStyle/>
-          <a:p>
-            <a:fld id="{9583DEA5-E342-4DB2-B087-D0B9C490B19E}" type="slidenum">
-              <a:rPr lang="nl-NL" smtClean="0"/>
-              <a:t>18</a:t>
-            </a:fld>
-            <a:endParaRPr lang="nl-NL"/>
-          </a:p>
-        </p:txBody>
-      </p:sp>
-    </p:spTree>
-    <p:extLst>
-      <p:ext uri="{BB962C8B-B14F-4D97-AF65-F5344CB8AC3E}">
-        <p14:creationId xmlns:p14="http://schemas.microsoft.com/office/powerpoint/2010/main" val="2669879187"/>
       </p:ext>
     </p:extLst>
   </p:cSld>
@@ -1208,7 +1210,7 @@
           <a:p>
             <a:fld id="{9583DEA5-E342-4DB2-B087-D0B9C490B19E}" type="slidenum">
               <a:rPr lang="nl-NL" smtClean="0"/>
-              <a:t>20</a:t>
+              <a:t>22</a:t>
             </a:fld>
             <a:endParaRPr lang="nl-NL"/>
           </a:p>
@@ -1316,7 +1318,7 @@
           <a:p>
             <a:fld id="{9583DEA5-E342-4DB2-B087-D0B9C490B19E}" type="slidenum">
               <a:rPr lang="nl-NL" smtClean="0"/>
-              <a:t>21</a:t>
+              <a:t>23</a:t>
             </a:fld>
             <a:endParaRPr lang="nl-NL"/>
           </a:p>
@@ -1435,7 +1437,7 @@
           <a:p>
             <a:fld id="{9583DEA5-E342-4DB2-B087-D0B9C490B19E}" type="slidenum">
               <a:rPr lang="nl-NL" smtClean="0"/>
-              <a:t>22</a:t>
+              <a:t>24</a:t>
             </a:fld>
             <a:endParaRPr lang="nl-NL"/>
           </a:p>
@@ -1543,7 +1545,7 @@
           <a:p>
             <a:fld id="{9583DEA5-E342-4DB2-B087-D0B9C490B19E}" type="slidenum">
               <a:rPr lang="nl-NL" smtClean="0"/>
-              <a:t>23</a:t>
+              <a:t>25</a:t>
             </a:fld>
             <a:endParaRPr lang="nl-NL"/>
           </a:p>
@@ -1651,7 +1653,7 @@
           <a:p>
             <a:fld id="{9583DEA5-E342-4DB2-B087-D0B9C490B19E}" type="slidenum">
               <a:rPr lang="nl-NL" smtClean="0"/>
-              <a:t>24</a:t>
+              <a:t>26</a:t>
             </a:fld>
             <a:endParaRPr lang="nl-NL"/>
           </a:p>
@@ -1859,7 +1861,7 @@
           <a:p>
             <a:fld id="{9583DEA5-E342-4DB2-B087-D0B9C490B19E}" type="slidenum">
               <a:rPr lang="nl-NL" smtClean="0"/>
-              <a:t>25</a:t>
+              <a:t>27</a:t>
             </a:fld>
             <a:endParaRPr lang="nl-NL"/>
           </a:p>
@@ -2803,7 +2805,7 @@
           <a:p>
             <a:fld id="{0EBB069A-003F-4FC0-8534-236B0C5C7B5F}" type="datetimeFigureOut">
               <a:rPr lang="en-NL" smtClean="0"/>
-              <a:t>15/10/2024</a:t>
+              <a:t>25/10/2024</a:t>
             </a:fld>
             <a:endParaRPr lang="en-NL"/>
           </a:p>
@@ -3003,7 +3005,7 @@
           <a:p>
             <a:fld id="{0EBB069A-003F-4FC0-8534-236B0C5C7B5F}" type="datetimeFigureOut">
               <a:rPr lang="en-NL" smtClean="0"/>
-              <a:t>15/10/2024</a:t>
+              <a:t>25/10/2024</a:t>
             </a:fld>
             <a:endParaRPr lang="en-NL"/>
           </a:p>
@@ -3213,7 +3215,7 @@
           <a:p>
             <a:fld id="{0EBB069A-003F-4FC0-8534-236B0C5C7B5F}" type="datetimeFigureOut">
               <a:rPr lang="en-NL" smtClean="0"/>
-              <a:t>15/10/2024</a:t>
+              <a:t>25/10/2024</a:t>
             </a:fld>
             <a:endParaRPr lang="en-NL"/>
           </a:p>
@@ -3413,7 +3415,7 @@
           <a:p>
             <a:fld id="{0EBB069A-003F-4FC0-8534-236B0C5C7B5F}" type="datetimeFigureOut">
               <a:rPr lang="en-NL" smtClean="0"/>
-              <a:t>15/10/2024</a:t>
+              <a:t>25/10/2024</a:t>
             </a:fld>
             <a:endParaRPr lang="en-NL"/>
           </a:p>
@@ -3689,7 +3691,7 @@
           <a:p>
             <a:fld id="{0EBB069A-003F-4FC0-8534-236B0C5C7B5F}" type="datetimeFigureOut">
               <a:rPr lang="en-NL" smtClean="0"/>
-              <a:t>15/10/2024</a:t>
+              <a:t>25/10/2024</a:t>
             </a:fld>
             <a:endParaRPr lang="en-NL"/>
           </a:p>
@@ -3957,7 +3959,7 @@
           <a:p>
             <a:fld id="{0EBB069A-003F-4FC0-8534-236B0C5C7B5F}" type="datetimeFigureOut">
               <a:rPr lang="en-NL" smtClean="0"/>
-              <a:t>15/10/2024</a:t>
+              <a:t>25/10/2024</a:t>
             </a:fld>
             <a:endParaRPr lang="en-NL"/>
           </a:p>
@@ -4372,7 +4374,7 @@
           <a:p>
             <a:fld id="{0EBB069A-003F-4FC0-8534-236B0C5C7B5F}" type="datetimeFigureOut">
               <a:rPr lang="en-NL" smtClean="0"/>
-              <a:t>15/10/2024</a:t>
+              <a:t>25/10/2024</a:t>
             </a:fld>
             <a:endParaRPr lang="en-NL"/>
           </a:p>
@@ -4514,7 +4516,7 @@
           <a:p>
             <a:fld id="{0EBB069A-003F-4FC0-8534-236B0C5C7B5F}" type="datetimeFigureOut">
               <a:rPr lang="en-NL" smtClean="0"/>
-              <a:t>15/10/2024</a:t>
+              <a:t>25/10/2024</a:t>
             </a:fld>
             <a:endParaRPr lang="en-NL"/>
           </a:p>
@@ -4627,7 +4629,7 @@
           <a:p>
             <a:fld id="{0EBB069A-003F-4FC0-8534-236B0C5C7B5F}" type="datetimeFigureOut">
               <a:rPr lang="en-NL" smtClean="0"/>
-              <a:t>15/10/2024</a:t>
+              <a:t>25/10/2024</a:t>
             </a:fld>
             <a:endParaRPr lang="en-NL"/>
           </a:p>
@@ -4940,7 +4942,7 @@
           <a:p>
             <a:fld id="{0EBB069A-003F-4FC0-8534-236B0C5C7B5F}" type="datetimeFigureOut">
               <a:rPr lang="en-NL" smtClean="0"/>
-              <a:t>15/10/2024</a:t>
+              <a:t>25/10/2024</a:t>
             </a:fld>
             <a:endParaRPr lang="en-NL"/>
           </a:p>
@@ -5229,7 +5231,7 @@
           <a:p>
             <a:fld id="{0EBB069A-003F-4FC0-8534-236B0C5C7B5F}" type="datetimeFigureOut">
               <a:rPr lang="en-NL" smtClean="0"/>
-              <a:t>15/10/2024</a:t>
+              <a:t>25/10/2024</a:t>
             </a:fld>
             <a:endParaRPr lang="en-NL"/>
           </a:p>
@@ -5472,7 +5474,7 @@
           <a:p>
             <a:fld id="{0EBB069A-003F-4FC0-8534-236B0C5C7B5F}" type="datetimeFigureOut">
               <a:rPr lang="en-NL" smtClean="0"/>
-              <a:t>15/10/2024</a:t>
+              <a:t>25/10/2024</a:t>
             </a:fld>
             <a:endParaRPr lang="en-NL"/>
           </a:p>
@@ -9952,6 +9954,507 @@
         <p:cNvPr id="1" name="">
           <a:extLst>
             <a:ext uri="{FF2B5EF4-FFF2-40B4-BE49-F238E27FC236}">
+              <a16:creationId xmlns:a16="http://schemas.microsoft.com/office/drawing/2014/main" id="{12F0E680-E13E-A73F-ECB1-CA5A486D6688}"/>
+            </a:ext>
+          </a:extLst>
+        </p:cNvPr>
+        <p:cNvGrpSpPr/>
+        <p:nvPr/>
+      </p:nvGrpSpPr>
+      <p:grpSpPr>
+        <a:xfrm>
+          <a:off x="0" y="0"/>
+          <a:ext cx="0" cy="0"/>
+          <a:chOff x="0" y="0"/>
+          <a:chExt cx="0" cy="0"/>
+        </a:xfrm>
+      </p:grpSpPr>
+      <p:sp>
+        <p:nvSpPr>
+          <p:cNvPr id="4" name="Title 3">
+            <a:extLst>
+              <a:ext uri="{FF2B5EF4-FFF2-40B4-BE49-F238E27FC236}">
+                <a16:creationId xmlns:a16="http://schemas.microsoft.com/office/drawing/2014/main" id="{DAA6AF95-03F9-C1E8-26DE-2F68D8E2B7E9}"/>
+              </a:ext>
+            </a:extLst>
+          </p:cNvPr>
+          <p:cNvSpPr>
+            <a:spLocks noGrp="1"/>
+          </p:cNvSpPr>
+          <p:nvPr>
+            <p:ph type="title"/>
+          </p:nvPr>
+        </p:nvSpPr>
+        <p:spPr/>
+        <p:txBody>
+          <a:bodyPr/>
+          <a:lstStyle/>
+          <a:p>
+            <a:r>
+              <a:rPr lang="nl-NL" dirty="0"/>
+              <a:t>Werk </a:t>
+            </a:r>
+            <a:r>
+              <a:rPr lang="nl-NL" dirty="0" err="1"/>
+              <a:t>comitten</a:t>
+            </a:r>
+            <a:endParaRPr lang="nl-NL" noProof="0" dirty="0"/>
+          </a:p>
+        </p:txBody>
+      </p:sp>
+      <p:sp>
+        <p:nvSpPr>
+          <p:cNvPr id="5" name="Text Placeholder 4">
+            <a:extLst>
+              <a:ext uri="{FF2B5EF4-FFF2-40B4-BE49-F238E27FC236}">
+                <a16:creationId xmlns:a16="http://schemas.microsoft.com/office/drawing/2014/main" id="{6A90D5A5-ADA1-54E8-47DD-D4B9926666C9}"/>
+              </a:ext>
+            </a:extLst>
+          </p:cNvPr>
+          <p:cNvSpPr>
+            <a:spLocks noGrp="1"/>
+          </p:cNvSpPr>
+          <p:nvPr>
+            <p:ph type="body" idx="1"/>
+          </p:nvPr>
+        </p:nvSpPr>
+        <p:spPr/>
+        <p:txBody>
+          <a:bodyPr/>
+          <a:lstStyle/>
+          <a:p>
+            <a:endParaRPr lang="en-NL"/>
+          </a:p>
+        </p:txBody>
+      </p:sp>
+    </p:spTree>
+    <p:extLst>
+      <p:ext uri="{BB962C8B-B14F-4D97-AF65-F5344CB8AC3E}">
+        <p14:creationId xmlns:p14="http://schemas.microsoft.com/office/powerpoint/2010/main" val="2893714662"/>
+      </p:ext>
+    </p:extLst>
+  </p:cSld>
+  <p:clrMapOvr>
+    <a:masterClrMapping/>
+  </p:clrMapOvr>
+</p:sld>
+</file>
+
+<file path=ppt/slides/slide17.xml><?xml version="1.0" encoding="utf-8"?>
+<p:sld xmlns:a="http://schemas.openxmlformats.org/drawingml/2006/main" xmlns:r="http://schemas.openxmlformats.org/officeDocument/2006/relationships" xmlns:p="http://schemas.openxmlformats.org/presentationml/2006/main">
+  <p:cSld>
+    <p:spTree>
+      <p:nvGrpSpPr>
+        <p:cNvPr id="1" name="">
+          <a:extLst>
+            <a:ext uri="{FF2B5EF4-FFF2-40B4-BE49-F238E27FC236}">
+              <a16:creationId xmlns:a16="http://schemas.microsoft.com/office/drawing/2014/main" id="{D22C4855-B453-50DD-76F3-D3207F5D21B8}"/>
+            </a:ext>
+          </a:extLst>
+        </p:cNvPr>
+        <p:cNvGrpSpPr/>
+        <p:nvPr/>
+      </p:nvGrpSpPr>
+      <p:grpSpPr>
+        <a:xfrm>
+          <a:off x="0" y="0"/>
+          <a:ext cx="0" cy="0"/>
+          <a:chOff x="0" y="0"/>
+          <a:chExt cx="0" cy="0"/>
+        </a:xfrm>
+      </p:grpSpPr>
+      <p:sp>
+        <p:nvSpPr>
+          <p:cNvPr id="2" name="Title 1">
+            <a:extLst>
+              <a:ext uri="{FF2B5EF4-FFF2-40B4-BE49-F238E27FC236}">
+                <a16:creationId xmlns:a16="http://schemas.microsoft.com/office/drawing/2014/main" id="{7BAC8F3C-59C9-0604-5FEB-E95D26D891AC}"/>
+              </a:ext>
+            </a:extLst>
+          </p:cNvPr>
+          <p:cNvSpPr>
+            <a:spLocks noGrp="1"/>
+          </p:cNvSpPr>
+          <p:nvPr>
+            <p:ph type="title"/>
+          </p:nvPr>
+        </p:nvSpPr>
+        <p:spPr>
+          <a:xfrm>
+            <a:off x="838200" y="365126"/>
+            <a:ext cx="10515600" cy="718608"/>
+          </a:xfrm>
+        </p:spPr>
+        <p:txBody>
+          <a:bodyPr>
+            <a:normAutofit/>
+          </a:bodyPr>
+          <a:lstStyle/>
+          <a:p>
+            <a:r>
+              <a:rPr lang="nl-NL" sz="3600" dirty="0"/>
+              <a:t>Een goede </a:t>
+            </a:r>
+            <a:r>
+              <a:rPr lang="nl-NL" sz="3600" dirty="0" err="1"/>
+              <a:t>commit</a:t>
+            </a:r>
+            <a:r>
+              <a:rPr lang="nl-NL" sz="3600" dirty="0"/>
+              <a:t>…</a:t>
+            </a:r>
+            <a:endParaRPr lang="nl-NL" sz="3600" noProof="0" dirty="0"/>
+          </a:p>
+        </p:txBody>
+      </p:sp>
+      <p:sp>
+        <p:nvSpPr>
+          <p:cNvPr id="3" name="Content Placeholder 2">
+            <a:extLst>
+              <a:ext uri="{FF2B5EF4-FFF2-40B4-BE49-F238E27FC236}">
+                <a16:creationId xmlns:a16="http://schemas.microsoft.com/office/drawing/2014/main" id="{27734D49-871A-6199-EA83-2BCC023BB2FC}"/>
+              </a:ext>
+            </a:extLst>
+          </p:cNvPr>
+          <p:cNvSpPr>
+            <a:spLocks noGrp="1"/>
+          </p:cNvSpPr>
+          <p:nvPr>
+            <p:ph idx="1"/>
+          </p:nvPr>
+        </p:nvSpPr>
+        <p:spPr>
+          <a:xfrm>
+            <a:off x="838200" y="1456267"/>
+            <a:ext cx="6223782" cy="4720696"/>
+          </a:xfrm>
+        </p:spPr>
+        <p:txBody>
+          <a:bodyPr>
+            <a:normAutofit/>
+          </a:bodyPr>
+          <a:lstStyle/>
+          <a:p>
+            <a:pPr marL="0" indent="0">
+              <a:buNone/>
+            </a:pPr>
+            <a:r>
+              <a:rPr lang="nl-NL" sz="1800" b="1" dirty="0">
+                <a:cs typeface="Courier New" panose="02070309020205020404" pitchFamily="49" charset="0"/>
+              </a:rPr>
+              <a:t>Je werk is pas opgeslagen als je een </a:t>
+            </a:r>
+            <a:r>
+              <a:rPr lang="nl-NL" sz="1800" b="1" dirty="0" err="1">
+                <a:cs typeface="Courier New" panose="02070309020205020404" pitchFamily="49" charset="0"/>
+              </a:rPr>
+              <a:t>commit</a:t>
+            </a:r>
+            <a:r>
+              <a:rPr lang="nl-NL" sz="1800" b="1" dirty="0">
+                <a:cs typeface="Courier New" panose="02070309020205020404" pitchFamily="49" charset="0"/>
+              </a:rPr>
+              <a:t> maakt!</a:t>
+            </a:r>
+          </a:p>
+          <a:p>
+            <a:pPr marL="0" indent="0">
+              <a:buNone/>
+            </a:pPr>
+            <a:endParaRPr lang="nl-NL" sz="1800" b="1" noProof="0" dirty="0">
+              <a:cs typeface="Courier New" panose="02070309020205020404" pitchFamily="49" charset="0"/>
+            </a:endParaRPr>
+          </a:p>
+          <a:p>
+            <a:pPr marL="0" indent="0">
+              <a:buNone/>
+            </a:pPr>
+            <a:r>
+              <a:rPr lang="nl-NL" sz="1800" b="1" noProof="0" dirty="0">
+                <a:cs typeface="Courier New" panose="02070309020205020404" pitchFamily="49" charset="0"/>
+              </a:rPr>
+              <a:t>Bevat een afgebakend stuk werk</a:t>
+            </a:r>
+          </a:p>
+          <a:p>
+            <a:pPr>
+              <a:buFontTx/>
+              <a:buChar char="-"/>
+            </a:pPr>
+            <a:r>
+              <a:rPr lang="nl-NL" sz="1800" dirty="0">
+                <a:cs typeface="Courier New" panose="02070309020205020404" pitchFamily="49" charset="0"/>
+              </a:rPr>
+              <a:t>Maak kleine </a:t>
+            </a:r>
+            <a:r>
+              <a:rPr lang="nl-NL" sz="1800" dirty="0" err="1">
+                <a:cs typeface="Courier New" panose="02070309020205020404" pitchFamily="49" charset="0"/>
+              </a:rPr>
+              <a:t>commits</a:t>
+            </a:r>
+            <a:r>
+              <a:rPr lang="nl-NL" sz="1800" dirty="0">
+                <a:cs typeface="Courier New" panose="02070309020205020404" pitchFamily="49" charset="0"/>
+              </a:rPr>
+              <a:t> met een duidelijke focus.</a:t>
+            </a:r>
+          </a:p>
+          <a:p>
+            <a:pPr>
+              <a:buFontTx/>
+              <a:buChar char="-"/>
+            </a:pPr>
+            <a:r>
+              <a:rPr lang="nl-NL" sz="1800" dirty="0" err="1">
+                <a:cs typeface="Courier New" panose="02070309020205020404" pitchFamily="49" charset="0"/>
+              </a:rPr>
+              <a:t>Refactor</a:t>
+            </a:r>
+            <a:r>
+              <a:rPr lang="nl-NL" sz="1800" dirty="0">
+                <a:cs typeface="Courier New" panose="02070309020205020404" pitchFamily="49" charset="0"/>
+              </a:rPr>
+              <a:t> van één class of enkele </a:t>
+            </a:r>
+            <a:r>
+              <a:rPr lang="nl-NL" sz="1800" dirty="0" err="1">
+                <a:cs typeface="Courier New" panose="02070309020205020404" pitchFamily="49" charset="0"/>
+              </a:rPr>
+              <a:t>bugfix</a:t>
+            </a:r>
+            <a:r>
+              <a:rPr lang="nl-NL" sz="1800" dirty="0">
+                <a:cs typeface="Courier New" panose="02070309020205020404" pitchFamily="49" charset="0"/>
+              </a:rPr>
+              <a:t>.</a:t>
+            </a:r>
+          </a:p>
+          <a:p>
+            <a:pPr>
+              <a:buFontTx/>
+              <a:buChar char="-"/>
+            </a:pPr>
+            <a:r>
+              <a:rPr lang="nl-NL" sz="1800" dirty="0">
+                <a:cs typeface="Courier New" panose="02070309020205020404" pitchFamily="49" charset="0"/>
+              </a:rPr>
+              <a:t>Kleine stappen makkelijker te overzien en terug te draaien. </a:t>
+            </a:r>
+          </a:p>
+          <a:p>
+            <a:pPr marL="0" indent="0">
+              <a:buNone/>
+            </a:pPr>
+            <a:endParaRPr lang="nl-NL" sz="1800" b="1" noProof="0" dirty="0">
+              <a:cs typeface="Courier New" panose="02070309020205020404" pitchFamily="49" charset="0"/>
+            </a:endParaRPr>
+          </a:p>
+          <a:p>
+            <a:pPr marL="0" indent="0">
+              <a:buNone/>
+            </a:pPr>
+            <a:r>
+              <a:rPr lang="nl-NL" sz="1800" b="1" dirty="0">
+                <a:cs typeface="Courier New" panose="02070309020205020404" pitchFamily="49" charset="0"/>
+              </a:rPr>
+              <a:t>Heeft een duidelijke omschrijving</a:t>
+            </a:r>
+          </a:p>
+          <a:p>
+            <a:pPr>
+              <a:buFontTx/>
+              <a:buChar char="-"/>
+            </a:pPr>
+            <a:r>
+              <a:rPr lang="nl-NL" sz="1800" noProof="0" dirty="0">
+                <a:cs typeface="Courier New" panose="02070309020205020404" pitchFamily="49" charset="0"/>
+              </a:rPr>
+              <a:t>Omschrijving moet de lading dekken (vgl. </a:t>
+            </a:r>
+            <a:r>
+              <a:rPr lang="nl-NL" sz="1800" noProof="0" dirty="0" err="1">
+                <a:cs typeface="Courier New" panose="02070309020205020404" pitchFamily="49" charset="0"/>
+              </a:rPr>
+              <a:t>docstring</a:t>
+            </a:r>
+            <a:r>
+              <a:rPr lang="nl-NL" sz="1800" noProof="0" dirty="0">
+                <a:cs typeface="Courier New" panose="02070309020205020404" pitchFamily="49" charset="0"/>
+              </a:rPr>
+              <a:t>).</a:t>
+            </a:r>
+          </a:p>
+          <a:p>
+            <a:pPr>
+              <a:buFontTx/>
+              <a:buChar char="-"/>
+            </a:pPr>
+            <a:r>
+              <a:rPr lang="nl-NL" sz="1800" noProof="0" dirty="0">
+                <a:cs typeface="Courier New" panose="02070309020205020404" pitchFamily="49" charset="0"/>
+              </a:rPr>
+              <a:t>Makkelijker als </a:t>
+            </a:r>
+            <a:r>
+              <a:rPr lang="nl-NL" sz="1800" noProof="0" dirty="0" err="1">
+                <a:cs typeface="Courier New" panose="02070309020205020404" pitchFamily="49" charset="0"/>
+              </a:rPr>
+              <a:t>commit</a:t>
+            </a:r>
+            <a:r>
+              <a:rPr lang="nl-NL" sz="1800" noProof="0" dirty="0">
+                <a:cs typeface="Courier New" panose="02070309020205020404" pitchFamily="49" charset="0"/>
+              </a:rPr>
+              <a:t> één duidelijke focus heeft.</a:t>
+            </a:r>
+          </a:p>
+          <a:p>
+            <a:pPr>
+              <a:buFontTx/>
+              <a:buChar char="-"/>
+            </a:pPr>
+            <a:r>
+              <a:rPr lang="nl-NL" sz="1800" dirty="0">
+                <a:cs typeface="Courier New" panose="02070309020205020404" pitchFamily="49" charset="0"/>
+              </a:rPr>
+              <a:t>Begin met een werkwoord; "</a:t>
+            </a:r>
+            <a:r>
+              <a:rPr lang="nl-NL" sz="1800" dirty="0" err="1">
+                <a:cs typeface="Courier New" panose="02070309020205020404" pitchFamily="49" charset="0"/>
+              </a:rPr>
+              <a:t>Add</a:t>
+            </a:r>
+            <a:r>
+              <a:rPr lang="nl-NL" sz="1800" dirty="0">
+                <a:cs typeface="Courier New" panose="02070309020205020404" pitchFamily="49" charset="0"/>
+              </a:rPr>
+              <a:t> </a:t>
+            </a:r>
+            <a:r>
+              <a:rPr lang="nl-NL" sz="1800" dirty="0" err="1">
+                <a:cs typeface="Courier New" panose="02070309020205020404" pitchFamily="49" charset="0"/>
+              </a:rPr>
+              <a:t>docstrings</a:t>
+            </a:r>
+            <a:r>
+              <a:rPr lang="nl-NL" sz="1800" dirty="0">
+                <a:cs typeface="Courier New" panose="02070309020205020404" pitchFamily="49" charset="0"/>
+              </a:rPr>
+              <a:t> </a:t>
+            </a:r>
+            <a:r>
+              <a:rPr lang="nl-NL" sz="1800" dirty="0" err="1">
+                <a:cs typeface="Courier New" panose="02070309020205020404" pitchFamily="49" charset="0"/>
+              </a:rPr>
+              <a:t>to</a:t>
+            </a:r>
+            <a:r>
+              <a:rPr lang="nl-NL" sz="1800" dirty="0">
+                <a:cs typeface="Courier New" panose="02070309020205020404" pitchFamily="49" charset="0"/>
+              </a:rPr>
+              <a:t> </a:t>
+            </a:r>
+            <a:r>
+              <a:rPr lang="nl-NL" sz="1800" dirty="0" err="1">
+                <a:cs typeface="Courier New" panose="02070309020205020404" pitchFamily="49" charset="0"/>
+              </a:rPr>
+              <a:t>MyClass</a:t>
+            </a:r>
+            <a:r>
+              <a:rPr lang="nl-NL" sz="1800" dirty="0">
+                <a:cs typeface="Courier New" panose="02070309020205020404" pitchFamily="49" charset="0"/>
+              </a:rPr>
+              <a:t>".</a:t>
+            </a:r>
+            <a:endParaRPr lang="nl-NL" sz="1800" noProof="0" dirty="0">
+              <a:cs typeface="Courier New" panose="02070309020205020404" pitchFamily="49" charset="0"/>
+            </a:endParaRPr>
+          </a:p>
+          <a:p>
+            <a:pPr marL="0" indent="0">
+              <a:buNone/>
+            </a:pPr>
+            <a:endParaRPr lang="nl-NL" sz="1800" noProof="0" dirty="0">
+              <a:cs typeface="Courier New" panose="02070309020205020404" pitchFamily="49" charset="0"/>
+            </a:endParaRPr>
+          </a:p>
+          <a:p>
+            <a:pPr marL="0" indent="0">
+              <a:buNone/>
+            </a:pPr>
+            <a:endParaRPr lang="nl-NL" sz="1800" b="1" dirty="0">
+              <a:cs typeface="Courier New" panose="02070309020205020404" pitchFamily="49" charset="0"/>
+            </a:endParaRPr>
+          </a:p>
+          <a:p>
+            <a:pPr marL="0" indent="0">
+              <a:buNone/>
+            </a:pPr>
+            <a:endParaRPr lang="nl-NL" sz="1800" b="1" noProof="0" dirty="0">
+              <a:cs typeface="Courier New" panose="02070309020205020404" pitchFamily="49" charset="0"/>
+            </a:endParaRPr>
+          </a:p>
+        </p:txBody>
+      </p:sp>
+      <p:pic>
+        <p:nvPicPr>
+          <p:cNvPr id="5" name="Picture 4" descr="A screenshot of a computer program&#10;&#10;Description automatically generated">
+            <a:extLst>
+              <a:ext uri="{FF2B5EF4-FFF2-40B4-BE49-F238E27FC236}">
+                <a16:creationId xmlns:a16="http://schemas.microsoft.com/office/drawing/2014/main" id="{C8AD7044-CD48-5888-7401-3F00C7AE0080}"/>
+              </a:ext>
+            </a:extLst>
+          </p:cNvPr>
+          <p:cNvPicPr>
+            <a:picLocks noChangeAspect="1"/>
+          </p:cNvPicPr>
+          <p:nvPr/>
+        </p:nvPicPr>
+        <p:blipFill>
+          <a:blip r:embed="rId3">
+            <a:extLst>
+              <a:ext uri="{28A0092B-C50C-407E-A947-70E740481C1C}">
+                <a14:useLocalDpi xmlns:a14="http://schemas.microsoft.com/office/drawing/2010/main" val="0"/>
+              </a:ext>
+            </a:extLst>
+          </a:blip>
+          <a:stretch>
+            <a:fillRect/>
+          </a:stretch>
+        </p:blipFill>
+        <p:spPr>
+          <a:xfrm>
+            <a:off x="7613761" y="1518054"/>
+            <a:ext cx="3740039" cy="3821892"/>
+          </a:xfrm>
+          <a:prstGeom prst="rect">
+            <a:avLst/>
+          </a:prstGeom>
+        </p:spPr>
+      </p:pic>
+    </p:spTree>
+    <p:extLst>
+      <p:ext uri="{BB962C8B-B14F-4D97-AF65-F5344CB8AC3E}">
+        <p14:creationId xmlns:p14="http://schemas.microsoft.com/office/powerpoint/2010/main" val="795842294"/>
+      </p:ext>
+    </p:extLst>
+  </p:cSld>
+  <p:clrMapOvr>
+    <a:masterClrMapping/>
+  </p:clrMapOvr>
+</p:sld>
+</file>
+
+<file path=ppt/slides/slide18.xml><?xml version="1.0" encoding="utf-8"?>
+<p:sld xmlns:a="http://schemas.openxmlformats.org/drawingml/2006/main" xmlns:r="http://schemas.openxmlformats.org/officeDocument/2006/relationships" xmlns:p="http://schemas.openxmlformats.org/presentationml/2006/main">
+  <p:cSld>
+    <p:spTree>
+      <p:nvGrpSpPr>
+        <p:cNvPr id="1" name="">
+          <a:extLst>
+            <a:ext uri="{FF2B5EF4-FFF2-40B4-BE49-F238E27FC236}">
               <a16:creationId xmlns:a16="http://schemas.microsoft.com/office/drawing/2014/main" id="{B465D9F1-1FDA-48B7-A1E6-E9503E60C88A}"/>
             </a:ext>
           </a:extLst>
@@ -10547,7 +11050,7 @@
 </p:sld>
 </file>
 
-<file path=ppt/slides/slide17.xml><?xml version="1.0" encoding="utf-8"?>
+<file path=ppt/slides/slide19.xml><?xml version="1.0" encoding="utf-8"?>
 <p:sld xmlns:a="http://schemas.openxmlformats.org/drawingml/2006/main" xmlns:r="http://schemas.openxmlformats.org/officeDocument/2006/relationships" xmlns:p="http://schemas.openxmlformats.org/presentationml/2006/main">
   <p:cSld>
     <p:spTree>
@@ -11158,471 +11661,6 @@
 </p:sld>
 </file>
 
-<file path=ppt/slides/slide18.xml><?xml version="1.0" encoding="utf-8"?>
-<p:sld xmlns:a="http://schemas.openxmlformats.org/drawingml/2006/main" xmlns:r="http://schemas.openxmlformats.org/officeDocument/2006/relationships" xmlns:p="http://schemas.openxmlformats.org/presentationml/2006/main">
-  <p:cSld>
-    <p:spTree>
-      <p:nvGrpSpPr>
-        <p:cNvPr id="1" name="">
-          <a:extLst>
-            <a:ext uri="{FF2B5EF4-FFF2-40B4-BE49-F238E27FC236}">
-              <a16:creationId xmlns:a16="http://schemas.microsoft.com/office/drawing/2014/main" id="{D22C4855-B453-50DD-76F3-D3207F5D21B8}"/>
-            </a:ext>
-          </a:extLst>
-        </p:cNvPr>
-        <p:cNvGrpSpPr/>
-        <p:nvPr/>
-      </p:nvGrpSpPr>
-      <p:grpSpPr>
-        <a:xfrm>
-          <a:off x="0" y="0"/>
-          <a:ext cx="0" cy="0"/>
-          <a:chOff x="0" y="0"/>
-          <a:chExt cx="0" cy="0"/>
-        </a:xfrm>
-      </p:grpSpPr>
-      <p:sp>
-        <p:nvSpPr>
-          <p:cNvPr id="2" name="Title 1">
-            <a:extLst>
-              <a:ext uri="{FF2B5EF4-FFF2-40B4-BE49-F238E27FC236}">
-                <a16:creationId xmlns:a16="http://schemas.microsoft.com/office/drawing/2014/main" id="{7BAC8F3C-59C9-0604-5FEB-E95D26D891AC}"/>
-              </a:ext>
-            </a:extLst>
-          </p:cNvPr>
-          <p:cNvSpPr>
-            <a:spLocks noGrp="1"/>
-          </p:cNvSpPr>
-          <p:nvPr>
-            <p:ph type="title"/>
-          </p:nvPr>
-        </p:nvSpPr>
-        <p:spPr>
-          <a:xfrm>
-            <a:off x="838200" y="365126"/>
-            <a:ext cx="10515600" cy="718608"/>
-          </a:xfrm>
-        </p:spPr>
-        <p:txBody>
-          <a:bodyPr>
-            <a:normAutofit/>
-          </a:bodyPr>
-          <a:lstStyle/>
-          <a:p>
-            <a:r>
-              <a:rPr lang="nl-NL" sz="3600" dirty="0"/>
-              <a:t>Een goede </a:t>
-            </a:r>
-            <a:r>
-              <a:rPr lang="nl-NL" sz="3600" dirty="0" err="1"/>
-              <a:t>commit</a:t>
-            </a:r>
-            <a:r>
-              <a:rPr lang="nl-NL" sz="3600" dirty="0"/>
-              <a:t>…</a:t>
-            </a:r>
-            <a:endParaRPr lang="nl-NL" sz="3600" noProof="0" dirty="0"/>
-          </a:p>
-        </p:txBody>
-      </p:sp>
-      <p:sp>
-        <p:nvSpPr>
-          <p:cNvPr id="3" name="Content Placeholder 2">
-            <a:extLst>
-              <a:ext uri="{FF2B5EF4-FFF2-40B4-BE49-F238E27FC236}">
-                <a16:creationId xmlns:a16="http://schemas.microsoft.com/office/drawing/2014/main" id="{27734D49-871A-6199-EA83-2BCC023BB2FC}"/>
-              </a:ext>
-            </a:extLst>
-          </p:cNvPr>
-          <p:cNvSpPr>
-            <a:spLocks noGrp="1"/>
-          </p:cNvSpPr>
-          <p:nvPr>
-            <p:ph idx="1"/>
-          </p:nvPr>
-        </p:nvSpPr>
-        <p:spPr>
-          <a:xfrm>
-            <a:off x="838200" y="1456267"/>
-            <a:ext cx="6223782" cy="4720696"/>
-          </a:xfrm>
-        </p:spPr>
-        <p:txBody>
-          <a:bodyPr>
-            <a:normAutofit/>
-          </a:bodyPr>
-          <a:lstStyle/>
-          <a:p>
-            <a:pPr marL="0" indent="0">
-              <a:buNone/>
-            </a:pPr>
-            <a:r>
-              <a:rPr lang="nl-NL" sz="1800" b="1" noProof="0" dirty="0">
-                <a:cs typeface="Courier New" panose="02070309020205020404" pitchFamily="49" charset="0"/>
-              </a:rPr>
-              <a:t>Bevat een afgebakend stuk werk</a:t>
-            </a:r>
-          </a:p>
-          <a:p>
-            <a:pPr>
-              <a:buFontTx/>
-              <a:buChar char="-"/>
-            </a:pPr>
-            <a:r>
-              <a:rPr lang="nl-NL" sz="1800" dirty="0">
-                <a:cs typeface="Courier New" panose="02070309020205020404" pitchFamily="49" charset="0"/>
-              </a:rPr>
-              <a:t>Maak kleine </a:t>
-            </a:r>
-            <a:r>
-              <a:rPr lang="nl-NL" sz="1800" dirty="0" err="1">
-                <a:cs typeface="Courier New" panose="02070309020205020404" pitchFamily="49" charset="0"/>
-              </a:rPr>
-              <a:t>commits</a:t>
-            </a:r>
-            <a:r>
-              <a:rPr lang="nl-NL" sz="1800" dirty="0">
-                <a:cs typeface="Courier New" panose="02070309020205020404" pitchFamily="49" charset="0"/>
-              </a:rPr>
-              <a:t> met een duidelijke focus.</a:t>
-            </a:r>
-          </a:p>
-          <a:p>
-            <a:pPr>
-              <a:buFontTx/>
-              <a:buChar char="-"/>
-            </a:pPr>
-            <a:r>
-              <a:rPr lang="nl-NL" sz="1800" dirty="0" err="1">
-                <a:cs typeface="Courier New" panose="02070309020205020404" pitchFamily="49" charset="0"/>
-              </a:rPr>
-              <a:t>Refactor</a:t>
-            </a:r>
-            <a:r>
-              <a:rPr lang="nl-NL" sz="1800" dirty="0">
-                <a:cs typeface="Courier New" panose="02070309020205020404" pitchFamily="49" charset="0"/>
-              </a:rPr>
-              <a:t> van één class of enkele </a:t>
-            </a:r>
-            <a:r>
-              <a:rPr lang="nl-NL" sz="1800" dirty="0" err="1">
-                <a:cs typeface="Courier New" panose="02070309020205020404" pitchFamily="49" charset="0"/>
-              </a:rPr>
-              <a:t>bugfix</a:t>
-            </a:r>
-            <a:r>
-              <a:rPr lang="nl-NL" sz="1800" dirty="0">
-                <a:cs typeface="Courier New" panose="02070309020205020404" pitchFamily="49" charset="0"/>
-              </a:rPr>
-              <a:t>.</a:t>
-            </a:r>
-          </a:p>
-          <a:p>
-            <a:pPr>
-              <a:buFontTx/>
-              <a:buChar char="-"/>
-            </a:pPr>
-            <a:r>
-              <a:rPr lang="nl-NL" sz="1800" dirty="0">
-                <a:cs typeface="Courier New" panose="02070309020205020404" pitchFamily="49" charset="0"/>
-              </a:rPr>
-              <a:t>Kleine stappen makkelijker te overzien en terug te draaien. </a:t>
-            </a:r>
-          </a:p>
-          <a:p>
-            <a:pPr marL="0" indent="0">
-              <a:buNone/>
-            </a:pPr>
-            <a:endParaRPr lang="nl-NL" sz="1800" b="1" noProof="0" dirty="0">
-              <a:cs typeface="Courier New" panose="02070309020205020404" pitchFamily="49" charset="0"/>
-            </a:endParaRPr>
-          </a:p>
-          <a:p>
-            <a:pPr marL="0" indent="0">
-              <a:buNone/>
-            </a:pPr>
-            <a:r>
-              <a:rPr lang="nl-NL" sz="1800" b="1" dirty="0">
-                <a:cs typeface="Courier New" panose="02070309020205020404" pitchFamily="49" charset="0"/>
-              </a:rPr>
-              <a:t>Heeft een duidelijke omschrijving</a:t>
-            </a:r>
-          </a:p>
-          <a:p>
-            <a:pPr>
-              <a:buFontTx/>
-              <a:buChar char="-"/>
-            </a:pPr>
-            <a:r>
-              <a:rPr lang="nl-NL" sz="1800" noProof="0" dirty="0">
-                <a:cs typeface="Courier New" panose="02070309020205020404" pitchFamily="49" charset="0"/>
-              </a:rPr>
-              <a:t>Omschrijving moet de lading dekken (vgl. </a:t>
-            </a:r>
-            <a:r>
-              <a:rPr lang="nl-NL" sz="1800" noProof="0" dirty="0" err="1">
-                <a:cs typeface="Courier New" panose="02070309020205020404" pitchFamily="49" charset="0"/>
-              </a:rPr>
-              <a:t>docstring</a:t>
-            </a:r>
-            <a:r>
-              <a:rPr lang="nl-NL" sz="1800" noProof="0" dirty="0">
-                <a:cs typeface="Courier New" panose="02070309020205020404" pitchFamily="49" charset="0"/>
-              </a:rPr>
-              <a:t>).</a:t>
-            </a:r>
-          </a:p>
-          <a:p>
-            <a:pPr>
-              <a:buFontTx/>
-              <a:buChar char="-"/>
-            </a:pPr>
-            <a:r>
-              <a:rPr lang="nl-NL" sz="1800" noProof="0" dirty="0">
-                <a:cs typeface="Courier New" panose="02070309020205020404" pitchFamily="49" charset="0"/>
-              </a:rPr>
-              <a:t>Makkelijker als </a:t>
-            </a:r>
-            <a:r>
-              <a:rPr lang="nl-NL" sz="1800" noProof="0" dirty="0" err="1">
-                <a:cs typeface="Courier New" panose="02070309020205020404" pitchFamily="49" charset="0"/>
-              </a:rPr>
-              <a:t>commit</a:t>
-            </a:r>
-            <a:r>
-              <a:rPr lang="nl-NL" sz="1800" noProof="0" dirty="0">
-                <a:cs typeface="Courier New" panose="02070309020205020404" pitchFamily="49" charset="0"/>
-              </a:rPr>
-              <a:t> één duidelijke focus heeft.</a:t>
-            </a:r>
-          </a:p>
-          <a:p>
-            <a:pPr>
-              <a:buFontTx/>
-              <a:buChar char="-"/>
-            </a:pPr>
-            <a:r>
-              <a:rPr lang="nl-NL" sz="1800" dirty="0">
-                <a:cs typeface="Courier New" panose="02070309020205020404" pitchFamily="49" charset="0"/>
-              </a:rPr>
-              <a:t>Begin met een werkwoord; "</a:t>
-            </a:r>
-            <a:r>
-              <a:rPr lang="nl-NL" sz="1800" dirty="0" err="1">
-                <a:cs typeface="Courier New" panose="02070309020205020404" pitchFamily="49" charset="0"/>
-              </a:rPr>
-              <a:t>Add</a:t>
-            </a:r>
-            <a:r>
-              <a:rPr lang="nl-NL" sz="1800" dirty="0">
-                <a:cs typeface="Courier New" panose="02070309020205020404" pitchFamily="49" charset="0"/>
-              </a:rPr>
-              <a:t> </a:t>
-            </a:r>
-            <a:r>
-              <a:rPr lang="nl-NL" sz="1800" dirty="0" err="1">
-                <a:cs typeface="Courier New" panose="02070309020205020404" pitchFamily="49" charset="0"/>
-              </a:rPr>
-              <a:t>docstrings</a:t>
-            </a:r>
-            <a:r>
-              <a:rPr lang="nl-NL" sz="1800" dirty="0">
-                <a:cs typeface="Courier New" panose="02070309020205020404" pitchFamily="49" charset="0"/>
-              </a:rPr>
-              <a:t> </a:t>
-            </a:r>
-            <a:r>
-              <a:rPr lang="nl-NL" sz="1800" dirty="0" err="1">
-                <a:cs typeface="Courier New" panose="02070309020205020404" pitchFamily="49" charset="0"/>
-              </a:rPr>
-              <a:t>to</a:t>
-            </a:r>
-            <a:r>
-              <a:rPr lang="nl-NL" sz="1800" dirty="0">
-                <a:cs typeface="Courier New" panose="02070309020205020404" pitchFamily="49" charset="0"/>
-              </a:rPr>
-              <a:t> </a:t>
-            </a:r>
-            <a:r>
-              <a:rPr lang="nl-NL" sz="1800" dirty="0" err="1">
-                <a:cs typeface="Courier New" panose="02070309020205020404" pitchFamily="49" charset="0"/>
-              </a:rPr>
-              <a:t>MyClass</a:t>
-            </a:r>
-            <a:r>
-              <a:rPr lang="nl-NL" sz="1800" dirty="0">
-                <a:cs typeface="Courier New" panose="02070309020205020404" pitchFamily="49" charset="0"/>
-              </a:rPr>
-              <a:t>".</a:t>
-            </a:r>
-            <a:endParaRPr lang="nl-NL" sz="1800" noProof="0" dirty="0">
-              <a:cs typeface="Courier New" panose="02070309020205020404" pitchFamily="49" charset="0"/>
-            </a:endParaRPr>
-          </a:p>
-          <a:p>
-            <a:pPr marL="0" indent="0">
-              <a:buNone/>
-            </a:pPr>
-            <a:endParaRPr lang="nl-NL" sz="1800" noProof="0" dirty="0">
-              <a:cs typeface="Courier New" panose="02070309020205020404" pitchFamily="49" charset="0"/>
-            </a:endParaRPr>
-          </a:p>
-          <a:p>
-            <a:pPr marL="0" indent="0">
-              <a:buNone/>
-            </a:pPr>
-            <a:endParaRPr lang="nl-NL" sz="1800" b="1" dirty="0">
-              <a:cs typeface="Courier New" panose="02070309020205020404" pitchFamily="49" charset="0"/>
-            </a:endParaRPr>
-          </a:p>
-          <a:p>
-            <a:pPr marL="0" indent="0">
-              <a:buNone/>
-            </a:pPr>
-            <a:endParaRPr lang="nl-NL" sz="1800" b="1" noProof="0" dirty="0">
-              <a:cs typeface="Courier New" panose="02070309020205020404" pitchFamily="49" charset="0"/>
-            </a:endParaRPr>
-          </a:p>
-        </p:txBody>
-      </p:sp>
-      <p:pic>
-        <p:nvPicPr>
-          <p:cNvPr id="5" name="Picture 4" descr="A screenshot of a computer program&#10;&#10;Description automatically generated">
-            <a:extLst>
-              <a:ext uri="{FF2B5EF4-FFF2-40B4-BE49-F238E27FC236}">
-                <a16:creationId xmlns:a16="http://schemas.microsoft.com/office/drawing/2014/main" id="{C8AD7044-CD48-5888-7401-3F00C7AE0080}"/>
-              </a:ext>
-            </a:extLst>
-          </p:cNvPr>
-          <p:cNvPicPr>
-            <a:picLocks noChangeAspect="1"/>
-          </p:cNvPicPr>
-          <p:nvPr/>
-        </p:nvPicPr>
-        <p:blipFill>
-          <a:blip r:embed="rId3">
-            <a:extLst>
-              <a:ext uri="{28A0092B-C50C-407E-A947-70E740481C1C}">
-                <a14:useLocalDpi xmlns:a14="http://schemas.microsoft.com/office/drawing/2010/main" val="0"/>
-              </a:ext>
-            </a:extLst>
-          </a:blip>
-          <a:stretch>
-            <a:fillRect/>
-          </a:stretch>
-        </p:blipFill>
-        <p:spPr>
-          <a:xfrm>
-            <a:off x="7613761" y="1518054"/>
-            <a:ext cx="3740039" cy="3821892"/>
-          </a:xfrm>
-          <a:prstGeom prst="rect">
-            <a:avLst/>
-          </a:prstGeom>
-        </p:spPr>
-      </p:pic>
-    </p:spTree>
-    <p:extLst>
-      <p:ext uri="{BB962C8B-B14F-4D97-AF65-F5344CB8AC3E}">
-        <p14:creationId xmlns:p14="http://schemas.microsoft.com/office/powerpoint/2010/main" val="795842294"/>
-      </p:ext>
-    </p:extLst>
-  </p:cSld>
-  <p:clrMapOvr>
-    <a:masterClrMapping/>
-  </p:clrMapOvr>
-</p:sld>
-</file>
-
-<file path=ppt/slides/slide19.xml><?xml version="1.0" encoding="utf-8"?>
-<p:sld xmlns:a="http://schemas.openxmlformats.org/drawingml/2006/main" xmlns:r="http://schemas.openxmlformats.org/officeDocument/2006/relationships" xmlns:p="http://schemas.openxmlformats.org/presentationml/2006/main">
-  <p:cSld>
-    <p:spTree>
-      <p:nvGrpSpPr>
-        <p:cNvPr id="1" name="">
-          <a:extLst>
-            <a:ext uri="{FF2B5EF4-FFF2-40B4-BE49-F238E27FC236}">
-              <a16:creationId xmlns:a16="http://schemas.microsoft.com/office/drawing/2014/main" id="{53350AC3-44D2-125F-C901-74E8A6F61E54}"/>
-            </a:ext>
-          </a:extLst>
-        </p:cNvPr>
-        <p:cNvGrpSpPr/>
-        <p:nvPr/>
-      </p:nvGrpSpPr>
-      <p:grpSpPr>
-        <a:xfrm>
-          <a:off x="0" y="0"/>
-          <a:ext cx="0" cy="0"/>
-          <a:chOff x="0" y="0"/>
-          <a:chExt cx="0" cy="0"/>
-        </a:xfrm>
-      </p:grpSpPr>
-      <p:sp>
-        <p:nvSpPr>
-          <p:cNvPr id="4" name="Title 3">
-            <a:extLst>
-              <a:ext uri="{FF2B5EF4-FFF2-40B4-BE49-F238E27FC236}">
-                <a16:creationId xmlns:a16="http://schemas.microsoft.com/office/drawing/2014/main" id="{09C9436C-DC36-00A0-18E7-6B9DD57D93A7}"/>
-              </a:ext>
-            </a:extLst>
-          </p:cNvPr>
-          <p:cNvSpPr>
-            <a:spLocks noGrp="1"/>
-          </p:cNvSpPr>
-          <p:nvPr>
-            <p:ph type="title"/>
-          </p:nvPr>
-        </p:nvSpPr>
-        <p:spPr/>
-        <p:txBody>
-          <a:bodyPr/>
-          <a:lstStyle/>
-          <a:p>
-            <a:r>
-              <a:rPr lang="nl-NL" noProof="0" dirty="0"/>
-              <a:t>Branches</a:t>
-            </a:r>
-          </a:p>
-        </p:txBody>
-      </p:sp>
-      <p:sp>
-        <p:nvSpPr>
-          <p:cNvPr id="5" name="Text Placeholder 4">
-            <a:extLst>
-              <a:ext uri="{FF2B5EF4-FFF2-40B4-BE49-F238E27FC236}">
-                <a16:creationId xmlns:a16="http://schemas.microsoft.com/office/drawing/2014/main" id="{DEB61E79-1961-C560-A7F0-B064C69A128C}"/>
-              </a:ext>
-            </a:extLst>
-          </p:cNvPr>
-          <p:cNvSpPr>
-            <a:spLocks noGrp="1"/>
-          </p:cNvSpPr>
-          <p:nvPr>
-            <p:ph type="body" idx="1"/>
-          </p:nvPr>
-        </p:nvSpPr>
-        <p:spPr/>
-        <p:txBody>
-          <a:bodyPr/>
-          <a:lstStyle/>
-          <a:p>
-            <a:endParaRPr lang="en-NL"/>
-          </a:p>
-        </p:txBody>
-      </p:sp>
-    </p:spTree>
-    <p:extLst>
-      <p:ext uri="{BB962C8B-B14F-4D97-AF65-F5344CB8AC3E}">
-        <p14:creationId xmlns:p14="http://schemas.microsoft.com/office/powerpoint/2010/main" val="3051769913"/>
-      </p:ext>
-    </p:extLst>
-  </p:cSld>
-  <p:clrMapOvr>
-    <a:masterClrMapping/>
-  </p:clrMapOvr>
-</p:sld>
-</file>
-
 <file path=ppt/slides/slide2.xml><?xml version="1.0" encoding="utf-8"?>
 <p:sld xmlns:a="http://schemas.openxmlformats.org/drawingml/2006/main" xmlns:r="http://schemas.openxmlformats.org/officeDocument/2006/relationships" xmlns:p="http://schemas.openxmlformats.org/presentationml/2006/main">
   <p:cSld>
@@ -11915,6 +11953,185 @@
 </file>
 
 <file path=ppt/slides/slide20.xml><?xml version="1.0" encoding="utf-8"?>
+<p:sld xmlns:a="http://schemas.openxmlformats.org/drawingml/2006/main" xmlns:r="http://schemas.openxmlformats.org/officeDocument/2006/relationships" xmlns:p="http://schemas.openxmlformats.org/presentationml/2006/main">
+  <p:cSld>
+    <p:spTree>
+      <p:nvGrpSpPr>
+        <p:cNvPr id="1" name="">
+          <a:extLst>
+            <a:ext uri="{FF2B5EF4-FFF2-40B4-BE49-F238E27FC236}">
+              <a16:creationId xmlns:a16="http://schemas.microsoft.com/office/drawing/2014/main" id="{79546922-AFF4-1D03-0903-97AE91BAE45F}"/>
+            </a:ext>
+          </a:extLst>
+        </p:cNvPr>
+        <p:cNvGrpSpPr/>
+        <p:nvPr/>
+      </p:nvGrpSpPr>
+      <p:grpSpPr>
+        <a:xfrm>
+          <a:off x="0" y="0"/>
+          <a:ext cx="0" cy="0"/>
+          <a:chOff x="0" y="0"/>
+          <a:chExt cx="0" cy="0"/>
+        </a:xfrm>
+      </p:grpSpPr>
+      <p:sp>
+        <p:nvSpPr>
+          <p:cNvPr id="4" name="Title 3">
+            <a:extLst>
+              <a:ext uri="{FF2B5EF4-FFF2-40B4-BE49-F238E27FC236}">
+                <a16:creationId xmlns:a16="http://schemas.microsoft.com/office/drawing/2014/main" id="{6049F2B3-AC21-DEB4-82B2-366DB05D338F}"/>
+              </a:ext>
+            </a:extLst>
+          </p:cNvPr>
+          <p:cNvSpPr>
+            <a:spLocks noGrp="1"/>
+          </p:cNvSpPr>
+          <p:nvPr>
+            <p:ph type="title"/>
+          </p:nvPr>
+        </p:nvSpPr>
+        <p:spPr/>
+        <p:txBody>
+          <a:bodyPr/>
+          <a:lstStyle/>
+          <a:p>
+            <a:r>
+              <a:rPr lang="nl-NL"/>
+              <a:t>Wijzigingen terugdraaien</a:t>
+            </a:r>
+            <a:endParaRPr lang="nl-NL" noProof="0" dirty="0"/>
+          </a:p>
+        </p:txBody>
+      </p:sp>
+      <p:sp>
+        <p:nvSpPr>
+          <p:cNvPr id="5" name="Text Placeholder 4">
+            <a:extLst>
+              <a:ext uri="{FF2B5EF4-FFF2-40B4-BE49-F238E27FC236}">
+                <a16:creationId xmlns:a16="http://schemas.microsoft.com/office/drawing/2014/main" id="{6E609B2E-B59A-E258-83B8-601DB579F154}"/>
+              </a:ext>
+            </a:extLst>
+          </p:cNvPr>
+          <p:cNvSpPr>
+            <a:spLocks noGrp="1"/>
+          </p:cNvSpPr>
+          <p:nvPr>
+            <p:ph type="body" idx="1"/>
+          </p:nvPr>
+        </p:nvSpPr>
+        <p:spPr/>
+        <p:txBody>
+          <a:bodyPr/>
+          <a:lstStyle/>
+          <a:p>
+            <a:endParaRPr lang="en-NL"/>
+          </a:p>
+        </p:txBody>
+      </p:sp>
+    </p:spTree>
+    <p:extLst>
+      <p:ext uri="{BB962C8B-B14F-4D97-AF65-F5344CB8AC3E}">
+        <p14:creationId xmlns:p14="http://schemas.microsoft.com/office/powerpoint/2010/main" val="1404164722"/>
+      </p:ext>
+    </p:extLst>
+  </p:cSld>
+  <p:clrMapOvr>
+    <a:masterClrMapping/>
+  </p:clrMapOvr>
+</p:sld>
+</file>
+
+<file path=ppt/slides/slide21.xml><?xml version="1.0" encoding="utf-8"?>
+<p:sld xmlns:a="http://schemas.openxmlformats.org/drawingml/2006/main" xmlns:r="http://schemas.openxmlformats.org/officeDocument/2006/relationships" xmlns:p="http://schemas.openxmlformats.org/presentationml/2006/main">
+  <p:cSld>
+    <p:spTree>
+      <p:nvGrpSpPr>
+        <p:cNvPr id="1" name="">
+          <a:extLst>
+            <a:ext uri="{FF2B5EF4-FFF2-40B4-BE49-F238E27FC236}">
+              <a16:creationId xmlns:a16="http://schemas.microsoft.com/office/drawing/2014/main" id="{53350AC3-44D2-125F-C901-74E8A6F61E54}"/>
+            </a:ext>
+          </a:extLst>
+        </p:cNvPr>
+        <p:cNvGrpSpPr/>
+        <p:nvPr/>
+      </p:nvGrpSpPr>
+      <p:grpSpPr>
+        <a:xfrm>
+          <a:off x="0" y="0"/>
+          <a:ext cx="0" cy="0"/>
+          <a:chOff x="0" y="0"/>
+          <a:chExt cx="0" cy="0"/>
+        </a:xfrm>
+      </p:grpSpPr>
+      <p:sp>
+        <p:nvSpPr>
+          <p:cNvPr id="4" name="Title 3">
+            <a:extLst>
+              <a:ext uri="{FF2B5EF4-FFF2-40B4-BE49-F238E27FC236}">
+                <a16:creationId xmlns:a16="http://schemas.microsoft.com/office/drawing/2014/main" id="{09C9436C-DC36-00A0-18E7-6B9DD57D93A7}"/>
+              </a:ext>
+            </a:extLst>
+          </p:cNvPr>
+          <p:cNvSpPr>
+            <a:spLocks noGrp="1"/>
+          </p:cNvSpPr>
+          <p:nvPr>
+            <p:ph type="title"/>
+          </p:nvPr>
+        </p:nvSpPr>
+        <p:spPr/>
+        <p:txBody>
+          <a:bodyPr/>
+          <a:lstStyle/>
+          <a:p>
+            <a:r>
+              <a:rPr lang="nl-NL" noProof="0" dirty="0"/>
+              <a:t>Branches</a:t>
+            </a:r>
+          </a:p>
+        </p:txBody>
+      </p:sp>
+      <p:sp>
+        <p:nvSpPr>
+          <p:cNvPr id="5" name="Text Placeholder 4">
+            <a:extLst>
+              <a:ext uri="{FF2B5EF4-FFF2-40B4-BE49-F238E27FC236}">
+                <a16:creationId xmlns:a16="http://schemas.microsoft.com/office/drawing/2014/main" id="{DEB61E79-1961-C560-A7F0-B064C69A128C}"/>
+              </a:ext>
+            </a:extLst>
+          </p:cNvPr>
+          <p:cNvSpPr>
+            <a:spLocks noGrp="1"/>
+          </p:cNvSpPr>
+          <p:nvPr>
+            <p:ph type="body" idx="1"/>
+          </p:nvPr>
+        </p:nvSpPr>
+        <p:spPr/>
+        <p:txBody>
+          <a:bodyPr/>
+          <a:lstStyle/>
+          <a:p>
+            <a:endParaRPr lang="en-NL"/>
+          </a:p>
+        </p:txBody>
+      </p:sp>
+    </p:spTree>
+    <p:extLst>
+      <p:ext uri="{BB962C8B-B14F-4D97-AF65-F5344CB8AC3E}">
+        <p14:creationId xmlns:p14="http://schemas.microsoft.com/office/powerpoint/2010/main" val="3051769913"/>
+      </p:ext>
+    </p:extLst>
+  </p:cSld>
+  <p:clrMapOvr>
+    <a:masterClrMapping/>
+  </p:clrMapOvr>
+</p:sld>
+</file>
+
+<file path=ppt/slides/slide22.xml><?xml version="1.0" encoding="utf-8"?>
 <p:sld xmlns:a="http://schemas.openxmlformats.org/drawingml/2006/main" xmlns:r="http://schemas.openxmlformats.org/officeDocument/2006/relationships" xmlns:p="http://schemas.openxmlformats.org/presentationml/2006/main">
   <p:cSld>
     <p:spTree>
@@ -12234,7 +12451,7 @@
 </p:sld>
 </file>
 
-<file path=ppt/slides/slide21.xml><?xml version="1.0" encoding="utf-8"?>
+<file path=ppt/slides/slide23.xml><?xml version="1.0" encoding="utf-8"?>
 <p:sld xmlns:a="http://schemas.openxmlformats.org/drawingml/2006/main" xmlns:r="http://schemas.openxmlformats.org/officeDocument/2006/relationships" xmlns:p="http://schemas.openxmlformats.org/presentationml/2006/main">
   <p:cSld>
     <p:spTree>
@@ -12749,7 +12966,7 @@
 </p:sld>
 </file>
 
-<file path=ppt/slides/slide22.xml><?xml version="1.0" encoding="utf-8"?>
+<file path=ppt/slides/slide24.xml><?xml version="1.0" encoding="utf-8"?>
 <p:sld xmlns:a="http://schemas.openxmlformats.org/drawingml/2006/main" xmlns:r="http://schemas.openxmlformats.org/officeDocument/2006/relationships" xmlns:p="http://schemas.openxmlformats.org/presentationml/2006/main">
   <p:cSld>
     <p:spTree>
@@ -13369,7 +13586,7 @@
 </p:sld>
 </file>
 
-<file path=ppt/slides/slide23.xml><?xml version="1.0" encoding="utf-8"?>
+<file path=ppt/slides/slide25.xml><?xml version="1.0" encoding="utf-8"?>
 <p:sld xmlns:a="http://schemas.openxmlformats.org/drawingml/2006/main" xmlns:r="http://schemas.openxmlformats.org/officeDocument/2006/relationships" xmlns:p="http://schemas.openxmlformats.org/presentationml/2006/main">
   <p:cSld>
     <p:spTree>
@@ -13922,7 +14139,7 @@
 </p:sld>
 </file>
 
-<file path=ppt/slides/slide24.xml><?xml version="1.0" encoding="utf-8"?>
+<file path=ppt/slides/slide26.xml><?xml version="1.0" encoding="utf-8"?>
 <p:sld xmlns:a="http://schemas.openxmlformats.org/drawingml/2006/main" xmlns:r="http://schemas.openxmlformats.org/officeDocument/2006/relationships" xmlns:p="http://schemas.openxmlformats.org/presentationml/2006/main">
   <p:cSld>
     <p:spTree>
@@ -14581,7 +14798,7 @@
 </p:sld>
 </file>
 
-<file path=ppt/slides/slide25.xml><?xml version="1.0" encoding="utf-8"?>
+<file path=ppt/slides/slide27.xml><?xml version="1.0" encoding="utf-8"?>
 <p:sld xmlns:a="http://schemas.openxmlformats.org/drawingml/2006/main" xmlns:r="http://schemas.openxmlformats.org/officeDocument/2006/relationships" xmlns:p="http://schemas.openxmlformats.org/presentationml/2006/main">
   <p:cSld>
     <p:spTree>
@@ -15217,7 +15434,7 @@
 </p:sld>
 </file>
 
-<file path=ppt/slides/slide26.xml><?xml version="1.0" encoding="utf-8"?>
+<file path=ppt/slides/slide28.xml><?xml version="1.0" encoding="utf-8"?>
 <p:sld xmlns:a="http://schemas.openxmlformats.org/drawingml/2006/main" xmlns:r="http://schemas.openxmlformats.org/officeDocument/2006/relationships" xmlns:p="http://schemas.openxmlformats.org/presentationml/2006/main">
   <p:cSld>
     <p:spTree>
@@ -15306,7 +15523,7 @@
 </p:sld>
 </file>
 
-<file path=ppt/slides/slide27.xml><?xml version="1.0" encoding="utf-8"?>
+<file path=ppt/slides/slide29.xml><?xml version="1.0" encoding="utf-8"?>
 <p:sld xmlns:a="http://schemas.openxmlformats.org/drawingml/2006/main" xmlns:r="http://schemas.openxmlformats.org/officeDocument/2006/relationships" xmlns:p="http://schemas.openxmlformats.org/presentationml/2006/main">
   <p:cSld>
     <p:spTree>
@@ -15753,7 +15970,90 @@
 </p:sld>
 </file>
 
-<file path=ppt/slides/slide28.xml><?xml version="1.0" encoding="utf-8"?>
+<file path=ppt/slides/slide3.xml><?xml version="1.0" encoding="utf-8"?>
+<p:sld xmlns:a="http://schemas.openxmlformats.org/drawingml/2006/main" xmlns:r="http://schemas.openxmlformats.org/officeDocument/2006/relationships" xmlns:p="http://schemas.openxmlformats.org/presentationml/2006/main">
+  <p:cSld>
+    <p:spTree>
+      <p:nvGrpSpPr>
+        <p:cNvPr id="1" name=""/>
+        <p:cNvGrpSpPr/>
+        <p:nvPr/>
+      </p:nvGrpSpPr>
+      <p:grpSpPr>
+        <a:xfrm>
+          <a:off x="0" y="0"/>
+          <a:ext cx="0" cy="0"/>
+          <a:chOff x="0" y="0"/>
+          <a:chExt cx="0" cy="0"/>
+        </a:xfrm>
+      </p:grpSpPr>
+      <p:sp>
+        <p:nvSpPr>
+          <p:cNvPr id="4" name="Title 3">
+            <a:extLst>
+              <a:ext uri="{FF2B5EF4-FFF2-40B4-BE49-F238E27FC236}">
+                <a16:creationId xmlns:a16="http://schemas.microsoft.com/office/drawing/2014/main" id="{72C925CA-BCA3-3701-E08E-95652380B32E}"/>
+              </a:ext>
+            </a:extLst>
+          </p:cNvPr>
+          <p:cNvSpPr>
+            <a:spLocks noGrp="1"/>
+          </p:cNvSpPr>
+          <p:nvPr>
+            <p:ph type="title"/>
+          </p:nvPr>
+        </p:nvSpPr>
+        <p:spPr/>
+        <p:txBody>
+          <a:bodyPr/>
+          <a:lstStyle/>
+          <a:p>
+            <a:r>
+              <a:rPr lang="nl-NL" noProof="0" dirty="0"/>
+              <a:t>Introductie</a:t>
+            </a:r>
+          </a:p>
+        </p:txBody>
+      </p:sp>
+      <p:sp>
+        <p:nvSpPr>
+          <p:cNvPr id="5" name="Text Placeholder 4">
+            <a:extLst>
+              <a:ext uri="{FF2B5EF4-FFF2-40B4-BE49-F238E27FC236}">
+                <a16:creationId xmlns:a16="http://schemas.microsoft.com/office/drawing/2014/main" id="{1AB31C95-91AF-DF13-FB58-0DA5F2D9F6F7}"/>
+              </a:ext>
+            </a:extLst>
+          </p:cNvPr>
+          <p:cNvSpPr>
+            <a:spLocks noGrp="1"/>
+          </p:cNvSpPr>
+          <p:nvPr>
+            <p:ph type="body" idx="1"/>
+          </p:nvPr>
+        </p:nvSpPr>
+        <p:spPr/>
+        <p:txBody>
+          <a:bodyPr/>
+          <a:lstStyle/>
+          <a:p>
+            <a:endParaRPr lang="en-NL"/>
+          </a:p>
+        </p:txBody>
+      </p:sp>
+    </p:spTree>
+    <p:extLst>
+      <p:ext uri="{BB962C8B-B14F-4D97-AF65-F5344CB8AC3E}">
+        <p14:creationId xmlns:p14="http://schemas.microsoft.com/office/powerpoint/2010/main" val="276640083"/>
+      </p:ext>
+    </p:extLst>
+  </p:cSld>
+  <p:clrMapOvr>
+    <a:masterClrMapping/>
+  </p:clrMapOvr>
+</p:sld>
+</file>
+
+<file path=ppt/slides/slide30.xml><?xml version="1.0" encoding="utf-8"?>
 <p:sld xmlns:a="http://schemas.openxmlformats.org/drawingml/2006/main" xmlns:r="http://schemas.openxmlformats.org/officeDocument/2006/relationships" xmlns:p="http://schemas.openxmlformats.org/presentationml/2006/main">
   <p:cSld>
     <p:spTree>
@@ -16517,7 +16817,7 @@
 </p:sld>
 </file>
 
-<file path=ppt/slides/slide29.xml><?xml version="1.0" encoding="utf-8"?>
+<file path=ppt/slides/slide31.xml><?xml version="1.0" encoding="utf-8"?>
 <p:sld xmlns:a="http://schemas.openxmlformats.org/drawingml/2006/main" xmlns:r="http://schemas.openxmlformats.org/officeDocument/2006/relationships" xmlns:p="http://schemas.openxmlformats.org/presentationml/2006/main">
   <p:cSld>
     <p:spTree>
@@ -17005,90 +17305,7 @@
 </p:sld>
 </file>
 
-<file path=ppt/slides/slide3.xml><?xml version="1.0" encoding="utf-8"?>
-<p:sld xmlns:a="http://schemas.openxmlformats.org/drawingml/2006/main" xmlns:r="http://schemas.openxmlformats.org/officeDocument/2006/relationships" xmlns:p="http://schemas.openxmlformats.org/presentationml/2006/main">
-  <p:cSld>
-    <p:spTree>
-      <p:nvGrpSpPr>
-        <p:cNvPr id="1" name=""/>
-        <p:cNvGrpSpPr/>
-        <p:nvPr/>
-      </p:nvGrpSpPr>
-      <p:grpSpPr>
-        <a:xfrm>
-          <a:off x="0" y="0"/>
-          <a:ext cx="0" cy="0"/>
-          <a:chOff x="0" y="0"/>
-          <a:chExt cx="0" cy="0"/>
-        </a:xfrm>
-      </p:grpSpPr>
-      <p:sp>
-        <p:nvSpPr>
-          <p:cNvPr id="4" name="Title 3">
-            <a:extLst>
-              <a:ext uri="{FF2B5EF4-FFF2-40B4-BE49-F238E27FC236}">
-                <a16:creationId xmlns:a16="http://schemas.microsoft.com/office/drawing/2014/main" id="{72C925CA-BCA3-3701-E08E-95652380B32E}"/>
-              </a:ext>
-            </a:extLst>
-          </p:cNvPr>
-          <p:cNvSpPr>
-            <a:spLocks noGrp="1"/>
-          </p:cNvSpPr>
-          <p:nvPr>
-            <p:ph type="title"/>
-          </p:nvPr>
-        </p:nvSpPr>
-        <p:spPr/>
-        <p:txBody>
-          <a:bodyPr/>
-          <a:lstStyle/>
-          <a:p>
-            <a:r>
-              <a:rPr lang="nl-NL" noProof="0" dirty="0"/>
-              <a:t>Introductie</a:t>
-            </a:r>
-          </a:p>
-        </p:txBody>
-      </p:sp>
-      <p:sp>
-        <p:nvSpPr>
-          <p:cNvPr id="5" name="Text Placeholder 4">
-            <a:extLst>
-              <a:ext uri="{FF2B5EF4-FFF2-40B4-BE49-F238E27FC236}">
-                <a16:creationId xmlns:a16="http://schemas.microsoft.com/office/drawing/2014/main" id="{1AB31C95-91AF-DF13-FB58-0DA5F2D9F6F7}"/>
-              </a:ext>
-            </a:extLst>
-          </p:cNvPr>
-          <p:cNvSpPr>
-            <a:spLocks noGrp="1"/>
-          </p:cNvSpPr>
-          <p:nvPr>
-            <p:ph type="body" idx="1"/>
-          </p:nvPr>
-        </p:nvSpPr>
-        <p:spPr/>
-        <p:txBody>
-          <a:bodyPr/>
-          <a:lstStyle/>
-          <a:p>
-            <a:endParaRPr lang="en-NL"/>
-          </a:p>
-        </p:txBody>
-      </p:sp>
-    </p:spTree>
-    <p:extLst>
-      <p:ext uri="{BB962C8B-B14F-4D97-AF65-F5344CB8AC3E}">
-        <p14:creationId xmlns:p14="http://schemas.microsoft.com/office/powerpoint/2010/main" val="276640083"/>
-      </p:ext>
-    </p:extLst>
-  </p:cSld>
-  <p:clrMapOvr>
-    <a:masterClrMapping/>
-  </p:clrMapOvr>
-</p:sld>
-</file>
-
-<file path=ppt/slides/slide30.xml><?xml version="1.0" encoding="utf-8"?>
+<file path=ppt/slides/slide32.xml><?xml version="1.0" encoding="utf-8"?>
 <p:sld xmlns:a="http://schemas.openxmlformats.org/drawingml/2006/main" xmlns:r="http://schemas.openxmlformats.org/officeDocument/2006/relationships" xmlns:p="http://schemas.openxmlformats.org/presentationml/2006/main">
   <p:cSld>
     <p:spTree>
@@ -17615,7 +17832,7 @@
 </p:sld>
 </file>
 
-<file path=ppt/slides/slide31.xml><?xml version="1.0" encoding="utf-8"?>
+<file path=ppt/slides/slide33.xml><?xml version="1.0" encoding="utf-8"?>
 <p:sld xmlns:a="http://schemas.openxmlformats.org/drawingml/2006/main" xmlns:r="http://schemas.openxmlformats.org/officeDocument/2006/relationships" xmlns:p="http://schemas.openxmlformats.org/presentationml/2006/main">
   <p:cSld>
     <p:spTree>
@@ -18342,7 +18559,9 @@
               </a:ext>
             </a:extLst>
           </p:cNvPr>
-          <p:cNvCxnSpPr/>
+          <p:cNvCxnSpPr>
+            <a:cxnSpLocks/>
+          </p:cNvCxnSpPr>
           <p:nvPr/>
         </p:nvCxnSpPr>
         <p:spPr>
@@ -18515,8 +18734,8 @@
         </p:nvSpPr>
         <p:spPr>
           <a:xfrm>
-            <a:off x="3820235" y="2540536"/>
-            <a:ext cx="4551529" cy="1614462"/>
+            <a:off x="3385551" y="2730450"/>
+            <a:ext cx="5098682" cy="1614462"/>
           </a:xfrm>
           <a:prstGeom prst="rect">
             <a:avLst/>
@@ -18568,12 +18787,22 @@
               <a:t>Maakt een repository aan in </a:t>
             </a:r>
             <a:r>
-              <a:rPr lang="nl-NL" noProof="0" dirty="0" err="1"/>
+              <a:rPr lang="nl-NL" noProof="0" dirty="0" err="1">
+                <a:latin typeface="Courier New" panose="02070309020205020404" pitchFamily="49" charset="0"/>
+                <a:cs typeface="Courier New" panose="02070309020205020404" pitchFamily="49" charset="0"/>
+              </a:rPr>
               <a:t>work_dir</a:t>
             </a:r>
             <a:r>
+              <a:rPr lang="nl-NL" noProof="0" dirty="0">
+                <a:latin typeface="Courier New" panose="02070309020205020404" pitchFamily="49" charset="0"/>
+                <a:cs typeface="Courier New" panose="02070309020205020404" pitchFamily="49" charset="0"/>
+              </a:rPr>
+              <a:t>/.git</a:t>
+            </a:r>
+            <a:r>
               <a:rPr lang="nl-NL" noProof="0" dirty="0"/>
-              <a:t>/.git.</a:t>
+              <a:t>.</a:t>
             </a:r>
           </a:p>
           <a:p>
@@ -18583,7 +18812,18 @@
             </a:pPr>
             <a:r>
               <a:rPr lang="nl-NL" dirty="0"/>
-              <a:t>Monitor wijzigingen in de werk directory.</a:t>
+              <a:t>Monitor wijzigingen in </a:t>
+            </a:r>
+            <a:r>
+              <a:rPr lang="nl-NL" dirty="0" err="1">
+                <a:latin typeface="Courier New" panose="02070309020205020404" pitchFamily="49" charset="0"/>
+                <a:cs typeface="Courier New" panose="02070309020205020404" pitchFamily="49" charset="0"/>
+              </a:rPr>
+              <a:t>work_dir</a:t>
+            </a:r>
+            <a:r>
+              <a:rPr lang="nl-NL" dirty="0"/>
+              <a:t>.</a:t>
             </a:r>
             <a:endParaRPr lang="nl-NL" noProof="0" dirty="0"/>
           </a:p>
@@ -18599,14 +18839,15 @@
             </a:extLst>
           </p:cNvPr>
           <p:cNvCxnSpPr>
+            <a:cxnSpLocks/>
             <a:stCxn id="22" idx="0"/>
           </p:cNvCxnSpPr>
           <p:nvPr/>
         </p:nvCxnSpPr>
         <p:spPr>
           <a:xfrm flipV="1">
-            <a:off x="6096000" y="2133602"/>
-            <a:ext cx="0" cy="406934"/>
+            <a:off x="5934892" y="2133602"/>
+            <a:ext cx="0" cy="596848"/>
           </a:xfrm>
           <a:prstGeom prst="straightConnector1">
             <a:avLst/>
@@ -19077,7 +19318,18 @@
             </a:pPr>
             <a:r>
               <a:rPr lang="nl-NL" noProof="0" dirty="0"/>
-              <a:t>Met git status zie je wijzigingen.</a:t>
+              <a:t>Geeft wijzigingen weer in </a:t>
+            </a:r>
+            <a:r>
+              <a:rPr lang="nl-NL" noProof="0" dirty="0" err="1">
+                <a:latin typeface="Courier New" panose="02070309020205020404" pitchFamily="49" charset="0"/>
+                <a:cs typeface="Courier New" panose="02070309020205020404" pitchFamily="49" charset="0"/>
+              </a:rPr>
+              <a:t>work_dir</a:t>
+            </a:r>
+            <a:r>
+              <a:rPr lang="nl-NL" noProof="0" dirty="0"/>
+              <a:t>.</a:t>
             </a:r>
           </a:p>
           <a:p>
@@ -19693,7 +19945,7 @@
         <p:spPr>
           <a:xfrm>
             <a:off x="4230954" y="2415979"/>
-            <a:ext cx="4077024" cy="1322515"/>
+            <a:ext cx="4434744" cy="1322515"/>
           </a:xfrm>
           <a:prstGeom prst="rect">
             <a:avLst/>
@@ -19739,10 +19991,20 @@
             </a:pPr>
             <a:r>
               <a:rPr lang="nl-NL" dirty="0"/>
-              <a:t>Met git </a:t>
-            </a:r>
-            <a:r>
-              <a:rPr lang="nl-NL" dirty="0" err="1"/>
+              <a:t>Met </a:t>
+            </a:r>
+            <a:r>
+              <a:rPr lang="nl-NL" dirty="0">
+                <a:latin typeface="Courier New" panose="02070309020205020404" pitchFamily="49" charset="0"/>
+                <a:cs typeface="Courier New" panose="02070309020205020404" pitchFamily="49" charset="0"/>
+              </a:rPr>
+              <a:t>git </a:t>
+            </a:r>
+            <a:r>
+              <a:rPr lang="nl-NL" dirty="0" err="1">
+                <a:latin typeface="Courier New" panose="02070309020205020404" pitchFamily="49" charset="0"/>
+                <a:cs typeface="Courier New" panose="02070309020205020404" pitchFamily="49" charset="0"/>
+              </a:rPr>
               <a:t>add</a:t>
             </a:r>
             <a:r>
@@ -19761,10 +20023,20 @@
             </a:pPr>
             <a:r>
               <a:rPr lang="nl-NL" dirty="0"/>
-              <a:t>Met git </a:t>
-            </a:r>
-            <a:r>
-              <a:rPr lang="nl-NL" dirty="0" err="1"/>
+              <a:t>Met </a:t>
+            </a:r>
+            <a:r>
+              <a:rPr lang="nl-NL" dirty="0">
+                <a:latin typeface="Courier New" panose="02070309020205020404" pitchFamily="49" charset="0"/>
+                <a:cs typeface="Courier New" panose="02070309020205020404" pitchFamily="49" charset="0"/>
+              </a:rPr>
+              <a:t>git </a:t>
+            </a:r>
+            <a:r>
+              <a:rPr lang="nl-NL" dirty="0" err="1">
+                <a:latin typeface="Courier New" panose="02070309020205020404" pitchFamily="49" charset="0"/>
+                <a:cs typeface="Courier New" panose="02070309020205020404" pitchFamily="49" charset="0"/>
+              </a:rPr>
               <a:t>commit</a:t>
             </a:r>
             <a:r>
@@ -20854,8 +21126,8 @@
         </p:nvSpPr>
         <p:spPr>
           <a:xfrm>
-            <a:off x="7561520" y="3859769"/>
-            <a:ext cx="4024762" cy="1343124"/>
+            <a:off x="7561519" y="3859769"/>
+            <a:ext cx="4093563" cy="1343124"/>
           </a:xfrm>
           <a:prstGeom prst="rect">
             <a:avLst/>
@@ -20910,8 +21182,15 @@
               <a:buChar char="-"/>
             </a:pPr>
             <a:r>
+              <a:rPr lang="nl-NL" dirty="0">
+                <a:latin typeface="Courier New" panose="02070309020205020404" pitchFamily="49" charset="0"/>
+                <a:cs typeface="Courier New" panose="02070309020205020404" pitchFamily="49" charset="0"/>
+              </a:rPr>
+              <a:t>main.py</a:t>
+            </a:r>
+            <a:r>
               <a:rPr lang="nl-NL" dirty="0"/>
-              <a:t>main.py wordt niet opgeslagen.</a:t>
+              <a:t> wordt niet opgeslagen.</a:t>
             </a:r>
           </a:p>
         </p:txBody>
@@ -20934,8 +21213,8 @@
         </p:nvCxnSpPr>
         <p:spPr>
           <a:xfrm rot="16200000" flipV="1">
-            <a:off x="8057134" y="2343002"/>
-            <a:ext cx="788259" cy="2245276"/>
+            <a:off x="8074334" y="2325802"/>
+            <a:ext cx="788259" cy="2279676"/>
           </a:xfrm>
           <a:prstGeom prst="bentConnector2">
             <a:avLst/>
@@ -22452,7 +22731,7 @@
         <p:spPr>
           <a:xfrm>
             <a:off x="10113602" y="2809900"/>
-            <a:ext cx="1265090" cy="523220"/>
+            <a:ext cx="1321196" cy="523220"/>
           </a:xfrm>
           <a:prstGeom prst="rect">
             <a:avLst/>
@@ -22478,7 +22757,7 @@
           <a:p>
             <a:r>
               <a:rPr lang="en-US" sz="1400" dirty="0"/>
-              <a:t>modify utils.py</a:t>
+              <a:t>modify main.py</a:t>
             </a:r>
             <a:endParaRPr lang="en-NL" sz="1400" dirty="0"/>
           </a:p>
